--- a/docs/Webpack-resumo.pptx
+++ b/docs/Webpack-resumo.pptx
@@ -7,20 +7,17 @@
   <p:sldIdLst>
     <p:sldId id="256" r:id="rId2"/>
     <p:sldId id="258" r:id="rId3"/>
-    <p:sldId id="264" r:id="rId4"/>
-    <p:sldId id="259" r:id="rId5"/>
-    <p:sldId id="261" r:id="rId6"/>
-    <p:sldId id="265" r:id="rId7"/>
-    <p:sldId id="266" r:id="rId8"/>
-    <p:sldId id="267" r:id="rId9"/>
-    <p:sldId id="268" r:id="rId10"/>
-    <p:sldId id="270" r:id="rId11"/>
-    <p:sldId id="273" r:id="rId12"/>
-    <p:sldId id="281" r:id="rId13"/>
-    <p:sldId id="282" r:id="rId14"/>
-    <p:sldId id="285" r:id="rId15"/>
-    <p:sldId id="277" r:id="rId16"/>
-    <p:sldId id="278" r:id="rId17"/>
+    <p:sldId id="265" r:id="rId4"/>
+    <p:sldId id="266" r:id="rId5"/>
+    <p:sldId id="267" r:id="rId6"/>
+    <p:sldId id="268" r:id="rId7"/>
+    <p:sldId id="270" r:id="rId8"/>
+    <p:sldId id="273" r:id="rId9"/>
+    <p:sldId id="281" r:id="rId10"/>
+    <p:sldId id="282" r:id="rId11"/>
+    <p:sldId id="285" r:id="rId12"/>
+    <p:sldId id="277" r:id="rId13"/>
+    <p:sldId id="278" r:id="rId14"/>
   </p:sldIdLst>
   <p:sldSz cx="12192000" cy="6858000"/>
   <p:notesSz cx="6858000" cy="9144000"/>
@@ -256,7 +253,7 @@
           <a:p>
             <a:fld id="{CC58B075-67F8-4A8D-AE1C-3D3E4193EBCA}" type="datetimeFigureOut">
               <a:rPr lang="pt-BR" smtClean="0"/>
-              <a:t>24/05/2019</a:t>
+              <a:t>28/05/2019</a:t>
             </a:fld>
             <a:endParaRPr lang="pt-BR"/>
           </a:p>
@@ -424,7 +421,7 @@
           <a:p>
             <a:fld id="{CC58B075-67F8-4A8D-AE1C-3D3E4193EBCA}" type="datetimeFigureOut">
               <a:rPr lang="pt-BR" smtClean="0"/>
-              <a:t>24/05/2019</a:t>
+              <a:t>28/05/2019</a:t>
             </a:fld>
             <a:endParaRPr lang="pt-BR"/>
           </a:p>
@@ -602,7 +599,7 @@
           <a:p>
             <a:fld id="{CC58B075-67F8-4A8D-AE1C-3D3E4193EBCA}" type="datetimeFigureOut">
               <a:rPr lang="pt-BR" smtClean="0"/>
-              <a:t>24/05/2019</a:t>
+              <a:t>28/05/2019</a:t>
             </a:fld>
             <a:endParaRPr lang="pt-BR"/>
           </a:p>
@@ -770,7 +767,7 @@
           <a:p>
             <a:fld id="{CC58B075-67F8-4A8D-AE1C-3D3E4193EBCA}" type="datetimeFigureOut">
               <a:rPr lang="pt-BR" smtClean="0"/>
-              <a:t>24/05/2019</a:t>
+              <a:t>28/05/2019</a:t>
             </a:fld>
             <a:endParaRPr lang="pt-BR"/>
           </a:p>
@@ -1015,7 +1012,7 @@
           <a:p>
             <a:fld id="{CC58B075-67F8-4A8D-AE1C-3D3E4193EBCA}" type="datetimeFigureOut">
               <a:rPr lang="pt-BR" smtClean="0"/>
-              <a:t>24/05/2019</a:t>
+              <a:t>28/05/2019</a:t>
             </a:fld>
             <a:endParaRPr lang="pt-BR"/>
           </a:p>
@@ -1244,7 +1241,7 @@
           <a:p>
             <a:fld id="{CC58B075-67F8-4A8D-AE1C-3D3E4193EBCA}" type="datetimeFigureOut">
               <a:rPr lang="pt-BR" smtClean="0"/>
-              <a:t>24/05/2019</a:t>
+              <a:t>28/05/2019</a:t>
             </a:fld>
             <a:endParaRPr lang="pt-BR"/>
           </a:p>
@@ -1608,7 +1605,7 @@
           <a:p>
             <a:fld id="{CC58B075-67F8-4A8D-AE1C-3D3E4193EBCA}" type="datetimeFigureOut">
               <a:rPr lang="pt-BR" smtClean="0"/>
-              <a:t>24/05/2019</a:t>
+              <a:t>28/05/2019</a:t>
             </a:fld>
             <a:endParaRPr lang="pt-BR"/>
           </a:p>
@@ -1725,7 +1722,7 @@
           <a:p>
             <a:fld id="{CC58B075-67F8-4A8D-AE1C-3D3E4193EBCA}" type="datetimeFigureOut">
               <a:rPr lang="pt-BR" smtClean="0"/>
-              <a:t>24/05/2019</a:t>
+              <a:t>28/05/2019</a:t>
             </a:fld>
             <a:endParaRPr lang="pt-BR"/>
           </a:p>
@@ -1820,7 +1817,7 @@
           <a:p>
             <a:fld id="{CC58B075-67F8-4A8D-AE1C-3D3E4193EBCA}" type="datetimeFigureOut">
               <a:rPr lang="pt-BR" smtClean="0"/>
-              <a:t>24/05/2019</a:t>
+              <a:t>28/05/2019</a:t>
             </a:fld>
             <a:endParaRPr lang="pt-BR"/>
           </a:p>
@@ -2095,7 +2092,7 @@
           <a:p>
             <a:fld id="{CC58B075-67F8-4A8D-AE1C-3D3E4193EBCA}" type="datetimeFigureOut">
               <a:rPr lang="pt-BR" smtClean="0"/>
-              <a:t>24/05/2019</a:t>
+              <a:t>28/05/2019</a:t>
             </a:fld>
             <a:endParaRPr lang="pt-BR"/>
           </a:p>
@@ -2347,7 +2344,7 @@
           <a:p>
             <a:fld id="{CC58B075-67F8-4A8D-AE1C-3D3E4193EBCA}" type="datetimeFigureOut">
               <a:rPr lang="pt-BR" smtClean="0"/>
-              <a:t>24/05/2019</a:t>
+              <a:t>28/05/2019</a:t>
             </a:fld>
             <a:endParaRPr lang="pt-BR"/>
           </a:p>
@@ -2558,7 +2555,7 @@
           <a:p>
             <a:fld id="{CC58B075-67F8-4A8D-AE1C-3D3E4193EBCA}" type="datetimeFigureOut">
               <a:rPr lang="pt-BR" smtClean="0"/>
-              <a:t>24/05/2019</a:t>
+              <a:t>28/05/2019</a:t>
             </a:fld>
             <a:endParaRPr lang="pt-BR"/>
           </a:p>
@@ -3042,123 +3039,83 @@
           <a:p>
             <a:pPr algn="ctr"/>
             <a:r>
+              <a:rPr lang="pt-BR" sz="2800" b="1" dirty="0" err="1"/>
+              <a:t>Pattern</a:t>
+            </a:r>
+            <a:r>
               <a:rPr lang="pt-BR" sz="2800" b="1" dirty="0"/>
-              <a:t>Persistência</a:t>
-            </a:r>
-          </a:p>
-        </p:txBody>
-      </p:sp>
-      <p:sp>
-        <p:nvSpPr>
-          <p:cNvPr id="7" name="Espaço Reservado para Conteúdo 6">
-            <a:extLst>
-              <a:ext uri="{FF2B5EF4-FFF2-40B4-BE49-F238E27FC236}">
-                <a16:creationId xmlns:a16="http://schemas.microsoft.com/office/drawing/2014/main" id="{CBDD146F-E87E-0140-B521-E123E7DC95E8}"/>
-              </a:ext>
-            </a:extLst>
-          </p:cNvPr>
-          <p:cNvSpPr>
-            <a:spLocks noGrp="1"/>
-          </p:cNvSpPr>
-          <p:nvPr>
-            <p:ph idx="1"/>
-          </p:nvPr>
+              <a:t> DAO</a:t>
+            </a:r>
+          </a:p>
+        </p:txBody>
+      </p:sp>
+      <p:sp>
+        <p:nvSpPr>
+          <p:cNvPr id="8" name="CaixaDeTexto 7"/>
+          <p:cNvSpPr txBox="1"/>
+          <p:nvPr/>
         </p:nvSpPr>
         <p:spPr>
           <a:xfrm>
-            <a:off x="563671" y="801666"/>
-            <a:ext cx="10790129" cy="5375297"/>
+            <a:off x="759177" y="802518"/>
+            <a:ext cx="9931401" cy="2031325"/>
           </a:xfrm>
+          <a:prstGeom prst="rect">
+            <a:avLst/>
+          </a:prstGeom>
+          <a:noFill/>
         </p:spPr>
         <p:txBody>
-          <a:bodyPr/>
-          <a:lstStyle/>
-          <a:p>
-            <a:r>
-              <a:rPr lang="pt-BR" sz="2400" dirty="0"/>
-              <a:t>Persistência com o banco de dados bastante famoso no mercado e certificado pela W3C, </a:t>
-            </a:r>
-            <a:r>
-              <a:rPr lang="pt-BR" sz="2400" b="1" dirty="0" err="1"/>
+          <a:bodyPr wrap="square" rtlCol="0">
+            <a:spAutoFit/>
+          </a:bodyPr>
+          <a:lstStyle/>
+          <a:p>
+            <a:r>
+              <a:rPr lang="pt-BR" i="1" dirty="0"/>
+              <a:t>Capacidade de isolar todo o código que acessa seu repositório de dados em um único lugar. Assim, toda vez que o desenvolvedor precisar realizar operações de persistência ele verá que existe um único local para isso, seus </a:t>
+            </a:r>
+            <a:r>
+              <a:rPr lang="pt-BR" i="1" dirty="0" err="1"/>
+              <a:t>DAO's</a:t>
+            </a:r>
+            <a:r>
+              <a:rPr lang="pt-BR" i="1" dirty="0"/>
+              <a:t>.</a:t>
+            </a:r>
+          </a:p>
+          <a:p>
+            <a:endParaRPr lang="pt-BR" i="1" dirty="0"/>
+          </a:p>
+          <a:p>
+            <a:r>
+              <a:rPr lang="pt-BR" i="1" dirty="0"/>
+              <a:t>Falando um pouco mais técnico e nem por isso menos bonito, o DAO faz parte da camada de persistência, funciona como uma fachada para a API do </a:t>
+            </a:r>
+            <a:r>
+              <a:rPr lang="pt-BR" i="1" dirty="0" err="1"/>
               <a:t>IndexedDB</a:t>
             </a:r>
             <a:r>
-              <a:rPr lang="pt-BR" sz="2400" dirty="0"/>
-              <a:t> (</a:t>
-            </a:r>
-            <a:r>
-              <a:rPr lang="pt-BR" sz="2400" b="1" dirty="0"/>
-              <a:t>IDB</a:t>
-            </a:r>
-            <a:r>
-              <a:rPr lang="pt-BR" sz="2400" dirty="0"/>
-              <a:t>).</a:t>
-            </a:r>
-          </a:p>
-          <a:p>
-            <a:r>
-              <a:rPr lang="pt-BR" sz="2400" dirty="0"/>
-              <a:t>É acessível pelo escopo global</a:t>
-            </a:r>
-          </a:p>
-          <a:p>
-            <a:r>
-              <a:rPr lang="pt-BR" sz="2400" dirty="0"/>
-              <a:t>Precisamos solicitar uma requisição de abertura para um Banco antes de qualquer coisa</a:t>
-            </a:r>
-          </a:p>
-          <a:p>
-            <a:r>
-              <a:rPr lang="pt-BR" sz="2400" dirty="0"/>
-              <a:t>Temos que lidar com uma tríade de eventos todas as vezes que obtermos uma conexão</a:t>
-            </a:r>
-          </a:p>
-          <a:p>
-            <a:pPr lvl="1"/>
-            <a:r>
-              <a:rPr lang="pt-BR" dirty="0" err="1"/>
-              <a:t>openRequest.</a:t>
-            </a:r>
-            <a:r>
-              <a:rPr lang="pt-BR" b="1" dirty="0" err="1"/>
-              <a:t>onupgradeneeded</a:t>
+              <a:rPr lang="pt-BR" i="1" dirty="0"/>
+              <a:t>. Repare que para usar o DAO não é preciso saber os detalhes do </a:t>
+            </a:r>
+            <a:r>
+              <a:rPr lang="pt-BR" i="1" dirty="0" err="1"/>
+              <a:t>store</a:t>
+            </a:r>
+            <a:r>
+              <a:rPr lang="pt-BR" i="1" dirty="0"/>
+              <a:t> ou cursor.</a:t>
             </a:r>
             <a:endParaRPr lang="pt-BR" b="1" dirty="0"/>
-          </a:p>
-          <a:p>
-            <a:pPr lvl="1"/>
-            <a:r>
-              <a:rPr lang="pt-BR" dirty="0" err="1"/>
-              <a:t>openRequest.</a:t>
-            </a:r>
-            <a:r>
-              <a:rPr lang="pt-BR" b="1" dirty="0" err="1"/>
-              <a:t>onsuccess</a:t>
-            </a:r>
-            <a:endParaRPr lang="pt-BR" b="1" dirty="0"/>
-          </a:p>
-          <a:p>
-            <a:pPr lvl="1"/>
-            <a:r>
-              <a:rPr lang="pt-BR" dirty="0" err="1"/>
-              <a:t>openRequest.</a:t>
-            </a:r>
-            <a:r>
-              <a:rPr lang="pt-BR" b="1" dirty="0" err="1"/>
-              <a:t>onerror</a:t>
-            </a:r>
-            <a:endParaRPr lang="pt-BR" b="1" dirty="0"/>
-          </a:p>
-          <a:p>
-            <a:pPr lvl="1"/>
-            <a:endParaRPr lang="pt-BR" sz="2000" dirty="0"/>
           </a:p>
         </p:txBody>
       </p:sp>
     </p:spTree>
     <p:extLst>
       <p:ext uri="{BB962C8B-B14F-4D97-AF65-F5344CB8AC3E}">
-        <p14:creationId xmlns:p14="http://schemas.microsoft.com/office/powerpoint/2010/main" val="266674773"/>
+        <p14:creationId xmlns:p14="http://schemas.microsoft.com/office/powerpoint/2010/main" val="884192177"/>
       </p:ext>
     </p:extLst>
   </p:cSld>
@@ -3203,100 +3160,192 @@
         </p:spPr>
         <p:txBody>
           <a:bodyPr>
-            <a:normAutofit/>
+            <a:normAutofit fontScale="90000"/>
           </a:bodyPr>
           <a:lstStyle/>
           <a:p>
             <a:pPr algn="ctr"/>
             <a:r>
-              <a:rPr lang="pt-BR" sz="2800" b="1" dirty="0"/>
-              <a:t>Uma conexão ou várias</a:t>
-            </a:r>
-          </a:p>
-        </p:txBody>
-      </p:sp>
-      <p:sp>
-        <p:nvSpPr>
-          <p:cNvPr id="7" name="Espaço Reservado para Conteúdo 6">
-            <a:extLst>
-              <a:ext uri="{FF2B5EF4-FFF2-40B4-BE49-F238E27FC236}">
-                <a16:creationId xmlns:a16="http://schemas.microsoft.com/office/drawing/2014/main" id="{CBDD146F-E87E-0140-B521-E123E7DC95E8}"/>
-              </a:ext>
-            </a:extLst>
-          </p:cNvPr>
-          <p:cNvSpPr>
-            <a:spLocks noGrp="1"/>
-          </p:cNvSpPr>
-          <p:nvPr>
-            <p:ph idx="1"/>
-          </p:nvPr>
+              <a:rPr lang="pt-BR" b="1" dirty="0" err="1"/>
+              <a:t>Loader</a:t>
+            </a:r>
+            <a:r>
+              <a:rPr lang="pt-BR" b="1" dirty="0"/>
+              <a:t> – </a:t>
+            </a:r>
+            <a:r>
+              <a:rPr lang="pt-BR" b="1" dirty="0" err="1"/>
+              <a:t>System.js</a:t>
+            </a:r>
+            <a:endParaRPr lang="pt-BR" sz="2800" b="1" dirty="0"/>
+          </a:p>
+        </p:txBody>
+      </p:sp>
+      <p:sp>
+        <p:nvSpPr>
+          <p:cNvPr id="8" name="CaixaDeTexto 7"/>
+          <p:cNvSpPr txBox="1"/>
+          <p:nvPr/>
         </p:nvSpPr>
         <p:spPr>
           <a:xfrm>
-            <a:off x="563671" y="801666"/>
-            <a:ext cx="10790129" cy="5649238"/>
+            <a:off x="759177" y="802518"/>
+            <a:ext cx="9931401" cy="3416320"/>
           </a:xfrm>
+          <a:prstGeom prst="rect">
+            <a:avLst/>
+          </a:prstGeom>
+          <a:noFill/>
         </p:spPr>
         <p:txBody>
-          <a:bodyPr/>
-          <a:lstStyle/>
-          <a:p>
-            <a:pPr marL="0" indent="0">
-              <a:buNone/>
-            </a:pPr>
+          <a:bodyPr wrap="square" rtlCol="0">
+            <a:spAutoFit/>
+          </a:bodyPr>
+          <a:lstStyle/>
+          <a:p>
+            <a:r>
+              <a:rPr lang="pt-BR" dirty="0"/>
+              <a:t>Estamos usando os módulos de ES6 definindo os </a:t>
+            </a:r>
+            <a:r>
+              <a:rPr lang="pt-BR" dirty="0" err="1"/>
+              <a:t>imports</a:t>
+            </a:r>
+            <a:r>
+              <a:rPr lang="pt-BR" dirty="0"/>
+              <a:t> e </a:t>
+            </a:r>
+            <a:r>
+              <a:rPr lang="pt-BR" dirty="0" err="1"/>
+              <a:t>exports</a:t>
+            </a:r>
+            <a:r>
+              <a:rPr lang="pt-BR" dirty="0"/>
+              <a:t>, mas não definimos como estes módulos devem ser carregados no navegador. Não existe um consenso ... Precisamos que os scripts sejam carregados numa determinada ordem no sistema.</a:t>
+            </a:r>
+          </a:p>
+          <a:p>
+            <a:endParaRPr lang="pt-BR" dirty="0"/>
+          </a:p>
+          <a:p>
+            <a:r>
+              <a:rPr lang="pt-BR" dirty="0"/>
+              <a:t>O responsável por isso, chama-se </a:t>
+            </a:r>
+            <a:r>
+              <a:rPr lang="pt-BR" b="1" dirty="0" err="1"/>
+              <a:t>Loader</a:t>
+            </a:r>
+            <a:r>
+              <a:rPr lang="pt-BR" dirty="0"/>
+              <a:t>, porém não existe um padrão.</a:t>
+            </a:r>
+          </a:p>
+          <a:p>
+            <a:endParaRPr lang="pt-BR" dirty="0"/>
+          </a:p>
+          <a:p>
+            <a:r>
+              <a:rPr lang="pt-BR" dirty="0"/>
+              <a:t>Uma biblioteca muito famosa é o </a:t>
+            </a:r>
+            <a:r>
+              <a:rPr lang="pt-BR" b="1" dirty="0" err="1"/>
+              <a:t>System.js</a:t>
+            </a:r>
+            <a:r>
+              <a:rPr lang="pt-BR" b="1" dirty="0"/>
+              <a:t> </a:t>
+            </a:r>
+            <a:r>
+              <a:rPr lang="pt-BR" dirty="0"/>
+              <a:t>e será instalada pelo </a:t>
+            </a:r>
+            <a:r>
+              <a:rPr lang="pt-BR" b="1" dirty="0" err="1"/>
+              <a:t>Node.JS</a:t>
+            </a:r>
+            <a:r>
+              <a:rPr lang="pt-BR" b="1" dirty="0"/>
+              <a:t> </a:t>
+            </a:r>
+          </a:p>
+          <a:p>
+            <a:endParaRPr lang="pt-BR" b="1" dirty="0"/>
+          </a:p>
+          <a:p>
+            <a:r>
+              <a:rPr lang="pt-BR" dirty="0"/>
+              <a:t>Precisa ser carregado no </a:t>
+            </a:r>
+            <a:r>
+              <a:rPr lang="pt-BR" dirty="0" err="1"/>
+              <a:t>index.html</a:t>
+            </a:r>
+            <a:endParaRPr lang="pt-BR" dirty="0"/>
+          </a:p>
+          <a:p>
+            <a:r>
+              <a:rPr lang="pt-BR" b="1" dirty="0"/>
+              <a:t>	</a:t>
+            </a:r>
+          </a:p>
+          <a:p>
+            <a:r>
+              <a:rPr lang="pt-BR" b="1" dirty="0"/>
+              <a:t>	</a:t>
+            </a:r>
+            <a:r>
+              <a:rPr lang="pt-BR" dirty="0">
+                <a:solidFill>
+                  <a:srgbClr val="990055"/>
+                </a:solidFill>
+              </a:rPr>
+              <a:t>&lt;script</a:t>
+            </a:r>
+            <a:r>
+              <a:rPr lang="pt-BR" dirty="0"/>
+              <a:t> </a:t>
+            </a:r>
             <a:r>
               <a:rPr lang="pt-BR" dirty="0" err="1">
                 <a:solidFill>
-                  <a:srgbClr val="A67F59"/>
-                </a:solidFill>
-              </a:rPr>
-              <a:t>ConnectionFactory</a:t>
-            </a:r>
-            <a:r>
-              <a:rPr lang="pt-BR" dirty="0"/>
-              <a:t> </a:t>
-            </a:r>
-          </a:p>
-          <a:p>
-            <a:pPr marL="0" indent="0">
-              <a:buNone/>
-            </a:pPr>
+                  <a:srgbClr val="669900"/>
+                </a:solidFill>
+              </a:rPr>
+              <a:t>src</a:t>
+            </a:r>
             <a:r>
               <a:rPr lang="pt-BR" dirty="0">
                 <a:solidFill>
                   <a:srgbClr val="999999"/>
                 </a:solidFill>
               </a:rPr>
-              <a:t>	.</a:t>
-            </a:r>
-            <a:r>
-              <a:rPr lang="pt-BR" dirty="0" err="1"/>
-              <a:t>getConnection</a:t>
+              <a:t>=</a:t>
             </a:r>
             <a:r>
               <a:rPr lang="pt-BR" dirty="0">
                 <a:solidFill>
-                  <a:srgbClr val="999999"/>
-                </a:solidFill>
-              </a:rPr>
-              <a:t>()</a:t>
-            </a:r>
-            <a:r>
-              <a:rPr lang="pt-BR" dirty="0"/>
-              <a:t> </a:t>
-            </a:r>
-          </a:p>
-          <a:p>
-            <a:pPr marL="457200" lvl="1" indent="0">
-              <a:buNone/>
-            </a:pPr>
+                  <a:srgbClr val="0077AA"/>
+                </a:solidFill>
+              </a:rPr>
+              <a:t>"</a:t>
+            </a:r>
+            <a:r>
+              <a:rPr lang="pt-BR" dirty="0" err="1">
+                <a:solidFill>
+                  <a:srgbClr val="0077AA"/>
+                </a:solidFill>
+              </a:rPr>
+              <a:t>node_modules</a:t>
+            </a:r>
             <a:r>
               <a:rPr lang="pt-BR" dirty="0">
                 <a:solidFill>
-                  <a:srgbClr val="999999"/>
-                </a:solidFill>
-              </a:rPr>
-              <a:t>	.</a:t>
+                  <a:srgbClr val="0077AA"/>
+                </a:solidFill>
+              </a:rPr>
+              <a:t>/</a:t>
             </a:r>
             <a:r>
               <a:rPr lang="pt-BR" dirty="0" err="1">
@@ -3304,226 +3353,67 @@
                   <a:srgbClr val="0077AA"/>
                 </a:solidFill>
               </a:rPr>
-              <a:t>then</a:t>
+              <a:t>systemjs</a:t>
             </a:r>
             <a:r>
               <a:rPr lang="pt-BR" dirty="0">
                 <a:solidFill>
-                  <a:srgbClr val="999999"/>
-                </a:solidFill>
-              </a:rPr>
-              <a:t>(</a:t>
-            </a:r>
-            <a:r>
-              <a:rPr lang="pt-BR" dirty="0"/>
-              <a:t>connection </a:t>
+                  <a:srgbClr val="0077AA"/>
+                </a:solidFill>
+              </a:rPr>
+              <a:t>/</a:t>
+            </a:r>
+            <a:r>
+              <a:rPr lang="pt-BR" dirty="0" err="1">
+                <a:solidFill>
+                  <a:srgbClr val="0077AA"/>
+                </a:solidFill>
+              </a:rPr>
+              <a:t>dist</a:t>
             </a:r>
             <a:r>
               <a:rPr lang="pt-BR" dirty="0">
                 <a:solidFill>
-                  <a:srgbClr val="999999"/>
-                </a:solidFill>
-              </a:rPr>
-              <a:t>=&gt;</a:t>
-            </a:r>
-            <a:r>
-              <a:rPr lang="pt-BR" dirty="0"/>
-              <a:t> </a:t>
+                  <a:srgbClr val="0077AA"/>
+                </a:solidFill>
+              </a:rPr>
+              <a:t>/</a:t>
+            </a:r>
+            <a:r>
+              <a:rPr lang="pt-BR" dirty="0" err="1">
+                <a:solidFill>
+                  <a:srgbClr val="0077AA"/>
+                </a:solidFill>
+              </a:rPr>
+              <a:t>system.js</a:t>
             </a:r>
             <a:r>
               <a:rPr lang="pt-BR" dirty="0">
                 <a:solidFill>
-                  <a:srgbClr val="999999"/>
-                </a:solidFill>
-              </a:rPr>
-              <a:t>{</a:t>
-            </a:r>
-            <a:r>
-              <a:rPr lang="pt-BR" dirty="0"/>
-              <a:t> </a:t>
-            </a:r>
-          </a:p>
-          <a:p>
-            <a:pPr marL="457200" lvl="1" indent="0">
-              <a:buNone/>
-            </a:pPr>
+                  <a:srgbClr val="0077AA"/>
+                </a:solidFill>
+              </a:rPr>
+              <a:t>"</a:t>
+            </a:r>
             <a:r>
               <a:rPr lang="pt-BR" dirty="0">
                 <a:solidFill>
-                  <a:srgbClr val="999999"/>
-                </a:solidFill>
-              </a:rPr>
-              <a:t>});</a:t>
-            </a:r>
-            <a:r>
-              <a:rPr lang="pt-BR" dirty="0"/>
-              <a:t> </a:t>
-            </a:r>
-          </a:p>
-          <a:p>
-            <a:pPr marL="457200" lvl="1" indent="0">
-              <a:buNone/>
-            </a:pPr>
-            <a:endParaRPr lang="pt-BR" dirty="0">
-              <a:solidFill>
-                <a:srgbClr val="708090"/>
-              </a:solidFill>
-            </a:endParaRPr>
-          </a:p>
-          <a:p>
-            <a:pPr marL="457200" lvl="1" indent="0">
-              <a:buNone/>
-            </a:pPr>
-            <a:r>
-              <a:rPr lang="pt-BR" dirty="0">
-                <a:solidFill>
-                  <a:srgbClr val="708090"/>
-                </a:solidFill>
-              </a:rPr>
-              <a:t>// faz outras coisas e pede novamente a conexão</a:t>
-            </a:r>
-            <a:r>
-              <a:rPr lang="pt-BR" dirty="0"/>
-              <a:t> </a:t>
-            </a:r>
-          </a:p>
-          <a:p>
-            <a:pPr marL="457200" lvl="1" indent="0">
-              <a:buNone/>
-            </a:pPr>
-            <a:endParaRPr lang="pt-BR" sz="2800" dirty="0">
-              <a:solidFill>
-                <a:srgbClr val="A67F59"/>
-              </a:solidFill>
-            </a:endParaRPr>
-          </a:p>
-          <a:p>
-            <a:pPr marL="457200" lvl="1" indent="0">
-              <a:buNone/>
-            </a:pPr>
-            <a:r>
-              <a:rPr lang="pt-BR" sz="2800" dirty="0" err="1">
-                <a:solidFill>
-                  <a:srgbClr val="A67F59"/>
-                </a:solidFill>
-              </a:rPr>
-              <a:t>ConnectionFactory</a:t>
-            </a:r>
-            <a:r>
-              <a:rPr lang="pt-BR" sz="2800" dirty="0"/>
-              <a:t> </a:t>
-            </a:r>
-          </a:p>
-          <a:p>
-            <a:pPr marL="457200" lvl="1" indent="0">
-              <a:buNone/>
-            </a:pPr>
-            <a:r>
-              <a:rPr lang="pt-BR" sz="2800" dirty="0">
-                <a:solidFill>
-                  <a:srgbClr val="999999"/>
-                </a:solidFill>
-              </a:rPr>
-              <a:t>	.</a:t>
-            </a:r>
-            <a:r>
-              <a:rPr lang="pt-BR" sz="2800" dirty="0" err="1"/>
-              <a:t>getConnection</a:t>
-            </a:r>
-            <a:r>
-              <a:rPr lang="pt-BR" sz="2800" dirty="0">
-                <a:solidFill>
-                  <a:srgbClr val="999999"/>
-                </a:solidFill>
-              </a:rPr>
-              <a:t>()</a:t>
-            </a:r>
-            <a:r>
-              <a:rPr lang="pt-BR" sz="2800" dirty="0"/>
-              <a:t> </a:t>
-            </a:r>
-          </a:p>
-          <a:p>
-            <a:pPr marL="457200" lvl="1" indent="0">
-              <a:buNone/>
-            </a:pPr>
-            <a:r>
-              <a:rPr lang="pt-BR" sz="2800" dirty="0">
-                <a:solidFill>
-                  <a:srgbClr val="999999"/>
-                </a:solidFill>
-              </a:rPr>
-              <a:t>	.</a:t>
-            </a:r>
-            <a:r>
-              <a:rPr lang="pt-BR" sz="2800" dirty="0" err="1">
-                <a:solidFill>
-                  <a:srgbClr val="0077AA"/>
-                </a:solidFill>
-              </a:rPr>
-              <a:t>then</a:t>
-            </a:r>
-            <a:r>
-              <a:rPr lang="pt-BR" sz="2800" dirty="0">
-                <a:solidFill>
-                  <a:srgbClr val="999999"/>
-                </a:solidFill>
-              </a:rPr>
-              <a:t>(</a:t>
-            </a:r>
-            <a:r>
-              <a:rPr lang="pt-BR" sz="2800" dirty="0"/>
-              <a:t>connection </a:t>
-            </a:r>
-            <a:r>
-              <a:rPr lang="pt-BR" sz="2800" dirty="0">
-                <a:solidFill>
-                  <a:srgbClr val="999999"/>
-                </a:solidFill>
-              </a:rPr>
-              <a:t>=&gt;</a:t>
-            </a:r>
-            <a:r>
-              <a:rPr lang="pt-BR" sz="2800" dirty="0"/>
-              <a:t> </a:t>
-            </a:r>
-            <a:r>
-              <a:rPr lang="pt-BR" sz="2800" dirty="0">
-                <a:solidFill>
-                  <a:srgbClr val="999999"/>
-                </a:solidFill>
-              </a:rPr>
-              <a:t>{</a:t>
-            </a:r>
-            <a:r>
-              <a:rPr lang="pt-BR" sz="2800" dirty="0"/>
-              <a:t> </a:t>
-            </a:r>
-          </a:p>
-          <a:p>
-            <a:pPr marL="457200" lvl="1" indent="0">
-              <a:buNone/>
-            </a:pPr>
-            <a:r>
-              <a:rPr lang="pt-BR" sz="2800" dirty="0">
-                <a:solidFill>
-                  <a:srgbClr val="999999"/>
-                </a:solidFill>
-              </a:rPr>
-              <a:t>});</a:t>
-            </a:r>
-            <a:endParaRPr lang="pt-BR" sz="2800" dirty="0">
-              <a:solidFill>
-                <a:schemeClr val="accent5"/>
-              </a:solidFill>
-            </a:endParaRPr>
+                  <a:srgbClr val="990055"/>
+                </a:solidFill>
+              </a:rPr>
+              <a:t>&gt;&lt;/script&gt;</a:t>
+            </a:r>
+            <a:endParaRPr lang="pt-BR" b="1" dirty="0"/>
+          </a:p>
+          <a:p>
+            <a:endParaRPr lang="pt-BR" dirty="0"/>
           </a:p>
         </p:txBody>
       </p:sp>
     </p:spTree>
     <p:extLst>
       <p:ext uri="{BB962C8B-B14F-4D97-AF65-F5344CB8AC3E}">
-        <p14:creationId xmlns:p14="http://schemas.microsoft.com/office/powerpoint/2010/main" val="1564479947"/>
+        <p14:creationId xmlns:p14="http://schemas.microsoft.com/office/powerpoint/2010/main" val="2627748378"/>
       </p:ext>
     </p:extLst>
   </p:cSld>
@@ -3560,665 +3450,6 @@
             <p:ph type="title"/>
           </p:nvPr>
         </p:nvSpPr>
-        <p:spPr>
-          <a:xfrm>
-            <a:off x="759177" y="89552"/>
-            <a:ext cx="10515600" cy="549275"/>
-          </a:xfrm>
-        </p:spPr>
-        <p:txBody>
-          <a:bodyPr>
-            <a:normAutofit/>
-          </a:bodyPr>
-          <a:lstStyle/>
-          <a:p>
-            <a:pPr algn="ctr"/>
-            <a:r>
-              <a:rPr lang="pt-BR" sz="2800" b="1" dirty="0"/>
-              <a:t>Variáveis imutáveis =&gt; Constantes</a:t>
-            </a:r>
-          </a:p>
-        </p:txBody>
-      </p:sp>
-      <p:sp>
-        <p:nvSpPr>
-          <p:cNvPr id="8" name="CaixaDeTexto 7"/>
-          <p:cNvSpPr txBox="1"/>
-          <p:nvPr/>
-        </p:nvSpPr>
-        <p:spPr>
-          <a:xfrm>
-            <a:off x="759177" y="779940"/>
-            <a:ext cx="9931401" cy="3693319"/>
-          </a:xfrm>
-          <a:prstGeom prst="rect">
-            <a:avLst/>
-          </a:prstGeom>
-          <a:noFill/>
-        </p:spPr>
-        <p:txBody>
-          <a:bodyPr wrap="square" rtlCol="0">
-            <a:spAutoFit/>
-          </a:bodyPr>
-          <a:lstStyle/>
-          <a:p>
-            <a:r>
-              <a:rPr lang="pt-BR" i="1" dirty="0" err="1">
-                <a:solidFill>
-                  <a:schemeClr val="accent5"/>
-                </a:solidFill>
-              </a:rPr>
-              <a:t>const</a:t>
-            </a:r>
-            <a:r>
-              <a:rPr lang="pt-BR" i="1" dirty="0">
-                <a:solidFill>
-                  <a:schemeClr val="accent5"/>
-                </a:solidFill>
-              </a:rPr>
-              <a:t> hoje = new Date();</a:t>
-            </a:r>
-          </a:p>
-          <a:p>
-            <a:r>
-              <a:rPr lang="pt-BR" i="1" dirty="0">
-                <a:solidFill>
-                  <a:schemeClr val="accent5"/>
-                </a:solidFill>
-              </a:rPr>
-              <a:t>hoje = new Date() ; // dá erro!</a:t>
-            </a:r>
-          </a:p>
-          <a:p>
-            <a:endParaRPr lang="pt-BR" dirty="0"/>
-          </a:p>
-          <a:p>
-            <a:r>
-              <a:rPr lang="pt-BR" dirty="0"/>
-              <a:t>Mas,  </a:t>
-            </a:r>
-          </a:p>
-          <a:p>
-            <a:endParaRPr lang="pt-BR" dirty="0"/>
-          </a:p>
-          <a:p>
-            <a:r>
-              <a:rPr lang="pt-BR" i="1" dirty="0" err="1">
-                <a:solidFill>
-                  <a:schemeClr val="accent5"/>
-                </a:solidFill>
-              </a:rPr>
-              <a:t>const</a:t>
-            </a:r>
-            <a:r>
-              <a:rPr lang="pt-BR" i="1" dirty="0">
-                <a:solidFill>
-                  <a:schemeClr val="accent5"/>
-                </a:solidFill>
-              </a:rPr>
-              <a:t> hoje = new Date();</a:t>
-            </a:r>
-          </a:p>
-          <a:p>
-            <a:r>
-              <a:rPr lang="pt-BR" i="1" dirty="0" err="1">
-                <a:solidFill>
-                  <a:schemeClr val="accent5"/>
-                </a:solidFill>
-              </a:rPr>
-              <a:t>Hoje.setDate</a:t>
-            </a:r>
-            <a:r>
-              <a:rPr lang="pt-BR" i="1" dirty="0">
-                <a:solidFill>
-                  <a:schemeClr val="accent5"/>
-                </a:solidFill>
-              </a:rPr>
-              <a:t>(5);</a:t>
-            </a:r>
-          </a:p>
-          <a:p>
-            <a:r>
-              <a:rPr lang="pt-BR" i="1" dirty="0">
-                <a:solidFill>
-                  <a:schemeClr val="accent5"/>
-                </a:solidFill>
-              </a:rPr>
-              <a:t>console.log(</a:t>
-            </a:r>
-            <a:r>
-              <a:rPr lang="pt-BR" i="1" dirty="0" err="1">
-                <a:solidFill>
-                  <a:schemeClr val="accent5"/>
-                </a:solidFill>
-              </a:rPr>
-              <a:t>hoje.getDate</a:t>
-            </a:r>
-            <a:r>
-              <a:rPr lang="pt-BR" i="1" dirty="0">
-                <a:solidFill>
-                  <a:schemeClr val="accent5"/>
-                </a:solidFill>
-              </a:rPr>
-              <a:t>()); // Alterou para o dia 5!</a:t>
-            </a:r>
-          </a:p>
-          <a:p>
-            <a:endParaRPr lang="pt-BR" dirty="0"/>
-          </a:p>
-          <a:p>
-            <a:endParaRPr lang="pt-BR" dirty="0"/>
-          </a:p>
-          <a:p>
-            <a:r>
-              <a:rPr lang="pt-BR" dirty="0"/>
-              <a:t>Neste caso não estamos atribuindo um novo valor para a variável, como fizemos com o operador “</a:t>
-            </a:r>
-            <a:r>
-              <a:rPr lang="pt-BR" b="1" dirty="0"/>
-              <a:t>=</a:t>
-            </a:r>
-            <a:r>
-              <a:rPr lang="pt-BR" dirty="0"/>
-              <a:t>“, mas alterando as propriedades do objeto </a:t>
-            </a:r>
-            <a:r>
-              <a:rPr lang="pt-BR" b="1" i="1" dirty="0">
-                <a:solidFill>
-                  <a:schemeClr val="accent5"/>
-                </a:solidFill>
-              </a:rPr>
-              <a:t>Date</a:t>
-            </a:r>
-            <a:r>
-              <a:rPr lang="pt-BR" dirty="0"/>
-              <a:t>, por meio dos seus métodos. Ou seja, </a:t>
-            </a:r>
-            <a:r>
-              <a:rPr lang="pt-BR" b="1" dirty="0" err="1"/>
-              <a:t>const</a:t>
-            </a:r>
-            <a:r>
-              <a:rPr lang="pt-BR" dirty="0"/>
-              <a:t> </a:t>
-            </a:r>
-            <a:r>
-              <a:rPr lang="pt-BR" u="sng" dirty="0"/>
-              <a:t>não garante a imutabilidade</a:t>
-            </a:r>
-            <a:r>
-              <a:rPr lang="pt-BR" dirty="0"/>
-              <a:t>, apenas a atribuição de um novo valor para a variável. </a:t>
-            </a:r>
-            <a:endParaRPr lang="pt-BR" b="1" dirty="0"/>
-          </a:p>
-        </p:txBody>
-      </p:sp>
-    </p:spTree>
-    <p:extLst>
-      <p:ext uri="{BB962C8B-B14F-4D97-AF65-F5344CB8AC3E}">
-        <p14:creationId xmlns:p14="http://schemas.microsoft.com/office/powerpoint/2010/main" val="3568488777"/>
-      </p:ext>
-    </p:extLst>
-  </p:cSld>
-  <p:clrMapOvr>
-    <a:masterClrMapping/>
-  </p:clrMapOvr>
-</p:sld>
-</file>
-
-<file path=ppt/slides/slide13.xml><?xml version="1.0" encoding="utf-8"?>
-<p:sld xmlns:a="http://schemas.openxmlformats.org/drawingml/2006/main" xmlns:r="http://schemas.openxmlformats.org/officeDocument/2006/relationships" xmlns:p="http://schemas.openxmlformats.org/presentationml/2006/main">
-  <p:cSld>
-    <p:spTree>
-      <p:nvGrpSpPr>
-        <p:cNvPr id="1" name=""/>
-        <p:cNvGrpSpPr/>
-        <p:nvPr/>
-      </p:nvGrpSpPr>
-      <p:grpSpPr>
-        <a:xfrm>
-          <a:off x="0" y="0"/>
-          <a:ext cx="0" cy="0"/>
-          <a:chOff x="0" y="0"/>
-          <a:chExt cx="0" cy="0"/>
-        </a:xfrm>
-      </p:grpSpPr>
-      <p:sp>
-        <p:nvSpPr>
-          <p:cNvPr id="2" name="Título 1"/>
-          <p:cNvSpPr>
-            <a:spLocks noGrp="1"/>
-          </p:cNvSpPr>
-          <p:nvPr>
-            <p:ph type="title"/>
-          </p:nvPr>
-        </p:nvSpPr>
-        <p:spPr>
-          <a:xfrm>
-            <a:off x="759177" y="89552"/>
-            <a:ext cx="10515600" cy="549275"/>
-          </a:xfrm>
-        </p:spPr>
-        <p:txBody>
-          <a:bodyPr>
-            <a:normAutofit/>
-          </a:bodyPr>
-          <a:lstStyle/>
-          <a:p>
-            <a:pPr algn="ctr"/>
-            <a:r>
-              <a:rPr lang="pt-BR" sz="2800" b="1" dirty="0" err="1"/>
-              <a:t>Pattern</a:t>
-            </a:r>
-            <a:r>
-              <a:rPr lang="pt-BR" sz="2800" b="1" dirty="0"/>
-              <a:t> DAO</a:t>
-            </a:r>
-          </a:p>
-        </p:txBody>
-      </p:sp>
-      <p:sp>
-        <p:nvSpPr>
-          <p:cNvPr id="8" name="CaixaDeTexto 7"/>
-          <p:cNvSpPr txBox="1"/>
-          <p:nvPr/>
-        </p:nvSpPr>
-        <p:spPr>
-          <a:xfrm>
-            <a:off x="759177" y="802518"/>
-            <a:ext cx="9931401" cy="2031325"/>
-          </a:xfrm>
-          <a:prstGeom prst="rect">
-            <a:avLst/>
-          </a:prstGeom>
-          <a:noFill/>
-        </p:spPr>
-        <p:txBody>
-          <a:bodyPr wrap="square" rtlCol="0">
-            <a:spAutoFit/>
-          </a:bodyPr>
-          <a:lstStyle/>
-          <a:p>
-            <a:r>
-              <a:rPr lang="pt-BR" i="1" dirty="0"/>
-              <a:t>Capacidade de isolar todo o código que acessa seu repositório de dados em um único lugar. Assim, toda vez que o desenvolvedor precisar realizar operações de persistência ele verá que existe um único local para isso, seus </a:t>
-            </a:r>
-            <a:r>
-              <a:rPr lang="pt-BR" i="1" dirty="0" err="1"/>
-              <a:t>DAO's</a:t>
-            </a:r>
-            <a:r>
-              <a:rPr lang="pt-BR" i="1" dirty="0"/>
-              <a:t>.</a:t>
-            </a:r>
-          </a:p>
-          <a:p>
-            <a:endParaRPr lang="pt-BR" i="1" dirty="0"/>
-          </a:p>
-          <a:p>
-            <a:r>
-              <a:rPr lang="pt-BR" i="1" dirty="0"/>
-              <a:t>Falando um pouco mais técnico e nem por isso menos bonito, o DAO faz parte da camada de persistência, funciona como uma fachada para a API do </a:t>
-            </a:r>
-            <a:r>
-              <a:rPr lang="pt-BR" i="1" dirty="0" err="1"/>
-              <a:t>IndexedDB</a:t>
-            </a:r>
-            <a:r>
-              <a:rPr lang="pt-BR" i="1" dirty="0"/>
-              <a:t>. Repare que para usar o DAO não é preciso saber os detalhes do </a:t>
-            </a:r>
-            <a:r>
-              <a:rPr lang="pt-BR" i="1" dirty="0" err="1"/>
-              <a:t>store</a:t>
-            </a:r>
-            <a:r>
-              <a:rPr lang="pt-BR" i="1" dirty="0"/>
-              <a:t> ou cursor.</a:t>
-            </a:r>
-            <a:endParaRPr lang="pt-BR" b="1" dirty="0"/>
-          </a:p>
-        </p:txBody>
-      </p:sp>
-    </p:spTree>
-    <p:extLst>
-      <p:ext uri="{BB962C8B-B14F-4D97-AF65-F5344CB8AC3E}">
-        <p14:creationId xmlns:p14="http://schemas.microsoft.com/office/powerpoint/2010/main" val="884192177"/>
-      </p:ext>
-    </p:extLst>
-  </p:cSld>
-  <p:clrMapOvr>
-    <a:masterClrMapping/>
-  </p:clrMapOvr>
-</p:sld>
-</file>
-
-<file path=ppt/slides/slide14.xml><?xml version="1.0" encoding="utf-8"?>
-<p:sld xmlns:a="http://schemas.openxmlformats.org/drawingml/2006/main" xmlns:r="http://schemas.openxmlformats.org/officeDocument/2006/relationships" xmlns:p="http://schemas.openxmlformats.org/presentationml/2006/main">
-  <p:cSld>
-    <p:spTree>
-      <p:nvGrpSpPr>
-        <p:cNvPr id="1" name=""/>
-        <p:cNvGrpSpPr/>
-        <p:nvPr/>
-      </p:nvGrpSpPr>
-      <p:grpSpPr>
-        <a:xfrm>
-          <a:off x="0" y="0"/>
-          <a:ext cx="0" cy="0"/>
-          <a:chOff x="0" y="0"/>
-          <a:chExt cx="0" cy="0"/>
-        </a:xfrm>
-      </p:grpSpPr>
-      <p:sp>
-        <p:nvSpPr>
-          <p:cNvPr id="2" name="Título 1"/>
-          <p:cNvSpPr>
-            <a:spLocks noGrp="1"/>
-          </p:cNvSpPr>
-          <p:nvPr>
-            <p:ph type="title"/>
-          </p:nvPr>
-        </p:nvSpPr>
-        <p:spPr>
-          <a:xfrm>
-            <a:off x="759177" y="89552"/>
-            <a:ext cx="10515600" cy="549275"/>
-          </a:xfrm>
-        </p:spPr>
-        <p:txBody>
-          <a:bodyPr>
-            <a:normAutofit fontScale="90000"/>
-          </a:bodyPr>
-          <a:lstStyle/>
-          <a:p>
-            <a:pPr algn="ctr"/>
-            <a:r>
-              <a:rPr lang="pt-BR" b="1" dirty="0" err="1"/>
-              <a:t>Loader</a:t>
-            </a:r>
-            <a:r>
-              <a:rPr lang="pt-BR" b="1" dirty="0"/>
-              <a:t> – </a:t>
-            </a:r>
-            <a:r>
-              <a:rPr lang="pt-BR" b="1" dirty="0" err="1"/>
-              <a:t>System.js</a:t>
-            </a:r>
-            <a:endParaRPr lang="pt-BR" sz="2800" b="1" dirty="0"/>
-          </a:p>
-        </p:txBody>
-      </p:sp>
-      <p:sp>
-        <p:nvSpPr>
-          <p:cNvPr id="8" name="CaixaDeTexto 7"/>
-          <p:cNvSpPr txBox="1"/>
-          <p:nvPr/>
-        </p:nvSpPr>
-        <p:spPr>
-          <a:xfrm>
-            <a:off x="759177" y="802518"/>
-            <a:ext cx="9931401" cy="3416320"/>
-          </a:xfrm>
-          <a:prstGeom prst="rect">
-            <a:avLst/>
-          </a:prstGeom>
-          <a:noFill/>
-        </p:spPr>
-        <p:txBody>
-          <a:bodyPr wrap="square" rtlCol="0">
-            <a:spAutoFit/>
-          </a:bodyPr>
-          <a:lstStyle/>
-          <a:p>
-            <a:r>
-              <a:rPr lang="pt-BR" dirty="0"/>
-              <a:t>Estamos usando os módulos de ES6 definindo os </a:t>
-            </a:r>
-            <a:r>
-              <a:rPr lang="pt-BR" dirty="0" err="1"/>
-              <a:t>imports</a:t>
-            </a:r>
-            <a:r>
-              <a:rPr lang="pt-BR" dirty="0"/>
-              <a:t> e </a:t>
-            </a:r>
-            <a:r>
-              <a:rPr lang="pt-BR" dirty="0" err="1"/>
-              <a:t>exports</a:t>
-            </a:r>
-            <a:r>
-              <a:rPr lang="pt-BR" dirty="0"/>
-              <a:t>, mas não definimos como estes módulos devem ser carregados no navegador. Não existe um consenso ... Precisamos que os scripts sejam carregados numa determinada ordem no sistema.</a:t>
-            </a:r>
-          </a:p>
-          <a:p>
-            <a:endParaRPr lang="pt-BR" dirty="0"/>
-          </a:p>
-          <a:p>
-            <a:r>
-              <a:rPr lang="pt-BR" dirty="0"/>
-              <a:t>O responsável por isso, chama-se </a:t>
-            </a:r>
-            <a:r>
-              <a:rPr lang="pt-BR" b="1" dirty="0" err="1"/>
-              <a:t>Loader</a:t>
-            </a:r>
-            <a:r>
-              <a:rPr lang="pt-BR" dirty="0"/>
-              <a:t>, porém não existe um padrão.</a:t>
-            </a:r>
-          </a:p>
-          <a:p>
-            <a:endParaRPr lang="pt-BR" dirty="0"/>
-          </a:p>
-          <a:p>
-            <a:r>
-              <a:rPr lang="pt-BR" dirty="0"/>
-              <a:t>Uma biblioteca muito famosa é o </a:t>
-            </a:r>
-            <a:r>
-              <a:rPr lang="pt-BR" b="1" dirty="0" err="1"/>
-              <a:t>System.js</a:t>
-            </a:r>
-            <a:r>
-              <a:rPr lang="pt-BR" b="1" dirty="0"/>
-              <a:t> </a:t>
-            </a:r>
-            <a:r>
-              <a:rPr lang="pt-BR" dirty="0"/>
-              <a:t>e será instalada pelo </a:t>
-            </a:r>
-            <a:r>
-              <a:rPr lang="pt-BR" b="1" dirty="0" err="1"/>
-              <a:t>Node.JS</a:t>
-            </a:r>
-            <a:r>
-              <a:rPr lang="pt-BR" b="1" dirty="0"/>
-              <a:t> </a:t>
-            </a:r>
-          </a:p>
-          <a:p>
-            <a:endParaRPr lang="pt-BR" b="1" dirty="0"/>
-          </a:p>
-          <a:p>
-            <a:r>
-              <a:rPr lang="pt-BR" dirty="0"/>
-              <a:t>Precisa ser carregado no </a:t>
-            </a:r>
-            <a:r>
-              <a:rPr lang="pt-BR" dirty="0" err="1"/>
-              <a:t>index.html</a:t>
-            </a:r>
-            <a:endParaRPr lang="pt-BR" dirty="0"/>
-          </a:p>
-          <a:p>
-            <a:r>
-              <a:rPr lang="pt-BR" b="1" dirty="0"/>
-              <a:t>	</a:t>
-            </a:r>
-          </a:p>
-          <a:p>
-            <a:r>
-              <a:rPr lang="pt-BR" b="1" dirty="0"/>
-              <a:t>	</a:t>
-            </a:r>
-            <a:r>
-              <a:rPr lang="pt-BR" dirty="0">
-                <a:solidFill>
-                  <a:srgbClr val="990055"/>
-                </a:solidFill>
-              </a:rPr>
-              <a:t>&lt;script</a:t>
-            </a:r>
-            <a:r>
-              <a:rPr lang="pt-BR" dirty="0"/>
-              <a:t> </a:t>
-            </a:r>
-            <a:r>
-              <a:rPr lang="pt-BR" dirty="0" err="1">
-                <a:solidFill>
-                  <a:srgbClr val="669900"/>
-                </a:solidFill>
-              </a:rPr>
-              <a:t>src</a:t>
-            </a:r>
-            <a:r>
-              <a:rPr lang="pt-BR" dirty="0">
-                <a:solidFill>
-                  <a:srgbClr val="999999"/>
-                </a:solidFill>
-              </a:rPr>
-              <a:t>=</a:t>
-            </a:r>
-            <a:r>
-              <a:rPr lang="pt-BR" dirty="0">
-                <a:solidFill>
-                  <a:srgbClr val="0077AA"/>
-                </a:solidFill>
-              </a:rPr>
-              <a:t>"</a:t>
-            </a:r>
-            <a:r>
-              <a:rPr lang="pt-BR" dirty="0" err="1">
-                <a:solidFill>
-                  <a:srgbClr val="0077AA"/>
-                </a:solidFill>
-              </a:rPr>
-              <a:t>node_modules</a:t>
-            </a:r>
-            <a:r>
-              <a:rPr lang="pt-BR" dirty="0">
-                <a:solidFill>
-                  <a:srgbClr val="0077AA"/>
-                </a:solidFill>
-              </a:rPr>
-              <a:t>/</a:t>
-            </a:r>
-            <a:r>
-              <a:rPr lang="pt-BR" dirty="0" err="1">
-                <a:solidFill>
-                  <a:srgbClr val="0077AA"/>
-                </a:solidFill>
-              </a:rPr>
-              <a:t>systemjs</a:t>
-            </a:r>
-            <a:r>
-              <a:rPr lang="pt-BR" dirty="0">
-                <a:solidFill>
-                  <a:srgbClr val="0077AA"/>
-                </a:solidFill>
-              </a:rPr>
-              <a:t>/</a:t>
-            </a:r>
-            <a:r>
-              <a:rPr lang="pt-BR" dirty="0" err="1">
-                <a:solidFill>
-                  <a:srgbClr val="0077AA"/>
-                </a:solidFill>
-              </a:rPr>
-              <a:t>dist</a:t>
-            </a:r>
-            <a:r>
-              <a:rPr lang="pt-BR" dirty="0">
-                <a:solidFill>
-                  <a:srgbClr val="0077AA"/>
-                </a:solidFill>
-              </a:rPr>
-              <a:t>/</a:t>
-            </a:r>
-            <a:r>
-              <a:rPr lang="pt-BR" dirty="0" err="1">
-                <a:solidFill>
-                  <a:srgbClr val="0077AA"/>
-                </a:solidFill>
-              </a:rPr>
-              <a:t>system.js</a:t>
-            </a:r>
-            <a:r>
-              <a:rPr lang="pt-BR" dirty="0">
-                <a:solidFill>
-                  <a:srgbClr val="0077AA"/>
-                </a:solidFill>
-              </a:rPr>
-              <a:t>"</a:t>
-            </a:r>
-            <a:r>
-              <a:rPr lang="pt-BR" dirty="0">
-                <a:solidFill>
-                  <a:srgbClr val="990055"/>
-                </a:solidFill>
-              </a:rPr>
-              <a:t>&gt;&lt;/script&gt;</a:t>
-            </a:r>
-            <a:endParaRPr lang="pt-BR" b="1" dirty="0"/>
-          </a:p>
-          <a:p>
-            <a:endParaRPr lang="pt-BR" dirty="0"/>
-          </a:p>
-        </p:txBody>
-      </p:sp>
-    </p:spTree>
-    <p:extLst>
-      <p:ext uri="{BB962C8B-B14F-4D97-AF65-F5344CB8AC3E}">
-        <p14:creationId xmlns:p14="http://schemas.microsoft.com/office/powerpoint/2010/main" val="2627748378"/>
-      </p:ext>
-    </p:extLst>
-  </p:cSld>
-  <p:clrMapOvr>
-    <a:masterClrMapping/>
-  </p:clrMapOvr>
-</p:sld>
-</file>
-
-<file path=ppt/slides/slide15.xml><?xml version="1.0" encoding="utf-8"?>
-<p:sld xmlns:a="http://schemas.openxmlformats.org/drawingml/2006/main" xmlns:r="http://schemas.openxmlformats.org/officeDocument/2006/relationships" xmlns:p="http://schemas.openxmlformats.org/presentationml/2006/main">
-  <p:cSld>
-    <p:spTree>
-      <p:nvGrpSpPr>
-        <p:cNvPr id="1" name=""/>
-        <p:cNvGrpSpPr/>
-        <p:nvPr/>
-      </p:nvGrpSpPr>
-      <p:grpSpPr>
-        <a:xfrm>
-          <a:off x="0" y="0"/>
-          <a:ext cx="0" cy="0"/>
-          <a:chOff x="0" y="0"/>
-          <a:chExt cx="0" cy="0"/>
-        </a:xfrm>
-      </p:grpSpPr>
-      <p:sp>
-        <p:nvSpPr>
-          <p:cNvPr id="2" name="Título 1"/>
-          <p:cNvSpPr>
-            <a:spLocks noGrp="1"/>
-          </p:cNvSpPr>
-          <p:nvPr>
-            <p:ph type="title"/>
-          </p:nvPr>
-        </p:nvSpPr>
         <p:spPr/>
         <p:txBody>
           <a:bodyPr/>
@@ -4260,7 +3491,7 @@
 </p:sld>
 </file>
 
-<file path=ppt/slides/slide16.xml><?xml version="1.0" encoding="utf-8"?>
+<file path=ppt/slides/slide13.xml><?xml version="1.0" encoding="utf-8"?>
 <p:sld xmlns:a="http://schemas.openxmlformats.org/drawingml/2006/main" xmlns:r="http://schemas.openxmlformats.org/officeDocument/2006/relationships" xmlns:p="http://schemas.openxmlformats.org/presentationml/2006/main">
   <p:cSld>
     <p:spTree>
@@ -4357,8 +3588,8 @@
         </p:nvSpPr>
         <p:spPr>
           <a:xfrm>
-            <a:off x="293564" y="488161"/>
-            <a:ext cx="11371568" cy="6108582"/>
+            <a:off x="293564" y="1219201"/>
+            <a:ext cx="11371568" cy="5377542"/>
           </a:xfrm>
         </p:spPr>
         <p:txBody>
@@ -4367,49 +3598,192 @@
           </a:bodyPr>
           <a:lstStyle/>
           <a:p>
+            <a:pPr marL="285750" indent="-285750" algn="l">
+              <a:buFont typeface="Arial" panose="020B0604020202020204" pitchFamily="34" charset="0"/>
+              <a:buChar char="•"/>
+            </a:pPr>
+            <a:r>
+              <a:rPr lang="pt-BR" sz="1600" dirty="0" smtClean="0"/>
+              <a:t>Se estivéssemos trabalhando com o </a:t>
+            </a:r>
+            <a:r>
+              <a:rPr lang="pt-BR" sz="1600" dirty="0" err="1" smtClean="0"/>
+              <a:t>React</a:t>
+            </a:r>
+            <a:r>
+              <a:rPr lang="pt-BR" sz="1600" dirty="0" smtClean="0"/>
+              <a:t> ou Angular 2 muitos desses detalhes de configurações passariam despercebidos, mas estamos trabalhando do zero, sem frameworks.</a:t>
+            </a:r>
+          </a:p>
+          <a:p>
+            <a:pPr marL="285750" indent="-285750" algn="l">
+              <a:buFont typeface="Arial" panose="020B0604020202020204" pitchFamily="34" charset="0"/>
+              <a:buChar char="•"/>
+            </a:pPr>
+            <a:endParaRPr lang="pt-BR" sz="1600" dirty="0" smtClean="0"/>
+          </a:p>
+          <a:p>
+            <a:pPr marL="285750" indent="-285750" algn="l">
+              <a:buFont typeface="Arial" panose="020B0604020202020204" pitchFamily="34" charset="0"/>
+              <a:buChar char="•"/>
+            </a:pPr>
+            <a:r>
+              <a:rPr lang="pt-BR" sz="1600" dirty="0" smtClean="0"/>
+              <a:t>O </a:t>
+            </a:r>
             <a:r>
               <a:rPr lang="pt-BR" sz="1600" dirty="0"/>
-              <a:t>Toda vez que um modelo for atualizado, tanto por nós quanto pela aplicação, você se lembrará de chamar o </a:t>
+              <a:t>babel-core nada mais é do que o núcleo do babel desprovido de sua linha de comando e que pode ser utilizado por outras ferramentas do mercado como </a:t>
             </a:r>
             <a:r>
               <a:rPr lang="pt-BR" sz="1600" dirty="0" err="1"/>
-              <a:t>update</a:t>
+              <a:t>Webpack</a:t>
             </a:r>
             <a:r>
               <a:rPr lang="pt-BR" sz="1600" dirty="0"/>
-              <a:t>() na View? É improvável.</a:t>
-            </a:r>
-          </a:p>
-          <a:p>
+              <a:t>.</a:t>
+            </a:r>
+          </a:p>
+          <a:p>
+            <a:pPr marL="285750" indent="-285750" algn="l">
+              <a:buFont typeface="Arial" panose="020B0604020202020204" pitchFamily="34" charset="0"/>
+              <a:buChar char="•"/>
+            </a:pPr>
+            <a:endParaRPr lang="pt-BR" sz="1600" dirty="0" smtClean="0"/>
+          </a:p>
+          <a:p>
+            <a:pPr marL="285750" indent="-285750" algn="l">
+              <a:buFont typeface="Arial" panose="020B0604020202020204" pitchFamily="34" charset="0"/>
+              <a:buChar char="•"/>
+            </a:pPr>
+            <a:r>
+              <a:rPr lang="pt-BR" sz="1600" dirty="0" err="1" smtClean="0"/>
+              <a:t>Webpack</a:t>
+            </a:r>
+            <a:r>
+              <a:rPr lang="pt-BR" sz="1600" dirty="0" smtClean="0"/>
+              <a:t> </a:t>
+            </a:r>
             <a:r>
               <a:rPr lang="pt-BR" sz="1600" dirty="0"/>
-              <a:t>Vimos como tirar a responsabilidade do desenvolvedor e colocar a chamada da atualização da View no código, quando o modelo for alterado.</a:t>
-            </a:r>
-          </a:p>
-          <a:p>
+              <a:t>dispensa a utilização de um module </a:t>
+            </a:r>
+            <a:r>
+              <a:rPr lang="pt-BR" sz="1600" dirty="0" err="1"/>
+              <a:t>loader</a:t>
+            </a:r>
             <a:r>
               <a:rPr lang="pt-BR" sz="1600" dirty="0"/>
-              <a:t>Seguindo o exemplo do </a:t>
+              <a:t>, justamente por criar em </a:t>
             </a:r>
             <a:r>
               <a:rPr lang="pt-BR" sz="1600" dirty="0" err="1"/>
-              <a:t>listaNegociacoes</a:t>
+              <a:t>bundles</a:t>
             </a:r>
             <a:r>
               <a:rPr lang="pt-BR" sz="1600" dirty="0"/>
-              <a:t>, em que os métodos adiciona() e esvazia() eram chamados, será esse o momento no qual vamos disparar a atualização da View. Optamos por colocar "armadilhas", funções passadas para o construtor da classe que são chamadas sempre que os métodos adiciona() ou esvazia() forem usados. Estas funções recebem um código que acessa a View da controller e executará o método </a:t>
+              <a:t> em tempo de desenvolvimento, que nada mais são do que scripts que agregam outros módulos da aplicação</a:t>
+            </a:r>
+            <a:r>
+              <a:rPr lang="pt-BR" sz="1600" dirty="0" smtClean="0"/>
+              <a:t>.</a:t>
+            </a:r>
+          </a:p>
+          <a:p>
+            <a:pPr marL="285750" indent="-285750" algn="l">
+              <a:buFont typeface="Arial" panose="020B0604020202020204" pitchFamily="34" charset="0"/>
+              <a:buChar char="•"/>
+            </a:pPr>
+            <a:endParaRPr lang="pt-BR" sz="1600" dirty="0"/>
+          </a:p>
+          <a:p>
+            <a:pPr marL="285750" indent="-285750" algn="l">
+              <a:buFont typeface="Arial" panose="020B0604020202020204" pitchFamily="34" charset="0"/>
+              <a:buChar char="•"/>
+            </a:pPr>
+            <a:r>
+              <a:rPr lang="pt-BR" sz="1600" dirty="0"/>
+              <a:t>É comum utilizar um </a:t>
             </a:r>
             <a:r>
               <a:rPr lang="pt-BR" sz="1600" dirty="0" err="1"/>
-              <a:t>update</a:t>
+              <a:t>npm</a:t>
             </a:r>
             <a:r>
               <a:rPr lang="pt-BR" sz="1600" dirty="0"/>
-              <a:t>().</a:t>
-            </a:r>
-          </a:p>
-          <a:p>
-            <a:endParaRPr lang="pt-BR" sz="1600" dirty="0"/>
+              <a:t> script para executar o </a:t>
+            </a:r>
+            <a:r>
+              <a:rPr lang="pt-BR" sz="1600" dirty="0" err="1"/>
+              <a:t>webpack</a:t>
+            </a:r>
+            <a:r>
+              <a:rPr lang="pt-BR" sz="1600" dirty="0"/>
+              <a:t> bastando adicioná-lo no arquivo </a:t>
+            </a:r>
+            <a:r>
+              <a:rPr lang="pt-BR" sz="1600" dirty="0" err="1"/>
+              <a:t>package.json</a:t>
+            </a:r>
+            <a:r>
+              <a:rPr lang="pt-BR" sz="1600" dirty="0" smtClean="0"/>
+              <a:t>.</a:t>
+            </a:r>
+          </a:p>
+          <a:p>
+            <a:pPr marL="285750" indent="-285750" algn="l">
+              <a:buFont typeface="Arial" panose="020B0604020202020204" pitchFamily="34" charset="0"/>
+              <a:buChar char="•"/>
+            </a:pPr>
+            <a:endParaRPr lang="pt-BR" sz="1600" dirty="0" smtClean="0"/>
+          </a:p>
+          <a:p>
+            <a:pPr marL="285750" indent="-285750" algn="l">
+              <a:buFont typeface="Arial" panose="020B0604020202020204" pitchFamily="34" charset="0"/>
+              <a:buChar char="•"/>
+            </a:pPr>
+            <a:r>
+              <a:rPr lang="pt-BR" sz="1600" dirty="0"/>
+              <a:t>O arquivo de configuração do </a:t>
+            </a:r>
+            <a:r>
+              <a:rPr lang="pt-BR" sz="1600" dirty="0" err="1"/>
+              <a:t>webpack</a:t>
+            </a:r>
+            <a:r>
+              <a:rPr lang="pt-BR" sz="1600" dirty="0"/>
+              <a:t> nada mais é do que um módulo do Node.js.</a:t>
+            </a:r>
+          </a:p>
+        </p:txBody>
+      </p:sp>
+      <p:sp>
+        <p:nvSpPr>
+          <p:cNvPr id="7" name="Título 1"/>
+          <p:cNvSpPr>
+            <a:spLocks noGrp="1"/>
+          </p:cNvSpPr>
+          <p:nvPr>
+            <p:ph type="ctrTitle"/>
+          </p:nvPr>
+        </p:nvSpPr>
+        <p:spPr>
+          <a:xfrm>
+            <a:off x="816078" y="247293"/>
+            <a:ext cx="9144000" cy="529322"/>
+          </a:xfrm>
+        </p:spPr>
+        <p:txBody>
+          <a:bodyPr>
+            <a:normAutofit/>
+          </a:bodyPr>
+          <a:lstStyle/>
+          <a:p>
+            <a:r>
+              <a:rPr lang="pt-BR" sz="2800" b="1" dirty="0" smtClean="0"/>
+              <a:t>Configurações Iniciais</a:t>
+            </a:r>
+            <a:endParaRPr lang="pt-BR" sz="2800" b="1" dirty="0"/>
           </a:p>
         </p:txBody>
       </p:sp>
@@ -4445,197 +3819,120 @@
       </p:grpSpPr>
       <p:sp>
         <p:nvSpPr>
-          <p:cNvPr id="3" name="Subtítulo 2"/>
-          <p:cNvSpPr>
-            <a:spLocks noGrp="1"/>
-          </p:cNvSpPr>
-          <p:nvPr>
-            <p:ph type="subTitle" idx="1"/>
+          <p:cNvPr id="2" name="Título 1"/>
+          <p:cNvSpPr>
+            <a:spLocks noGrp="1"/>
+          </p:cNvSpPr>
+          <p:nvPr>
+            <p:ph type="ctrTitle"/>
           </p:nvPr>
         </p:nvSpPr>
         <p:spPr>
           <a:xfrm>
-            <a:off x="293564" y="488161"/>
-            <a:ext cx="11371568" cy="5774853"/>
+            <a:off x="853657" y="134559"/>
+            <a:ext cx="9144000" cy="529322"/>
           </a:xfrm>
         </p:spPr>
         <p:txBody>
           <a:bodyPr>
-            <a:noAutofit/>
+            <a:normAutofit/>
           </a:bodyPr>
           <a:lstStyle/>
           <a:p>
-            <a:pPr marL="342900" indent="-342900" algn="just">
-              <a:buFont typeface="Arial" panose="020B0604020202020204" pitchFamily="34" charset="0"/>
-              <a:buChar char="•"/>
-            </a:pPr>
-            <a:r>
-              <a:rPr lang="pt-BR" dirty="0"/>
-              <a:t>Mas a solução fracassou, porque a </a:t>
-            </a:r>
-            <a:r>
-              <a:rPr lang="pt-BR" dirty="0" err="1"/>
-              <a:t>function</a:t>
-            </a:r>
-            <a:r>
-              <a:rPr lang="pt-BR" dirty="0"/>
-              <a:t>() era enviada para o construtor do modelo que é a armadilha.</a:t>
-            </a:r>
-          </a:p>
-          <a:p>
-            <a:pPr marL="342900" indent="-342900" algn="just">
-              <a:buFont typeface="Arial" panose="020B0604020202020204" pitchFamily="34" charset="0"/>
-              <a:buChar char="•"/>
-            </a:pPr>
-            <a:r>
-              <a:rPr lang="pt-BR" dirty="0"/>
-              <a:t> Quando isso acontecia, o </a:t>
-            </a:r>
-            <a:r>
-              <a:rPr lang="pt-BR" dirty="0" err="1"/>
-              <a:t>this</a:t>
-            </a:r>
-            <a:r>
-              <a:rPr lang="pt-BR" dirty="0"/>
-              <a:t> era dinâmico, ou seja, não pertencia a controller, e sim, ao model. Então, tentamos acessar no </a:t>
-            </a:r>
-            <a:r>
-              <a:rPr lang="pt-BR" dirty="0" err="1"/>
-              <a:t>this</a:t>
-            </a:r>
-            <a:r>
-              <a:rPr lang="pt-BR" dirty="0"/>
-              <a:t> a nossa View. Vimos como fazer isto por meio da API de reflexão do </a:t>
-            </a:r>
-            <a:r>
-              <a:rPr lang="pt-BR" dirty="0" err="1"/>
-              <a:t>JavaScript</a:t>
-            </a:r>
-            <a:r>
-              <a:rPr lang="pt-BR" dirty="0"/>
-              <a:t>, </a:t>
-            </a:r>
-            <a:r>
-              <a:rPr lang="pt-BR" b="1" dirty="0" err="1"/>
-              <a:t>Reflection</a:t>
-            </a:r>
-            <a:r>
-              <a:rPr lang="pt-BR" b="1" dirty="0"/>
-              <a:t> API</a:t>
-            </a:r>
-            <a:r>
-              <a:rPr lang="pt-BR" dirty="0"/>
-              <a:t>, usando </a:t>
-            </a:r>
-            <a:r>
-              <a:rPr lang="pt-BR" dirty="0" err="1"/>
-              <a:t>reflect.apply</a:t>
-            </a:r>
-            <a:r>
-              <a:rPr lang="pt-BR" dirty="0"/>
-              <a:t>(). Ela recebe o nome do método, o contexto em que queremos executar o método, além dos parâmetros que serão passados para o método para corrigir o </a:t>
-            </a:r>
-            <a:r>
-              <a:rPr lang="pt-BR" dirty="0" err="1"/>
-              <a:t>this</a:t>
-            </a:r>
-            <a:r>
-              <a:rPr lang="pt-BR" dirty="0"/>
-              <a:t> no momento da execução da função. Mas vimos que este processo não era necessário. Em vez disso, usamos uma </a:t>
-            </a:r>
-            <a:r>
-              <a:rPr lang="pt-BR" b="1" i="1" dirty="0" err="1"/>
-              <a:t>arrow</a:t>
-            </a:r>
-            <a:r>
-              <a:rPr lang="pt-BR" b="1" i="1" dirty="0"/>
-              <a:t> </a:t>
-            </a:r>
-            <a:r>
-              <a:rPr lang="pt-BR" b="1" i="1" dirty="0" err="1"/>
-              <a:t>function</a:t>
-            </a:r>
-            <a:r>
-              <a:rPr lang="pt-BR" dirty="0"/>
-              <a:t>.</a:t>
-            </a:r>
-          </a:p>
-          <a:p>
-            <a:pPr marL="342900" indent="-342900" algn="just">
-              <a:buFont typeface="Arial" panose="020B0604020202020204" pitchFamily="34" charset="0"/>
-              <a:buChar char="•"/>
-            </a:pPr>
-            <a:r>
-              <a:rPr lang="pt-BR" dirty="0"/>
-              <a:t>As</a:t>
-            </a:r>
-            <a:r>
-              <a:rPr lang="pt-BR" b="1" dirty="0"/>
-              <a:t> </a:t>
-            </a:r>
-            <a:r>
-              <a:rPr lang="pt-BR" b="1" i="1" dirty="0" err="1"/>
-              <a:t>arrow</a:t>
-            </a:r>
-            <a:r>
-              <a:rPr lang="pt-BR" b="1" i="1" dirty="0"/>
-              <a:t> </a:t>
-            </a:r>
-            <a:r>
-              <a:rPr lang="pt-BR" b="1" i="1" dirty="0" err="1"/>
-              <a:t>functions</a:t>
-            </a:r>
-            <a:r>
-              <a:rPr lang="pt-BR" dirty="0"/>
-              <a:t> possuem um escopo léxico, enquanto as funções padrões têm um escopo dinâmico. Isto significa que, se temos uma função em </a:t>
-            </a:r>
-            <a:r>
-              <a:rPr lang="pt-BR" dirty="0" err="1"/>
-              <a:t>JavaScript</a:t>
-            </a:r>
-            <a:r>
-              <a:rPr lang="pt-BR" dirty="0"/>
-              <a:t> que varia de acordo com o contexto no qual é chamada, o </a:t>
-            </a:r>
-            <a:r>
-              <a:rPr lang="pt-BR" dirty="0" err="1"/>
-              <a:t>this</a:t>
-            </a:r>
-            <a:r>
-              <a:rPr lang="pt-BR" dirty="0"/>
-              <a:t> léxico de uma </a:t>
-            </a:r>
-            <a:r>
-              <a:rPr lang="pt-BR" i="1" dirty="0" err="1"/>
-              <a:t>arrow</a:t>
-            </a:r>
-            <a:r>
-              <a:rPr lang="pt-BR" i="1" dirty="0"/>
-              <a:t> </a:t>
-            </a:r>
-            <a:r>
-              <a:rPr lang="pt-BR" i="1" dirty="0" err="1"/>
-              <a:t>function</a:t>
-            </a:r>
-            <a:r>
-              <a:rPr lang="pt-BR" dirty="0"/>
-              <a:t> manterá o mesmo </a:t>
-            </a:r>
-            <a:r>
-              <a:rPr lang="pt-BR" dirty="0" err="1"/>
-              <a:t>this</a:t>
-            </a:r>
-            <a:r>
-              <a:rPr lang="pt-BR" dirty="0"/>
-              <a:t> em todas as chamadas da função. Isso torna o código mais enxuto, porque não precisarmos passar o contexto do construtor do modelo.</a:t>
-            </a:r>
+            <a:r>
+              <a:rPr lang="pt-BR" sz="2800" dirty="0" smtClean="0">
+                <a:solidFill>
+                  <a:srgbClr val="3D464D"/>
+                </a:solidFill>
+                <a:latin typeface="Source Serif Pro"/>
+              </a:rPr>
+              <a:t>Babel-</a:t>
+            </a:r>
+            <a:r>
+              <a:rPr lang="pt-BR" sz="2800" dirty="0" err="1" smtClean="0">
+                <a:solidFill>
+                  <a:srgbClr val="3D464D"/>
+                </a:solidFill>
+                <a:latin typeface="Source Serif Pro"/>
+              </a:rPr>
+              <a:t>loader</a:t>
+            </a:r>
+            <a:endParaRPr lang="pt-BR" sz="2800" dirty="0">
+              <a:solidFill>
+                <a:srgbClr val="3D464D"/>
+              </a:solidFill>
+              <a:latin typeface="Source Serif Pro"/>
+            </a:endParaRPr>
+          </a:p>
+        </p:txBody>
+      </p:sp>
+      <p:sp>
+        <p:nvSpPr>
+          <p:cNvPr id="3" name="Subtítulo 2"/>
+          <p:cNvSpPr>
+            <a:spLocks noGrp="1"/>
+          </p:cNvSpPr>
+          <p:nvPr>
+            <p:ph type="subTitle" idx="1"/>
+          </p:nvPr>
+        </p:nvSpPr>
+        <p:spPr>
+          <a:xfrm>
+            <a:off x="477876" y="663881"/>
+            <a:ext cx="11259012" cy="5599133"/>
+          </a:xfrm>
+        </p:spPr>
+        <p:txBody>
+          <a:bodyPr>
+            <a:normAutofit/>
+          </a:bodyPr>
+          <a:lstStyle/>
+          <a:p>
+            <a:pPr algn="l"/>
+            <a:endParaRPr lang="pt-BR" sz="1800" dirty="0">
+              <a:solidFill>
+                <a:srgbClr val="3D464D"/>
+              </a:solidFill>
+              <a:latin typeface="Source Serif Pro"/>
+            </a:endParaRPr>
+          </a:p>
+          <a:p>
+            <a:pPr algn="l"/>
+            <a:r>
+              <a:rPr lang="pt-BR" sz="1800" dirty="0" smtClean="0">
+                <a:solidFill>
+                  <a:srgbClr val="3D464D"/>
+                </a:solidFill>
+                <a:latin typeface="Source Serif Pro"/>
+              </a:rPr>
+              <a:t>É a ponte entre o </a:t>
+            </a:r>
+            <a:r>
+              <a:rPr lang="pt-BR" sz="1800" dirty="0" err="1" smtClean="0">
+                <a:solidFill>
+                  <a:srgbClr val="3D464D"/>
+                </a:solidFill>
+                <a:latin typeface="Source Serif Pro"/>
+              </a:rPr>
+              <a:t>Webpack</a:t>
+            </a:r>
+            <a:r>
+              <a:rPr lang="pt-BR" sz="1800" dirty="0" smtClean="0">
+                <a:solidFill>
+                  <a:srgbClr val="3D464D"/>
+                </a:solidFill>
+                <a:latin typeface="Source Serif Pro"/>
+              </a:rPr>
+              <a:t> e o Babel-core</a:t>
+            </a:r>
+            <a:endParaRPr lang="pt-BR" sz="1800" dirty="0"/>
           </a:p>
         </p:txBody>
       </p:sp>
     </p:spTree>
     <p:extLst>
       <p:ext uri="{BB962C8B-B14F-4D97-AF65-F5344CB8AC3E}">
-        <p14:creationId xmlns:p14="http://schemas.microsoft.com/office/powerpoint/2010/main" val="4036594404"/>
+        <p14:creationId xmlns:p14="http://schemas.microsoft.com/office/powerpoint/2010/main" val="1766206525"/>
       </p:ext>
     </p:extLst>
   </p:cSld>
@@ -4669,13 +3966,13 @@
             <a:spLocks noGrp="1"/>
           </p:cNvSpPr>
           <p:nvPr>
-            <p:ph type="ctrTitle"/>
+            <p:ph type="title"/>
           </p:nvPr>
         </p:nvSpPr>
         <p:spPr>
           <a:xfrm>
-            <a:off x="816078" y="247293"/>
-            <a:ext cx="9144000" cy="529322"/>
+            <a:off x="759177" y="89552"/>
+            <a:ext cx="10515600" cy="549275"/>
           </a:xfrm>
         </p:spPr>
         <p:txBody>
@@ -4684,27 +3981,28 @@
           </a:bodyPr>
           <a:lstStyle/>
           <a:p>
-            <a:r>
-              <a:rPr lang="pt-BR" sz="2800" dirty="0"/>
-              <a:t>Padrão Proxy</a:t>
-            </a:r>
-          </a:p>
-        </p:txBody>
-      </p:sp>
-      <p:sp>
-        <p:nvSpPr>
-          <p:cNvPr id="3" name="Subtítulo 2"/>
-          <p:cNvSpPr>
-            <a:spLocks noGrp="1"/>
-          </p:cNvSpPr>
-          <p:nvPr>
-            <p:ph type="subTitle" idx="1"/>
+            <a:pPr algn="ctr"/>
+            <a:r>
+              <a:rPr lang="pt-BR" sz="2800" b="1" dirty="0"/>
+              <a:t>Requisições AJAX</a:t>
+            </a:r>
+          </a:p>
+        </p:txBody>
+      </p:sp>
+      <p:sp>
+        <p:nvSpPr>
+          <p:cNvPr id="3" name="Espaço Reservado para Conteúdo 2"/>
+          <p:cNvSpPr>
+            <a:spLocks noGrp="1"/>
+          </p:cNvSpPr>
+          <p:nvPr>
+            <p:ph idx="1"/>
           </p:nvPr>
         </p:nvSpPr>
         <p:spPr>
           <a:xfrm>
-            <a:off x="540506" y="910288"/>
-            <a:ext cx="11259012" cy="5490512"/>
+            <a:off x="759177" y="638827"/>
+            <a:ext cx="10515600" cy="2404998"/>
           </a:xfrm>
         </p:spPr>
         <p:txBody>
@@ -4713,192 +4011,1060 @@
           </a:bodyPr>
           <a:lstStyle/>
           <a:p>
-            <a:r>
-              <a:rPr lang="pt-BR" sz="1600" dirty="0"/>
-              <a:t>É um cara “mentiroso”, um objeto falso, que envolve e encapsula o objeto real que queremos interagir. Podemos pensar como uma “casca” que envolve os objetos.</a:t>
-            </a:r>
-          </a:p>
-          <a:p>
-            <a:r>
-              <a:rPr lang="pt-BR" sz="1600" dirty="0"/>
-              <a:t>É como se fosse uma interface, entre o objeto real e o resto do código. Assim você consegue controlar os métodos e atributos.</a:t>
-            </a:r>
-          </a:p>
-          <a:p>
-            <a:r>
-              <a:rPr lang="pt-BR" sz="1600" dirty="0"/>
-              <a:t>Também é possível “pendurar” códigos que não deveriam estar alocados nos nossos modelos, mas que necessitam serem executados no caso de uma alteração ou atualização do mesmo.</a:t>
-            </a:r>
-          </a:p>
-          <a:p>
-            <a:endParaRPr lang="pt-BR" sz="1600" dirty="0"/>
-          </a:p>
-          <a:p>
-            <a:r>
-              <a:rPr lang="pt-BR" sz="1600" dirty="0"/>
-              <a:t>...</a:t>
-            </a:r>
-          </a:p>
-          <a:p>
-            <a:r>
-              <a:rPr lang="en-US" dirty="0"/>
-              <a:t>let </a:t>
-            </a:r>
-            <a:r>
-              <a:rPr lang="en-US" dirty="0" err="1"/>
-              <a:t>lista</a:t>
-            </a:r>
-            <a:r>
-              <a:rPr lang="en-US" dirty="0"/>
-              <a:t> = new Proxy(new </a:t>
-            </a:r>
-            <a:r>
-              <a:rPr lang="en-US" dirty="0" err="1"/>
-              <a:t>ListaNegociacoes</a:t>
-            </a:r>
-            <a:r>
-              <a:rPr lang="en-US" dirty="0"/>
-              <a:t>(),{</a:t>
-            </a:r>
-          </a:p>
-          <a:p>
-            <a:r>
-              <a:rPr lang="en-US" dirty="0"/>
-              <a:t>get: function(target, prop, receiver){</a:t>
-            </a:r>
-          </a:p>
-          <a:p>
-            <a:r>
-              <a:rPr lang="pt-BR" sz="1600" dirty="0"/>
-              <a:t>.....</a:t>
-            </a:r>
-          </a:p>
-          <a:p>
-            <a:pPr algn="l"/>
-            <a:endParaRPr lang="pt-BR" sz="1600" dirty="0">
-              <a:solidFill>
-                <a:srgbClr val="6E757A"/>
-              </a:solidFill>
-              <a:latin typeface="Source Serif Pro"/>
-            </a:endParaRPr>
-          </a:p>
-          <a:p>
-            <a:pPr algn="l"/>
-            <a:r>
-              <a:rPr lang="pt-BR" sz="1600" dirty="0">
-                <a:solidFill>
-                  <a:srgbClr val="6E757A"/>
-                </a:solidFill>
-                <a:latin typeface="Source Serif Pro"/>
-              </a:rPr>
-              <a:t>O </a:t>
-            </a:r>
-            <a:r>
-              <a:rPr lang="pt-BR" sz="1600" b="1" i="1" dirty="0" err="1">
-                <a:solidFill>
-                  <a:srgbClr val="6E757A"/>
-                </a:solidFill>
-                <a:latin typeface="Source Serif Pro"/>
-              </a:rPr>
-              <a:t>target</a:t>
-            </a:r>
-            <a:r>
-              <a:rPr lang="pt-BR" sz="1600" dirty="0">
-                <a:solidFill>
-                  <a:srgbClr val="6E757A"/>
-                </a:solidFill>
-                <a:latin typeface="Source Serif Pro"/>
-              </a:rPr>
-              <a:t> é o objeto real que é encapsulado pela proxy. É este objeto que não queremos "sujar" com armadilhas ou qualquer código que não diga respeito ao modelo.</a:t>
-            </a:r>
-          </a:p>
-          <a:p>
-            <a:pPr algn="l"/>
-            <a:r>
-              <a:rPr lang="pt-BR" sz="1600" dirty="0">
-                <a:solidFill>
-                  <a:srgbClr val="6E757A"/>
-                </a:solidFill>
-                <a:latin typeface="Source Serif Pro"/>
-              </a:rPr>
-              <a:t>O </a:t>
-            </a:r>
-            <a:r>
-              <a:rPr lang="pt-BR" sz="1600" b="1" i="1" dirty="0" err="1">
-                <a:solidFill>
-                  <a:srgbClr val="6E757A"/>
-                </a:solidFill>
-                <a:latin typeface="Source Serif Pro"/>
-              </a:rPr>
-              <a:t>prop</a:t>
-            </a:r>
-            <a:r>
-              <a:rPr lang="pt-BR" sz="1600" dirty="0">
-                <a:solidFill>
-                  <a:srgbClr val="6E757A"/>
-                </a:solidFill>
-                <a:latin typeface="Source Serif Pro"/>
-              </a:rPr>
-              <a:t> é a propriedade em si, que está sendo lida naquele momento.</a:t>
-            </a:r>
-          </a:p>
-          <a:p>
-            <a:pPr algn="l"/>
-            <a:r>
-              <a:rPr lang="pt-BR" sz="1600" dirty="0">
-                <a:solidFill>
-                  <a:srgbClr val="6E757A"/>
-                </a:solidFill>
-                <a:latin typeface="Source Serif Pro"/>
-              </a:rPr>
-              <a:t>O </a:t>
-            </a:r>
-            <a:r>
-              <a:rPr lang="pt-BR" sz="1600" b="1" i="1" dirty="0" err="1">
-                <a:solidFill>
-                  <a:srgbClr val="6E757A"/>
-                </a:solidFill>
-                <a:latin typeface="Source Serif Pro"/>
-              </a:rPr>
-              <a:t>receiver</a:t>
-            </a:r>
-            <a:r>
-              <a:rPr lang="pt-BR" sz="1600" dirty="0">
-                <a:solidFill>
-                  <a:srgbClr val="6E757A"/>
-                </a:solidFill>
-                <a:latin typeface="Source Serif Pro"/>
-              </a:rPr>
-              <a:t> é a referência ao próprio proxy. É na configuração do </a:t>
-            </a:r>
-            <a:r>
-              <a:rPr lang="pt-BR" sz="1600" dirty="0" err="1">
-                <a:solidFill>
-                  <a:srgbClr val="6E757A"/>
-                </a:solidFill>
-                <a:latin typeface="Source Serif Pro"/>
-              </a:rPr>
-              <a:t>handler</a:t>
-            </a:r>
-            <a:r>
-              <a:rPr lang="pt-BR" sz="1600" dirty="0">
-                <a:solidFill>
-                  <a:srgbClr val="6E757A"/>
-                </a:solidFill>
-                <a:latin typeface="Source Serif Pro"/>
-              </a:rPr>
-              <a:t> do Proxy que colocamos armadilhas.</a:t>
-            </a:r>
-          </a:p>
-          <a:p>
-            <a:endParaRPr lang="pt-BR" sz="1600" dirty="0"/>
+            <a:pPr marL="0" indent="0">
+              <a:buNone/>
+            </a:pPr>
+            <a:r>
+              <a:rPr lang="pt-BR" sz="2000" dirty="0" err="1"/>
+              <a:t>importaNegociacoes</a:t>
+            </a:r>
+            <a:r>
+              <a:rPr lang="pt-BR" sz="2000" dirty="0">
+                <a:solidFill>
+                  <a:srgbClr val="999999"/>
+                </a:solidFill>
+              </a:rPr>
+              <a:t>()</a:t>
+            </a:r>
+            <a:r>
+              <a:rPr lang="pt-BR" sz="2000" dirty="0"/>
+              <a:t> </a:t>
+            </a:r>
+            <a:r>
+              <a:rPr lang="pt-BR" sz="2000" dirty="0">
+                <a:solidFill>
+                  <a:srgbClr val="999999"/>
+                </a:solidFill>
+              </a:rPr>
+              <a:t>{</a:t>
+            </a:r>
+            <a:r>
+              <a:rPr lang="pt-BR" sz="2000" dirty="0"/>
+              <a:t> </a:t>
+            </a:r>
+          </a:p>
+          <a:p>
+            <a:pPr marL="457200" lvl="1" indent="0">
+              <a:buNone/>
+            </a:pPr>
+            <a:r>
+              <a:rPr lang="pt-BR" sz="2000" dirty="0" err="1"/>
+              <a:t>let</a:t>
+            </a:r>
+            <a:r>
+              <a:rPr lang="pt-BR" sz="2000" dirty="0"/>
+              <a:t> </a:t>
+            </a:r>
+            <a:r>
+              <a:rPr lang="pt-BR" sz="2000" dirty="0" err="1"/>
+              <a:t>xhr</a:t>
+            </a:r>
+            <a:r>
+              <a:rPr lang="pt-BR" sz="2000" dirty="0"/>
+              <a:t> </a:t>
+            </a:r>
+            <a:r>
+              <a:rPr lang="pt-BR" sz="2000" dirty="0">
+                <a:solidFill>
+                  <a:srgbClr val="999999"/>
+                </a:solidFill>
+              </a:rPr>
+              <a:t>=</a:t>
+            </a:r>
+            <a:r>
+              <a:rPr lang="pt-BR" sz="2000" dirty="0"/>
+              <a:t> </a:t>
+            </a:r>
+            <a:r>
+              <a:rPr lang="pt-BR" sz="2000" dirty="0">
+                <a:solidFill>
+                  <a:srgbClr val="0077AA"/>
+                </a:solidFill>
+              </a:rPr>
+              <a:t>new</a:t>
+            </a:r>
+            <a:r>
+              <a:rPr lang="pt-BR" sz="2000" dirty="0"/>
+              <a:t> </a:t>
+            </a:r>
+            <a:r>
+              <a:rPr lang="pt-BR" sz="2000" dirty="0" err="1">
+                <a:solidFill>
+                  <a:srgbClr val="A67F59"/>
+                </a:solidFill>
+              </a:rPr>
+              <a:t>XMLHttpRequest</a:t>
+            </a:r>
+            <a:r>
+              <a:rPr lang="pt-BR" sz="2000" dirty="0">
+                <a:solidFill>
+                  <a:srgbClr val="999999"/>
+                </a:solidFill>
+              </a:rPr>
+              <a:t>();</a:t>
+            </a:r>
+            <a:r>
+              <a:rPr lang="pt-BR" sz="2000" dirty="0"/>
+              <a:t> </a:t>
+            </a:r>
+          </a:p>
+          <a:p>
+            <a:pPr marL="457200" lvl="1" indent="0">
+              <a:buNone/>
+            </a:pPr>
+            <a:r>
+              <a:rPr lang="pt-BR" sz="2000" dirty="0">
+                <a:solidFill>
+                  <a:srgbClr val="708090"/>
+                </a:solidFill>
+              </a:rPr>
+              <a:t>/* configurações */</a:t>
+            </a:r>
+            <a:r>
+              <a:rPr lang="pt-BR" sz="2000" dirty="0"/>
+              <a:t> </a:t>
+            </a:r>
+          </a:p>
+          <a:p>
+            <a:pPr marL="457200" lvl="1" indent="0">
+              <a:buNone/>
+            </a:pPr>
+            <a:r>
+              <a:rPr lang="pt-BR" sz="2000" dirty="0" err="1"/>
+              <a:t>xhr</a:t>
+            </a:r>
+            <a:r>
+              <a:rPr lang="pt-BR" sz="2000" dirty="0" err="1">
+                <a:solidFill>
+                  <a:srgbClr val="999999"/>
+                </a:solidFill>
+              </a:rPr>
+              <a:t>.</a:t>
+            </a:r>
+            <a:r>
+              <a:rPr lang="pt-BR" sz="2000" dirty="0" err="1"/>
+              <a:t>open</a:t>
+            </a:r>
+            <a:r>
+              <a:rPr lang="pt-BR" sz="2000" dirty="0">
+                <a:solidFill>
+                  <a:srgbClr val="999999"/>
+                </a:solidFill>
+              </a:rPr>
+              <a:t>(</a:t>
+            </a:r>
+            <a:r>
+              <a:rPr lang="pt-BR" sz="2000" dirty="0">
+                <a:solidFill>
+                  <a:srgbClr val="669900"/>
+                </a:solidFill>
+              </a:rPr>
+              <a:t>'GET'</a:t>
+            </a:r>
+            <a:r>
+              <a:rPr lang="pt-BR" sz="2000" dirty="0">
+                <a:solidFill>
+                  <a:srgbClr val="999999"/>
+                </a:solidFill>
+              </a:rPr>
+              <a:t>,</a:t>
+            </a:r>
+            <a:r>
+              <a:rPr lang="pt-BR" sz="2000" dirty="0"/>
+              <a:t> </a:t>
+            </a:r>
+            <a:r>
+              <a:rPr lang="pt-BR" sz="2000" dirty="0">
+                <a:solidFill>
+                  <a:srgbClr val="669900"/>
+                </a:solidFill>
+              </a:rPr>
+              <a:t>'</a:t>
+            </a:r>
+            <a:r>
+              <a:rPr lang="pt-BR" sz="2000" dirty="0" err="1">
+                <a:solidFill>
+                  <a:srgbClr val="669900"/>
+                </a:solidFill>
+              </a:rPr>
+              <a:t>negociacoes</a:t>
+            </a:r>
+            <a:r>
+              <a:rPr lang="pt-BR" sz="2000" dirty="0">
+                <a:solidFill>
+                  <a:srgbClr val="669900"/>
+                </a:solidFill>
+              </a:rPr>
+              <a:t>/semana’</a:t>
+            </a:r>
+            <a:r>
+              <a:rPr lang="pt-BR" sz="2000" dirty="0">
+                <a:solidFill>
+                  <a:srgbClr val="999999"/>
+                </a:solidFill>
+              </a:rPr>
+              <a:t>);</a:t>
+            </a:r>
+            <a:r>
+              <a:rPr lang="pt-BR" sz="2000" dirty="0"/>
+              <a:t> </a:t>
+            </a:r>
+          </a:p>
+          <a:p>
+            <a:pPr marL="457200" lvl="1" indent="0">
+              <a:buNone/>
+            </a:pPr>
+            <a:r>
+              <a:rPr lang="pt-BR" sz="2000" dirty="0">
+                <a:solidFill>
+                  <a:srgbClr val="708090"/>
+                </a:solidFill>
+              </a:rPr>
+              <a:t>/* executa */</a:t>
+            </a:r>
+            <a:r>
+              <a:rPr lang="pt-BR" sz="2000" dirty="0"/>
+              <a:t> </a:t>
+            </a:r>
+          </a:p>
+          <a:p>
+            <a:pPr marL="457200" lvl="1" indent="0">
+              <a:buNone/>
+            </a:pPr>
+            <a:r>
+              <a:rPr lang="pt-BR" sz="2000" dirty="0" err="1"/>
+              <a:t>xhr</a:t>
+            </a:r>
+            <a:r>
+              <a:rPr lang="pt-BR" sz="2000" dirty="0" err="1">
+                <a:solidFill>
+                  <a:srgbClr val="999999"/>
+                </a:solidFill>
+              </a:rPr>
+              <a:t>.</a:t>
+            </a:r>
+            <a:r>
+              <a:rPr lang="pt-BR" sz="2000" dirty="0" err="1"/>
+              <a:t>send</a:t>
+            </a:r>
+            <a:r>
+              <a:rPr lang="pt-BR" sz="2000" dirty="0">
+                <a:solidFill>
+                  <a:srgbClr val="999999"/>
+                </a:solidFill>
+              </a:rPr>
+              <a:t>();</a:t>
+            </a:r>
+            <a:r>
+              <a:rPr lang="pt-BR" sz="2000" dirty="0"/>
+              <a:t> </a:t>
+            </a:r>
+          </a:p>
+          <a:p>
+            <a:pPr marL="457200" lvl="1" indent="0">
+              <a:buNone/>
+            </a:pPr>
+            <a:r>
+              <a:rPr lang="pt-BR" sz="2000" dirty="0">
+                <a:solidFill>
+                  <a:srgbClr val="999999"/>
+                </a:solidFill>
+              </a:rPr>
+              <a:t>}</a:t>
+            </a:r>
+            <a:endParaRPr lang="pt-BR" sz="2000" dirty="0"/>
+          </a:p>
+        </p:txBody>
+      </p:sp>
+      <p:sp>
+        <p:nvSpPr>
+          <p:cNvPr id="4" name="CaixaDeTexto 3">
+            <a:extLst>
+              <a:ext uri="{FF2B5EF4-FFF2-40B4-BE49-F238E27FC236}">
+                <a16:creationId xmlns:a16="http://schemas.microsoft.com/office/drawing/2014/main" id="{2B49808F-FE10-2C4E-A8A3-8DE472D779E6}"/>
+              </a:ext>
+            </a:extLst>
+          </p:cNvPr>
+          <p:cNvSpPr txBox="1"/>
+          <p:nvPr/>
+        </p:nvSpPr>
+        <p:spPr>
+          <a:xfrm>
+            <a:off x="270663" y="3156559"/>
+            <a:ext cx="5065426" cy="2031325"/>
+          </a:xfrm>
+          <a:prstGeom prst="rect">
+            <a:avLst/>
+          </a:prstGeom>
+          <a:noFill/>
+        </p:spPr>
+        <p:txBody>
+          <a:bodyPr wrap="square" rtlCol="0">
+            <a:spAutoFit/>
+          </a:bodyPr>
+          <a:lstStyle/>
+          <a:p>
+            <a:r>
+              <a:rPr lang="pt-BR" dirty="0"/>
+              <a:t>Os estados possíveis de um requisição AJAX</a:t>
+            </a:r>
+          </a:p>
+          <a:p>
+            <a:r>
+              <a:rPr lang="pt-BR" dirty="0"/>
+              <a:t>0: requisição ainda não iniciada</a:t>
+            </a:r>
+          </a:p>
+          <a:p>
+            <a:r>
+              <a:rPr lang="pt-BR" dirty="0"/>
+              <a:t>1: conexão com o servidor estabelecida</a:t>
+            </a:r>
+          </a:p>
+          <a:p>
+            <a:r>
+              <a:rPr lang="pt-BR" dirty="0"/>
+              <a:t>2: requisição recebida</a:t>
+            </a:r>
+          </a:p>
+          <a:p>
+            <a:r>
+              <a:rPr lang="pt-BR" dirty="0"/>
+              <a:t>3: processando requisição</a:t>
+            </a:r>
+          </a:p>
+          <a:p>
+            <a:r>
+              <a:rPr lang="pt-BR" dirty="0"/>
+              <a:t>4: requisição está concluída e a resposta está pronta</a:t>
+            </a:r>
+          </a:p>
+          <a:p>
+            <a:endParaRPr lang="pt-BR" dirty="0"/>
+          </a:p>
+        </p:txBody>
+      </p:sp>
+      <p:sp>
+        <p:nvSpPr>
+          <p:cNvPr id="5" name="Retângulo 4">
+            <a:extLst>
+              <a:ext uri="{FF2B5EF4-FFF2-40B4-BE49-F238E27FC236}">
+                <a16:creationId xmlns:a16="http://schemas.microsoft.com/office/drawing/2014/main" id="{44E759E8-03D1-B640-9A02-6E91006515C5}"/>
+              </a:ext>
+            </a:extLst>
+          </p:cNvPr>
+          <p:cNvSpPr/>
+          <p:nvPr/>
+        </p:nvSpPr>
+        <p:spPr>
+          <a:xfrm>
+            <a:off x="5453306" y="3505418"/>
+            <a:ext cx="6738694" cy="3139321"/>
+          </a:xfrm>
+          <a:prstGeom prst="rect">
+            <a:avLst/>
+          </a:prstGeom>
+        </p:spPr>
+        <p:txBody>
+          <a:bodyPr wrap="square">
+            <a:spAutoFit/>
+          </a:bodyPr>
+          <a:lstStyle/>
+          <a:p>
+            <a:r>
+              <a:rPr lang="pt-BR" dirty="0" err="1">
+                <a:solidFill>
+                  <a:srgbClr val="0077AA"/>
+                </a:solidFill>
+              </a:rPr>
+              <a:t>if</a:t>
+            </a:r>
+            <a:r>
+              <a:rPr lang="pt-BR" dirty="0">
+                <a:solidFill>
+                  <a:srgbClr val="999999"/>
+                </a:solidFill>
+              </a:rPr>
+              <a:t>(</a:t>
+            </a:r>
+            <a:r>
+              <a:rPr lang="pt-BR" dirty="0" err="1"/>
+              <a:t>xhr</a:t>
+            </a:r>
+            <a:r>
+              <a:rPr lang="pt-BR" dirty="0" err="1">
+                <a:solidFill>
+                  <a:srgbClr val="999999"/>
+                </a:solidFill>
+              </a:rPr>
+              <a:t>.</a:t>
+            </a:r>
+            <a:r>
+              <a:rPr lang="pt-BR" dirty="0" err="1"/>
+              <a:t>status</a:t>
+            </a:r>
+            <a:r>
+              <a:rPr lang="pt-BR" dirty="0"/>
+              <a:t> </a:t>
+            </a:r>
+            <a:r>
+              <a:rPr lang="pt-BR" dirty="0">
+                <a:solidFill>
+                  <a:srgbClr val="999999"/>
+                </a:solidFill>
+              </a:rPr>
+              <a:t>==</a:t>
+            </a:r>
+            <a:r>
+              <a:rPr lang="pt-BR" dirty="0"/>
+              <a:t> </a:t>
+            </a:r>
+            <a:r>
+              <a:rPr lang="pt-BR" dirty="0">
+                <a:solidFill>
+                  <a:srgbClr val="990055"/>
+                </a:solidFill>
+              </a:rPr>
+              <a:t>200</a:t>
+            </a:r>
+            <a:r>
+              <a:rPr lang="pt-BR" dirty="0">
+                <a:solidFill>
+                  <a:srgbClr val="999999"/>
+                </a:solidFill>
+              </a:rPr>
+              <a:t>)</a:t>
+            </a:r>
+            <a:r>
+              <a:rPr lang="pt-BR" dirty="0"/>
+              <a:t> </a:t>
+            </a:r>
+            <a:r>
+              <a:rPr lang="pt-BR" dirty="0">
+                <a:solidFill>
+                  <a:srgbClr val="999999"/>
+                </a:solidFill>
+              </a:rPr>
+              <a:t>{</a:t>
+            </a:r>
+            <a:r>
+              <a:rPr lang="pt-BR" dirty="0"/>
+              <a:t> </a:t>
+            </a:r>
+          </a:p>
+          <a:p>
+            <a:r>
+              <a:rPr lang="pt-BR" dirty="0"/>
+              <a:t>	</a:t>
+            </a:r>
+            <a:r>
+              <a:rPr lang="pt-BR" dirty="0" err="1"/>
+              <a:t>JSON</a:t>
+            </a:r>
+            <a:r>
+              <a:rPr lang="pt-BR" dirty="0" err="1">
+                <a:solidFill>
+                  <a:srgbClr val="999999"/>
+                </a:solidFill>
+              </a:rPr>
+              <a:t>.</a:t>
+            </a:r>
+            <a:r>
+              <a:rPr lang="pt-BR" dirty="0" err="1"/>
+              <a:t>parse</a:t>
+            </a:r>
+            <a:r>
+              <a:rPr lang="pt-BR" dirty="0">
+                <a:solidFill>
+                  <a:srgbClr val="999999"/>
+                </a:solidFill>
+              </a:rPr>
+              <a:t>(</a:t>
+            </a:r>
+            <a:r>
+              <a:rPr lang="pt-BR" dirty="0" err="1"/>
+              <a:t>xhr</a:t>
+            </a:r>
+            <a:r>
+              <a:rPr lang="pt-BR" dirty="0" err="1">
+                <a:solidFill>
+                  <a:srgbClr val="999999"/>
+                </a:solidFill>
+              </a:rPr>
+              <a:t>.</a:t>
+            </a:r>
+            <a:r>
+              <a:rPr lang="pt-BR" dirty="0" err="1"/>
+              <a:t>responseText</a:t>
+            </a:r>
+            <a:r>
+              <a:rPr lang="pt-BR" dirty="0">
+                <a:solidFill>
+                  <a:srgbClr val="999999"/>
+                </a:solidFill>
+              </a:rPr>
+              <a:t>)</a:t>
+            </a:r>
+            <a:r>
+              <a:rPr lang="pt-BR" dirty="0"/>
+              <a:t> </a:t>
+            </a:r>
+            <a:r>
+              <a:rPr lang="pt-BR" dirty="0">
+                <a:solidFill>
+                  <a:srgbClr val="999999"/>
+                </a:solidFill>
+              </a:rPr>
+              <a:t>.</a:t>
+            </a:r>
+            <a:r>
+              <a:rPr lang="pt-BR" dirty="0" err="1"/>
+              <a:t>map</a:t>
+            </a:r>
+            <a:r>
+              <a:rPr lang="pt-BR" dirty="0">
+                <a:solidFill>
+                  <a:srgbClr val="999999"/>
+                </a:solidFill>
+              </a:rPr>
+              <a:t>(</a:t>
+            </a:r>
+            <a:r>
+              <a:rPr lang="pt-BR" dirty="0"/>
+              <a:t>objeto</a:t>
+            </a:r>
+            <a:r>
+              <a:rPr lang="pt-BR" dirty="0">
+                <a:solidFill>
+                  <a:srgbClr val="999999"/>
+                </a:solidFill>
+              </a:rPr>
+              <a:t>=&gt;</a:t>
+            </a:r>
+            <a:r>
+              <a:rPr lang="pt-BR" dirty="0"/>
+              <a:t> </a:t>
+            </a:r>
+            <a:r>
+              <a:rPr lang="pt-BR" dirty="0">
+                <a:solidFill>
+                  <a:srgbClr val="0077AA"/>
+                </a:solidFill>
+              </a:rPr>
+              <a:t>new</a:t>
+            </a:r>
+            <a:r>
+              <a:rPr lang="pt-BR" dirty="0"/>
+              <a:t> 	</a:t>
+            </a:r>
+            <a:r>
+              <a:rPr lang="pt-BR" dirty="0" err="1">
+                <a:solidFill>
+                  <a:srgbClr val="A67F59"/>
+                </a:solidFill>
+              </a:rPr>
+              <a:t>Negociacao</a:t>
+            </a:r>
+            <a:r>
+              <a:rPr lang="pt-BR" dirty="0">
+                <a:solidFill>
+                  <a:srgbClr val="999999"/>
+                </a:solidFill>
+              </a:rPr>
+              <a:t>(</a:t>
+            </a:r>
+            <a:r>
+              <a:rPr lang="pt-BR" dirty="0">
+                <a:solidFill>
+                  <a:srgbClr val="0077AA"/>
+                </a:solidFill>
+              </a:rPr>
+              <a:t>new</a:t>
+            </a:r>
+            <a:r>
+              <a:rPr lang="pt-BR" dirty="0"/>
+              <a:t> </a:t>
+            </a:r>
+            <a:r>
+              <a:rPr lang="pt-BR" dirty="0">
+                <a:solidFill>
+                  <a:srgbClr val="A67F59"/>
+                </a:solidFill>
+              </a:rPr>
+              <a:t>Date</a:t>
+            </a:r>
+            <a:r>
+              <a:rPr lang="pt-BR" dirty="0">
+                <a:solidFill>
+                  <a:srgbClr val="999999"/>
+                </a:solidFill>
+              </a:rPr>
+              <a:t>(</a:t>
+            </a:r>
+            <a:r>
+              <a:rPr lang="pt-BR" dirty="0" err="1"/>
+              <a:t>objeto</a:t>
+            </a:r>
+            <a:r>
+              <a:rPr lang="pt-BR" dirty="0" err="1">
+                <a:solidFill>
+                  <a:srgbClr val="999999"/>
+                </a:solidFill>
+              </a:rPr>
+              <a:t>.</a:t>
+            </a:r>
+            <a:r>
+              <a:rPr lang="pt-BR" dirty="0" err="1"/>
+              <a:t>data</a:t>
+            </a:r>
+            <a:r>
+              <a:rPr lang="pt-BR" dirty="0">
+                <a:solidFill>
+                  <a:srgbClr val="999999"/>
+                </a:solidFill>
+              </a:rPr>
+              <a:t>),</a:t>
+            </a:r>
+            <a:r>
+              <a:rPr lang="pt-BR" dirty="0"/>
+              <a:t> </a:t>
+            </a:r>
+            <a:r>
+              <a:rPr lang="pt-BR" dirty="0" err="1"/>
+              <a:t>objeto</a:t>
+            </a:r>
+            <a:r>
+              <a:rPr lang="pt-BR" dirty="0" err="1">
+                <a:solidFill>
+                  <a:srgbClr val="999999"/>
+                </a:solidFill>
+              </a:rPr>
+              <a:t>.</a:t>
+            </a:r>
+            <a:r>
+              <a:rPr lang="pt-BR" dirty="0" err="1"/>
+              <a:t>quantidade</a:t>
+            </a:r>
+            <a:r>
+              <a:rPr lang="pt-BR" dirty="0">
+                <a:solidFill>
+                  <a:srgbClr val="999999"/>
+                </a:solidFill>
+              </a:rPr>
+              <a:t>,</a:t>
+            </a:r>
+            <a:r>
+              <a:rPr lang="pt-BR" dirty="0"/>
+              <a:t> </a:t>
+            </a:r>
+            <a:r>
+              <a:rPr lang="pt-BR" dirty="0" err="1"/>
+              <a:t>objeto</a:t>
+            </a:r>
+            <a:r>
+              <a:rPr lang="pt-BR" dirty="0" err="1">
+                <a:solidFill>
+                  <a:srgbClr val="999999"/>
+                </a:solidFill>
+              </a:rPr>
+              <a:t>.</a:t>
+            </a:r>
+            <a:r>
+              <a:rPr lang="pt-BR" dirty="0" err="1"/>
+              <a:t>valor</a:t>
+            </a:r>
+            <a:r>
+              <a:rPr lang="pt-BR" dirty="0">
+                <a:solidFill>
+                  <a:srgbClr val="999999"/>
+                </a:solidFill>
+              </a:rPr>
+              <a:t>))</a:t>
+            </a:r>
+            <a:r>
+              <a:rPr lang="pt-BR" dirty="0"/>
+              <a:t> </a:t>
+            </a:r>
+            <a:r>
+              <a:rPr lang="pt-BR" dirty="0">
+                <a:solidFill>
+                  <a:srgbClr val="999999"/>
+                </a:solidFill>
+              </a:rPr>
+              <a:t>.</a:t>
+            </a:r>
+            <a:r>
+              <a:rPr lang="pt-BR" dirty="0" err="1"/>
+              <a:t>forEach</a:t>
+            </a:r>
+            <a:r>
+              <a:rPr lang="pt-BR" dirty="0">
+                <a:solidFill>
+                  <a:srgbClr val="999999"/>
+                </a:solidFill>
+              </a:rPr>
+              <a:t>(</a:t>
+            </a:r>
+            <a:r>
+              <a:rPr lang="pt-BR" dirty="0" err="1"/>
+              <a:t>negociacao</a:t>
+            </a:r>
+            <a:r>
+              <a:rPr lang="pt-BR" dirty="0"/>
+              <a:t> </a:t>
+            </a:r>
+            <a:r>
+              <a:rPr lang="pt-BR" dirty="0">
+                <a:solidFill>
+                  <a:srgbClr val="999999"/>
+                </a:solidFill>
+              </a:rPr>
+              <a:t>=&gt;</a:t>
+            </a:r>
+            <a:r>
+              <a:rPr lang="pt-BR" dirty="0"/>
+              <a:t> 	</a:t>
+            </a:r>
+            <a:r>
+              <a:rPr lang="pt-BR" dirty="0" err="1">
+                <a:solidFill>
+                  <a:srgbClr val="0077AA"/>
+                </a:solidFill>
+              </a:rPr>
+              <a:t>this</a:t>
+            </a:r>
+            <a:r>
+              <a:rPr lang="pt-BR" dirty="0">
+                <a:solidFill>
+                  <a:srgbClr val="999999"/>
+                </a:solidFill>
+              </a:rPr>
+              <a:t>.</a:t>
+            </a:r>
+            <a:r>
+              <a:rPr lang="pt-BR" dirty="0"/>
+              <a:t>_</a:t>
+            </a:r>
+            <a:r>
+              <a:rPr lang="pt-BR" dirty="0" err="1"/>
+              <a:t>listaNegociacoes</a:t>
+            </a:r>
+            <a:r>
+              <a:rPr lang="pt-BR" dirty="0" err="1">
+                <a:solidFill>
+                  <a:srgbClr val="999999"/>
+                </a:solidFill>
+              </a:rPr>
+              <a:t>.</a:t>
+            </a:r>
+            <a:r>
+              <a:rPr lang="pt-BR" dirty="0" err="1"/>
+              <a:t>adiciona</a:t>
+            </a:r>
+            <a:r>
+              <a:rPr lang="pt-BR" dirty="0">
+                <a:solidFill>
+                  <a:srgbClr val="999999"/>
+                </a:solidFill>
+              </a:rPr>
+              <a:t>(</a:t>
+            </a:r>
+            <a:r>
+              <a:rPr lang="pt-BR" dirty="0" err="1"/>
+              <a:t>negociacao</a:t>
+            </a:r>
+            <a:r>
+              <a:rPr lang="pt-BR" dirty="0">
+                <a:solidFill>
+                  <a:srgbClr val="999999"/>
+                </a:solidFill>
+              </a:rPr>
+              <a:t>))</a:t>
+            </a:r>
+            <a:r>
+              <a:rPr lang="pt-BR" dirty="0"/>
+              <a:t> </a:t>
+            </a:r>
+            <a:r>
+              <a:rPr lang="pt-BR" dirty="0" err="1">
+                <a:solidFill>
+                  <a:srgbClr val="0077AA"/>
+                </a:solidFill>
+              </a:rPr>
+              <a:t>this</a:t>
+            </a:r>
+            <a:r>
+              <a:rPr lang="pt-BR" dirty="0">
+                <a:solidFill>
+                  <a:srgbClr val="999999"/>
+                </a:solidFill>
+              </a:rPr>
+              <a:t>.</a:t>
+            </a:r>
+            <a:r>
+              <a:rPr lang="pt-BR" dirty="0"/>
+              <a:t>_</a:t>
+            </a:r>
+            <a:r>
+              <a:rPr lang="pt-BR" dirty="0" err="1"/>
+              <a:t>mensagem</a:t>
+            </a:r>
+            <a:r>
+              <a:rPr lang="pt-BR" dirty="0" err="1">
+                <a:solidFill>
+                  <a:srgbClr val="999999"/>
+                </a:solidFill>
+              </a:rPr>
+              <a:t>.</a:t>
+            </a:r>
+            <a:r>
+              <a:rPr lang="pt-BR" dirty="0" err="1"/>
+              <a:t>texto</a:t>
+            </a:r>
+            <a:r>
+              <a:rPr lang="pt-BR" dirty="0"/>
+              <a:t> </a:t>
+            </a:r>
+            <a:r>
+              <a:rPr lang="pt-BR" dirty="0">
+                <a:solidFill>
+                  <a:srgbClr val="999999"/>
+                </a:solidFill>
+              </a:rPr>
+              <a:t>=</a:t>
+            </a:r>
+            <a:r>
+              <a:rPr lang="pt-BR" dirty="0"/>
+              <a:t> </a:t>
+            </a:r>
+            <a:r>
+              <a:rPr lang="pt-BR" dirty="0">
+                <a:solidFill>
+                  <a:srgbClr val="669900"/>
+                </a:solidFill>
+              </a:rPr>
+              <a:t>'Negociações importadas com sucesso.’</a:t>
+            </a:r>
+            <a:r>
+              <a:rPr lang="pt-BR" dirty="0">
+                <a:solidFill>
+                  <a:srgbClr val="999999"/>
+                </a:solidFill>
+              </a:rPr>
+              <a:t>;</a:t>
+            </a:r>
+            <a:r>
+              <a:rPr lang="pt-BR" dirty="0"/>
+              <a:t> </a:t>
+            </a:r>
+          </a:p>
+          <a:p>
+            <a:r>
+              <a:rPr lang="pt-BR" dirty="0">
+                <a:solidFill>
+                  <a:srgbClr val="999999"/>
+                </a:solidFill>
+              </a:rPr>
+              <a:t>}</a:t>
+            </a:r>
+            <a:r>
+              <a:rPr lang="pt-BR" dirty="0"/>
+              <a:t> </a:t>
+            </a:r>
+            <a:r>
+              <a:rPr lang="pt-BR" dirty="0" err="1">
+                <a:solidFill>
+                  <a:srgbClr val="0077AA"/>
+                </a:solidFill>
+              </a:rPr>
+              <a:t>else</a:t>
+            </a:r>
+            <a:r>
+              <a:rPr lang="pt-BR" dirty="0"/>
+              <a:t> </a:t>
+            </a:r>
+            <a:r>
+              <a:rPr lang="pt-BR" dirty="0">
+                <a:solidFill>
+                  <a:srgbClr val="999999"/>
+                </a:solidFill>
+              </a:rPr>
+              <a:t>{</a:t>
+            </a:r>
+            <a:r>
+              <a:rPr lang="pt-BR" dirty="0"/>
+              <a:t> </a:t>
+            </a:r>
+          </a:p>
+          <a:p>
+            <a:r>
+              <a:rPr lang="pt-BR" dirty="0"/>
+              <a:t>	</a:t>
+            </a:r>
+            <a:r>
+              <a:rPr lang="pt-BR" dirty="0" err="1"/>
+              <a:t>console</a:t>
+            </a:r>
+            <a:r>
+              <a:rPr lang="pt-BR" dirty="0" err="1">
+                <a:solidFill>
+                  <a:srgbClr val="999999"/>
+                </a:solidFill>
+              </a:rPr>
+              <a:t>.</a:t>
+            </a:r>
+            <a:r>
+              <a:rPr lang="pt-BR" dirty="0" err="1"/>
+              <a:t>log</a:t>
+            </a:r>
+            <a:r>
+              <a:rPr lang="pt-BR" dirty="0">
+                <a:solidFill>
+                  <a:srgbClr val="999999"/>
+                </a:solidFill>
+              </a:rPr>
+              <a:t>(</a:t>
+            </a:r>
+            <a:r>
+              <a:rPr lang="pt-BR" dirty="0" err="1"/>
+              <a:t>xhr</a:t>
+            </a:r>
+            <a:r>
+              <a:rPr lang="pt-BR" dirty="0" err="1">
+                <a:solidFill>
+                  <a:srgbClr val="999999"/>
+                </a:solidFill>
+              </a:rPr>
+              <a:t>.</a:t>
+            </a:r>
+            <a:r>
+              <a:rPr lang="pt-BR" dirty="0" err="1"/>
+              <a:t>responseText</a:t>
+            </a:r>
+            <a:r>
+              <a:rPr lang="pt-BR" dirty="0">
+                <a:solidFill>
+                  <a:srgbClr val="999999"/>
+                </a:solidFill>
+              </a:rPr>
+              <a:t>);</a:t>
+            </a:r>
+            <a:r>
+              <a:rPr lang="pt-BR" dirty="0"/>
+              <a:t> </a:t>
+            </a:r>
+          </a:p>
+          <a:p>
+            <a:r>
+              <a:rPr lang="pt-BR" dirty="0">
+                <a:solidFill>
+                  <a:srgbClr val="0077AA"/>
+                </a:solidFill>
+              </a:rPr>
+              <a:t>	</a:t>
+            </a:r>
+            <a:r>
+              <a:rPr lang="pt-BR" dirty="0" err="1">
+                <a:solidFill>
+                  <a:srgbClr val="0077AA"/>
+                </a:solidFill>
+              </a:rPr>
+              <a:t>this</a:t>
+            </a:r>
+            <a:r>
+              <a:rPr lang="pt-BR" dirty="0">
+                <a:solidFill>
+                  <a:srgbClr val="999999"/>
+                </a:solidFill>
+              </a:rPr>
+              <a:t>.</a:t>
+            </a:r>
+            <a:r>
+              <a:rPr lang="pt-BR" dirty="0"/>
+              <a:t>_</a:t>
+            </a:r>
+            <a:r>
+              <a:rPr lang="pt-BR" dirty="0" err="1"/>
+              <a:t>mensagem</a:t>
+            </a:r>
+            <a:r>
+              <a:rPr lang="pt-BR" dirty="0" err="1">
+                <a:solidFill>
+                  <a:srgbClr val="999999"/>
+                </a:solidFill>
+              </a:rPr>
+              <a:t>.</a:t>
+            </a:r>
+            <a:r>
+              <a:rPr lang="pt-BR" dirty="0" err="1"/>
+              <a:t>texto</a:t>
+            </a:r>
+            <a:r>
+              <a:rPr lang="pt-BR" dirty="0"/>
+              <a:t> </a:t>
+            </a:r>
+            <a:r>
+              <a:rPr lang="pt-BR" dirty="0">
+                <a:solidFill>
+                  <a:srgbClr val="999999"/>
+                </a:solidFill>
+              </a:rPr>
+              <a:t>=</a:t>
+            </a:r>
+            <a:r>
+              <a:rPr lang="pt-BR" dirty="0"/>
+              <a:t> </a:t>
+            </a:r>
+            <a:r>
+              <a:rPr lang="pt-BR" dirty="0">
+                <a:solidFill>
+                  <a:srgbClr val="669900"/>
+                </a:solidFill>
+              </a:rPr>
+              <a:t>'Não foi possível obter as negociações.’</a:t>
+            </a:r>
+            <a:r>
+              <a:rPr lang="pt-BR" dirty="0">
+                <a:solidFill>
+                  <a:srgbClr val="999999"/>
+                </a:solidFill>
+              </a:rPr>
+              <a:t>;</a:t>
+            </a:r>
+          </a:p>
+          <a:p>
+            <a:r>
+              <a:rPr lang="pt-BR" dirty="0"/>
+              <a:t> </a:t>
+            </a:r>
+            <a:r>
+              <a:rPr lang="pt-BR" dirty="0">
+                <a:solidFill>
+                  <a:srgbClr val="999999"/>
+                </a:solidFill>
+              </a:rPr>
+              <a:t>}</a:t>
+            </a:r>
+            <a:r>
+              <a:rPr lang="pt-BR" dirty="0"/>
+              <a:t> </a:t>
+            </a:r>
+            <a:r>
+              <a:rPr lang="pt-BR" dirty="0">
+                <a:solidFill>
+                  <a:srgbClr val="999999"/>
+                </a:solidFill>
+              </a:rPr>
+              <a:t>}</a:t>
+            </a:r>
+            <a:endParaRPr lang="pt-BR" dirty="0"/>
           </a:p>
         </p:txBody>
       </p:sp>
     </p:spTree>
     <p:extLst>
       <p:ext uri="{BB962C8B-B14F-4D97-AF65-F5344CB8AC3E}">
-        <p14:creationId xmlns:p14="http://schemas.microsoft.com/office/powerpoint/2010/main" val="757018139"/>
+        <p14:creationId xmlns:p14="http://schemas.microsoft.com/office/powerpoint/2010/main" val="1288214671"/>
       </p:ext>
     </p:extLst>
   </p:cSld>
@@ -4932,13 +5098,13 @@
             <a:spLocks noGrp="1"/>
           </p:cNvSpPr>
           <p:nvPr>
-            <p:ph type="ctrTitle"/>
+            <p:ph type="title"/>
           </p:nvPr>
         </p:nvSpPr>
         <p:spPr>
           <a:xfrm>
-            <a:off x="853657" y="134559"/>
-            <a:ext cx="9144000" cy="529322"/>
+            <a:off x="759177" y="89552"/>
+            <a:ext cx="10515600" cy="549275"/>
           </a:xfrm>
         </p:spPr>
         <p:txBody>
@@ -4947,182 +5113,128 @@
           </a:bodyPr>
           <a:lstStyle/>
           <a:p>
-            <a:r>
-              <a:rPr lang="pt-BR" sz="2800" dirty="0"/>
-              <a:t>Operador REST</a:t>
-            </a:r>
-          </a:p>
-        </p:txBody>
-      </p:sp>
-      <p:sp>
-        <p:nvSpPr>
-          <p:cNvPr id="3" name="Subtítulo 2"/>
-          <p:cNvSpPr>
-            <a:spLocks noGrp="1"/>
-          </p:cNvSpPr>
-          <p:nvPr>
-            <p:ph type="subTitle" idx="1"/>
+            <a:pPr algn="ctr"/>
+            <a:r>
+              <a:rPr lang="pt-BR" sz="2800" b="1" dirty="0" err="1"/>
+              <a:t>Error-first</a:t>
+            </a:r>
+            <a:r>
+              <a:rPr lang="pt-BR" sz="2800" b="1" dirty="0"/>
+              <a:t> </a:t>
+            </a:r>
+            <a:r>
+              <a:rPr lang="pt-BR" sz="2800" b="1" dirty="0" err="1"/>
+              <a:t>Callback</a:t>
+            </a:r>
+            <a:endParaRPr lang="pt-BR" sz="2800" b="1" dirty="0"/>
+          </a:p>
+        </p:txBody>
+      </p:sp>
+      <p:sp>
+        <p:nvSpPr>
+          <p:cNvPr id="7" name="Espaço Reservado para Conteúdo 6">
+            <a:extLst>
+              <a:ext uri="{FF2B5EF4-FFF2-40B4-BE49-F238E27FC236}">
+                <a16:creationId xmlns:a16="http://schemas.microsoft.com/office/drawing/2014/main" id="{CBDD146F-E87E-0140-B521-E123E7DC95E8}"/>
+              </a:ext>
+            </a:extLst>
+          </p:cNvPr>
+          <p:cNvSpPr>
+            <a:spLocks noGrp="1"/>
+          </p:cNvSpPr>
+          <p:nvPr>
+            <p:ph idx="1"/>
           </p:nvPr>
         </p:nvSpPr>
         <p:spPr>
           <a:xfrm>
-            <a:off x="515454" y="663880"/>
-            <a:ext cx="11259012" cy="5599133"/>
+            <a:off x="563671" y="801666"/>
+            <a:ext cx="10790129" cy="5375297"/>
           </a:xfrm>
         </p:spPr>
         <p:txBody>
-          <a:bodyPr>
-            <a:normAutofit fontScale="92500" lnSpcReduction="10000"/>
-          </a:bodyPr>
-          <a:lstStyle/>
-          <a:p>
-            <a:r>
-              <a:rPr lang="pt-BR" b="1" dirty="0"/>
-              <a:t>REST</a:t>
-            </a:r>
-            <a:r>
-              <a:rPr lang="pt-BR" dirty="0"/>
-              <a:t>, temos que o correto é utilizarmos "..." antes do </a:t>
-            </a:r>
-            <a:r>
-              <a:rPr lang="pt-BR" b="1" dirty="0"/>
-              <a:t>último</a:t>
-            </a:r>
-            <a:r>
-              <a:rPr lang="pt-BR" dirty="0"/>
-              <a:t> parâmetro, e assim tudo que nós passarmos de "extra" será colocado dentro de um </a:t>
+          <a:bodyPr/>
+          <a:lstStyle/>
+          <a:p>
+            <a:r>
+              <a:rPr lang="pt-BR" dirty="0"/>
+              <a:t>O </a:t>
+            </a:r>
+            <a:r>
+              <a:rPr lang="pt-BR" b="1" i="1" dirty="0" err="1"/>
+              <a:t>Error-first</a:t>
+            </a:r>
+            <a:r>
+              <a:rPr lang="pt-BR" b="1" i="1" dirty="0"/>
+              <a:t> </a:t>
+            </a:r>
+            <a:r>
+              <a:rPr lang="pt-BR" b="1" i="1" dirty="0" err="1"/>
+              <a:t>Callback</a:t>
+            </a:r>
+            <a:r>
+              <a:rPr lang="pt-BR" dirty="0"/>
+              <a:t>, ou </a:t>
+            </a:r>
+            <a:r>
+              <a:rPr lang="pt-BR" b="1" i="1" dirty="0" err="1"/>
+              <a:t>errorback</a:t>
+            </a:r>
+            <a:r>
+              <a:rPr lang="pt-BR" dirty="0"/>
+              <a:t>, é um padrão que foi adotado no mundo </a:t>
             </a:r>
             <a:r>
               <a:rPr lang="pt-BR" dirty="0" err="1"/>
-              <a:t>array</a:t>
-            </a:r>
-            <a:r>
-              <a:rPr lang="pt-BR" dirty="0"/>
-              <a:t>, no nosso caso, itens:</a:t>
+              <a:t>Node.js</a:t>
+            </a:r>
+            <a:r>
+              <a:rPr lang="pt-BR" dirty="0"/>
+              <a:t>. Como você já aprendeu, o </a:t>
+            </a:r>
+            <a:r>
+              <a:rPr lang="pt-BR" i="1" dirty="0" err="1"/>
+              <a:t>callback</a:t>
+            </a:r>
+            <a:r>
+              <a:rPr lang="pt-BR" dirty="0"/>
+              <a:t> é uma função chamada quando uma tarefa for executada, como uma requisição Ajax ou o acesso ao banco de dados. No entanto, a qualquer momento pode acontecer um erro no processamento e aí vem a questão de como lidar com isso.</a:t>
             </a:r>
           </a:p>
           <a:p>
             <a:endParaRPr lang="pt-BR" dirty="0"/>
           </a:p>
           <a:p>
-            <a:pPr algn="l"/>
-            <a:r>
-              <a:rPr lang="pt-BR" sz="1900" i="1" dirty="0" err="1">
-                <a:solidFill>
-                  <a:schemeClr val="accent5"/>
-                </a:solidFill>
-              </a:rPr>
-              <a:t>constructor</a:t>
-            </a:r>
-            <a:r>
-              <a:rPr lang="pt-BR" sz="1900" i="1" dirty="0">
-                <a:solidFill>
-                  <a:schemeClr val="accent5"/>
-                </a:solidFill>
-              </a:rPr>
-              <a:t>(tipo, ...itens) { </a:t>
-            </a:r>
-          </a:p>
-          <a:p>
-            <a:pPr algn="l"/>
-            <a:r>
-              <a:rPr lang="pt-BR" sz="1900" i="1" dirty="0">
-                <a:solidFill>
-                  <a:schemeClr val="accent5"/>
-                </a:solidFill>
-              </a:rPr>
-              <a:t>	//lógica </a:t>
-            </a:r>
-          </a:p>
-          <a:p>
-            <a:pPr algn="l"/>
-            <a:r>
-              <a:rPr lang="pt-BR" sz="1900" i="1" dirty="0">
-                <a:solidFill>
-                  <a:schemeClr val="accent5"/>
-                </a:solidFill>
-              </a:rPr>
-              <a:t>}</a:t>
-            </a:r>
-          </a:p>
-          <a:p>
-            <a:pPr algn="just"/>
+            <a:r>
+              <a:rPr lang="pt-BR" dirty="0"/>
+              <a:t>A convenção é que cada </a:t>
+            </a:r>
+            <a:r>
+              <a:rPr lang="pt-BR" b="1" i="1" dirty="0" err="1"/>
+              <a:t>callback</a:t>
+            </a:r>
+            <a:r>
+              <a:rPr lang="pt-BR" dirty="0"/>
+              <a:t> receba sempre o erro no primeiro parâmetro. Na função </a:t>
+            </a:r>
+            <a:r>
+              <a:rPr lang="pt-BR" i="1" dirty="0" err="1"/>
+              <a:t>callback</a:t>
+            </a:r>
+            <a:r>
+              <a:rPr lang="pt-BR" dirty="0"/>
+              <a:t>, basta então verificar esse parâmetro para saber se ocorreu um erro ou não!</a:t>
+            </a:r>
+          </a:p>
+          <a:p>
             <a:endParaRPr lang="pt-BR" dirty="0"/>
-          </a:p>
-          <a:p>
-            <a:pPr algn="just"/>
-            <a:r>
-              <a:rPr lang="pt-BR" dirty="0"/>
-              <a:t>E chamamos:</a:t>
-            </a:r>
-          </a:p>
-          <a:p>
-            <a:pPr algn="just"/>
-            <a:endParaRPr lang="pt-BR" dirty="0"/>
-          </a:p>
-          <a:p>
-            <a:pPr algn="l"/>
-            <a:r>
-              <a:rPr lang="pt-BR" sz="1900" i="1" dirty="0" err="1">
-                <a:solidFill>
-                  <a:schemeClr val="accent5"/>
-                </a:solidFill>
-              </a:rPr>
-              <a:t>let</a:t>
-            </a:r>
-            <a:r>
-              <a:rPr lang="pt-BR" sz="1900" i="1" dirty="0">
-                <a:solidFill>
-                  <a:schemeClr val="accent5"/>
-                </a:solidFill>
-              </a:rPr>
-              <a:t> cesta = new Cesta('fruta', 'banana', 'tomate', 'maçã’);</a:t>
-            </a:r>
-          </a:p>
-          <a:p>
-            <a:pPr algn="just"/>
-            <a:endParaRPr lang="pt-BR" dirty="0"/>
-          </a:p>
-          <a:p>
-            <a:pPr algn="just"/>
-            <a:r>
-              <a:rPr lang="pt-BR" dirty="0"/>
-              <a:t>No final, as variáveis no construtor ficarão:</a:t>
-            </a:r>
-          </a:p>
-          <a:p>
-            <a:pPr algn="just"/>
-            <a:endParaRPr lang="pt-BR" dirty="0"/>
-          </a:p>
-          <a:p>
-            <a:pPr marL="800100" lvl="1" indent="-342900" algn="just">
-              <a:buFont typeface="Arial" panose="020B0604020202020204" pitchFamily="34" charset="0"/>
-              <a:buChar char="•"/>
-            </a:pPr>
-            <a:r>
-              <a:rPr lang="pt-BR" dirty="0"/>
-              <a:t>tipo : 'fruta';</a:t>
-            </a:r>
-          </a:p>
-          <a:p>
-            <a:pPr marL="800100" lvl="1" indent="-342900" algn="just">
-              <a:buFont typeface="Arial" panose="020B0604020202020204" pitchFamily="34" charset="0"/>
-              <a:buChar char="•"/>
-            </a:pPr>
-            <a:r>
-              <a:rPr lang="pt-BR" dirty="0"/>
-              <a:t>itens : ['banana', 'tomate', 'maçã'].</a:t>
-            </a:r>
-          </a:p>
-          <a:p>
-            <a:endParaRPr lang="pt-BR" sz="1600" dirty="0"/>
           </a:p>
         </p:txBody>
       </p:sp>
     </p:spTree>
     <p:extLst>
       <p:ext uri="{BB962C8B-B14F-4D97-AF65-F5344CB8AC3E}">
-        <p14:creationId xmlns:p14="http://schemas.microsoft.com/office/powerpoint/2010/main" val="2516763126"/>
+        <p14:creationId xmlns:p14="http://schemas.microsoft.com/office/powerpoint/2010/main" val="434187553"/>
       </p:ext>
     </p:extLst>
   </p:cSld>
@@ -5156,13 +5268,13 @@
             <a:spLocks noGrp="1"/>
           </p:cNvSpPr>
           <p:nvPr>
-            <p:ph type="ctrTitle"/>
+            <p:ph type="title"/>
           </p:nvPr>
         </p:nvSpPr>
         <p:spPr>
           <a:xfrm>
-            <a:off x="853657" y="134559"/>
-            <a:ext cx="9144000" cy="529322"/>
+            <a:off x="759177" y="89552"/>
+            <a:ext cx="10515600" cy="549275"/>
           </a:xfrm>
         </p:spPr>
         <p:txBody>
@@ -5171,189 +5283,105 @@
           </a:bodyPr>
           <a:lstStyle/>
           <a:p>
-            <a:r>
-              <a:rPr lang="pt-BR" sz="2800" dirty="0">
-                <a:solidFill>
-                  <a:srgbClr val="3D464D"/>
-                </a:solidFill>
-                <a:latin typeface="Source Serif Pro"/>
-              </a:rPr>
-              <a:t>Padrão de projeto </a:t>
-            </a:r>
-            <a:r>
-              <a:rPr lang="pt-BR" sz="2800" b="1" dirty="0" err="1">
-                <a:solidFill>
-                  <a:srgbClr val="3D464D"/>
-                </a:solidFill>
-                <a:latin typeface="Source Serif Pro"/>
-              </a:rPr>
-              <a:t>Factory</a:t>
-            </a:r>
-            <a:endParaRPr lang="pt-BR" sz="2800" dirty="0">
-              <a:solidFill>
-                <a:srgbClr val="3D464D"/>
-              </a:solidFill>
-              <a:latin typeface="Source Serif Pro"/>
-            </a:endParaRPr>
-          </a:p>
-        </p:txBody>
-      </p:sp>
-      <p:sp>
-        <p:nvSpPr>
-          <p:cNvPr id="3" name="Subtítulo 2"/>
-          <p:cNvSpPr>
-            <a:spLocks noGrp="1"/>
-          </p:cNvSpPr>
-          <p:nvPr>
-            <p:ph type="subTitle" idx="1"/>
+            <a:pPr algn="ctr"/>
+            <a:r>
+              <a:rPr lang="pt-BR" sz="2800" b="1" dirty="0" err="1"/>
+              <a:t>Pyramid</a:t>
+            </a:r>
+            <a:r>
+              <a:rPr lang="pt-BR" sz="2800" b="1" dirty="0"/>
+              <a:t> </a:t>
+            </a:r>
+            <a:r>
+              <a:rPr lang="pt-BR" sz="2800" b="1" dirty="0" err="1"/>
+              <a:t>of</a:t>
+            </a:r>
+            <a:r>
+              <a:rPr lang="pt-BR" sz="2800" b="1" dirty="0"/>
+              <a:t> </a:t>
+            </a:r>
+            <a:r>
+              <a:rPr lang="pt-BR" sz="2800" b="1" dirty="0" err="1"/>
+              <a:t>Doom</a:t>
+            </a:r>
+            <a:r>
+              <a:rPr lang="pt-BR" sz="2800" b="1" dirty="0"/>
+              <a:t> (Pirâmide da desgraça)</a:t>
+            </a:r>
+          </a:p>
+        </p:txBody>
+      </p:sp>
+      <p:sp>
+        <p:nvSpPr>
+          <p:cNvPr id="7" name="Espaço Reservado para Conteúdo 6">
+            <a:extLst>
+              <a:ext uri="{FF2B5EF4-FFF2-40B4-BE49-F238E27FC236}">
+                <a16:creationId xmlns:a16="http://schemas.microsoft.com/office/drawing/2014/main" id="{CBDD146F-E87E-0140-B521-E123E7DC95E8}"/>
+              </a:ext>
+            </a:extLst>
+          </p:cNvPr>
+          <p:cNvSpPr>
+            <a:spLocks noGrp="1"/>
+          </p:cNvSpPr>
+          <p:nvPr>
+            <p:ph idx="1"/>
           </p:nvPr>
         </p:nvSpPr>
         <p:spPr>
           <a:xfrm>
-            <a:off x="477876" y="663881"/>
-            <a:ext cx="11259012" cy="5599133"/>
+            <a:off x="563671" y="801666"/>
+            <a:ext cx="10790129" cy="5375297"/>
           </a:xfrm>
         </p:spPr>
         <p:txBody>
-          <a:bodyPr>
-            <a:normAutofit/>
-          </a:bodyPr>
-          <a:lstStyle/>
-          <a:p>
-            <a:pPr algn="l"/>
-            <a:endParaRPr lang="pt-BR" sz="1800" dirty="0">
-              <a:solidFill>
-                <a:srgbClr val="3D464D"/>
-              </a:solidFill>
-              <a:latin typeface="Source Serif Pro"/>
-            </a:endParaRPr>
-          </a:p>
-          <a:p>
-            <a:pPr algn="l"/>
-            <a:r>
-              <a:rPr lang="pt-BR" sz="1800" dirty="0">
-                <a:solidFill>
-                  <a:srgbClr val="3D464D"/>
-                </a:solidFill>
-                <a:latin typeface="Source Serif Pro"/>
-              </a:rPr>
-              <a:t>1) Ele é utilizado quando precisamos facilitar a criação de um objeto.</a:t>
-            </a:r>
-          </a:p>
-          <a:p>
-            <a:pPr algn="l"/>
-            <a:r>
-              <a:rPr lang="pt-BR" sz="1800" dirty="0">
-                <a:solidFill>
-                  <a:srgbClr val="3D464D"/>
-                </a:solidFill>
-                <a:latin typeface="Source Serif Pro"/>
-              </a:rPr>
-              <a:t>2) É ideal quando queremos criar objetos similares, com apenas seus detalhes diferentes, que podemos passar nos argumentos da </a:t>
-            </a:r>
-            <a:r>
-              <a:rPr lang="pt-BR" sz="1800" b="1" dirty="0" err="1">
-                <a:solidFill>
-                  <a:srgbClr val="3D464D"/>
-                </a:solidFill>
-                <a:latin typeface="Source Serif Pro"/>
-              </a:rPr>
-              <a:t>Factory</a:t>
-            </a:r>
-            <a:r>
-              <a:rPr lang="pt-BR" sz="1800" dirty="0">
-                <a:solidFill>
-                  <a:srgbClr val="3D464D"/>
-                </a:solidFill>
-                <a:latin typeface="Source Serif Pro"/>
-              </a:rPr>
-              <a:t>.</a:t>
-            </a:r>
-          </a:p>
-          <a:p>
-            <a:pPr algn="l"/>
-            <a:r>
-              <a:rPr lang="pt-BR" sz="1800" dirty="0">
-                <a:solidFill>
-                  <a:srgbClr val="3D464D"/>
-                </a:solidFill>
-                <a:latin typeface="Source Serif Pro"/>
-              </a:rPr>
-              <a:t>3) É bom para abstrair a criação de um objeto complexo, já que o programador que utilizar a </a:t>
-            </a:r>
-            <a:r>
-              <a:rPr lang="pt-BR" sz="1800" b="1" dirty="0" err="1">
-                <a:solidFill>
-                  <a:srgbClr val="3D464D"/>
-                </a:solidFill>
-                <a:latin typeface="Source Serif Pro"/>
-              </a:rPr>
-              <a:t>Factory</a:t>
-            </a:r>
-            <a:r>
-              <a:rPr lang="pt-BR" sz="1800" dirty="0">
-                <a:solidFill>
-                  <a:srgbClr val="3D464D"/>
-                </a:solidFill>
-                <a:latin typeface="Source Serif Pro"/>
-              </a:rPr>
-              <a:t> não precisa necessariamente saber como é feita esta operação.</a:t>
-            </a:r>
-          </a:p>
-          <a:p>
-            <a:pPr algn="l"/>
-            <a:endParaRPr lang="pt-BR" sz="1800" dirty="0">
-              <a:solidFill>
-                <a:srgbClr val="3D464D"/>
-              </a:solidFill>
-              <a:latin typeface="Source Serif Pro"/>
-            </a:endParaRPr>
-          </a:p>
-          <a:p>
-            <a:r>
-              <a:rPr lang="pt-BR" dirty="0"/>
-              <a:t>O padrão de projeto </a:t>
-            </a:r>
-            <a:r>
-              <a:rPr lang="pt-BR" b="1" dirty="0" err="1"/>
-              <a:t>Factory</a:t>
-            </a:r>
-            <a:r>
-              <a:rPr lang="pt-BR" dirty="0"/>
-              <a:t> é um dos padrões mais utilizados no desenvolvimento. Ele é mais um da categoria dos </a:t>
-            </a:r>
-            <a:r>
-              <a:rPr lang="pt-BR" i="1" dirty="0" err="1"/>
-              <a:t>patterns</a:t>
-            </a:r>
-            <a:r>
-              <a:rPr lang="pt-BR" dirty="0"/>
-              <a:t> responsáveis por criar objetos, como o </a:t>
-            </a:r>
-            <a:r>
-              <a:rPr lang="pt-BR" b="1" dirty="0" err="1"/>
-              <a:t>Builder</a:t>
-            </a:r>
-            <a:r>
-              <a:rPr lang="pt-BR" dirty="0"/>
-              <a:t> e o </a:t>
-            </a:r>
-            <a:r>
-              <a:rPr lang="pt-BR" b="1" dirty="0" err="1"/>
-              <a:t>Prototype</a:t>
-            </a:r>
-            <a:r>
-              <a:rPr lang="pt-BR" dirty="0"/>
-              <a:t>.</a:t>
-            </a:r>
-            <a:endParaRPr lang="pt-BR" sz="1800" dirty="0"/>
+          <a:bodyPr/>
+          <a:lstStyle/>
+          <a:p>
+            <a:r>
+              <a:rPr lang="pt-BR" sz="2400" dirty="0"/>
+              <a:t>Isso ocorre porque temos várias funções aninhadas dentro de outras. Causando problemas de legibilidade do código. </a:t>
+            </a:r>
+          </a:p>
+          <a:p>
+            <a:endParaRPr lang="pt-BR" sz="2400" dirty="0"/>
+          </a:p>
+          <a:p>
+            <a:r>
+              <a:rPr lang="pt-BR" sz="2400" dirty="0"/>
+              <a:t>O maior problema disso chama </a:t>
+            </a:r>
+            <a:r>
+              <a:rPr lang="pt-BR" sz="2400" b="1" dirty="0" err="1"/>
+              <a:t>Callback</a:t>
+            </a:r>
+            <a:r>
+              <a:rPr lang="pt-BR" sz="2400" b="1" dirty="0"/>
+              <a:t> </a:t>
+            </a:r>
+            <a:r>
+              <a:rPr lang="pt-BR" sz="2400" b="1" dirty="0" err="1"/>
+              <a:t>Hell</a:t>
+            </a:r>
+            <a:r>
+              <a:rPr lang="pt-BR" sz="2400" b="1" dirty="0"/>
+              <a:t> </a:t>
+            </a:r>
+            <a:r>
+              <a:rPr lang="pt-BR" sz="2400" dirty="0"/>
+              <a:t>que ocorre quando temos essas requisições </a:t>
+            </a:r>
+            <a:r>
+              <a:rPr lang="pt-BR" sz="2400"/>
+              <a:t>assíncronas aninhadas.</a:t>
+            </a:r>
+            <a:endParaRPr lang="pt-BR" dirty="0"/>
           </a:p>
         </p:txBody>
       </p:sp>
     </p:spTree>
     <p:extLst>
       <p:ext uri="{BB962C8B-B14F-4D97-AF65-F5344CB8AC3E}">
-        <p14:creationId xmlns:p14="http://schemas.microsoft.com/office/powerpoint/2010/main" val="1766206525"/>
+        <p14:creationId xmlns:p14="http://schemas.microsoft.com/office/powerpoint/2010/main" val="789905944"/>
       </p:ext>
     </p:extLst>
   </p:cSld>
@@ -5405,1087 +5433,122 @@
             <a:pPr algn="ctr"/>
             <a:r>
               <a:rPr lang="pt-BR" sz="2800" b="1" dirty="0"/>
-              <a:t>Requisições AJAX</a:t>
-            </a:r>
-          </a:p>
-        </p:txBody>
-      </p:sp>
-      <p:sp>
-        <p:nvSpPr>
-          <p:cNvPr id="3" name="Espaço Reservado para Conteúdo 2"/>
-          <p:cNvSpPr>
-            <a:spLocks noGrp="1"/>
-          </p:cNvSpPr>
-          <p:nvPr>
-            <p:ph idx="1"/>
-          </p:nvPr>
-        </p:nvSpPr>
-        <p:spPr>
-          <a:xfrm>
-            <a:off x="759177" y="638827"/>
-            <a:ext cx="10515600" cy="2404998"/>
-          </a:xfrm>
-        </p:spPr>
-        <p:txBody>
-          <a:bodyPr>
-            <a:normAutofit/>
-          </a:bodyPr>
-          <a:lstStyle/>
-          <a:p>
-            <a:pPr marL="0" indent="0">
-              <a:buNone/>
-            </a:pPr>
-            <a:r>
-              <a:rPr lang="pt-BR" sz="2000" dirty="0" err="1"/>
-              <a:t>importaNegociacoes</a:t>
-            </a:r>
-            <a:r>
-              <a:rPr lang="pt-BR" sz="2000" dirty="0">
-                <a:solidFill>
-                  <a:srgbClr val="999999"/>
-                </a:solidFill>
-              </a:rPr>
-              <a:t>()</a:t>
-            </a:r>
-            <a:r>
-              <a:rPr lang="pt-BR" sz="2000" dirty="0"/>
-              <a:t> </a:t>
-            </a:r>
-            <a:r>
-              <a:rPr lang="pt-BR" sz="2000" dirty="0">
-                <a:solidFill>
-                  <a:srgbClr val="999999"/>
-                </a:solidFill>
-              </a:rPr>
-              <a:t>{</a:t>
-            </a:r>
-            <a:r>
-              <a:rPr lang="pt-BR" sz="2000" dirty="0"/>
-              <a:t> </a:t>
-            </a:r>
-          </a:p>
-          <a:p>
-            <a:pPr marL="457200" lvl="1" indent="0">
-              <a:buNone/>
-            </a:pPr>
-            <a:r>
-              <a:rPr lang="pt-BR" sz="2000" dirty="0" err="1"/>
-              <a:t>let</a:t>
-            </a:r>
-            <a:r>
-              <a:rPr lang="pt-BR" sz="2000" dirty="0"/>
-              <a:t> </a:t>
-            </a:r>
-            <a:r>
-              <a:rPr lang="pt-BR" sz="2000" dirty="0" err="1"/>
-              <a:t>xhr</a:t>
-            </a:r>
-            <a:r>
-              <a:rPr lang="pt-BR" sz="2000" dirty="0"/>
-              <a:t> </a:t>
-            </a:r>
-            <a:r>
-              <a:rPr lang="pt-BR" sz="2000" dirty="0">
-                <a:solidFill>
-                  <a:srgbClr val="999999"/>
-                </a:solidFill>
-              </a:rPr>
-              <a:t>=</a:t>
-            </a:r>
-            <a:r>
-              <a:rPr lang="pt-BR" sz="2000" dirty="0"/>
-              <a:t> </a:t>
-            </a:r>
-            <a:r>
-              <a:rPr lang="pt-BR" sz="2000" dirty="0">
-                <a:solidFill>
-                  <a:srgbClr val="0077AA"/>
-                </a:solidFill>
-              </a:rPr>
-              <a:t>new</a:t>
-            </a:r>
-            <a:r>
-              <a:rPr lang="pt-BR" sz="2000" dirty="0"/>
-              <a:t> </a:t>
-            </a:r>
-            <a:r>
-              <a:rPr lang="pt-BR" sz="2000" dirty="0" err="1">
-                <a:solidFill>
-                  <a:srgbClr val="A67F59"/>
-                </a:solidFill>
-              </a:rPr>
-              <a:t>XMLHttpRequest</a:t>
-            </a:r>
-            <a:r>
-              <a:rPr lang="pt-BR" sz="2000" dirty="0">
-                <a:solidFill>
-                  <a:srgbClr val="999999"/>
-                </a:solidFill>
-              </a:rPr>
-              <a:t>();</a:t>
-            </a:r>
-            <a:r>
-              <a:rPr lang="pt-BR" sz="2000" dirty="0"/>
-              <a:t> </a:t>
-            </a:r>
-          </a:p>
-          <a:p>
-            <a:pPr marL="457200" lvl="1" indent="0">
-              <a:buNone/>
-            </a:pPr>
-            <a:r>
-              <a:rPr lang="pt-BR" sz="2000" dirty="0">
-                <a:solidFill>
-                  <a:srgbClr val="708090"/>
-                </a:solidFill>
-              </a:rPr>
-              <a:t>/* configurações */</a:t>
-            </a:r>
-            <a:r>
-              <a:rPr lang="pt-BR" sz="2000" dirty="0"/>
-              <a:t> </a:t>
-            </a:r>
-          </a:p>
-          <a:p>
-            <a:pPr marL="457200" lvl="1" indent="0">
-              <a:buNone/>
-            </a:pPr>
-            <a:r>
-              <a:rPr lang="pt-BR" sz="2000" dirty="0" err="1"/>
-              <a:t>xhr</a:t>
-            </a:r>
-            <a:r>
-              <a:rPr lang="pt-BR" sz="2000" dirty="0" err="1">
-                <a:solidFill>
-                  <a:srgbClr val="999999"/>
-                </a:solidFill>
-              </a:rPr>
-              <a:t>.</a:t>
-            </a:r>
-            <a:r>
-              <a:rPr lang="pt-BR" sz="2000" dirty="0" err="1"/>
-              <a:t>open</a:t>
-            </a:r>
-            <a:r>
-              <a:rPr lang="pt-BR" sz="2000" dirty="0">
-                <a:solidFill>
-                  <a:srgbClr val="999999"/>
-                </a:solidFill>
-              </a:rPr>
-              <a:t>(</a:t>
-            </a:r>
-            <a:r>
-              <a:rPr lang="pt-BR" sz="2000" dirty="0">
-                <a:solidFill>
-                  <a:srgbClr val="669900"/>
-                </a:solidFill>
-              </a:rPr>
-              <a:t>'GET'</a:t>
-            </a:r>
-            <a:r>
-              <a:rPr lang="pt-BR" sz="2000" dirty="0">
-                <a:solidFill>
-                  <a:srgbClr val="999999"/>
-                </a:solidFill>
-              </a:rPr>
-              <a:t>,</a:t>
-            </a:r>
-            <a:r>
-              <a:rPr lang="pt-BR" sz="2000" dirty="0"/>
-              <a:t> </a:t>
-            </a:r>
-            <a:r>
-              <a:rPr lang="pt-BR" sz="2000" dirty="0">
-                <a:solidFill>
-                  <a:srgbClr val="669900"/>
-                </a:solidFill>
-              </a:rPr>
-              <a:t>'</a:t>
-            </a:r>
-            <a:r>
-              <a:rPr lang="pt-BR" sz="2000" dirty="0" err="1">
-                <a:solidFill>
-                  <a:srgbClr val="669900"/>
-                </a:solidFill>
-              </a:rPr>
-              <a:t>negociacoes</a:t>
-            </a:r>
-            <a:r>
-              <a:rPr lang="pt-BR" sz="2000" dirty="0">
-                <a:solidFill>
-                  <a:srgbClr val="669900"/>
-                </a:solidFill>
-              </a:rPr>
-              <a:t>/semana’</a:t>
-            </a:r>
-            <a:r>
-              <a:rPr lang="pt-BR" sz="2000" dirty="0">
-                <a:solidFill>
-                  <a:srgbClr val="999999"/>
-                </a:solidFill>
-              </a:rPr>
-              <a:t>);</a:t>
-            </a:r>
-            <a:r>
-              <a:rPr lang="pt-BR" sz="2000" dirty="0"/>
-              <a:t> </a:t>
-            </a:r>
-          </a:p>
-          <a:p>
-            <a:pPr marL="457200" lvl="1" indent="0">
-              <a:buNone/>
-            </a:pPr>
-            <a:r>
-              <a:rPr lang="pt-BR" sz="2000" dirty="0">
-                <a:solidFill>
-                  <a:srgbClr val="708090"/>
-                </a:solidFill>
-              </a:rPr>
-              <a:t>/* executa */</a:t>
-            </a:r>
-            <a:r>
-              <a:rPr lang="pt-BR" sz="2000" dirty="0"/>
-              <a:t> </a:t>
-            </a:r>
-          </a:p>
-          <a:p>
-            <a:pPr marL="457200" lvl="1" indent="0">
-              <a:buNone/>
-            </a:pPr>
-            <a:r>
-              <a:rPr lang="pt-BR" sz="2000" dirty="0" err="1"/>
-              <a:t>xhr</a:t>
-            </a:r>
-            <a:r>
-              <a:rPr lang="pt-BR" sz="2000" dirty="0" err="1">
-                <a:solidFill>
-                  <a:srgbClr val="999999"/>
-                </a:solidFill>
-              </a:rPr>
-              <a:t>.</a:t>
-            </a:r>
-            <a:r>
-              <a:rPr lang="pt-BR" sz="2000" dirty="0" err="1"/>
-              <a:t>send</a:t>
-            </a:r>
-            <a:r>
-              <a:rPr lang="pt-BR" sz="2000" dirty="0">
-                <a:solidFill>
-                  <a:srgbClr val="999999"/>
-                </a:solidFill>
-              </a:rPr>
-              <a:t>();</a:t>
-            </a:r>
-            <a:r>
-              <a:rPr lang="pt-BR" sz="2000" dirty="0"/>
-              <a:t> </a:t>
-            </a:r>
-          </a:p>
-          <a:p>
-            <a:pPr marL="457200" lvl="1" indent="0">
-              <a:buNone/>
-            </a:pPr>
-            <a:r>
-              <a:rPr lang="pt-BR" sz="2000" dirty="0">
-                <a:solidFill>
-                  <a:srgbClr val="999999"/>
-                </a:solidFill>
-              </a:rPr>
-              <a:t>}</a:t>
-            </a:r>
-            <a:endParaRPr lang="pt-BR" sz="2000" dirty="0"/>
-          </a:p>
-        </p:txBody>
-      </p:sp>
-      <p:sp>
-        <p:nvSpPr>
-          <p:cNvPr id="4" name="CaixaDeTexto 3">
+              <a:t>Persistência</a:t>
+            </a:r>
+          </a:p>
+        </p:txBody>
+      </p:sp>
+      <p:sp>
+        <p:nvSpPr>
+          <p:cNvPr id="7" name="Espaço Reservado para Conteúdo 6">
             <a:extLst>
               <a:ext uri="{FF2B5EF4-FFF2-40B4-BE49-F238E27FC236}">
-                <a16:creationId xmlns:a16="http://schemas.microsoft.com/office/drawing/2014/main" id="{2B49808F-FE10-2C4E-A8A3-8DE472D779E6}"/>
+                <a16:creationId xmlns:a16="http://schemas.microsoft.com/office/drawing/2014/main" id="{CBDD146F-E87E-0140-B521-E123E7DC95E8}"/>
               </a:ext>
             </a:extLst>
           </p:cNvPr>
-          <p:cNvSpPr txBox="1"/>
-          <p:nvPr/>
+          <p:cNvSpPr>
+            <a:spLocks noGrp="1"/>
+          </p:cNvSpPr>
+          <p:nvPr>
+            <p:ph idx="1"/>
+          </p:nvPr>
         </p:nvSpPr>
         <p:spPr>
           <a:xfrm>
-            <a:off x="270663" y="3156559"/>
-            <a:ext cx="5065426" cy="2031325"/>
+            <a:off x="563671" y="801666"/>
+            <a:ext cx="10790129" cy="5375297"/>
           </a:xfrm>
-          <a:prstGeom prst="rect">
-            <a:avLst/>
-          </a:prstGeom>
-          <a:noFill/>
         </p:spPr>
         <p:txBody>
-          <a:bodyPr wrap="square" rtlCol="0">
-            <a:spAutoFit/>
-          </a:bodyPr>
-          <a:lstStyle/>
-          <a:p>
-            <a:r>
-              <a:rPr lang="pt-BR" dirty="0"/>
-              <a:t>Os estados possíveis de um requisição AJAX</a:t>
-            </a:r>
-          </a:p>
-          <a:p>
-            <a:r>
-              <a:rPr lang="pt-BR" dirty="0"/>
-              <a:t>0: requisição ainda não iniciada</a:t>
-            </a:r>
-          </a:p>
-          <a:p>
-            <a:r>
-              <a:rPr lang="pt-BR" dirty="0"/>
-              <a:t>1: conexão com o servidor estabelecida</a:t>
-            </a:r>
-          </a:p>
-          <a:p>
-            <a:r>
-              <a:rPr lang="pt-BR" dirty="0"/>
-              <a:t>2: requisição recebida</a:t>
-            </a:r>
-          </a:p>
-          <a:p>
-            <a:r>
-              <a:rPr lang="pt-BR" dirty="0"/>
-              <a:t>3: processando requisição</a:t>
-            </a:r>
-          </a:p>
-          <a:p>
-            <a:r>
-              <a:rPr lang="pt-BR" dirty="0"/>
-              <a:t>4: requisição está concluída e a resposta está pronta</a:t>
-            </a:r>
-          </a:p>
-          <a:p>
-            <a:endParaRPr lang="pt-BR" dirty="0"/>
-          </a:p>
-        </p:txBody>
-      </p:sp>
-      <p:sp>
-        <p:nvSpPr>
-          <p:cNvPr id="5" name="Retângulo 4">
-            <a:extLst>
-              <a:ext uri="{FF2B5EF4-FFF2-40B4-BE49-F238E27FC236}">
-                <a16:creationId xmlns:a16="http://schemas.microsoft.com/office/drawing/2014/main" id="{44E759E8-03D1-B640-9A02-6E91006515C5}"/>
-              </a:ext>
-            </a:extLst>
-          </p:cNvPr>
-          <p:cNvSpPr/>
-          <p:nvPr/>
-        </p:nvSpPr>
-        <p:spPr>
-          <a:xfrm>
-            <a:off x="5453306" y="3505418"/>
-            <a:ext cx="6738694" cy="3139321"/>
-          </a:xfrm>
-          <a:prstGeom prst="rect">
-            <a:avLst/>
-          </a:prstGeom>
-        </p:spPr>
-        <p:txBody>
-          <a:bodyPr wrap="square">
-            <a:spAutoFit/>
-          </a:bodyPr>
-          <a:lstStyle/>
-          <a:p>
-            <a:r>
-              <a:rPr lang="pt-BR" dirty="0" err="1">
-                <a:solidFill>
-                  <a:srgbClr val="0077AA"/>
-                </a:solidFill>
-              </a:rPr>
-              <a:t>if</a:t>
-            </a:r>
-            <a:r>
-              <a:rPr lang="pt-BR" dirty="0">
-                <a:solidFill>
-                  <a:srgbClr val="999999"/>
-                </a:solidFill>
-              </a:rPr>
-              <a:t>(</a:t>
-            </a:r>
+          <a:bodyPr/>
+          <a:lstStyle/>
+          <a:p>
+            <a:r>
+              <a:rPr lang="pt-BR" sz="2400" dirty="0"/>
+              <a:t>Persistência com o banco de dados bastante famoso no mercado e certificado pela W3C, </a:t>
+            </a:r>
+            <a:r>
+              <a:rPr lang="pt-BR" sz="2400" b="1" dirty="0" err="1"/>
+              <a:t>IndexedDB</a:t>
+            </a:r>
+            <a:r>
+              <a:rPr lang="pt-BR" sz="2400" dirty="0"/>
+              <a:t> (</a:t>
+            </a:r>
+            <a:r>
+              <a:rPr lang="pt-BR" sz="2400" b="1" dirty="0"/>
+              <a:t>IDB</a:t>
+            </a:r>
+            <a:r>
+              <a:rPr lang="pt-BR" sz="2400" dirty="0"/>
+              <a:t>).</a:t>
+            </a:r>
+          </a:p>
+          <a:p>
+            <a:r>
+              <a:rPr lang="pt-BR" sz="2400" dirty="0"/>
+              <a:t>É acessível pelo escopo global</a:t>
+            </a:r>
+          </a:p>
+          <a:p>
+            <a:r>
+              <a:rPr lang="pt-BR" sz="2400" dirty="0"/>
+              <a:t>Precisamos solicitar uma requisição de abertura para um Banco antes de qualquer coisa</a:t>
+            </a:r>
+          </a:p>
+          <a:p>
+            <a:r>
+              <a:rPr lang="pt-BR" sz="2400" dirty="0"/>
+              <a:t>Temos que lidar com uma tríade de eventos todas as vezes que obtermos uma conexão</a:t>
+            </a:r>
+          </a:p>
+          <a:p>
+            <a:pPr lvl="1"/>
             <a:r>
               <a:rPr lang="pt-BR" dirty="0" err="1"/>
-              <a:t>xhr</a:t>
-            </a:r>
-            <a:r>
-              <a:rPr lang="pt-BR" dirty="0" err="1">
-                <a:solidFill>
-                  <a:srgbClr val="999999"/>
-                </a:solidFill>
-              </a:rPr>
-              <a:t>.</a:t>
-            </a:r>
+              <a:t>openRequest.</a:t>
+            </a:r>
+            <a:r>
+              <a:rPr lang="pt-BR" b="1" dirty="0" err="1"/>
+              <a:t>onupgradeneeded</a:t>
+            </a:r>
+            <a:endParaRPr lang="pt-BR" b="1" dirty="0"/>
+          </a:p>
+          <a:p>
+            <a:pPr lvl="1"/>
             <a:r>
               <a:rPr lang="pt-BR" dirty="0" err="1"/>
-              <a:t>status</a:t>
-            </a:r>
-            <a:r>
-              <a:rPr lang="pt-BR" dirty="0"/>
-              <a:t> </a:t>
-            </a:r>
-            <a:r>
-              <a:rPr lang="pt-BR" dirty="0">
-                <a:solidFill>
-                  <a:srgbClr val="999999"/>
-                </a:solidFill>
-              </a:rPr>
-              <a:t>==</a:t>
-            </a:r>
-            <a:r>
-              <a:rPr lang="pt-BR" dirty="0"/>
-              <a:t> </a:t>
-            </a:r>
-            <a:r>
-              <a:rPr lang="pt-BR" dirty="0">
-                <a:solidFill>
-                  <a:srgbClr val="990055"/>
-                </a:solidFill>
-              </a:rPr>
-              <a:t>200</a:t>
-            </a:r>
-            <a:r>
-              <a:rPr lang="pt-BR" dirty="0">
-                <a:solidFill>
-                  <a:srgbClr val="999999"/>
-                </a:solidFill>
-              </a:rPr>
-              <a:t>)</a:t>
-            </a:r>
-            <a:r>
-              <a:rPr lang="pt-BR" dirty="0"/>
-              <a:t> </a:t>
-            </a:r>
-            <a:r>
-              <a:rPr lang="pt-BR" dirty="0">
-                <a:solidFill>
-                  <a:srgbClr val="999999"/>
-                </a:solidFill>
-              </a:rPr>
-              <a:t>{</a:t>
-            </a:r>
-            <a:r>
-              <a:rPr lang="pt-BR" dirty="0"/>
-              <a:t> </a:t>
-            </a:r>
-          </a:p>
-          <a:p>
-            <a:r>
-              <a:rPr lang="pt-BR" dirty="0"/>
-              <a:t>	</a:t>
-            </a:r>
+              <a:t>openRequest.</a:t>
+            </a:r>
+            <a:r>
+              <a:rPr lang="pt-BR" b="1" dirty="0" err="1"/>
+              <a:t>onsuccess</a:t>
+            </a:r>
+            <a:endParaRPr lang="pt-BR" b="1" dirty="0"/>
+          </a:p>
+          <a:p>
+            <a:pPr lvl="1"/>
             <a:r>
               <a:rPr lang="pt-BR" dirty="0" err="1"/>
-              <a:t>JSON</a:t>
-            </a:r>
-            <a:r>
-              <a:rPr lang="pt-BR" dirty="0" err="1">
-                <a:solidFill>
-                  <a:srgbClr val="999999"/>
-                </a:solidFill>
-              </a:rPr>
-              <a:t>.</a:t>
-            </a:r>
-            <a:r>
-              <a:rPr lang="pt-BR" dirty="0" err="1"/>
-              <a:t>parse</a:t>
-            </a:r>
-            <a:r>
-              <a:rPr lang="pt-BR" dirty="0">
-                <a:solidFill>
-                  <a:srgbClr val="999999"/>
-                </a:solidFill>
-              </a:rPr>
-              <a:t>(</a:t>
-            </a:r>
-            <a:r>
-              <a:rPr lang="pt-BR" dirty="0" err="1"/>
-              <a:t>xhr</a:t>
-            </a:r>
-            <a:r>
-              <a:rPr lang="pt-BR" dirty="0" err="1">
-                <a:solidFill>
-                  <a:srgbClr val="999999"/>
-                </a:solidFill>
-              </a:rPr>
-              <a:t>.</a:t>
-            </a:r>
-            <a:r>
-              <a:rPr lang="pt-BR" dirty="0" err="1"/>
-              <a:t>responseText</a:t>
-            </a:r>
-            <a:r>
-              <a:rPr lang="pt-BR" dirty="0">
-                <a:solidFill>
-                  <a:srgbClr val="999999"/>
-                </a:solidFill>
-              </a:rPr>
-              <a:t>)</a:t>
-            </a:r>
-            <a:r>
-              <a:rPr lang="pt-BR" dirty="0"/>
-              <a:t> </a:t>
-            </a:r>
-            <a:r>
-              <a:rPr lang="pt-BR" dirty="0">
-                <a:solidFill>
-                  <a:srgbClr val="999999"/>
-                </a:solidFill>
-              </a:rPr>
-              <a:t>.</a:t>
-            </a:r>
-            <a:r>
-              <a:rPr lang="pt-BR" dirty="0" err="1"/>
-              <a:t>map</a:t>
-            </a:r>
-            <a:r>
-              <a:rPr lang="pt-BR" dirty="0">
-                <a:solidFill>
-                  <a:srgbClr val="999999"/>
-                </a:solidFill>
-              </a:rPr>
-              <a:t>(</a:t>
-            </a:r>
-            <a:r>
-              <a:rPr lang="pt-BR" dirty="0"/>
-              <a:t>objeto</a:t>
-            </a:r>
-            <a:r>
-              <a:rPr lang="pt-BR" dirty="0">
-                <a:solidFill>
-                  <a:srgbClr val="999999"/>
-                </a:solidFill>
-              </a:rPr>
-              <a:t>=&gt;</a:t>
-            </a:r>
-            <a:r>
-              <a:rPr lang="pt-BR" dirty="0"/>
-              <a:t> </a:t>
-            </a:r>
-            <a:r>
-              <a:rPr lang="pt-BR" dirty="0">
-                <a:solidFill>
-                  <a:srgbClr val="0077AA"/>
-                </a:solidFill>
-              </a:rPr>
-              <a:t>new</a:t>
-            </a:r>
-            <a:r>
-              <a:rPr lang="pt-BR" dirty="0"/>
-              <a:t> 	</a:t>
-            </a:r>
-            <a:r>
-              <a:rPr lang="pt-BR" dirty="0" err="1">
-                <a:solidFill>
-                  <a:srgbClr val="A67F59"/>
-                </a:solidFill>
-              </a:rPr>
-              <a:t>Negociacao</a:t>
-            </a:r>
-            <a:r>
-              <a:rPr lang="pt-BR" dirty="0">
-                <a:solidFill>
-                  <a:srgbClr val="999999"/>
-                </a:solidFill>
-              </a:rPr>
-              <a:t>(</a:t>
-            </a:r>
-            <a:r>
-              <a:rPr lang="pt-BR" dirty="0">
-                <a:solidFill>
-                  <a:srgbClr val="0077AA"/>
-                </a:solidFill>
-              </a:rPr>
-              <a:t>new</a:t>
-            </a:r>
-            <a:r>
-              <a:rPr lang="pt-BR" dirty="0"/>
-              <a:t> </a:t>
-            </a:r>
-            <a:r>
-              <a:rPr lang="pt-BR" dirty="0">
-                <a:solidFill>
-                  <a:srgbClr val="A67F59"/>
-                </a:solidFill>
-              </a:rPr>
-              <a:t>Date</a:t>
-            </a:r>
-            <a:r>
-              <a:rPr lang="pt-BR" dirty="0">
-                <a:solidFill>
-                  <a:srgbClr val="999999"/>
-                </a:solidFill>
-              </a:rPr>
-              <a:t>(</a:t>
-            </a:r>
-            <a:r>
-              <a:rPr lang="pt-BR" dirty="0" err="1"/>
-              <a:t>objeto</a:t>
-            </a:r>
-            <a:r>
-              <a:rPr lang="pt-BR" dirty="0" err="1">
-                <a:solidFill>
-                  <a:srgbClr val="999999"/>
-                </a:solidFill>
-              </a:rPr>
-              <a:t>.</a:t>
-            </a:r>
-            <a:r>
-              <a:rPr lang="pt-BR" dirty="0" err="1"/>
-              <a:t>data</a:t>
-            </a:r>
-            <a:r>
-              <a:rPr lang="pt-BR" dirty="0">
-                <a:solidFill>
-                  <a:srgbClr val="999999"/>
-                </a:solidFill>
-              </a:rPr>
-              <a:t>),</a:t>
-            </a:r>
-            <a:r>
-              <a:rPr lang="pt-BR" dirty="0"/>
-              <a:t> </a:t>
-            </a:r>
-            <a:r>
-              <a:rPr lang="pt-BR" dirty="0" err="1"/>
-              <a:t>objeto</a:t>
-            </a:r>
-            <a:r>
-              <a:rPr lang="pt-BR" dirty="0" err="1">
-                <a:solidFill>
-                  <a:srgbClr val="999999"/>
-                </a:solidFill>
-              </a:rPr>
-              <a:t>.</a:t>
-            </a:r>
-            <a:r>
-              <a:rPr lang="pt-BR" dirty="0" err="1"/>
-              <a:t>quantidade</a:t>
-            </a:r>
-            <a:r>
-              <a:rPr lang="pt-BR" dirty="0">
-                <a:solidFill>
-                  <a:srgbClr val="999999"/>
-                </a:solidFill>
-              </a:rPr>
-              <a:t>,</a:t>
-            </a:r>
-            <a:r>
-              <a:rPr lang="pt-BR" dirty="0"/>
-              <a:t> </a:t>
-            </a:r>
-            <a:r>
-              <a:rPr lang="pt-BR" dirty="0" err="1"/>
-              <a:t>objeto</a:t>
-            </a:r>
-            <a:r>
-              <a:rPr lang="pt-BR" dirty="0" err="1">
-                <a:solidFill>
-                  <a:srgbClr val="999999"/>
-                </a:solidFill>
-              </a:rPr>
-              <a:t>.</a:t>
-            </a:r>
-            <a:r>
-              <a:rPr lang="pt-BR" dirty="0" err="1"/>
-              <a:t>valor</a:t>
-            </a:r>
-            <a:r>
-              <a:rPr lang="pt-BR" dirty="0">
-                <a:solidFill>
-                  <a:srgbClr val="999999"/>
-                </a:solidFill>
-              </a:rPr>
-              <a:t>))</a:t>
-            </a:r>
-            <a:r>
-              <a:rPr lang="pt-BR" dirty="0"/>
-              <a:t> </a:t>
-            </a:r>
-            <a:r>
-              <a:rPr lang="pt-BR" dirty="0">
-                <a:solidFill>
-                  <a:srgbClr val="999999"/>
-                </a:solidFill>
-              </a:rPr>
-              <a:t>.</a:t>
-            </a:r>
-            <a:r>
-              <a:rPr lang="pt-BR" dirty="0" err="1"/>
-              <a:t>forEach</a:t>
-            </a:r>
-            <a:r>
-              <a:rPr lang="pt-BR" dirty="0">
-                <a:solidFill>
-                  <a:srgbClr val="999999"/>
-                </a:solidFill>
-              </a:rPr>
-              <a:t>(</a:t>
-            </a:r>
-            <a:r>
-              <a:rPr lang="pt-BR" dirty="0" err="1"/>
-              <a:t>negociacao</a:t>
-            </a:r>
-            <a:r>
-              <a:rPr lang="pt-BR" dirty="0"/>
-              <a:t> </a:t>
-            </a:r>
-            <a:r>
-              <a:rPr lang="pt-BR" dirty="0">
-                <a:solidFill>
-                  <a:srgbClr val="999999"/>
-                </a:solidFill>
-              </a:rPr>
-              <a:t>=&gt;</a:t>
-            </a:r>
-            <a:r>
-              <a:rPr lang="pt-BR" dirty="0"/>
-              <a:t> 	</a:t>
-            </a:r>
-            <a:r>
-              <a:rPr lang="pt-BR" dirty="0" err="1">
-                <a:solidFill>
-                  <a:srgbClr val="0077AA"/>
-                </a:solidFill>
-              </a:rPr>
-              <a:t>this</a:t>
-            </a:r>
-            <a:r>
-              <a:rPr lang="pt-BR" dirty="0">
-                <a:solidFill>
-                  <a:srgbClr val="999999"/>
-                </a:solidFill>
-              </a:rPr>
-              <a:t>.</a:t>
-            </a:r>
-            <a:r>
-              <a:rPr lang="pt-BR" dirty="0"/>
-              <a:t>_</a:t>
-            </a:r>
-            <a:r>
-              <a:rPr lang="pt-BR" dirty="0" err="1"/>
-              <a:t>listaNegociacoes</a:t>
-            </a:r>
-            <a:r>
-              <a:rPr lang="pt-BR" dirty="0" err="1">
-                <a:solidFill>
-                  <a:srgbClr val="999999"/>
-                </a:solidFill>
-              </a:rPr>
-              <a:t>.</a:t>
-            </a:r>
-            <a:r>
-              <a:rPr lang="pt-BR" dirty="0" err="1"/>
-              <a:t>adiciona</a:t>
-            </a:r>
-            <a:r>
-              <a:rPr lang="pt-BR" dirty="0">
-                <a:solidFill>
-                  <a:srgbClr val="999999"/>
-                </a:solidFill>
-              </a:rPr>
-              <a:t>(</a:t>
-            </a:r>
-            <a:r>
-              <a:rPr lang="pt-BR" dirty="0" err="1"/>
-              <a:t>negociacao</a:t>
-            </a:r>
-            <a:r>
-              <a:rPr lang="pt-BR" dirty="0">
-                <a:solidFill>
-                  <a:srgbClr val="999999"/>
-                </a:solidFill>
-              </a:rPr>
-              <a:t>))</a:t>
-            </a:r>
-            <a:r>
-              <a:rPr lang="pt-BR" dirty="0"/>
-              <a:t> </a:t>
-            </a:r>
-            <a:r>
-              <a:rPr lang="pt-BR" dirty="0" err="1">
-                <a:solidFill>
-                  <a:srgbClr val="0077AA"/>
-                </a:solidFill>
-              </a:rPr>
-              <a:t>this</a:t>
-            </a:r>
-            <a:r>
-              <a:rPr lang="pt-BR" dirty="0">
-                <a:solidFill>
-                  <a:srgbClr val="999999"/>
-                </a:solidFill>
-              </a:rPr>
-              <a:t>.</a:t>
-            </a:r>
-            <a:r>
-              <a:rPr lang="pt-BR" dirty="0"/>
-              <a:t>_</a:t>
-            </a:r>
-            <a:r>
-              <a:rPr lang="pt-BR" dirty="0" err="1"/>
-              <a:t>mensagem</a:t>
-            </a:r>
-            <a:r>
-              <a:rPr lang="pt-BR" dirty="0" err="1">
-                <a:solidFill>
-                  <a:srgbClr val="999999"/>
-                </a:solidFill>
-              </a:rPr>
-              <a:t>.</a:t>
-            </a:r>
-            <a:r>
-              <a:rPr lang="pt-BR" dirty="0" err="1"/>
-              <a:t>texto</a:t>
-            </a:r>
-            <a:r>
-              <a:rPr lang="pt-BR" dirty="0"/>
-              <a:t> </a:t>
-            </a:r>
-            <a:r>
-              <a:rPr lang="pt-BR" dirty="0">
-                <a:solidFill>
-                  <a:srgbClr val="999999"/>
-                </a:solidFill>
-              </a:rPr>
-              <a:t>=</a:t>
-            </a:r>
-            <a:r>
-              <a:rPr lang="pt-BR" dirty="0"/>
-              <a:t> </a:t>
-            </a:r>
-            <a:r>
-              <a:rPr lang="pt-BR" dirty="0">
-                <a:solidFill>
-                  <a:srgbClr val="669900"/>
-                </a:solidFill>
-              </a:rPr>
-              <a:t>'Negociações importadas com sucesso.’</a:t>
-            </a:r>
-            <a:r>
-              <a:rPr lang="pt-BR" dirty="0">
-                <a:solidFill>
-                  <a:srgbClr val="999999"/>
-                </a:solidFill>
-              </a:rPr>
-              <a:t>;</a:t>
-            </a:r>
-            <a:r>
-              <a:rPr lang="pt-BR" dirty="0"/>
-              <a:t> </a:t>
-            </a:r>
-          </a:p>
-          <a:p>
-            <a:r>
-              <a:rPr lang="pt-BR" dirty="0">
-                <a:solidFill>
-                  <a:srgbClr val="999999"/>
-                </a:solidFill>
-              </a:rPr>
-              <a:t>}</a:t>
-            </a:r>
-            <a:r>
-              <a:rPr lang="pt-BR" dirty="0"/>
-              <a:t> </a:t>
-            </a:r>
-            <a:r>
-              <a:rPr lang="pt-BR" dirty="0" err="1">
-                <a:solidFill>
-                  <a:srgbClr val="0077AA"/>
-                </a:solidFill>
-              </a:rPr>
-              <a:t>else</a:t>
-            </a:r>
-            <a:r>
-              <a:rPr lang="pt-BR" dirty="0"/>
-              <a:t> </a:t>
-            </a:r>
-            <a:r>
-              <a:rPr lang="pt-BR" dirty="0">
-                <a:solidFill>
-                  <a:srgbClr val="999999"/>
-                </a:solidFill>
-              </a:rPr>
-              <a:t>{</a:t>
-            </a:r>
-            <a:r>
-              <a:rPr lang="pt-BR" dirty="0"/>
-              <a:t> </a:t>
-            </a:r>
-          </a:p>
-          <a:p>
-            <a:r>
-              <a:rPr lang="pt-BR" dirty="0"/>
-              <a:t>	</a:t>
-            </a:r>
-            <a:r>
-              <a:rPr lang="pt-BR" dirty="0" err="1"/>
-              <a:t>console</a:t>
-            </a:r>
-            <a:r>
-              <a:rPr lang="pt-BR" dirty="0" err="1">
-                <a:solidFill>
-                  <a:srgbClr val="999999"/>
-                </a:solidFill>
-              </a:rPr>
-              <a:t>.</a:t>
-            </a:r>
-            <a:r>
-              <a:rPr lang="pt-BR" dirty="0" err="1"/>
-              <a:t>log</a:t>
-            </a:r>
-            <a:r>
-              <a:rPr lang="pt-BR" dirty="0">
-                <a:solidFill>
-                  <a:srgbClr val="999999"/>
-                </a:solidFill>
-              </a:rPr>
-              <a:t>(</a:t>
-            </a:r>
-            <a:r>
-              <a:rPr lang="pt-BR" dirty="0" err="1"/>
-              <a:t>xhr</a:t>
-            </a:r>
-            <a:r>
-              <a:rPr lang="pt-BR" dirty="0" err="1">
-                <a:solidFill>
-                  <a:srgbClr val="999999"/>
-                </a:solidFill>
-              </a:rPr>
-              <a:t>.</a:t>
-            </a:r>
-            <a:r>
-              <a:rPr lang="pt-BR" dirty="0" err="1"/>
-              <a:t>responseText</a:t>
-            </a:r>
-            <a:r>
-              <a:rPr lang="pt-BR" dirty="0">
-                <a:solidFill>
-                  <a:srgbClr val="999999"/>
-                </a:solidFill>
-              </a:rPr>
-              <a:t>);</a:t>
-            </a:r>
-            <a:r>
-              <a:rPr lang="pt-BR" dirty="0"/>
-              <a:t> </a:t>
-            </a:r>
-          </a:p>
-          <a:p>
-            <a:r>
-              <a:rPr lang="pt-BR" dirty="0">
-                <a:solidFill>
-                  <a:srgbClr val="0077AA"/>
-                </a:solidFill>
-              </a:rPr>
-              <a:t>	</a:t>
-            </a:r>
-            <a:r>
-              <a:rPr lang="pt-BR" dirty="0" err="1">
-                <a:solidFill>
-                  <a:srgbClr val="0077AA"/>
-                </a:solidFill>
-              </a:rPr>
-              <a:t>this</a:t>
-            </a:r>
-            <a:r>
-              <a:rPr lang="pt-BR" dirty="0">
-                <a:solidFill>
-                  <a:srgbClr val="999999"/>
-                </a:solidFill>
-              </a:rPr>
-              <a:t>.</a:t>
-            </a:r>
-            <a:r>
-              <a:rPr lang="pt-BR" dirty="0"/>
-              <a:t>_</a:t>
-            </a:r>
-            <a:r>
-              <a:rPr lang="pt-BR" dirty="0" err="1"/>
-              <a:t>mensagem</a:t>
-            </a:r>
-            <a:r>
-              <a:rPr lang="pt-BR" dirty="0" err="1">
-                <a:solidFill>
-                  <a:srgbClr val="999999"/>
-                </a:solidFill>
-              </a:rPr>
-              <a:t>.</a:t>
-            </a:r>
-            <a:r>
-              <a:rPr lang="pt-BR" dirty="0" err="1"/>
-              <a:t>texto</a:t>
-            </a:r>
-            <a:r>
-              <a:rPr lang="pt-BR" dirty="0"/>
-              <a:t> </a:t>
-            </a:r>
-            <a:r>
-              <a:rPr lang="pt-BR" dirty="0">
-                <a:solidFill>
-                  <a:srgbClr val="999999"/>
-                </a:solidFill>
-              </a:rPr>
-              <a:t>=</a:t>
-            </a:r>
-            <a:r>
-              <a:rPr lang="pt-BR" dirty="0"/>
-              <a:t> </a:t>
-            </a:r>
-            <a:r>
-              <a:rPr lang="pt-BR" dirty="0">
-                <a:solidFill>
-                  <a:srgbClr val="669900"/>
-                </a:solidFill>
-              </a:rPr>
-              <a:t>'Não foi possível obter as negociações.’</a:t>
-            </a:r>
-            <a:r>
-              <a:rPr lang="pt-BR" dirty="0">
-                <a:solidFill>
-                  <a:srgbClr val="999999"/>
-                </a:solidFill>
-              </a:rPr>
-              <a:t>;</a:t>
-            </a:r>
-          </a:p>
-          <a:p>
-            <a:r>
-              <a:rPr lang="pt-BR" dirty="0"/>
-              <a:t> </a:t>
-            </a:r>
-            <a:r>
-              <a:rPr lang="pt-BR" dirty="0">
-                <a:solidFill>
-                  <a:srgbClr val="999999"/>
-                </a:solidFill>
-              </a:rPr>
-              <a:t>}</a:t>
-            </a:r>
-            <a:r>
-              <a:rPr lang="pt-BR" dirty="0"/>
-              <a:t> </a:t>
-            </a:r>
-            <a:r>
-              <a:rPr lang="pt-BR" dirty="0">
-                <a:solidFill>
-                  <a:srgbClr val="999999"/>
-                </a:solidFill>
-              </a:rPr>
-              <a:t>}</a:t>
-            </a:r>
-            <a:endParaRPr lang="pt-BR" dirty="0"/>
+              <a:t>openRequest.</a:t>
+            </a:r>
+            <a:r>
+              <a:rPr lang="pt-BR" b="1" dirty="0" err="1"/>
+              <a:t>onerror</a:t>
+            </a:r>
+            <a:endParaRPr lang="pt-BR" b="1" dirty="0"/>
+          </a:p>
+          <a:p>
+            <a:pPr lvl="1"/>
+            <a:endParaRPr lang="pt-BR" sz="2000" dirty="0"/>
           </a:p>
         </p:txBody>
       </p:sp>
     </p:spTree>
     <p:extLst>
       <p:ext uri="{BB962C8B-B14F-4D97-AF65-F5344CB8AC3E}">
-        <p14:creationId xmlns:p14="http://schemas.microsoft.com/office/powerpoint/2010/main" val="1288214671"/>
+        <p14:creationId xmlns:p14="http://schemas.microsoft.com/office/powerpoint/2010/main" val="266674773"/>
       </p:ext>
     </p:extLst>
   </p:cSld>
@@ -6536,18 +5599,9 @@
           <a:p>
             <a:pPr algn="ctr"/>
             <a:r>
-              <a:rPr lang="pt-BR" sz="2800" b="1" dirty="0" err="1"/>
-              <a:t>Error-first</a:t>
-            </a:r>
-            <a:r>
               <a:rPr lang="pt-BR" sz="2800" b="1" dirty="0"/>
-              <a:t> </a:t>
-            </a:r>
-            <a:r>
-              <a:rPr lang="pt-BR" sz="2800" b="1" dirty="0" err="1"/>
-              <a:t>Callback</a:t>
-            </a:r>
-            <a:endParaRPr lang="pt-BR" sz="2800" b="1" dirty="0"/>
+              <a:t>Uma conexão ou várias</a:t>
+            </a:r>
           </a:p>
         </p:txBody>
       </p:sp>
@@ -6570,92 +5624,296 @@
         <p:spPr>
           <a:xfrm>
             <a:off x="563671" y="801666"/>
-            <a:ext cx="10790129" cy="5375297"/>
+            <a:ext cx="10790129" cy="5649238"/>
           </a:xfrm>
         </p:spPr>
         <p:txBody>
           <a:bodyPr/>
           <a:lstStyle/>
           <a:p>
-            <a:r>
-              <a:rPr lang="pt-BR" dirty="0"/>
-              <a:t>O </a:t>
-            </a:r>
-            <a:r>
-              <a:rPr lang="pt-BR" b="1" i="1" dirty="0" err="1"/>
-              <a:t>Error-first</a:t>
-            </a:r>
-            <a:r>
-              <a:rPr lang="pt-BR" b="1" i="1" dirty="0"/>
+            <a:pPr marL="0" indent="0">
+              <a:buNone/>
+            </a:pPr>
+            <a:r>
+              <a:rPr lang="pt-BR" dirty="0" err="1">
+                <a:solidFill>
+                  <a:srgbClr val="A67F59"/>
+                </a:solidFill>
+              </a:rPr>
+              <a:t>ConnectionFactory</a:t>
+            </a:r>
+            <a:r>
+              <a:rPr lang="pt-BR" dirty="0"/>
               <a:t> </a:t>
             </a:r>
-            <a:r>
-              <a:rPr lang="pt-BR" b="1" i="1" dirty="0" err="1"/>
-              <a:t>Callback</a:t>
-            </a:r>
-            <a:r>
-              <a:rPr lang="pt-BR" dirty="0"/>
-              <a:t>, ou </a:t>
-            </a:r>
-            <a:r>
-              <a:rPr lang="pt-BR" b="1" i="1" dirty="0" err="1"/>
-              <a:t>errorback</a:t>
-            </a:r>
-            <a:r>
-              <a:rPr lang="pt-BR" dirty="0"/>
-              <a:t>, é um padrão que foi adotado no mundo </a:t>
+          </a:p>
+          <a:p>
+            <a:pPr marL="0" indent="0">
+              <a:buNone/>
+            </a:pPr>
+            <a:r>
+              <a:rPr lang="pt-BR" dirty="0">
+                <a:solidFill>
+                  <a:srgbClr val="999999"/>
+                </a:solidFill>
+              </a:rPr>
+              <a:t>	.</a:t>
             </a:r>
             <a:r>
               <a:rPr lang="pt-BR" dirty="0" err="1"/>
-              <a:t>Node.js</a:t>
-            </a:r>
-            <a:r>
-              <a:rPr lang="pt-BR" dirty="0"/>
-              <a:t>. Como você já aprendeu, o </a:t>
-            </a:r>
-            <a:r>
-              <a:rPr lang="pt-BR" i="1" dirty="0" err="1"/>
-              <a:t>callback</a:t>
-            </a:r>
-            <a:r>
-              <a:rPr lang="pt-BR" dirty="0"/>
-              <a:t> é uma função chamada quando uma tarefa for executada, como uma requisição Ajax ou o acesso ao banco de dados. No entanto, a qualquer momento pode acontecer um erro no processamento e aí vem a questão de como lidar com isso.</a:t>
-            </a:r>
-          </a:p>
-          <a:p>
-            <a:endParaRPr lang="pt-BR" dirty="0"/>
-          </a:p>
-          <a:p>
-            <a:r>
-              <a:rPr lang="pt-BR" dirty="0"/>
-              <a:t>A convenção é que cada </a:t>
-            </a:r>
-            <a:r>
-              <a:rPr lang="pt-BR" b="1" i="1" dirty="0" err="1"/>
-              <a:t>callback</a:t>
-            </a:r>
-            <a:r>
-              <a:rPr lang="pt-BR" dirty="0"/>
-              <a:t> receba sempre o erro no primeiro parâmetro. Na função </a:t>
-            </a:r>
-            <a:r>
-              <a:rPr lang="pt-BR" i="1" dirty="0" err="1"/>
-              <a:t>callback</a:t>
-            </a:r>
-            <a:r>
-              <a:rPr lang="pt-BR" dirty="0"/>
-              <a:t>, basta então verificar esse parâmetro para saber se ocorreu um erro ou não!</a:t>
-            </a:r>
-          </a:p>
-          <a:p>
-            <a:endParaRPr lang="pt-BR" dirty="0"/>
+              <a:t>getConnection</a:t>
+            </a:r>
+            <a:r>
+              <a:rPr lang="pt-BR" dirty="0">
+                <a:solidFill>
+                  <a:srgbClr val="999999"/>
+                </a:solidFill>
+              </a:rPr>
+              <a:t>()</a:t>
+            </a:r>
+            <a:r>
+              <a:rPr lang="pt-BR" dirty="0"/>
+              <a:t> </a:t>
+            </a:r>
+          </a:p>
+          <a:p>
+            <a:pPr marL="457200" lvl="1" indent="0">
+              <a:buNone/>
+            </a:pPr>
+            <a:r>
+              <a:rPr lang="pt-BR" dirty="0">
+                <a:solidFill>
+                  <a:srgbClr val="999999"/>
+                </a:solidFill>
+              </a:rPr>
+              <a:t>	.</a:t>
+            </a:r>
+            <a:r>
+              <a:rPr lang="pt-BR" dirty="0" err="1">
+                <a:solidFill>
+                  <a:srgbClr val="0077AA"/>
+                </a:solidFill>
+              </a:rPr>
+              <a:t>then</a:t>
+            </a:r>
+            <a:r>
+              <a:rPr lang="pt-BR" dirty="0">
+                <a:solidFill>
+                  <a:srgbClr val="999999"/>
+                </a:solidFill>
+              </a:rPr>
+              <a:t>(</a:t>
+            </a:r>
+            <a:r>
+              <a:rPr lang="pt-BR" dirty="0"/>
+              <a:t>connection </a:t>
+            </a:r>
+            <a:r>
+              <a:rPr lang="pt-BR" dirty="0">
+                <a:solidFill>
+                  <a:srgbClr val="999999"/>
+                </a:solidFill>
+              </a:rPr>
+              <a:t>=&gt;</a:t>
+            </a:r>
+            <a:r>
+              <a:rPr lang="pt-BR" dirty="0"/>
+              <a:t> </a:t>
+            </a:r>
+            <a:r>
+              <a:rPr lang="pt-BR" dirty="0">
+                <a:solidFill>
+                  <a:srgbClr val="999999"/>
+                </a:solidFill>
+              </a:rPr>
+              <a:t>{</a:t>
+            </a:r>
+            <a:r>
+              <a:rPr lang="pt-BR" dirty="0"/>
+              <a:t> </a:t>
+            </a:r>
+          </a:p>
+          <a:p>
+            <a:pPr marL="457200" lvl="1" indent="0">
+              <a:buNone/>
+            </a:pPr>
+            <a:r>
+              <a:rPr lang="pt-BR" dirty="0">
+                <a:solidFill>
+                  <a:srgbClr val="999999"/>
+                </a:solidFill>
+              </a:rPr>
+              <a:t>});</a:t>
+            </a:r>
+            <a:r>
+              <a:rPr lang="pt-BR" dirty="0"/>
+              <a:t> </a:t>
+            </a:r>
+          </a:p>
+          <a:p>
+            <a:pPr marL="457200" lvl="1" indent="0">
+              <a:buNone/>
+            </a:pPr>
+            <a:endParaRPr lang="pt-BR" dirty="0">
+              <a:solidFill>
+                <a:srgbClr val="708090"/>
+              </a:solidFill>
+            </a:endParaRPr>
+          </a:p>
+          <a:p>
+            <a:pPr marL="457200" lvl="1" indent="0">
+              <a:buNone/>
+            </a:pPr>
+            <a:r>
+              <a:rPr lang="pt-BR" dirty="0">
+                <a:solidFill>
+                  <a:srgbClr val="708090"/>
+                </a:solidFill>
+              </a:rPr>
+              <a:t>// faz outras coisas e pede novamente a conexão</a:t>
+            </a:r>
+            <a:r>
+              <a:rPr lang="pt-BR" dirty="0"/>
+              <a:t> </a:t>
+            </a:r>
+          </a:p>
+          <a:p>
+            <a:pPr marL="457200" lvl="1" indent="0">
+              <a:buNone/>
+            </a:pPr>
+            <a:endParaRPr lang="pt-BR" sz="2800" dirty="0">
+              <a:solidFill>
+                <a:srgbClr val="A67F59"/>
+              </a:solidFill>
+            </a:endParaRPr>
+          </a:p>
+          <a:p>
+            <a:pPr marL="457200" lvl="1" indent="0">
+              <a:buNone/>
+            </a:pPr>
+            <a:r>
+              <a:rPr lang="pt-BR" sz="2800" dirty="0" err="1">
+                <a:solidFill>
+                  <a:srgbClr val="A67F59"/>
+                </a:solidFill>
+              </a:rPr>
+              <a:t>ConnectionFactory</a:t>
+            </a:r>
+            <a:r>
+              <a:rPr lang="pt-BR" sz="2800" dirty="0"/>
+              <a:t> </a:t>
+            </a:r>
+          </a:p>
+          <a:p>
+            <a:pPr marL="457200" lvl="1" indent="0">
+              <a:buNone/>
+            </a:pPr>
+            <a:r>
+              <a:rPr lang="pt-BR" sz="2800" dirty="0">
+                <a:solidFill>
+                  <a:srgbClr val="999999"/>
+                </a:solidFill>
+              </a:rPr>
+              <a:t>	.</a:t>
+            </a:r>
+            <a:r>
+              <a:rPr lang="pt-BR" sz="2800" dirty="0" err="1"/>
+              <a:t>getConnection</a:t>
+            </a:r>
+            <a:r>
+              <a:rPr lang="pt-BR" sz="2800" dirty="0">
+                <a:solidFill>
+                  <a:srgbClr val="999999"/>
+                </a:solidFill>
+              </a:rPr>
+              <a:t>()</a:t>
+            </a:r>
+            <a:r>
+              <a:rPr lang="pt-BR" sz="2800" dirty="0"/>
+              <a:t> </a:t>
+            </a:r>
+          </a:p>
+          <a:p>
+            <a:pPr marL="457200" lvl="1" indent="0">
+              <a:buNone/>
+            </a:pPr>
+            <a:r>
+              <a:rPr lang="pt-BR" sz="2800" dirty="0">
+                <a:solidFill>
+                  <a:srgbClr val="999999"/>
+                </a:solidFill>
+              </a:rPr>
+              <a:t>	.</a:t>
+            </a:r>
+            <a:r>
+              <a:rPr lang="pt-BR" sz="2800" dirty="0" err="1">
+                <a:solidFill>
+                  <a:srgbClr val="0077AA"/>
+                </a:solidFill>
+              </a:rPr>
+              <a:t>then</a:t>
+            </a:r>
+            <a:r>
+              <a:rPr lang="pt-BR" sz="2800" dirty="0">
+                <a:solidFill>
+                  <a:srgbClr val="999999"/>
+                </a:solidFill>
+              </a:rPr>
+              <a:t>(</a:t>
+            </a:r>
+            <a:r>
+              <a:rPr lang="pt-BR" sz="2800" dirty="0"/>
+              <a:t>connection </a:t>
+            </a:r>
+            <a:r>
+              <a:rPr lang="pt-BR" sz="2800" dirty="0">
+                <a:solidFill>
+                  <a:srgbClr val="999999"/>
+                </a:solidFill>
+              </a:rPr>
+              <a:t>=&gt;</a:t>
+            </a:r>
+            <a:r>
+              <a:rPr lang="pt-BR" sz="2800" dirty="0"/>
+              <a:t> </a:t>
+            </a:r>
+            <a:r>
+              <a:rPr lang="pt-BR" sz="2800" dirty="0">
+                <a:solidFill>
+                  <a:srgbClr val="999999"/>
+                </a:solidFill>
+              </a:rPr>
+              <a:t>{</a:t>
+            </a:r>
+            <a:r>
+              <a:rPr lang="pt-BR" sz="2800" dirty="0"/>
+              <a:t> </a:t>
+            </a:r>
+          </a:p>
+          <a:p>
+            <a:pPr marL="457200" lvl="1" indent="0">
+              <a:buNone/>
+            </a:pPr>
+            <a:r>
+              <a:rPr lang="pt-BR" sz="2800" dirty="0">
+                <a:solidFill>
+                  <a:srgbClr val="999999"/>
+                </a:solidFill>
+              </a:rPr>
+              <a:t>});</a:t>
+            </a:r>
+            <a:endParaRPr lang="pt-BR" sz="2800" dirty="0">
+              <a:solidFill>
+                <a:schemeClr val="accent5"/>
+              </a:solidFill>
+            </a:endParaRPr>
           </a:p>
         </p:txBody>
       </p:sp>
     </p:spTree>
     <p:extLst>
       <p:ext uri="{BB962C8B-B14F-4D97-AF65-F5344CB8AC3E}">
-        <p14:creationId xmlns:p14="http://schemas.microsoft.com/office/powerpoint/2010/main" val="434187553"/>
+        <p14:creationId xmlns:p14="http://schemas.microsoft.com/office/powerpoint/2010/main" val="1564479947"/>
       </p:ext>
     </p:extLst>
   </p:cSld>
@@ -6706,103 +5964,190 @@
           <a:p>
             <a:pPr algn="ctr"/>
             <a:r>
-              <a:rPr lang="pt-BR" sz="2800" b="1" dirty="0" err="1"/>
-              <a:t>Pyramid</a:t>
-            </a:r>
-            <a:r>
               <a:rPr lang="pt-BR" sz="2800" b="1" dirty="0"/>
-              <a:t> </a:t>
-            </a:r>
-            <a:r>
-              <a:rPr lang="pt-BR" sz="2800" b="1" dirty="0" err="1"/>
-              <a:t>of</a:t>
-            </a:r>
-            <a:r>
-              <a:rPr lang="pt-BR" sz="2800" b="1" dirty="0"/>
-              <a:t> </a:t>
-            </a:r>
-            <a:r>
-              <a:rPr lang="pt-BR" sz="2800" b="1" dirty="0" err="1"/>
-              <a:t>Doom</a:t>
-            </a:r>
-            <a:r>
-              <a:rPr lang="pt-BR" sz="2800" b="1" dirty="0"/>
-              <a:t> (Pirâmide da desgraça)</a:t>
-            </a:r>
-          </a:p>
-        </p:txBody>
-      </p:sp>
-      <p:sp>
-        <p:nvSpPr>
-          <p:cNvPr id="7" name="Espaço Reservado para Conteúdo 6">
-            <a:extLst>
-              <a:ext uri="{FF2B5EF4-FFF2-40B4-BE49-F238E27FC236}">
-                <a16:creationId xmlns:a16="http://schemas.microsoft.com/office/drawing/2014/main" id="{CBDD146F-E87E-0140-B521-E123E7DC95E8}"/>
-              </a:ext>
-            </a:extLst>
-          </p:cNvPr>
-          <p:cNvSpPr>
-            <a:spLocks noGrp="1"/>
-          </p:cNvSpPr>
-          <p:nvPr>
-            <p:ph idx="1"/>
-          </p:nvPr>
+              <a:t>Variáveis imutáveis =&gt; Constantes</a:t>
+            </a:r>
+          </a:p>
+        </p:txBody>
+      </p:sp>
+      <p:sp>
+        <p:nvSpPr>
+          <p:cNvPr id="8" name="CaixaDeTexto 7"/>
+          <p:cNvSpPr txBox="1"/>
+          <p:nvPr/>
         </p:nvSpPr>
         <p:spPr>
           <a:xfrm>
-            <a:off x="563671" y="801666"/>
-            <a:ext cx="10790129" cy="5375297"/>
+            <a:off x="759177" y="779940"/>
+            <a:ext cx="9931401" cy="3693319"/>
           </a:xfrm>
+          <a:prstGeom prst="rect">
+            <a:avLst/>
+          </a:prstGeom>
+          <a:noFill/>
         </p:spPr>
         <p:txBody>
-          <a:bodyPr/>
-          <a:lstStyle/>
-          <a:p>
-            <a:r>
-              <a:rPr lang="pt-BR" sz="2400" dirty="0"/>
-              <a:t>Isso ocorre porque temos várias funções aninhadas dentro de outras. Causando problemas de legibilidade do código. </a:t>
-            </a:r>
-          </a:p>
-          <a:p>
-            <a:endParaRPr lang="pt-BR" sz="2400" dirty="0"/>
-          </a:p>
-          <a:p>
-            <a:r>
-              <a:rPr lang="pt-BR" sz="2400" dirty="0"/>
-              <a:t>O maior problema disso chama </a:t>
-            </a:r>
-            <a:r>
-              <a:rPr lang="pt-BR" sz="2400" b="1" dirty="0" err="1"/>
-              <a:t>Callback</a:t>
-            </a:r>
-            <a:r>
-              <a:rPr lang="pt-BR" sz="2400" b="1" dirty="0"/>
+          <a:bodyPr wrap="square" rtlCol="0">
+            <a:spAutoFit/>
+          </a:bodyPr>
+          <a:lstStyle/>
+          <a:p>
+            <a:r>
+              <a:rPr lang="pt-BR" i="1" dirty="0" err="1">
+                <a:solidFill>
+                  <a:schemeClr val="accent5"/>
+                </a:solidFill>
+              </a:rPr>
+              <a:t>const</a:t>
+            </a:r>
+            <a:r>
+              <a:rPr lang="pt-BR" i="1" dirty="0">
+                <a:solidFill>
+                  <a:schemeClr val="accent5"/>
+                </a:solidFill>
+              </a:rPr>
+              <a:t> hoje = new Date();</a:t>
+            </a:r>
+          </a:p>
+          <a:p>
+            <a:r>
+              <a:rPr lang="pt-BR" i="1" dirty="0">
+                <a:solidFill>
+                  <a:schemeClr val="accent5"/>
+                </a:solidFill>
+              </a:rPr>
+              <a:t>hoje = new Date() ; // dá erro!</a:t>
+            </a:r>
+          </a:p>
+          <a:p>
+            <a:endParaRPr lang="pt-BR" dirty="0"/>
+          </a:p>
+          <a:p>
+            <a:r>
+              <a:rPr lang="pt-BR" dirty="0"/>
+              <a:t>Mas,  </a:t>
+            </a:r>
+          </a:p>
+          <a:p>
+            <a:endParaRPr lang="pt-BR" dirty="0"/>
+          </a:p>
+          <a:p>
+            <a:r>
+              <a:rPr lang="pt-BR" i="1" dirty="0" err="1">
+                <a:solidFill>
+                  <a:schemeClr val="accent5"/>
+                </a:solidFill>
+              </a:rPr>
+              <a:t>const</a:t>
+            </a:r>
+            <a:r>
+              <a:rPr lang="pt-BR" i="1" dirty="0">
+                <a:solidFill>
+                  <a:schemeClr val="accent5"/>
+                </a:solidFill>
+              </a:rPr>
+              <a:t> hoje = new Date();</a:t>
+            </a:r>
+          </a:p>
+          <a:p>
+            <a:r>
+              <a:rPr lang="pt-BR" i="1" dirty="0" err="1">
+                <a:solidFill>
+                  <a:schemeClr val="accent5"/>
+                </a:solidFill>
+              </a:rPr>
+              <a:t>Hoje.setDate</a:t>
+            </a:r>
+            <a:r>
+              <a:rPr lang="pt-BR" i="1" dirty="0">
+                <a:solidFill>
+                  <a:schemeClr val="accent5"/>
+                </a:solidFill>
+              </a:rPr>
+              <a:t>(5);</a:t>
+            </a:r>
+          </a:p>
+          <a:p>
+            <a:r>
+              <a:rPr lang="pt-BR" i="1" dirty="0">
+                <a:solidFill>
+                  <a:schemeClr val="accent5"/>
+                </a:solidFill>
+              </a:rPr>
+              <a:t>console.log(</a:t>
+            </a:r>
+            <a:r>
+              <a:rPr lang="pt-BR" i="1" dirty="0" err="1">
+                <a:solidFill>
+                  <a:schemeClr val="accent5"/>
+                </a:solidFill>
+              </a:rPr>
+              <a:t>hoje.getDate</a:t>
+            </a:r>
+            <a:r>
+              <a:rPr lang="pt-BR" i="1" dirty="0">
+                <a:solidFill>
+                  <a:schemeClr val="accent5"/>
+                </a:solidFill>
+              </a:rPr>
+              <a:t>()); // Alterou para o dia 5!</a:t>
+            </a:r>
+          </a:p>
+          <a:p>
+            <a:endParaRPr lang="pt-BR" dirty="0"/>
+          </a:p>
+          <a:p>
+            <a:endParaRPr lang="pt-BR" dirty="0"/>
+          </a:p>
+          <a:p>
+            <a:r>
+              <a:rPr lang="pt-BR" dirty="0"/>
+              <a:t>Neste caso não estamos atribuindo um novo valor para a variável, como fizemos com o operador “</a:t>
+            </a:r>
+            <a:r>
+              <a:rPr lang="pt-BR" b="1" dirty="0"/>
+              <a:t>=</a:t>
+            </a:r>
+            <a:r>
+              <a:rPr lang="pt-BR" dirty="0"/>
+              <a:t>“, mas alterando as propriedades do objeto </a:t>
+            </a:r>
+            <a:r>
+              <a:rPr lang="pt-BR" b="1" i="1" dirty="0">
+                <a:solidFill>
+                  <a:schemeClr val="accent5"/>
+                </a:solidFill>
+              </a:rPr>
+              <a:t>Date</a:t>
+            </a:r>
+            <a:r>
+              <a:rPr lang="pt-BR" dirty="0"/>
+              <a:t>, por meio dos seus métodos. Ou seja, </a:t>
+            </a:r>
+            <a:r>
+              <a:rPr lang="pt-BR" b="1" dirty="0" err="1"/>
+              <a:t>const</a:t>
+            </a:r>
+            <a:r>
+              <a:rPr lang="pt-BR" dirty="0"/>
               <a:t> </a:t>
             </a:r>
             <a:r>
-              <a:rPr lang="pt-BR" sz="2400" b="1" dirty="0" err="1"/>
-              <a:t>Hell</a:t>
-            </a:r>
-            <a:r>
-              <a:rPr lang="pt-BR" sz="2400" b="1" dirty="0"/>
-              <a:t> </a:t>
-            </a:r>
-            <a:r>
-              <a:rPr lang="pt-BR" sz="2400" dirty="0"/>
-              <a:t>que ocorre quando temos essas requisições </a:t>
-            </a:r>
-            <a:r>
-              <a:rPr lang="pt-BR" sz="2400"/>
-              <a:t>assíncronas aninhadas.</a:t>
-            </a:r>
-            <a:endParaRPr lang="pt-BR" dirty="0"/>
+              <a:rPr lang="pt-BR" u="sng" dirty="0"/>
+              <a:t>não garante a imutabilidade</a:t>
+            </a:r>
+            <a:r>
+              <a:rPr lang="pt-BR" dirty="0"/>
+              <a:t>, apenas a atribuição de um novo valor para a variável. </a:t>
+            </a:r>
+            <a:endParaRPr lang="pt-BR" b="1" dirty="0"/>
           </a:p>
         </p:txBody>
       </p:sp>
     </p:spTree>
     <p:extLst>
       <p:ext uri="{BB962C8B-B14F-4D97-AF65-F5344CB8AC3E}">
-        <p14:creationId xmlns:p14="http://schemas.microsoft.com/office/powerpoint/2010/main" val="789905944"/>
+        <p14:creationId xmlns:p14="http://schemas.microsoft.com/office/powerpoint/2010/main" val="3568488777"/>
       </p:ext>
     </p:extLst>
   </p:cSld>

--- a/docs/Webpack-resumo.pptx
+++ b/docs/Webpack-resumo.pptx
@@ -253,7 +253,7 @@
           <a:p>
             <a:fld id="{CC58B075-67F8-4A8D-AE1C-3D3E4193EBCA}" type="datetimeFigureOut">
               <a:rPr lang="pt-BR" smtClean="0"/>
-              <a:t>28/05/2019</a:t>
+              <a:t>03/06/2019</a:t>
             </a:fld>
             <a:endParaRPr lang="pt-BR"/>
           </a:p>
@@ -421,7 +421,7 @@
           <a:p>
             <a:fld id="{CC58B075-67F8-4A8D-AE1C-3D3E4193EBCA}" type="datetimeFigureOut">
               <a:rPr lang="pt-BR" smtClean="0"/>
-              <a:t>28/05/2019</a:t>
+              <a:t>03/06/2019</a:t>
             </a:fld>
             <a:endParaRPr lang="pt-BR"/>
           </a:p>
@@ -599,7 +599,7 @@
           <a:p>
             <a:fld id="{CC58B075-67F8-4A8D-AE1C-3D3E4193EBCA}" type="datetimeFigureOut">
               <a:rPr lang="pt-BR" smtClean="0"/>
-              <a:t>28/05/2019</a:t>
+              <a:t>03/06/2019</a:t>
             </a:fld>
             <a:endParaRPr lang="pt-BR"/>
           </a:p>
@@ -767,7 +767,7 @@
           <a:p>
             <a:fld id="{CC58B075-67F8-4A8D-AE1C-3D3E4193EBCA}" type="datetimeFigureOut">
               <a:rPr lang="pt-BR" smtClean="0"/>
-              <a:t>28/05/2019</a:t>
+              <a:t>03/06/2019</a:t>
             </a:fld>
             <a:endParaRPr lang="pt-BR"/>
           </a:p>
@@ -1012,7 +1012,7 @@
           <a:p>
             <a:fld id="{CC58B075-67F8-4A8D-AE1C-3D3E4193EBCA}" type="datetimeFigureOut">
               <a:rPr lang="pt-BR" smtClean="0"/>
-              <a:t>28/05/2019</a:t>
+              <a:t>03/06/2019</a:t>
             </a:fld>
             <a:endParaRPr lang="pt-BR"/>
           </a:p>
@@ -1241,7 +1241,7 @@
           <a:p>
             <a:fld id="{CC58B075-67F8-4A8D-AE1C-3D3E4193EBCA}" type="datetimeFigureOut">
               <a:rPr lang="pt-BR" smtClean="0"/>
-              <a:t>28/05/2019</a:t>
+              <a:t>03/06/2019</a:t>
             </a:fld>
             <a:endParaRPr lang="pt-BR"/>
           </a:p>
@@ -1605,7 +1605,7 @@
           <a:p>
             <a:fld id="{CC58B075-67F8-4A8D-AE1C-3D3E4193EBCA}" type="datetimeFigureOut">
               <a:rPr lang="pt-BR" smtClean="0"/>
-              <a:t>28/05/2019</a:t>
+              <a:t>03/06/2019</a:t>
             </a:fld>
             <a:endParaRPr lang="pt-BR"/>
           </a:p>
@@ -1722,7 +1722,7 @@
           <a:p>
             <a:fld id="{CC58B075-67F8-4A8D-AE1C-3D3E4193EBCA}" type="datetimeFigureOut">
               <a:rPr lang="pt-BR" smtClean="0"/>
-              <a:t>28/05/2019</a:t>
+              <a:t>03/06/2019</a:t>
             </a:fld>
             <a:endParaRPr lang="pt-BR"/>
           </a:p>
@@ -1817,7 +1817,7 @@
           <a:p>
             <a:fld id="{CC58B075-67F8-4A8D-AE1C-3D3E4193EBCA}" type="datetimeFigureOut">
               <a:rPr lang="pt-BR" smtClean="0"/>
-              <a:t>28/05/2019</a:t>
+              <a:t>03/06/2019</a:t>
             </a:fld>
             <a:endParaRPr lang="pt-BR"/>
           </a:p>
@@ -2092,7 +2092,7 @@
           <a:p>
             <a:fld id="{CC58B075-67F8-4A8D-AE1C-3D3E4193EBCA}" type="datetimeFigureOut">
               <a:rPr lang="pt-BR" smtClean="0"/>
-              <a:t>28/05/2019</a:t>
+              <a:t>03/06/2019</a:t>
             </a:fld>
             <a:endParaRPr lang="pt-BR"/>
           </a:p>
@@ -2344,7 +2344,7 @@
           <a:p>
             <a:fld id="{CC58B075-67F8-4A8D-AE1C-3D3E4193EBCA}" type="datetimeFigureOut">
               <a:rPr lang="pt-BR" smtClean="0"/>
-              <a:t>28/05/2019</a:t>
+              <a:t>03/06/2019</a:t>
             </a:fld>
             <a:endParaRPr lang="pt-BR"/>
           </a:p>
@@ -2555,7 +2555,7 @@
           <a:p>
             <a:fld id="{CC58B075-67F8-4A8D-AE1C-3D3E4193EBCA}" type="datetimeFigureOut">
               <a:rPr lang="pt-BR" smtClean="0"/>
-              <a:t>28/05/2019</a:t>
+              <a:t>03/06/2019</a:t>
             </a:fld>
             <a:endParaRPr lang="pt-BR"/>
           </a:p>
@@ -3879,7 +3879,7 @@
         <p:spPr>
           <a:xfrm>
             <a:off x="477876" y="663881"/>
-            <a:ext cx="11259012" cy="5599133"/>
+            <a:ext cx="11259012" cy="1672919"/>
           </a:xfrm>
         </p:spPr>
         <p:txBody>
@@ -3925,7 +3925,827 @@
               </a:rPr>
               <a:t> e o Babel-core</a:t>
             </a:r>
+          </a:p>
+          <a:p>
+            <a:pPr algn="l"/>
+            <a:endParaRPr lang="pt-BR" sz="1800" dirty="0">
+              <a:solidFill>
+                <a:srgbClr val="3D464D"/>
+              </a:solidFill>
+              <a:latin typeface="Source Serif Pro"/>
+            </a:endParaRPr>
+          </a:p>
+          <a:p>
+            <a:pPr algn="l"/>
+            <a:r>
+              <a:rPr lang="pt-BR" sz="1800" dirty="0" smtClean="0">
+                <a:solidFill>
+                  <a:srgbClr val="3D464D"/>
+                </a:solidFill>
+                <a:latin typeface="Source Serif Pro"/>
+              </a:rPr>
+              <a:t>Criando um Build de Produção</a:t>
+            </a:r>
+          </a:p>
+          <a:p>
+            <a:pPr algn="l"/>
+            <a:endParaRPr lang="pt-BR" sz="1800" dirty="0">
+              <a:solidFill>
+                <a:srgbClr val="3D464D"/>
+              </a:solidFill>
+              <a:latin typeface="Source Serif Pro"/>
+            </a:endParaRPr>
+          </a:p>
+          <a:p>
+            <a:pPr algn="l"/>
             <a:endParaRPr lang="pt-BR" sz="1800" dirty="0"/>
+          </a:p>
+        </p:txBody>
+      </p:sp>
+      <p:sp>
+        <p:nvSpPr>
+          <p:cNvPr id="4" name="Retângulo 3"/>
+          <p:cNvSpPr/>
+          <p:nvPr/>
+        </p:nvSpPr>
+        <p:spPr>
+          <a:xfrm>
+            <a:off x="2959100" y="2336800"/>
+            <a:ext cx="6096000" cy="1477328"/>
+          </a:xfrm>
+          <a:prstGeom prst="rect">
+            <a:avLst/>
+          </a:prstGeom>
+        </p:spPr>
+        <p:txBody>
+          <a:bodyPr>
+            <a:spAutoFit/>
+          </a:bodyPr>
+          <a:lstStyle/>
+          <a:p>
+            <a:r>
+              <a:rPr lang="pt-BR" dirty="0">
+                <a:solidFill>
+                  <a:schemeClr val="accent5"/>
+                </a:solidFill>
+              </a:rPr>
+              <a:t>"scripts": {</a:t>
+            </a:r>
+          </a:p>
+          <a:p>
+            <a:r>
+              <a:rPr lang="pt-BR" dirty="0">
+                <a:solidFill>
+                  <a:schemeClr val="accent5"/>
+                </a:solidFill>
+              </a:rPr>
+              <a:t>    "</a:t>
+            </a:r>
+            <a:r>
+              <a:rPr lang="pt-BR" dirty="0" err="1">
+                <a:solidFill>
+                  <a:schemeClr val="accent5"/>
+                </a:solidFill>
+              </a:rPr>
+              <a:t>test</a:t>
+            </a:r>
+            <a:r>
+              <a:rPr lang="pt-BR" dirty="0">
+                <a:solidFill>
+                  <a:schemeClr val="accent5"/>
+                </a:solidFill>
+              </a:rPr>
+              <a:t>": "</a:t>
+            </a:r>
+            <a:r>
+              <a:rPr lang="pt-BR" dirty="0" err="1">
+                <a:solidFill>
+                  <a:schemeClr val="accent5"/>
+                </a:solidFill>
+              </a:rPr>
+              <a:t>echo</a:t>
+            </a:r>
+            <a:r>
+              <a:rPr lang="pt-BR" dirty="0">
+                <a:solidFill>
+                  <a:schemeClr val="accent5"/>
+                </a:solidFill>
+              </a:rPr>
+              <a:t> \"</a:t>
+            </a:r>
+            <a:r>
+              <a:rPr lang="pt-BR" dirty="0" err="1">
+                <a:solidFill>
+                  <a:schemeClr val="accent5"/>
+                </a:solidFill>
+              </a:rPr>
+              <a:t>Error</a:t>
+            </a:r>
+            <a:r>
+              <a:rPr lang="pt-BR" dirty="0">
+                <a:solidFill>
+                  <a:schemeClr val="accent5"/>
+                </a:solidFill>
+              </a:rPr>
+              <a:t>: no </a:t>
+            </a:r>
+            <a:r>
+              <a:rPr lang="pt-BR" dirty="0" err="1">
+                <a:solidFill>
+                  <a:schemeClr val="accent5"/>
+                </a:solidFill>
+              </a:rPr>
+              <a:t>test</a:t>
+            </a:r>
+            <a:r>
+              <a:rPr lang="pt-BR" dirty="0">
+                <a:solidFill>
+                  <a:schemeClr val="accent5"/>
+                </a:solidFill>
+              </a:rPr>
+              <a:t> </a:t>
+            </a:r>
+            <a:r>
+              <a:rPr lang="pt-BR" dirty="0" err="1">
+                <a:solidFill>
+                  <a:schemeClr val="accent5"/>
+                </a:solidFill>
+              </a:rPr>
+              <a:t>specified</a:t>
+            </a:r>
+            <a:r>
+              <a:rPr lang="pt-BR" dirty="0">
+                <a:solidFill>
+                  <a:schemeClr val="accent5"/>
+                </a:solidFill>
+              </a:rPr>
+              <a:t>\" &amp;&amp; </a:t>
+            </a:r>
+            <a:r>
+              <a:rPr lang="pt-BR" dirty="0" err="1">
+                <a:solidFill>
+                  <a:schemeClr val="accent5"/>
+                </a:solidFill>
+              </a:rPr>
+              <a:t>exit</a:t>
+            </a:r>
+            <a:r>
+              <a:rPr lang="pt-BR" dirty="0">
+                <a:solidFill>
+                  <a:schemeClr val="accent5"/>
+                </a:solidFill>
+              </a:rPr>
+              <a:t> 1",</a:t>
+            </a:r>
+          </a:p>
+          <a:p>
+            <a:r>
+              <a:rPr lang="pt-BR" dirty="0">
+                <a:solidFill>
+                  <a:schemeClr val="accent5"/>
+                </a:solidFill>
+              </a:rPr>
+              <a:t>    "build-</a:t>
+            </a:r>
+            <a:r>
+              <a:rPr lang="pt-BR" dirty="0" err="1">
+                <a:solidFill>
+                  <a:schemeClr val="accent5"/>
+                </a:solidFill>
+              </a:rPr>
+              <a:t>dev</a:t>
+            </a:r>
+            <a:r>
+              <a:rPr lang="pt-BR" dirty="0">
+                <a:solidFill>
+                  <a:schemeClr val="accent5"/>
+                </a:solidFill>
+              </a:rPr>
+              <a:t>": "</a:t>
+            </a:r>
+            <a:r>
+              <a:rPr lang="pt-BR" dirty="0" err="1">
+                <a:solidFill>
+                  <a:schemeClr val="accent5"/>
+                </a:solidFill>
+              </a:rPr>
+              <a:t>webpack</a:t>
+            </a:r>
+            <a:r>
+              <a:rPr lang="pt-BR" dirty="0">
+                <a:solidFill>
+                  <a:schemeClr val="accent5"/>
+                </a:solidFill>
+              </a:rPr>
+              <a:t> --</a:t>
+            </a:r>
+            <a:r>
+              <a:rPr lang="pt-BR" dirty="0" err="1">
+                <a:solidFill>
+                  <a:schemeClr val="accent5"/>
+                </a:solidFill>
+              </a:rPr>
+              <a:t>config</a:t>
+            </a:r>
+            <a:r>
+              <a:rPr lang="pt-BR" dirty="0">
+                <a:solidFill>
+                  <a:schemeClr val="accent5"/>
+                </a:solidFill>
+              </a:rPr>
+              <a:t> webpack.config.js",</a:t>
+            </a:r>
+          </a:p>
+          <a:p>
+            <a:r>
+              <a:rPr lang="pt-BR" dirty="0">
+                <a:solidFill>
+                  <a:schemeClr val="accent5"/>
+                </a:solidFill>
+              </a:rPr>
+              <a:t>    </a:t>
+            </a:r>
+            <a:r>
+              <a:rPr lang="pt-BR" b="1" dirty="0">
+                <a:solidFill>
+                  <a:schemeClr val="accent5"/>
+                </a:solidFill>
+              </a:rPr>
+              <a:t>"build-</a:t>
+            </a:r>
+            <a:r>
+              <a:rPr lang="pt-BR" b="1" dirty="0" err="1">
+                <a:solidFill>
+                  <a:schemeClr val="accent5"/>
+                </a:solidFill>
+              </a:rPr>
+              <a:t>prod</a:t>
+            </a:r>
+            <a:r>
+              <a:rPr lang="pt-BR" b="1" dirty="0">
+                <a:solidFill>
+                  <a:schemeClr val="accent5"/>
+                </a:solidFill>
+              </a:rPr>
+              <a:t>": "</a:t>
+            </a:r>
+            <a:r>
+              <a:rPr lang="pt-BR" b="1" dirty="0" err="1">
+                <a:solidFill>
+                  <a:schemeClr val="accent5"/>
+                </a:solidFill>
+              </a:rPr>
+              <a:t>webpack</a:t>
+            </a:r>
+            <a:r>
+              <a:rPr lang="pt-BR" b="1" dirty="0">
+                <a:solidFill>
+                  <a:schemeClr val="accent5"/>
+                </a:solidFill>
+              </a:rPr>
+              <a:t> -p --</a:t>
+            </a:r>
+            <a:r>
+              <a:rPr lang="pt-BR" b="1" dirty="0" err="1">
+                <a:solidFill>
+                  <a:schemeClr val="accent5"/>
+                </a:solidFill>
+              </a:rPr>
+              <a:t>config</a:t>
+            </a:r>
+            <a:r>
+              <a:rPr lang="pt-BR" b="1" dirty="0">
+                <a:solidFill>
+                  <a:schemeClr val="accent5"/>
+                </a:solidFill>
+              </a:rPr>
+              <a:t> webpack.config.js"</a:t>
+            </a:r>
+          </a:p>
+          <a:p>
+            <a:r>
+              <a:rPr lang="pt-BR" dirty="0">
+                <a:solidFill>
+                  <a:schemeClr val="accent5"/>
+                </a:solidFill>
+              </a:rPr>
+              <a:t>},</a:t>
+            </a:r>
+          </a:p>
+        </p:txBody>
+      </p:sp>
+      <p:sp>
+        <p:nvSpPr>
+          <p:cNvPr id="6" name="Subtítulo 2"/>
+          <p:cNvSpPr txBox="1">
+            <a:spLocks/>
+          </p:cNvSpPr>
+          <p:nvPr/>
+        </p:nvSpPr>
+        <p:spPr>
+          <a:xfrm>
+            <a:off x="477876" y="3906509"/>
+            <a:ext cx="11259012" cy="2799091"/>
+          </a:xfrm>
+          <a:prstGeom prst="rect">
+            <a:avLst/>
+          </a:prstGeom>
+        </p:spPr>
+        <p:txBody>
+          <a:bodyPr vert="horz" lIns="91440" tIns="45720" rIns="91440" bIns="45720" rtlCol="0">
+            <a:noAutofit/>
+          </a:bodyPr>
+          <a:lstStyle>
+            <a:lvl1pPr marL="0" indent="0" algn="ctr" defTabSz="914400" rtl="0" eaLnBrk="1" latinLnBrk="0" hangingPunct="1">
+              <a:lnSpc>
+                <a:spcPct val="90000"/>
+              </a:lnSpc>
+              <a:spcBef>
+                <a:spcPts val="1000"/>
+              </a:spcBef>
+              <a:buFont typeface="Arial" panose="020B0604020202020204" pitchFamily="34" charset="0"/>
+              <a:buNone/>
+              <a:defRPr sz="2400" kern="1200">
+                <a:solidFill>
+                  <a:schemeClr val="tx1"/>
+                </a:solidFill>
+                <a:latin typeface="+mn-lt"/>
+                <a:ea typeface="+mn-ea"/>
+                <a:cs typeface="+mn-cs"/>
+              </a:defRPr>
+            </a:lvl1pPr>
+            <a:lvl2pPr marL="457200" indent="0" algn="ctr" defTabSz="914400" rtl="0" eaLnBrk="1" latinLnBrk="0" hangingPunct="1">
+              <a:lnSpc>
+                <a:spcPct val="90000"/>
+              </a:lnSpc>
+              <a:spcBef>
+                <a:spcPts val="500"/>
+              </a:spcBef>
+              <a:buFont typeface="Arial" panose="020B0604020202020204" pitchFamily="34" charset="0"/>
+              <a:buNone/>
+              <a:defRPr sz="2000" kern="1200">
+                <a:solidFill>
+                  <a:schemeClr val="tx1"/>
+                </a:solidFill>
+                <a:latin typeface="+mn-lt"/>
+                <a:ea typeface="+mn-ea"/>
+                <a:cs typeface="+mn-cs"/>
+              </a:defRPr>
+            </a:lvl2pPr>
+            <a:lvl3pPr marL="914400" indent="0" algn="ctr" defTabSz="914400" rtl="0" eaLnBrk="1" latinLnBrk="0" hangingPunct="1">
+              <a:lnSpc>
+                <a:spcPct val="90000"/>
+              </a:lnSpc>
+              <a:spcBef>
+                <a:spcPts val="500"/>
+              </a:spcBef>
+              <a:buFont typeface="Arial" panose="020B0604020202020204" pitchFamily="34" charset="0"/>
+              <a:buNone/>
+              <a:defRPr sz="1800" kern="1200">
+                <a:solidFill>
+                  <a:schemeClr val="tx1"/>
+                </a:solidFill>
+                <a:latin typeface="+mn-lt"/>
+                <a:ea typeface="+mn-ea"/>
+                <a:cs typeface="+mn-cs"/>
+              </a:defRPr>
+            </a:lvl3pPr>
+            <a:lvl4pPr marL="1371600" indent="0" algn="ctr" defTabSz="914400" rtl="0" eaLnBrk="1" latinLnBrk="0" hangingPunct="1">
+              <a:lnSpc>
+                <a:spcPct val="90000"/>
+              </a:lnSpc>
+              <a:spcBef>
+                <a:spcPts val="500"/>
+              </a:spcBef>
+              <a:buFont typeface="Arial" panose="020B0604020202020204" pitchFamily="34" charset="0"/>
+              <a:buNone/>
+              <a:defRPr sz="1600" kern="1200">
+                <a:solidFill>
+                  <a:schemeClr val="tx1"/>
+                </a:solidFill>
+                <a:latin typeface="+mn-lt"/>
+                <a:ea typeface="+mn-ea"/>
+                <a:cs typeface="+mn-cs"/>
+              </a:defRPr>
+            </a:lvl4pPr>
+            <a:lvl5pPr marL="1828800" indent="0" algn="ctr" defTabSz="914400" rtl="0" eaLnBrk="1" latinLnBrk="0" hangingPunct="1">
+              <a:lnSpc>
+                <a:spcPct val="90000"/>
+              </a:lnSpc>
+              <a:spcBef>
+                <a:spcPts val="500"/>
+              </a:spcBef>
+              <a:buFont typeface="Arial" panose="020B0604020202020204" pitchFamily="34" charset="0"/>
+              <a:buNone/>
+              <a:defRPr sz="1600" kern="1200">
+                <a:solidFill>
+                  <a:schemeClr val="tx1"/>
+                </a:solidFill>
+                <a:latin typeface="+mn-lt"/>
+                <a:ea typeface="+mn-ea"/>
+                <a:cs typeface="+mn-cs"/>
+              </a:defRPr>
+            </a:lvl5pPr>
+            <a:lvl6pPr marL="2286000" indent="0" algn="ctr" defTabSz="914400" rtl="0" eaLnBrk="1" latinLnBrk="0" hangingPunct="1">
+              <a:lnSpc>
+                <a:spcPct val="90000"/>
+              </a:lnSpc>
+              <a:spcBef>
+                <a:spcPts val="500"/>
+              </a:spcBef>
+              <a:buFont typeface="Arial" panose="020B0604020202020204" pitchFamily="34" charset="0"/>
+              <a:buNone/>
+              <a:defRPr sz="1600" kern="1200">
+                <a:solidFill>
+                  <a:schemeClr val="tx1"/>
+                </a:solidFill>
+                <a:latin typeface="+mn-lt"/>
+                <a:ea typeface="+mn-ea"/>
+                <a:cs typeface="+mn-cs"/>
+              </a:defRPr>
+            </a:lvl6pPr>
+            <a:lvl7pPr marL="2743200" indent="0" algn="ctr" defTabSz="914400" rtl="0" eaLnBrk="1" latinLnBrk="0" hangingPunct="1">
+              <a:lnSpc>
+                <a:spcPct val="90000"/>
+              </a:lnSpc>
+              <a:spcBef>
+                <a:spcPts val="500"/>
+              </a:spcBef>
+              <a:buFont typeface="Arial" panose="020B0604020202020204" pitchFamily="34" charset="0"/>
+              <a:buNone/>
+              <a:defRPr sz="1600" kern="1200">
+                <a:solidFill>
+                  <a:schemeClr val="tx1"/>
+                </a:solidFill>
+                <a:latin typeface="+mn-lt"/>
+                <a:ea typeface="+mn-ea"/>
+                <a:cs typeface="+mn-cs"/>
+              </a:defRPr>
+            </a:lvl7pPr>
+            <a:lvl8pPr marL="3200400" indent="0" algn="ctr" defTabSz="914400" rtl="0" eaLnBrk="1" latinLnBrk="0" hangingPunct="1">
+              <a:lnSpc>
+                <a:spcPct val="90000"/>
+              </a:lnSpc>
+              <a:spcBef>
+                <a:spcPts val="500"/>
+              </a:spcBef>
+              <a:buFont typeface="Arial" panose="020B0604020202020204" pitchFamily="34" charset="0"/>
+              <a:buNone/>
+              <a:defRPr sz="1600" kern="1200">
+                <a:solidFill>
+                  <a:schemeClr val="tx1"/>
+                </a:solidFill>
+                <a:latin typeface="+mn-lt"/>
+                <a:ea typeface="+mn-ea"/>
+                <a:cs typeface="+mn-cs"/>
+              </a:defRPr>
+            </a:lvl8pPr>
+            <a:lvl9pPr marL="3657600" indent="0" algn="ctr" defTabSz="914400" rtl="0" eaLnBrk="1" latinLnBrk="0" hangingPunct="1">
+              <a:lnSpc>
+                <a:spcPct val="90000"/>
+              </a:lnSpc>
+              <a:spcBef>
+                <a:spcPts val="500"/>
+              </a:spcBef>
+              <a:buFont typeface="Arial" panose="020B0604020202020204" pitchFamily="34" charset="0"/>
+              <a:buNone/>
+              <a:defRPr sz="1600" kern="1200">
+                <a:solidFill>
+                  <a:schemeClr val="tx1"/>
+                </a:solidFill>
+                <a:latin typeface="+mn-lt"/>
+                <a:ea typeface="+mn-ea"/>
+                <a:cs typeface="+mn-cs"/>
+              </a:defRPr>
+            </a:lvl9pPr>
+          </a:lstStyle>
+          <a:p>
+            <a:pPr algn="l"/>
+            <a:r>
+              <a:rPr lang="pt-BR" sz="1600" dirty="0" smtClean="0">
+                <a:solidFill>
+                  <a:srgbClr val="3D464D"/>
+                </a:solidFill>
+                <a:latin typeface="Source Serif Pro"/>
+              </a:rPr>
+              <a:t>Quando usamos o </a:t>
+            </a:r>
+            <a:r>
+              <a:rPr lang="pt-BR" sz="1600" b="1" dirty="0" smtClean="0">
+                <a:solidFill>
+                  <a:srgbClr val="3D464D"/>
+                </a:solidFill>
+                <a:latin typeface="Source Serif Pro"/>
+              </a:rPr>
+              <a:t>–p</a:t>
+            </a:r>
+            <a:r>
+              <a:rPr lang="pt-BR" sz="1600" dirty="0" smtClean="0">
+                <a:solidFill>
+                  <a:srgbClr val="3D464D"/>
+                </a:solidFill>
+                <a:latin typeface="Source Serif Pro"/>
+              </a:rPr>
+              <a:t>, internamente o </a:t>
+            </a:r>
+            <a:r>
+              <a:rPr lang="pt-BR" sz="1600" dirty="0" err="1" smtClean="0">
+                <a:solidFill>
+                  <a:srgbClr val="3D464D"/>
+                </a:solidFill>
+                <a:latin typeface="Source Serif Pro"/>
+              </a:rPr>
+              <a:t>webpack</a:t>
+            </a:r>
+            <a:r>
+              <a:rPr lang="pt-BR" sz="1600" dirty="0" smtClean="0">
+                <a:solidFill>
+                  <a:srgbClr val="3D464D"/>
+                </a:solidFill>
+                <a:latin typeface="Source Serif Pro"/>
+              </a:rPr>
+              <a:t> vai chamar o </a:t>
+            </a:r>
+            <a:r>
+              <a:rPr lang="pt-BR" sz="1600" b="1" dirty="0" err="1" smtClean="0">
+                <a:solidFill>
+                  <a:schemeClr val="accent5"/>
+                </a:solidFill>
+                <a:latin typeface="Source Serif Pro"/>
+              </a:rPr>
+              <a:t>uglify</a:t>
+            </a:r>
+            <a:r>
+              <a:rPr lang="pt-BR" sz="1600" dirty="0" smtClean="0">
+                <a:solidFill>
+                  <a:srgbClr val="3D464D"/>
+                </a:solidFill>
+                <a:latin typeface="Source Serif Pro"/>
+              </a:rPr>
+              <a:t> um módulo famoso para </a:t>
+            </a:r>
+            <a:r>
+              <a:rPr lang="pt-BR" sz="1800" b="1" i="1" u="sng" dirty="0" smtClean="0">
+                <a:solidFill>
+                  <a:srgbClr val="3D464D"/>
+                </a:solidFill>
+                <a:latin typeface="Source Serif Pro"/>
+              </a:rPr>
+              <a:t>MINIFICAR</a:t>
+            </a:r>
+            <a:r>
+              <a:rPr lang="pt-BR" sz="1600" dirty="0" smtClean="0">
+                <a:solidFill>
+                  <a:srgbClr val="3D464D"/>
+                </a:solidFill>
+                <a:latin typeface="Source Serif Pro"/>
+              </a:rPr>
+              <a:t> </a:t>
+            </a:r>
+            <a:r>
+              <a:rPr lang="pt-BR" sz="1600" dirty="0" smtClean="0">
+                <a:solidFill>
+                  <a:srgbClr val="3D464D"/>
+                </a:solidFill>
+                <a:latin typeface="Source Serif Pro"/>
+              </a:rPr>
+              <a:t>arquivos </a:t>
+            </a:r>
+            <a:r>
+              <a:rPr lang="pt-BR" sz="1600" dirty="0" err="1" smtClean="0">
+                <a:solidFill>
+                  <a:srgbClr val="3D464D"/>
+                </a:solidFill>
+                <a:latin typeface="Source Serif Pro"/>
+              </a:rPr>
+              <a:t>Javascript</a:t>
+            </a:r>
+            <a:r>
+              <a:rPr lang="pt-BR" sz="1600" dirty="0" smtClean="0">
+                <a:solidFill>
+                  <a:srgbClr val="3D464D"/>
+                </a:solidFill>
+                <a:latin typeface="Source Serif Pro"/>
+              </a:rPr>
+              <a:t>.</a:t>
+            </a:r>
+          </a:p>
+          <a:p>
+            <a:pPr algn="l"/>
+            <a:endParaRPr lang="pt-BR" sz="1600" dirty="0">
+              <a:solidFill>
+                <a:srgbClr val="3D464D"/>
+              </a:solidFill>
+              <a:latin typeface="Source Serif Pro"/>
+            </a:endParaRPr>
+          </a:p>
+          <a:p>
+            <a:pPr algn="l"/>
+            <a:r>
+              <a:rPr lang="pt-BR" sz="1600" dirty="0" smtClean="0">
+                <a:solidFill>
+                  <a:srgbClr val="3D464D"/>
+                </a:solidFill>
+                <a:latin typeface="Source Serif Pro"/>
+              </a:rPr>
+              <a:t>O </a:t>
+            </a:r>
+            <a:r>
+              <a:rPr lang="pt-BR" sz="1600" dirty="0" err="1" smtClean="0">
+                <a:solidFill>
+                  <a:srgbClr val="3D464D"/>
+                </a:solidFill>
+                <a:latin typeface="Source Serif Pro"/>
+              </a:rPr>
+              <a:t>uglify</a:t>
+            </a:r>
+            <a:r>
+              <a:rPr lang="pt-BR" sz="1600" dirty="0" smtClean="0">
+                <a:solidFill>
+                  <a:srgbClr val="3D464D"/>
+                </a:solidFill>
+                <a:latin typeface="Source Serif Pro"/>
+              </a:rPr>
+              <a:t> não suporte o ES6</a:t>
+            </a:r>
+          </a:p>
+          <a:p>
+            <a:pPr algn="l"/>
+            <a:endParaRPr lang="pt-BR" sz="1600" dirty="0">
+              <a:solidFill>
+                <a:srgbClr val="3D464D"/>
+              </a:solidFill>
+              <a:latin typeface="Source Serif Pro"/>
+            </a:endParaRPr>
+          </a:p>
+          <a:p>
+            <a:pPr algn="l"/>
+            <a:r>
+              <a:rPr lang="pt-BR" sz="1600" dirty="0" smtClean="0">
+                <a:solidFill>
+                  <a:srgbClr val="3D464D"/>
+                </a:solidFill>
+                <a:latin typeface="Source Serif Pro"/>
+              </a:rPr>
+              <a:t>Instalaremos o </a:t>
+            </a:r>
+            <a:r>
+              <a:rPr lang="pt-BR" sz="1600" b="1" dirty="0" err="1" smtClean="0">
+                <a:solidFill>
+                  <a:srgbClr val="3D464D"/>
+                </a:solidFill>
+                <a:latin typeface="Source Serif Pro"/>
+              </a:rPr>
+              <a:t>babili</a:t>
+            </a:r>
+            <a:r>
+              <a:rPr lang="pt-BR" sz="1600" dirty="0" smtClean="0">
+                <a:solidFill>
+                  <a:srgbClr val="3D464D"/>
+                </a:solidFill>
+                <a:latin typeface="Source Serif Pro"/>
+              </a:rPr>
+              <a:t> </a:t>
+            </a:r>
+          </a:p>
+          <a:p>
+            <a:pPr algn="l"/>
+            <a:endParaRPr lang="pt-BR" sz="1600" dirty="0">
+              <a:solidFill>
+                <a:srgbClr val="3D464D"/>
+              </a:solidFill>
+              <a:latin typeface="Source Serif Pro"/>
+            </a:endParaRPr>
+          </a:p>
+          <a:p>
+            <a:pPr algn="l"/>
+            <a:r>
+              <a:rPr lang="pt-BR" sz="1600" dirty="0">
+                <a:solidFill>
+                  <a:srgbClr val="3D464D"/>
+                </a:solidFill>
+                <a:latin typeface="Source Serif Pro"/>
+              </a:rPr>
+              <a:t>O </a:t>
+            </a:r>
+            <a:r>
+              <a:rPr lang="pt-BR" sz="1600" b="1" dirty="0" err="1">
+                <a:solidFill>
+                  <a:srgbClr val="3D464D"/>
+                </a:solidFill>
+                <a:latin typeface="Source Serif Pro"/>
+              </a:rPr>
+              <a:t>loader</a:t>
+            </a:r>
+            <a:r>
+              <a:rPr lang="pt-BR" sz="1600" dirty="0">
+                <a:solidFill>
+                  <a:srgbClr val="3D464D"/>
+                </a:solidFill>
+                <a:latin typeface="Source Serif Pro"/>
+              </a:rPr>
+              <a:t> vai trabalhar com cada arquivo separadamente, antes da criação do </a:t>
+            </a:r>
+            <a:r>
+              <a:rPr lang="pt-BR" sz="1600" b="1" dirty="0" err="1">
+                <a:solidFill>
+                  <a:srgbClr val="3D464D"/>
+                </a:solidFill>
+                <a:latin typeface="Source Serif Pro"/>
+              </a:rPr>
+              <a:t>Bundle</a:t>
+            </a:r>
+            <a:r>
+              <a:rPr lang="pt-BR" sz="1600" dirty="0">
+                <a:solidFill>
+                  <a:srgbClr val="3D464D"/>
+                </a:solidFill>
+                <a:latin typeface="Source Serif Pro"/>
+              </a:rPr>
+              <a:t> final, que pode sua vez, será utilizado pelo </a:t>
+            </a:r>
+            <a:r>
+              <a:rPr lang="pt-BR" sz="1600" dirty="0" err="1">
+                <a:solidFill>
+                  <a:srgbClr val="3D464D"/>
+                </a:solidFill>
+                <a:latin typeface="Source Serif Pro"/>
+              </a:rPr>
+              <a:t>plugin</a:t>
+            </a:r>
+            <a:r>
+              <a:rPr lang="pt-BR" sz="1600" dirty="0">
+                <a:solidFill>
+                  <a:srgbClr val="3D464D"/>
+                </a:solidFill>
+                <a:latin typeface="Source Serif Pro"/>
+              </a:rPr>
+              <a:t>. Nosso objetivo é </a:t>
+            </a:r>
+            <a:r>
+              <a:rPr lang="pt-BR" sz="1600" b="1" dirty="0" err="1">
+                <a:solidFill>
+                  <a:srgbClr val="3D464D"/>
+                </a:solidFill>
+                <a:latin typeface="Source Serif Pro"/>
+              </a:rPr>
+              <a:t>minificar</a:t>
+            </a:r>
+            <a:r>
+              <a:rPr lang="pt-BR" sz="1600" dirty="0">
+                <a:solidFill>
+                  <a:srgbClr val="3D464D"/>
+                </a:solidFill>
+                <a:latin typeface="Source Serif Pro"/>
+              </a:rPr>
+              <a:t> o </a:t>
+            </a:r>
+            <a:r>
+              <a:rPr lang="pt-BR" sz="1600" b="1" dirty="0" err="1">
+                <a:solidFill>
+                  <a:srgbClr val="3D464D"/>
+                </a:solidFill>
+                <a:latin typeface="Source Serif Pro"/>
+              </a:rPr>
+              <a:t>Bundle</a:t>
+            </a:r>
+            <a:r>
+              <a:rPr lang="pt-BR" sz="1600" b="1" dirty="0">
+                <a:solidFill>
+                  <a:srgbClr val="3D464D"/>
+                </a:solidFill>
+                <a:latin typeface="Source Serif Pro"/>
+              </a:rPr>
+              <a:t> final</a:t>
+            </a:r>
+            <a:r>
+              <a:rPr lang="pt-BR" sz="1600" dirty="0">
+                <a:solidFill>
+                  <a:srgbClr val="3D464D"/>
+                </a:solidFill>
+                <a:latin typeface="Source Serif Pro"/>
+              </a:rPr>
+              <a:t>, então, faz sentido utilizar o </a:t>
+            </a:r>
+            <a:r>
+              <a:rPr lang="pt-BR" sz="1600" b="1" dirty="0" err="1">
+                <a:solidFill>
+                  <a:srgbClr val="3D464D"/>
+                </a:solidFill>
+                <a:latin typeface="Source Serif Pro"/>
+              </a:rPr>
+              <a:t>Babili</a:t>
+            </a:r>
+            <a:r>
+              <a:rPr lang="pt-BR" sz="1600" dirty="0">
+                <a:solidFill>
+                  <a:srgbClr val="3D464D"/>
+                </a:solidFill>
+                <a:latin typeface="Source Serif Pro"/>
+              </a:rPr>
+              <a:t>. </a:t>
+            </a:r>
+            <a:endParaRPr lang="pt-BR" sz="1600" dirty="0"/>
           </a:p>
         </p:txBody>
       </p:sp>

--- a/docs/Webpack-resumo.pptx
+++ b/docs/Webpack-resumo.pptx
@@ -8,16 +8,15 @@
     <p:sldId id="256" r:id="rId2"/>
     <p:sldId id="258" r:id="rId3"/>
     <p:sldId id="265" r:id="rId4"/>
-    <p:sldId id="266" r:id="rId5"/>
-    <p:sldId id="267" r:id="rId6"/>
-    <p:sldId id="268" r:id="rId7"/>
-    <p:sldId id="270" r:id="rId8"/>
-    <p:sldId id="273" r:id="rId9"/>
-    <p:sldId id="281" r:id="rId10"/>
-    <p:sldId id="282" r:id="rId11"/>
-    <p:sldId id="285" r:id="rId12"/>
-    <p:sldId id="277" r:id="rId13"/>
-    <p:sldId id="278" r:id="rId14"/>
+    <p:sldId id="267" r:id="rId5"/>
+    <p:sldId id="268" r:id="rId6"/>
+    <p:sldId id="270" r:id="rId7"/>
+    <p:sldId id="273" r:id="rId8"/>
+    <p:sldId id="281" r:id="rId9"/>
+    <p:sldId id="282" r:id="rId10"/>
+    <p:sldId id="285" r:id="rId11"/>
+    <p:sldId id="277" r:id="rId12"/>
+    <p:sldId id="278" r:id="rId13"/>
   </p:sldIdLst>
   <p:sldSz cx="12192000" cy="6858000"/>
   <p:notesSz cx="6858000" cy="9144000"/>
@@ -3033,19 +3032,24 @@
         </p:spPr>
         <p:txBody>
           <a:bodyPr>
-            <a:normAutofit/>
+            <a:normAutofit fontScale="90000"/>
           </a:bodyPr>
           <a:lstStyle/>
           <a:p>
             <a:pPr algn="ctr"/>
             <a:r>
-              <a:rPr lang="pt-BR" sz="2800" b="1" dirty="0" err="1"/>
-              <a:t>Pattern</a:t>
-            </a:r>
-            <a:r>
-              <a:rPr lang="pt-BR" sz="2800" b="1" dirty="0"/>
-              <a:t> DAO</a:t>
-            </a:r>
+              <a:rPr lang="pt-BR" b="1" dirty="0" err="1"/>
+              <a:t>Loader</a:t>
+            </a:r>
+            <a:r>
+              <a:rPr lang="pt-BR" b="1" dirty="0"/>
+              <a:t> – </a:t>
+            </a:r>
+            <a:r>
+              <a:rPr lang="pt-BR" b="1" dirty="0" err="1"/>
+              <a:t>System.js</a:t>
+            </a:r>
+            <a:endParaRPr lang="pt-BR" sz="2800" b="1" dirty="0"/>
           </a:p>
         </p:txBody>
       </p:sp>
@@ -3058,7 +3062,7 @@
         <p:spPr>
           <a:xfrm>
             <a:off x="759177" y="802518"/>
-            <a:ext cx="9931401" cy="2031325"/>
+            <a:ext cx="9931401" cy="3416320"/>
           </a:xfrm>
           <a:prstGeom prst="rect">
             <a:avLst/>
@@ -3072,50 +3076,216 @@
           <a:lstStyle/>
           <a:p>
             <a:r>
-              <a:rPr lang="pt-BR" i="1" dirty="0"/>
-              <a:t>Capacidade de isolar todo o código que acessa seu repositório de dados em um único lugar. Assim, toda vez que o desenvolvedor precisar realizar operações de persistência ele verá que existe um único local para isso, seus </a:t>
-            </a:r>
-            <a:r>
-              <a:rPr lang="pt-BR" i="1" dirty="0" err="1"/>
-              <a:t>DAO's</a:t>
-            </a:r>
-            <a:r>
-              <a:rPr lang="pt-BR" i="1" dirty="0"/>
-              <a:t>.</a:t>
-            </a:r>
-          </a:p>
-          <a:p>
-            <a:endParaRPr lang="pt-BR" i="1" dirty="0"/>
-          </a:p>
-          <a:p>
-            <a:r>
-              <a:rPr lang="pt-BR" i="1" dirty="0"/>
-              <a:t>Falando um pouco mais técnico e nem por isso menos bonito, o DAO faz parte da camada de persistência, funciona como uma fachada para a API do </a:t>
-            </a:r>
-            <a:r>
-              <a:rPr lang="pt-BR" i="1" dirty="0" err="1"/>
-              <a:t>IndexedDB</a:t>
-            </a:r>
-            <a:r>
-              <a:rPr lang="pt-BR" i="1" dirty="0"/>
-              <a:t>. Repare que para usar o DAO não é preciso saber os detalhes do </a:t>
-            </a:r>
-            <a:r>
-              <a:rPr lang="pt-BR" i="1" dirty="0" err="1"/>
-              <a:t>store</a:t>
-            </a:r>
-            <a:r>
-              <a:rPr lang="pt-BR" i="1" dirty="0"/>
-              <a:t> ou cursor.</a:t>
-            </a:r>
+              <a:rPr lang="pt-BR" dirty="0"/>
+              <a:t>Estamos usando os módulos de ES6 definindo os </a:t>
+            </a:r>
+            <a:r>
+              <a:rPr lang="pt-BR" dirty="0" err="1"/>
+              <a:t>imports</a:t>
+            </a:r>
+            <a:r>
+              <a:rPr lang="pt-BR" dirty="0"/>
+              <a:t> e </a:t>
+            </a:r>
+            <a:r>
+              <a:rPr lang="pt-BR" dirty="0" err="1"/>
+              <a:t>exports</a:t>
+            </a:r>
+            <a:r>
+              <a:rPr lang="pt-BR" dirty="0"/>
+              <a:t>, mas não definimos como estes módulos devem ser carregados no navegador. Não existe um consenso ... Precisamos que os scripts sejam carregados numa determinada ordem no sistema.</a:t>
+            </a:r>
+          </a:p>
+          <a:p>
+            <a:endParaRPr lang="pt-BR" dirty="0"/>
+          </a:p>
+          <a:p>
+            <a:r>
+              <a:rPr lang="pt-BR" dirty="0"/>
+              <a:t>O responsável por isso, chama-se </a:t>
+            </a:r>
+            <a:r>
+              <a:rPr lang="pt-BR" b="1" dirty="0" err="1"/>
+              <a:t>Loader</a:t>
+            </a:r>
+            <a:r>
+              <a:rPr lang="pt-BR" dirty="0"/>
+              <a:t>, porém não existe um padrão.</a:t>
+            </a:r>
+          </a:p>
+          <a:p>
+            <a:endParaRPr lang="pt-BR" dirty="0"/>
+          </a:p>
+          <a:p>
+            <a:r>
+              <a:rPr lang="pt-BR" dirty="0"/>
+              <a:t>Uma biblioteca muito famosa é o </a:t>
+            </a:r>
+            <a:r>
+              <a:rPr lang="pt-BR" b="1" dirty="0" err="1"/>
+              <a:t>System.js</a:t>
+            </a:r>
+            <a:r>
+              <a:rPr lang="pt-BR" b="1" dirty="0"/>
+              <a:t> </a:t>
+            </a:r>
+            <a:r>
+              <a:rPr lang="pt-BR" dirty="0"/>
+              <a:t>e será instalada pelo </a:t>
+            </a:r>
+            <a:r>
+              <a:rPr lang="pt-BR" b="1" dirty="0" err="1"/>
+              <a:t>Node.JS</a:t>
+            </a:r>
+            <a:r>
+              <a:rPr lang="pt-BR" b="1" dirty="0"/>
+              <a:t> </a:t>
+            </a:r>
+          </a:p>
+          <a:p>
             <a:endParaRPr lang="pt-BR" b="1" dirty="0"/>
+          </a:p>
+          <a:p>
+            <a:r>
+              <a:rPr lang="pt-BR" dirty="0"/>
+              <a:t>Precisa ser carregado no </a:t>
+            </a:r>
+            <a:r>
+              <a:rPr lang="pt-BR" dirty="0" err="1"/>
+              <a:t>index.html</a:t>
+            </a:r>
+            <a:endParaRPr lang="pt-BR" dirty="0"/>
+          </a:p>
+          <a:p>
+            <a:r>
+              <a:rPr lang="pt-BR" b="1" dirty="0"/>
+              <a:t>	</a:t>
+            </a:r>
+          </a:p>
+          <a:p>
+            <a:r>
+              <a:rPr lang="pt-BR" b="1" dirty="0"/>
+              <a:t>	</a:t>
+            </a:r>
+            <a:r>
+              <a:rPr lang="pt-BR" dirty="0">
+                <a:solidFill>
+                  <a:srgbClr val="990055"/>
+                </a:solidFill>
+              </a:rPr>
+              <a:t>&lt;script</a:t>
+            </a:r>
+            <a:r>
+              <a:rPr lang="pt-BR" dirty="0"/>
+              <a:t> </a:t>
+            </a:r>
+            <a:r>
+              <a:rPr lang="pt-BR" dirty="0" err="1">
+                <a:solidFill>
+                  <a:srgbClr val="669900"/>
+                </a:solidFill>
+              </a:rPr>
+              <a:t>src</a:t>
+            </a:r>
+            <a:r>
+              <a:rPr lang="pt-BR" dirty="0">
+                <a:solidFill>
+                  <a:srgbClr val="999999"/>
+                </a:solidFill>
+              </a:rPr>
+              <a:t>=</a:t>
+            </a:r>
+            <a:r>
+              <a:rPr lang="pt-BR" dirty="0">
+                <a:solidFill>
+                  <a:srgbClr val="0077AA"/>
+                </a:solidFill>
+              </a:rPr>
+              <a:t>"</a:t>
+            </a:r>
+            <a:r>
+              <a:rPr lang="pt-BR" dirty="0" err="1">
+                <a:solidFill>
+                  <a:srgbClr val="0077AA"/>
+                </a:solidFill>
+              </a:rPr>
+              <a:t>node_modules</a:t>
+            </a:r>
+            <a:r>
+              <a:rPr lang="pt-BR" dirty="0">
+                <a:solidFill>
+                  <a:srgbClr val="0077AA"/>
+                </a:solidFill>
+              </a:rPr>
+              <a:t>/</a:t>
+            </a:r>
+            <a:r>
+              <a:rPr lang="pt-BR" dirty="0" err="1">
+                <a:solidFill>
+                  <a:srgbClr val="0077AA"/>
+                </a:solidFill>
+              </a:rPr>
+              <a:t>systemjs</a:t>
+            </a:r>
+            <a:r>
+              <a:rPr lang="pt-BR" dirty="0">
+                <a:solidFill>
+                  <a:srgbClr val="0077AA"/>
+                </a:solidFill>
+              </a:rPr>
+              <a:t>/</a:t>
+            </a:r>
+            <a:r>
+              <a:rPr lang="pt-BR" dirty="0" err="1">
+                <a:solidFill>
+                  <a:srgbClr val="0077AA"/>
+                </a:solidFill>
+              </a:rPr>
+              <a:t>dist</a:t>
+            </a:r>
+            <a:r>
+              <a:rPr lang="pt-BR" dirty="0">
+                <a:solidFill>
+                  <a:srgbClr val="0077AA"/>
+                </a:solidFill>
+              </a:rPr>
+              <a:t>/</a:t>
+            </a:r>
+            <a:r>
+              <a:rPr lang="pt-BR" dirty="0" err="1">
+                <a:solidFill>
+                  <a:srgbClr val="0077AA"/>
+                </a:solidFill>
+              </a:rPr>
+              <a:t>system.js</a:t>
+            </a:r>
+            <a:r>
+              <a:rPr lang="pt-BR" dirty="0">
+                <a:solidFill>
+                  <a:srgbClr val="0077AA"/>
+                </a:solidFill>
+              </a:rPr>
+              <a:t>"</a:t>
+            </a:r>
+            <a:r>
+              <a:rPr lang="pt-BR" dirty="0">
+                <a:solidFill>
+                  <a:srgbClr val="990055"/>
+                </a:solidFill>
+              </a:rPr>
+              <a:t>&gt;&lt;/script&gt;</a:t>
+            </a:r>
+            <a:endParaRPr lang="pt-BR" b="1" dirty="0"/>
+          </a:p>
+          <a:p>
+            <a:endParaRPr lang="pt-BR" dirty="0"/>
           </a:p>
         </p:txBody>
       </p:sp>
     </p:spTree>
     <p:extLst>
       <p:ext uri="{BB962C8B-B14F-4D97-AF65-F5344CB8AC3E}">
-        <p14:creationId xmlns:p14="http://schemas.microsoft.com/office/powerpoint/2010/main" val="884192177"/>
+        <p14:creationId xmlns:p14="http://schemas.microsoft.com/office/powerpoint/2010/main" val="2627748378"/>
       </p:ext>
     </p:extLst>
   </p:cSld>
@@ -3152,304 +3322,6 @@
             <p:ph type="title"/>
           </p:nvPr>
         </p:nvSpPr>
-        <p:spPr>
-          <a:xfrm>
-            <a:off x="759177" y="89552"/>
-            <a:ext cx="10515600" cy="549275"/>
-          </a:xfrm>
-        </p:spPr>
-        <p:txBody>
-          <a:bodyPr>
-            <a:normAutofit fontScale="90000"/>
-          </a:bodyPr>
-          <a:lstStyle/>
-          <a:p>
-            <a:pPr algn="ctr"/>
-            <a:r>
-              <a:rPr lang="pt-BR" b="1" dirty="0" err="1"/>
-              <a:t>Loader</a:t>
-            </a:r>
-            <a:r>
-              <a:rPr lang="pt-BR" b="1" dirty="0"/>
-              <a:t> – </a:t>
-            </a:r>
-            <a:r>
-              <a:rPr lang="pt-BR" b="1" dirty="0" err="1"/>
-              <a:t>System.js</a:t>
-            </a:r>
-            <a:endParaRPr lang="pt-BR" sz="2800" b="1" dirty="0"/>
-          </a:p>
-        </p:txBody>
-      </p:sp>
-      <p:sp>
-        <p:nvSpPr>
-          <p:cNvPr id="8" name="CaixaDeTexto 7"/>
-          <p:cNvSpPr txBox="1"/>
-          <p:nvPr/>
-        </p:nvSpPr>
-        <p:spPr>
-          <a:xfrm>
-            <a:off x="759177" y="802518"/>
-            <a:ext cx="9931401" cy="3416320"/>
-          </a:xfrm>
-          <a:prstGeom prst="rect">
-            <a:avLst/>
-          </a:prstGeom>
-          <a:noFill/>
-        </p:spPr>
-        <p:txBody>
-          <a:bodyPr wrap="square" rtlCol="0">
-            <a:spAutoFit/>
-          </a:bodyPr>
-          <a:lstStyle/>
-          <a:p>
-            <a:r>
-              <a:rPr lang="pt-BR" dirty="0"/>
-              <a:t>Estamos usando os módulos de ES6 definindo os </a:t>
-            </a:r>
-            <a:r>
-              <a:rPr lang="pt-BR" dirty="0" err="1"/>
-              <a:t>imports</a:t>
-            </a:r>
-            <a:r>
-              <a:rPr lang="pt-BR" dirty="0"/>
-              <a:t> e </a:t>
-            </a:r>
-            <a:r>
-              <a:rPr lang="pt-BR" dirty="0" err="1"/>
-              <a:t>exports</a:t>
-            </a:r>
-            <a:r>
-              <a:rPr lang="pt-BR" dirty="0"/>
-              <a:t>, mas não definimos como estes módulos devem ser carregados no navegador. Não existe um consenso ... Precisamos que os scripts sejam carregados numa determinada ordem no sistema.</a:t>
-            </a:r>
-          </a:p>
-          <a:p>
-            <a:endParaRPr lang="pt-BR" dirty="0"/>
-          </a:p>
-          <a:p>
-            <a:r>
-              <a:rPr lang="pt-BR" dirty="0"/>
-              <a:t>O responsável por isso, chama-se </a:t>
-            </a:r>
-            <a:r>
-              <a:rPr lang="pt-BR" b="1" dirty="0" err="1"/>
-              <a:t>Loader</a:t>
-            </a:r>
-            <a:r>
-              <a:rPr lang="pt-BR" dirty="0"/>
-              <a:t>, porém não existe um padrão.</a:t>
-            </a:r>
-          </a:p>
-          <a:p>
-            <a:endParaRPr lang="pt-BR" dirty="0"/>
-          </a:p>
-          <a:p>
-            <a:r>
-              <a:rPr lang="pt-BR" dirty="0"/>
-              <a:t>Uma biblioteca muito famosa é o </a:t>
-            </a:r>
-            <a:r>
-              <a:rPr lang="pt-BR" b="1" dirty="0" err="1"/>
-              <a:t>System.js</a:t>
-            </a:r>
-            <a:r>
-              <a:rPr lang="pt-BR" b="1" dirty="0"/>
-              <a:t> </a:t>
-            </a:r>
-            <a:r>
-              <a:rPr lang="pt-BR" dirty="0"/>
-              <a:t>e será instalada pelo </a:t>
-            </a:r>
-            <a:r>
-              <a:rPr lang="pt-BR" b="1" dirty="0" err="1"/>
-              <a:t>Node.JS</a:t>
-            </a:r>
-            <a:r>
-              <a:rPr lang="pt-BR" b="1" dirty="0"/>
-              <a:t> </a:t>
-            </a:r>
-          </a:p>
-          <a:p>
-            <a:endParaRPr lang="pt-BR" b="1" dirty="0"/>
-          </a:p>
-          <a:p>
-            <a:r>
-              <a:rPr lang="pt-BR" dirty="0"/>
-              <a:t>Precisa ser carregado no </a:t>
-            </a:r>
-            <a:r>
-              <a:rPr lang="pt-BR" dirty="0" err="1"/>
-              <a:t>index.html</a:t>
-            </a:r>
-            <a:endParaRPr lang="pt-BR" dirty="0"/>
-          </a:p>
-          <a:p>
-            <a:r>
-              <a:rPr lang="pt-BR" b="1" dirty="0"/>
-              <a:t>	</a:t>
-            </a:r>
-          </a:p>
-          <a:p>
-            <a:r>
-              <a:rPr lang="pt-BR" b="1" dirty="0"/>
-              <a:t>	</a:t>
-            </a:r>
-            <a:r>
-              <a:rPr lang="pt-BR" dirty="0">
-                <a:solidFill>
-                  <a:srgbClr val="990055"/>
-                </a:solidFill>
-              </a:rPr>
-              <a:t>&lt;script</a:t>
-            </a:r>
-            <a:r>
-              <a:rPr lang="pt-BR" dirty="0"/>
-              <a:t> </a:t>
-            </a:r>
-            <a:r>
-              <a:rPr lang="pt-BR" dirty="0" err="1">
-                <a:solidFill>
-                  <a:srgbClr val="669900"/>
-                </a:solidFill>
-              </a:rPr>
-              <a:t>src</a:t>
-            </a:r>
-            <a:r>
-              <a:rPr lang="pt-BR" dirty="0">
-                <a:solidFill>
-                  <a:srgbClr val="999999"/>
-                </a:solidFill>
-              </a:rPr>
-              <a:t>=</a:t>
-            </a:r>
-            <a:r>
-              <a:rPr lang="pt-BR" dirty="0">
-                <a:solidFill>
-                  <a:srgbClr val="0077AA"/>
-                </a:solidFill>
-              </a:rPr>
-              <a:t>"</a:t>
-            </a:r>
-            <a:r>
-              <a:rPr lang="pt-BR" dirty="0" err="1">
-                <a:solidFill>
-                  <a:srgbClr val="0077AA"/>
-                </a:solidFill>
-              </a:rPr>
-              <a:t>node_modules</a:t>
-            </a:r>
-            <a:r>
-              <a:rPr lang="pt-BR" dirty="0">
-                <a:solidFill>
-                  <a:srgbClr val="0077AA"/>
-                </a:solidFill>
-              </a:rPr>
-              <a:t>/</a:t>
-            </a:r>
-            <a:r>
-              <a:rPr lang="pt-BR" dirty="0" err="1">
-                <a:solidFill>
-                  <a:srgbClr val="0077AA"/>
-                </a:solidFill>
-              </a:rPr>
-              <a:t>systemjs</a:t>
-            </a:r>
-            <a:r>
-              <a:rPr lang="pt-BR" dirty="0">
-                <a:solidFill>
-                  <a:srgbClr val="0077AA"/>
-                </a:solidFill>
-              </a:rPr>
-              <a:t>/</a:t>
-            </a:r>
-            <a:r>
-              <a:rPr lang="pt-BR" dirty="0" err="1">
-                <a:solidFill>
-                  <a:srgbClr val="0077AA"/>
-                </a:solidFill>
-              </a:rPr>
-              <a:t>dist</a:t>
-            </a:r>
-            <a:r>
-              <a:rPr lang="pt-BR" dirty="0">
-                <a:solidFill>
-                  <a:srgbClr val="0077AA"/>
-                </a:solidFill>
-              </a:rPr>
-              <a:t>/</a:t>
-            </a:r>
-            <a:r>
-              <a:rPr lang="pt-BR" dirty="0" err="1">
-                <a:solidFill>
-                  <a:srgbClr val="0077AA"/>
-                </a:solidFill>
-              </a:rPr>
-              <a:t>system.js</a:t>
-            </a:r>
-            <a:r>
-              <a:rPr lang="pt-BR" dirty="0">
-                <a:solidFill>
-                  <a:srgbClr val="0077AA"/>
-                </a:solidFill>
-              </a:rPr>
-              <a:t>"</a:t>
-            </a:r>
-            <a:r>
-              <a:rPr lang="pt-BR" dirty="0">
-                <a:solidFill>
-                  <a:srgbClr val="990055"/>
-                </a:solidFill>
-              </a:rPr>
-              <a:t>&gt;&lt;/script&gt;</a:t>
-            </a:r>
-            <a:endParaRPr lang="pt-BR" b="1" dirty="0"/>
-          </a:p>
-          <a:p>
-            <a:endParaRPr lang="pt-BR" dirty="0"/>
-          </a:p>
-        </p:txBody>
-      </p:sp>
-    </p:spTree>
-    <p:extLst>
-      <p:ext uri="{BB962C8B-B14F-4D97-AF65-F5344CB8AC3E}">
-        <p14:creationId xmlns:p14="http://schemas.microsoft.com/office/powerpoint/2010/main" val="2627748378"/>
-      </p:ext>
-    </p:extLst>
-  </p:cSld>
-  <p:clrMapOvr>
-    <a:masterClrMapping/>
-  </p:clrMapOvr>
-</p:sld>
-</file>
-
-<file path=ppt/slides/slide12.xml><?xml version="1.0" encoding="utf-8"?>
-<p:sld xmlns:a="http://schemas.openxmlformats.org/drawingml/2006/main" xmlns:r="http://schemas.openxmlformats.org/officeDocument/2006/relationships" xmlns:p="http://schemas.openxmlformats.org/presentationml/2006/main">
-  <p:cSld>
-    <p:spTree>
-      <p:nvGrpSpPr>
-        <p:cNvPr id="1" name=""/>
-        <p:cNvGrpSpPr/>
-        <p:nvPr/>
-      </p:nvGrpSpPr>
-      <p:grpSpPr>
-        <a:xfrm>
-          <a:off x="0" y="0"/>
-          <a:ext cx="0" cy="0"/>
-          <a:chOff x="0" y="0"/>
-          <a:chExt cx="0" cy="0"/>
-        </a:xfrm>
-      </p:grpSpPr>
-      <p:sp>
-        <p:nvSpPr>
-          <p:cNvPr id="2" name="Título 1"/>
-          <p:cNvSpPr>
-            <a:spLocks noGrp="1"/>
-          </p:cNvSpPr>
-          <p:nvPr>
-            <p:ph type="title"/>
-          </p:nvPr>
-        </p:nvSpPr>
         <p:spPr/>
         <p:txBody>
           <a:bodyPr/>
@@ -3491,7 +3363,7 @@
 </p:sld>
 </file>
 
-<file path=ppt/slides/slide13.xml><?xml version="1.0" encoding="utf-8"?>
+<file path=ppt/slides/slide12.xml><?xml version="1.0" encoding="utf-8"?>
 <p:sld xmlns:a="http://schemas.openxmlformats.org/drawingml/2006/main" xmlns:r="http://schemas.openxmlformats.org/officeDocument/2006/relationships" xmlns:p="http://schemas.openxmlformats.org/presentationml/2006/main">
   <p:cSld>
     <p:spTree>
@@ -4500,16 +4372,7 @@
                 </a:solidFill>
                 <a:latin typeface="Source Serif Pro"/>
               </a:rPr>
-              <a:t> </a:t>
-            </a:r>
-            <a:r>
-              <a:rPr lang="pt-BR" sz="1600" dirty="0" smtClean="0">
-                <a:solidFill>
-                  <a:srgbClr val="3D464D"/>
-                </a:solidFill>
-                <a:latin typeface="Source Serif Pro"/>
-              </a:rPr>
-              <a:t>arquivos </a:t>
+              <a:t> arquivos </a:t>
             </a:r>
             <a:r>
               <a:rPr lang="pt-BR" sz="1600" dirty="0" err="1" smtClean="0">
@@ -4803,15 +4666,22 @@
           <a:p>
             <a:pPr algn="ctr"/>
             <a:r>
-              <a:rPr lang="pt-BR" sz="2800" b="1" dirty="0"/>
-              <a:t>Requisições AJAX</a:t>
-            </a:r>
-          </a:p>
-        </p:txBody>
-      </p:sp>
-      <p:sp>
-        <p:nvSpPr>
-          <p:cNvPr id="3" name="Espaço Reservado para Conteúdo 2"/>
+              <a:rPr lang="pt-BR" sz="2800" b="1" dirty="0" smtClean="0"/>
+              <a:t>Revisando o Capítulo Anterior</a:t>
+            </a:r>
+            <a:endParaRPr lang="pt-BR" sz="2800" b="1" dirty="0"/>
+          </a:p>
+        </p:txBody>
+      </p:sp>
+      <p:sp>
+        <p:nvSpPr>
+          <p:cNvPr id="7" name="Espaço Reservado para Conteúdo 6">
+            <a:extLst>
+              <a:ext uri="{FF2B5EF4-FFF2-40B4-BE49-F238E27FC236}">
+                <a16:creationId xmlns:a16="http://schemas.microsoft.com/office/drawing/2014/main" id="{CBDD146F-E87E-0140-B521-E123E7DC95E8}"/>
+              </a:ext>
+            </a:extLst>
+          </p:cNvPr>
           <p:cNvSpPr>
             <a:spLocks noGrp="1"/>
           </p:cNvSpPr>
@@ -4821,8 +4691,8 @@
         </p:nvSpPr>
         <p:spPr>
           <a:xfrm>
-            <a:off x="759177" y="638827"/>
-            <a:ext cx="10515600" cy="2404998"/>
+            <a:off x="563671" y="801666"/>
+            <a:ext cx="10790129" cy="5375297"/>
           </a:xfrm>
         </p:spPr>
         <p:txBody>
@@ -4831,1060 +4701,110 @@
           </a:bodyPr>
           <a:lstStyle/>
           <a:p>
-            <a:pPr marL="0" indent="0">
-              <a:buNone/>
-            </a:pPr>
-            <a:r>
-              <a:rPr lang="pt-BR" sz="2000" dirty="0" err="1"/>
-              <a:t>importaNegociacoes</a:t>
-            </a:r>
-            <a:r>
-              <a:rPr lang="pt-BR" sz="2000" dirty="0">
-                <a:solidFill>
-                  <a:srgbClr val="999999"/>
-                </a:solidFill>
-              </a:rPr>
-              <a:t>()</a:t>
-            </a:r>
-            <a:r>
-              <a:rPr lang="pt-BR" sz="2000" dirty="0"/>
-              <a:t> </a:t>
-            </a:r>
-            <a:r>
-              <a:rPr lang="pt-BR" sz="2000" dirty="0">
-                <a:solidFill>
-                  <a:srgbClr val="999999"/>
-                </a:solidFill>
-              </a:rPr>
-              <a:t>{</a:t>
-            </a:r>
-            <a:r>
-              <a:rPr lang="pt-BR" sz="2000" dirty="0"/>
-              <a:t> </a:t>
-            </a:r>
-          </a:p>
-          <a:p>
-            <a:pPr marL="457200" lvl="1" indent="0">
-              <a:buNone/>
-            </a:pPr>
-            <a:r>
-              <a:rPr lang="pt-BR" sz="2000" dirty="0" err="1"/>
-              <a:t>let</a:t>
-            </a:r>
-            <a:r>
-              <a:rPr lang="pt-BR" sz="2000" dirty="0"/>
-              <a:t> </a:t>
-            </a:r>
-            <a:r>
-              <a:rPr lang="pt-BR" sz="2000" dirty="0" err="1"/>
-              <a:t>xhr</a:t>
-            </a:r>
-            <a:r>
-              <a:rPr lang="pt-BR" sz="2000" dirty="0"/>
-              <a:t> </a:t>
-            </a:r>
-            <a:r>
-              <a:rPr lang="pt-BR" sz="2000" dirty="0">
-                <a:solidFill>
-                  <a:srgbClr val="999999"/>
-                </a:solidFill>
-              </a:rPr>
-              <a:t>=</a:t>
-            </a:r>
-            <a:r>
-              <a:rPr lang="pt-BR" sz="2000" dirty="0"/>
-              <a:t> </a:t>
-            </a:r>
-            <a:r>
-              <a:rPr lang="pt-BR" sz="2000" dirty="0">
-                <a:solidFill>
-                  <a:srgbClr val="0077AA"/>
-                </a:solidFill>
-              </a:rPr>
-              <a:t>new</a:t>
-            </a:r>
-            <a:r>
-              <a:rPr lang="pt-BR" sz="2000" dirty="0"/>
-              <a:t> </a:t>
-            </a:r>
-            <a:r>
-              <a:rPr lang="pt-BR" sz="2000" dirty="0" err="1">
-                <a:solidFill>
-                  <a:srgbClr val="A67F59"/>
-                </a:solidFill>
-              </a:rPr>
-              <a:t>XMLHttpRequest</a:t>
-            </a:r>
-            <a:r>
-              <a:rPr lang="pt-BR" sz="2000" dirty="0">
-                <a:solidFill>
-                  <a:srgbClr val="999999"/>
-                </a:solidFill>
-              </a:rPr>
-              <a:t>();</a:t>
-            </a:r>
-            <a:r>
-              <a:rPr lang="pt-BR" sz="2000" dirty="0"/>
-              <a:t> </a:t>
-            </a:r>
-          </a:p>
-          <a:p>
-            <a:pPr marL="457200" lvl="1" indent="0">
-              <a:buNone/>
-            </a:pPr>
-            <a:r>
-              <a:rPr lang="pt-BR" sz="2000" dirty="0">
-                <a:solidFill>
-                  <a:srgbClr val="708090"/>
-                </a:solidFill>
-              </a:rPr>
-              <a:t>/* configurações */</a:t>
-            </a:r>
-            <a:r>
-              <a:rPr lang="pt-BR" sz="2000" dirty="0"/>
-              <a:t> </a:t>
-            </a:r>
-          </a:p>
-          <a:p>
-            <a:pPr marL="457200" lvl="1" indent="0">
-              <a:buNone/>
-            </a:pPr>
-            <a:r>
-              <a:rPr lang="pt-BR" sz="2000" dirty="0" err="1"/>
-              <a:t>xhr</a:t>
-            </a:r>
-            <a:r>
-              <a:rPr lang="pt-BR" sz="2000" dirty="0" err="1">
-                <a:solidFill>
-                  <a:srgbClr val="999999"/>
-                </a:solidFill>
-              </a:rPr>
+            <a:r>
+              <a:rPr lang="pt-BR" sz="2400" dirty="0"/>
+              <a:t>O efeito do parâmetro -p para o build de produção</a:t>
+            </a:r>
+            <a:r>
+              <a:rPr lang="pt-BR" sz="2400" dirty="0" smtClean="0"/>
               <a:t>.</a:t>
             </a:r>
-            <a:r>
-              <a:rPr lang="pt-BR" sz="2000" dirty="0" err="1"/>
-              <a:t>open</a:t>
-            </a:r>
-            <a:r>
-              <a:rPr lang="pt-BR" sz="2000" dirty="0">
-                <a:solidFill>
-                  <a:srgbClr val="999999"/>
-                </a:solidFill>
-              </a:rPr>
-              <a:t>(</a:t>
-            </a:r>
-            <a:r>
-              <a:rPr lang="pt-BR" sz="2000" dirty="0">
-                <a:solidFill>
-                  <a:srgbClr val="669900"/>
-                </a:solidFill>
-              </a:rPr>
-              <a:t>'GET'</a:t>
-            </a:r>
-            <a:r>
-              <a:rPr lang="pt-BR" sz="2000" dirty="0">
-                <a:solidFill>
-                  <a:srgbClr val="999999"/>
-                </a:solidFill>
-              </a:rPr>
-              <a:t>,</a:t>
-            </a:r>
-            <a:r>
-              <a:rPr lang="pt-BR" sz="2000" dirty="0"/>
-              <a:t> </a:t>
-            </a:r>
-            <a:r>
-              <a:rPr lang="pt-BR" sz="2000" dirty="0">
-                <a:solidFill>
-                  <a:srgbClr val="669900"/>
-                </a:solidFill>
-              </a:rPr>
-              <a:t>'</a:t>
-            </a:r>
-            <a:r>
-              <a:rPr lang="pt-BR" sz="2000" dirty="0" err="1">
-                <a:solidFill>
-                  <a:srgbClr val="669900"/>
-                </a:solidFill>
-              </a:rPr>
-              <a:t>negociacoes</a:t>
-            </a:r>
-            <a:r>
-              <a:rPr lang="pt-BR" sz="2000" dirty="0">
-                <a:solidFill>
-                  <a:srgbClr val="669900"/>
-                </a:solidFill>
-              </a:rPr>
-              <a:t>/semana’</a:t>
-            </a:r>
-            <a:r>
-              <a:rPr lang="pt-BR" sz="2000" dirty="0">
-                <a:solidFill>
-                  <a:srgbClr val="999999"/>
-                </a:solidFill>
-              </a:rPr>
-              <a:t>);</a:t>
-            </a:r>
-            <a:r>
-              <a:rPr lang="pt-BR" sz="2000" dirty="0"/>
-              <a:t> </a:t>
-            </a:r>
-          </a:p>
-          <a:p>
-            <a:pPr marL="457200" lvl="1" indent="0">
-              <a:buNone/>
-            </a:pPr>
-            <a:r>
-              <a:rPr lang="pt-BR" sz="2000" dirty="0">
-                <a:solidFill>
-                  <a:srgbClr val="708090"/>
-                </a:solidFill>
-              </a:rPr>
-              <a:t>/* executa */</a:t>
-            </a:r>
-            <a:r>
-              <a:rPr lang="pt-BR" sz="2000" dirty="0"/>
-              <a:t> </a:t>
-            </a:r>
-          </a:p>
-          <a:p>
-            <a:pPr marL="457200" lvl="1" indent="0">
-              <a:buNone/>
-            </a:pPr>
-            <a:r>
-              <a:rPr lang="pt-BR" sz="2000" dirty="0" err="1"/>
-              <a:t>xhr</a:t>
-            </a:r>
-            <a:r>
-              <a:rPr lang="pt-BR" sz="2000" dirty="0" err="1">
-                <a:solidFill>
-                  <a:srgbClr val="999999"/>
-                </a:solidFill>
-              </a:rPr>
+          </a:p>
+          <a:p>
+            <a:endParaRPr lang="pt-BR" sz="2400" dirty="0"/>
+          </a:p>
+          <a:p>
+            <a:r>
+              <a:rPr lang="pt-BR" sz="2400" dirty="0"/>
+              <a:t>A incompatibilidade do </a:t>
+            </a:r>
+            <a:r>
+              <a:rPr lang="pt-BR" sz="2400" dirty="0" err="1"/>
+              <a:t>UglifyJS</a:t>
+            </a:r>
+            <a:r>
+              <a:rPr lang="pt-BR" sz="2400" dirty="0"/>
+              <a:t> com código que não sejam escritos em ECMASCRIPT 5</a:t>
+            </a:r>
+            <a:r>
+              <a:rPr lang="pt-BR" sz="2400" dirty="0" smtClean="0"/>
               <a:t>.</a:t>
             </a:r>
-            <a:r>
-              <a:rPr lang="pt-BR" sz="2000" dirty="0" err="1"/>
-              <a:t>send</a:t>
-            </a:r>
-            <a:r>
-              <a:rPr lang="pt-BR" sz="2000" dirty="0">
-                <a:solidFill>
-                  <a:srgbClr val="999999"/>
-                </a:solidFill>
-              </a:rPr>
-              <a:t>();</a:t>
-            </a:r>
-            <a:r>
-              <a:rPr lang="pt-BR" sz="2000" dirty="0"/>
-              <a:t> </a:t>
-            </a:r>
-          </a:p>
-          <a:p>
-            <a:pPr marL="457200" lvl="1" indent="0">
-              <a:buNone/>
-            </a:pPr>
-            <a:r>
-              <a:rPr lang="pt-BR" sz="2000" dirty="0">
-                <a:solidFill>
-                  <a:srgbClr val="999999"/>
-                </a:solidFill>
-              </a:rPr>
-              <a:t>}</a:t>
-            </a:r>
-            <a:endParaRPr lang="pt-BR" sz="2000" dirty="0"/>
-          </a:p>
-        </p:txBody>
-      </p:sp>
-      <p:sp>
-        <p:nvSpPr>
-          <p:cNvPr id="4" name="CaixaDeTexto 3">
-            <a:extLst>
-              <a:ext uri="{FF2B5EF4-FFF2-40B4-BE49-F238E27FC236}">
-                <a16:creationId xmlns:a16="http://schemas.microsoft.com/office/drawing/2014/main" id="{2B49808F-FE10-2C4E-A8A3-8DE472D779E6}"/>
-              </a:ext>
-            </a:extLst>
-          </p:cNvPr>
-          <p:cNvSpPr txBox="1"/>
-          <p:nvPr/>
-        </p:nvSpPr>
-        <p:spPr>
-          <a:xfrm>
-            <a:off x="270663" y="3156559"/>
-            <a:ext cx="5065426" cy="2031325"/>
-          </a:xfrm>
-          <a:prstGeom prst="rect">
-            <a:avLst/>
-          </a:prstGeom>
-          <a:noFill/>
-        </p:spPr>
-        <p:txBody>
-          <a:bodyPr wrap="square" rtlCol="0">
-            <a:spAutoFit/>
-          </a:bodyPr>
-          <a:lstStyle/>
-          <a:p>
-            <a:r>
-              <a:rPr lang="pt-BR" dirty="0"/>
-              <a:t>Os estados possíveis de um requisição AJAX</a:t>
-            </a:r>
-          </a:p>
-          <a:p>
-            <a:r>
-              <a:rPr lang="pt-BR" dirty="0"/>
-              <a:t>0: requisição ainda não iniciada</a:t>
-            </a:r>
-          </a:p>
-          <a:p>
-            <a:r>
-              <a:rPr lang="pt-BR" dirty="0"/>
-              <a:t>1: conexão com o servidor estabelecida</a:t>
-            </a:r>
-          </a:p>
-          <a:p>
-            <a:r>
-              <a:rPr lang="pt-BR" dirty="0"/>
-              <a:t>2: requisição recebida</a:t>
-            </a:r>
-          </a:p>
-          <a:p>
-            <a:r>
-              <a:rPr lang="pt-BR" dirty="0"/>
-              <a:t>3: processando requisição</a:t>
-            </a:r>
-          </a:p>
-          <a:p>
-            <a:r>
-              <a:rPr lang="pt-BR" dirty="0"/>
-              <a:t>4: requisição está concluída e a resposta está pronta</a:t>
-            </a:r>
-          </a:p>
-          <a:p>
-            <a:endParaRPr lang="pt-BR" dirty="0"/>
-          </a:p>
-        </p:txBody>
-      </p:sp>
-      <p:sp>
-        <p:nvSpPr>
-          <p:cNvPr id="5" name="Retângulo 4">
-            <a:extLst>
-              <a:ext uri="{FF2B5EF4-FFF2-40B4-BE49-F238E27FC236}">
-                <a16:creationId xmlns:a16="http://schemas.microsoft.com/office/drawing/2014/main" id="{44E759E8-03D1-B640-9A02-6E91006515C5}"/>
-              </a:ext>
-            </a:extLst>
-          </p:cNvPr>
-          <p:cNvSpPr/>
-          <p:nvPr/>
-        </p:nvSpPr>
-        <p:spPr>
-          <a:xfrm>
-            <a:off x="5453306" y="3505418"/>
-            <a:ext cx="6738694" cy="3139321"/>
-          </a:xfrm>
-          <a:prstGeom prst="rect">
-            <a:avLst/>
-          </a:prstGeom>
-        </p:spPr>
-        <p:txBody>
-          <a:bodyPr wrap="square">
-            <a:spAutoFit/>
-          </a:bodyPr>
-          <a:lstStyle/>
-          <a:p>
-            <a:r>
-              <a:rPr lang="pt-BR" dirty="0" err="1">
-                <a:solidFill>
-                  <a:srgbClr val="0077AA"/>
-                </a:solidFill>
-              </a:rPr>
-              <a:t>if</a:t>
-            </a:r>
-            <a:r>
-              <a:rPr lang="pt-BR" dirty="0">
-                <a:solidFill>
-                  <a:srgbClr val="999999"/>
-                </a:solidFill>
-              </a:rPr>
-              <a:t>(</a:t>
-            </a:r>
-            <a:r>
-              <a:rPr lang="pt-BR" dirty="0" err="1"/>
-              <a:t>xhr</a:t>
-            </a:r>
-            <a:r>
-              <a:rPr lang="pt-BR" dirty="0" err="1">
-                <a:solidFill>
-                  <a:srgbClr val="999999"/>
-                </a:solidFill>
-              </a:rPr>
+          </a:p>
+          <a:p>
+            <a:endParaRPr lang="pt-BR" sz="2400" dirty="0"/>
+          </a:p>
+          <a:p>
+            <a:r>
+              <a:rPr lang="pt-BR" sz="2400" dirty="0" err="1"/>
+              <a:t>babili</a:t>
+            </a:r>
+            <a:r>
+              <a:rPr lang="pt-BR" sz="2400" dirty="0"/>
+              <a:t> como </a:t>
+            </a:r>
+            <a:r>
+              <a:rPr lang="pt-BR" sz="2400" dirty="0" err="1"/>
+              <a:t>plugin</a:t>
+            </a:r>
+            <a:r>
+              <a:rPr lang="pt-BR" sz="2400" dirty="0"/>
+              <a:t> que ajuda no processo de </a:t>
+            </a:r>
+            <a:r>
+              <a:rPr lang="pt-BR" sz="2400" dirty="0" err="1"/>
+              <a:t>minificação</a:t>
+            </a:r>
+            <a:r>
+              <a:rPr lang="pt-BR" sz="2400" dirty="0" smtClean="0"/>
               <a:t>.</a:t>
             </a:r>
-            <a:r>
-              <a:rPr lang="pt-BR" dirty="0" err="1"/>
-              <a:t>status</a:t>
-            </a:r>
-            <a:r>
-              <a:rPr lang="pt-BR" dirty="0"/>
-              <a:t> </a:t>
-            </a:r>
-            <a:r>
-              <a:rPr lang="pt-BR" dirty="0">
-                <a:solidFill>
-                  <a:srgbClr val="999999"/>
-                </a:solidFill>
-              </a:rPr>
-              <a:t>==</a:t>
-            </a:r>
-            <a:r>
-              <a:rPr lang="pt-BR" dirty="0"/>
-              <a:t> </a:t>
-            </a:r>
-            <a:r>
-              <a:rPr lang="pt-BR" dirty="0">
-                <a:solidFill>
-                  <a:srgbClr val="990055"/>
-                </a:solidFill>
-              </a:rPr>
-              <a:t>200</a:t>
-            </a:r>
-            <a:r>
-              <a:rPr lang="pt-BR" dirty="0">
-                <a:solidFill>
-                  <a:srgbClr val="999999"/>
-                </a:solidFill>
-              </a:rPr>
-              <a:t>)</a:t>
-            </a:r>
-            <a:r>
-              <a:rPr lang="pt-BR" dirty="0"/>
-              <a:t> </a:t>
-            </a:r>
-            <a:r>
-              <a:rPr lang="pt-BR" dirty="0">
-                <a:solidFill>
-                  <a:srgbClr val="999999"/>
-                </a:solidFill>
-              </a:rPr>
-              <a:t>{</a:t>
-            </a:r>
-            <a:r>
-              <a:rPr lang="pt-BR" dirty="0"/>
-              <a:t> </a:t>
-            </a:r>
-          </a:p>
-          <a:p>
-            <a:r>
-              <a:rPr lang="pt-BR" dirty="0"/>
-              <a:t>	</a:t>
-            </a:r>
-            <a:r>
-              <a:rPr lang="pt-BR" dirty="0" err="1"/>
-              <a:t>JSON</a:t>
-            </a:r>
-            <a:r>
-              <a:rPr lang="pt-BR" dirty="0" err="1">
-                <a:solidFill>
-                  <a:srgbClr val="999999"/>
-                </a:solidFill>
-              </a:rPr>
+          </a:p>
+          <a:p>
+            <a:endParaRPr lang="pt-BR" sz="2400" dirty="0"/>
+          </a:p>
+          <a:p>
+            <a:r>
+              <a:rPr lang="pt-BR" sz="2400" dirty="0"/>
+              <a:t>pegadinhas na atribuição de variáveis de ambiente</a:t>
+            </a:r>
+            <a:r>
+              <a:rPr lang="pt-BR" sz="2400" dirty="0" smtClean="0"/>
               <a:t>.</a:t>
             </a:r>
-            <a:r>
-              <a:rPr lang="pt-BR" dirty="0" err="1"/>
-              <a:t>parse</a:t>
-            </a:r>
-            <a:r>
-              <a:rPr lang="pt-BR" dirty="0">
-                <a:solidFill>
-                  <a:srgbClr val="999999"/>
-                </a:solidFill>
-              </a:rPr>
-              <a:t>(</a:t>
-            </a:r>
-            <a:r>
-              <a:rPr lang="pt-BR" dirty="0" err="1"/>
-              <a:t>xhr</a:t>
-            </a:r>
-            <a:r>
-              <a:rPr lang="pt-BR" dirty="0" err="1">
-                <a:solidFill>
-                  <a:srgbClr val="999999"/>
-                </a:solidFill>
-              </a:rPr>
-              <a:t>.</a:t>
-            </a:r>
-            <a:r>
-              <a:rPr lang="pt-BR" dirty="0" err="1"/>
-              <a:t>responseText</a:t>
-            </a:r>
-            <a:r>
-              <a:rPr lang="pt-BR" dirty="0">
-                <a:solidFill>
-                  <a:srgbClr val="999999"/>
-                </a:solidFill>
-              </a:rPr>
-              <a:t>)</a:t>
-            </a:r>
-            <a:r>
-              <a:rPr lang="pt-BR" dirty="0"/>
-              <a:t> </a:t>
-            </a:r>
-            <a:r>
-              <a:rPr lang="pt-BR" dirty="0">
-                <a:solidFill>
-                  <a:srgbClr val="999999"/>
-                </a:solidFill>
-              </a:rPr>
-              <a:t>.</a:t>
-            </a:r>
-            <a:r>
-              <a:rPr lang="pt-BR" dirty="0" err="1"/>
-              <a:t>map</a:t>
-            </a:r>
-            <a:r>
-              <a:rPr lang="pt-BR" dirty="0">
-                <a:solidFill>
-                  <a:srgbClr val="999999"/>
-                </a:solidFill>
-              </a:rPr>
-              <a:t>(</a:t>
-            </a:r>
-            <a:r>
-              <a:rPr lang="pt-BR" dirty="0"/>
-              <a:t>objeto</a:t>
-            </a:r>
-            <a:r>
-              <a:rPr lang="pt-BR" dirty="0">
-                <a:solidFill>
-                  <a:srgbClr val="999999"/>
-                </a:solidFill>
-              </a:rPr>
-              <a:t>=&gt;</a:t>
-            </a:r>
-            <a:r>
-              <a:rPr lang="pt-BR" dirty="0"/>
-              <a:t> </a:t>
-            </a:r>
-            <a:r>
-              <a:rPr lang="pt-BR" dirty="0">
-                <a:solidFill>
-                  <a:srgbClr val="0077AA"/>
-                </a:solidFill>
-              </a:rPr>
-              <a:t>new</a:t>
-            </a:r>
-            <a:r>
-              <a:rPr lang="pt-BR" dirty="0"/>
-              <a:t> 	</a:t>
-            </a:r>
-            <a:r>
-              <a:rPr lang="pt-BR" dirty="0" err="1">
-                <a:solidFill>
-                  <a:srgbClr val="A67F59"/>
-                </a:solidFill>
-              </a:rPr>
-              <a:t>Negociacao</a:t>
-            </a:r>
-            <a:r>
-              <a:rPr lang="pt-BR" dirty="0">
-                <a:solidFill>
-                  <a:srgbClr val="999999"/>
-                </a:solidFill>
-              </a:rPr>
-              <a:t>(</a:t>
-            </a:r>
-            <a:r>
-              <a:rPr lang="pt-BR" dirty="0">
-                <a:solidFill>
-                  <a:srgbClr val="0077AA"/>
-                </a:solidFill>
-              </a:rPr>
-              <a:t>new</a:t>
-            </a:r>
-            <a:r>
-              <a:rPr lang="pt-BR" dirty="0"/>
-              <a:t> </a:t>
-            </a:r>
-            <a:r>
-              <a:rPr lang="pt-BR" dirty="0">
-                <a:solidFill>
-                  <a:srgbClr val="A67F59"/>
-                </a:solidFill>
-              </a:rPr>
-              <a:t>Date</a:t>
-            </a:r>
-            <a:r>
-              <a:rPr lang="pt-BR" dirty="0">
-                <a:solidFill>
-                  <a:srgbClr val="999999"/>
-                </a:solidFill>
-              </a:rPr>
-              <a:t>(</a:t>
-            </a:r>
-            <a:r>
-              <a:rPr lang="pt-BR" dirty="0" err="1"/>
-              <a:t>objeto</a:t>
-            </a:r>
-            <a:r>
-              <a:rPr lang="pt-BR" dirty="0" err="1">
-                <a:solidFill>
-                  <a:srgbClr val="999999"/>
-                </a:solidFill>
-              </a:rPr>
-              <a:t>.</a:t>
-            </a:r>
-            <a:r>
-              <a:rPr lang="pt-BR" dirty="0" err="1"/>
-              <a:t>data</a:t>
-            </a:r>
-            <a:r>
-              <a:rPr lang="pt-BR" dirty="0">
-                <a:solidFill>
-                  <a:srgbClr val="999999"/>
-                </a:solidFill>
-              </a:rPr>
-              <a:t>),</a:t>
-            </a:r>
-            <a:r>
-              <a:rPr lang="pt-BR" dirty="0"/>
-              <a:t> </a:t>
-            </a:r>
-            <a:r>
-              <a:rPr lang="pt-BR" dirty="0" err="1"/>
-              <a:t>objeto</a:t>
-            </a:r>
-            <a:r>
-              <a:rPr lang="pt-BR" dirty="0" err="1">
-                <a:solidFill>
-                  <a:srgbClr val="999999"/>
-                </a:solidFill>
-              </a:rPr>
-              <a:t>.</a:t>
-            </a:r>
-            <a:r>
-              <a:rPr lang="pt-BR" dirty="0" err="1"/>
-              <a:t>quantidade</a:t>
-            </a:r>
-            <a:r>
-              <a:rPr lang="pt-BR" dirty="0">
-                <a:solidFill>
-                  <a:srgbClr val="999999"/>
-                </a:solidFill>
-              </a:rPr>
-              <a:t>,</a:t>
-            </a:r>
-            <a:r>
-              <a:rPr lang="pt-BR" dirty="0"/>
-              <a:t> </a:t>
-            </a:r>
-            <a:r>
-              <a:rPr lang="pt-BR" dirty="0" err="1"/>
-              <a:t>objeto</a:t>
-            </a:r>
-            <a:r>
-              <a:rPr lang="pt-BR" dirty="0" err="1">
-                <a:solidFill>
-                  <a:srgbClr val="999999"/>
-                </a:solidFill>
-              </a:rPr>
-              <a:t>.</a:t>
-            </a:r>
-            <a:r>
-              <a:rPr lang="pt-BR" dirty="0" err="1"/>
-              <a:t>valor</a:t>
-            </a:r>
-            <a:r>
-              <a:rPr lang="pt-BR" dirty="0">
-                <a:solidFill>
-                  <a:srgbClr val="999999"/>
-                </a:solidFill>
-              </a:rPr>
-              <a:t>))</a:t>
-            </a:r>
-            <a:r>
-              <a:rPr lang="pt-BR" dirty="0"/>
-              <a:t> </a:t>
-            </a:r>
-            <a:r>
-              <a:rPr lang="pt-BR" dirty="0">
-                <a:solidFill>
-                  <a:srgbClr val="999999"/>
-                </a:solidFill>
-              </a:rPr>
-              <a:t>.</a:t>
-            </a:r>
-            <a:r>
-              <a:rPr lang="pt-BR" dirty="0" err="1"/>
-              <a:t>forEach</a:t>
-            </a:r>
-            <a:r>
-              <a:rPr lang="pt-BR" dirty="0">
-                <a:solidFill>
-                  <a:srgbClr val="999999"/>
-                </a:solidFill>
-              </a:rPr>
-              <a:t>(</a:t>
-            </a:r>
-            <a:r>
-              <a:rPr lang="pt-BR" dirty="0" err="1"/>
-              <a:t>negociacao</a:t>
-            </a:r>
-            <a:r>
-              <a:rPr lang="pt-BR" dirty="0"/>
-              <a:t> </a:t>
-            </a:r>
-            <a:r>
-              <a:rPr lang="pt-BR" dirty="0">
-                <a:solidFill>
-                  <a:srgbClr val="999999"/>
-                </a:solidFill>
-              </a:rPr>
-              <a:t>=&gt;</a:t>
-            </a:r>
-            <a:r>
-              <a:rPr lang="pt-BR" dirty="0"/>
-              <a:t> 	</a:t>
-            </a:r>
-            <a:r>
-              <a:rPr lang="pt-BR" dirty="0" err="1">
-                <a:solidFill>
-                  <a:srgbClr val="0077AA"/>
-                </a:solidFill>
-              </a:rPr>
-              <a:t>this</a:t>
-            </a:r>
-            <a:r>
-              <a:rPr lang="pt-BR" dirty="0">
-                <a:solidFill>
-                  <a:srgbClr val="999999"/>
-                </a:solidFill>
-              </a:rPr>
-              <a:t>.</a:t>
-            </a:r>
-            <a:r>
-              <a:rPr lang="pt-BR" dirty="0"/>
-              <a:t>_</a:t>
-            </a:r>
-            <a:r>
-              <a:rPr lang="pt-BR" dirty="0" err="1"/>
-              <a:t>listaNegociacoes</a:t>
-            </a:r>
-            <a:r>
-              <a:rPr lang="pt-BR" dirty="0" err="1">
-                <a:solidFill>
-                  <a:srgbClr val="999999"/>
-                </a:solidFill>
-              </a:rPr>
-              <a:t>.</a:t>
-            </a:r>
-            <a:r>
-              <a:rPr lang="pt-BR" dirty="0" err="1"/>
-              <a:t>adiciona</a:t>
-            </a:r>
-            <a:r>
-              <a:rPr lang="pt-BR" dirty="0">
-                <a:solidFill>
-                  <a:srgbClr val="999999"/>
-                </a:solidFill>
-              </a:rPr>
-              <a:t>(</a:t>
-            </a:r>
-            <a:r>
-              <a:rPr lang="pt-BR" dirty="0" err="1"/>
-              <a:t>negociacao</a:t>
-            </a:r>
-            <a:r>
-              <a:rPr lang="pt-BR" dirty="0">
-                <a:solidFill>
-                  <a:srgbClr val="999999"/>
-                </a:solidFill>
-              </a:rPr>
-              <a:t>))</a:t>
-            </a:r>
-            <a:r>
-              <a:rPr lang="pt-BR" dirty="0"/>
-              <a:t> </a:t>
-            </a:r>
-            <a:r>
-              <a:rPr lang="pt-BR" dirty="0" err="1">
-                <a:solidFill>
-                  <a:srgbClr val="0077AA"/>
-                </a:solidFill>
-              </a:rPr>
-              <a:t>this</a:t>
-            </a:r>
-            <a:r>
-              <a:rPr lang="pt-BR" dirty="0">
-                <a:solidFill>
-                  <a:srgbClr val="999999"/>
-                </a:solidFill>
-              </a:rPr>
-              <a:t>.</a:t>
-            </a:r>
-            <a:r>
-              <a:rPr lang="pt-BR" dirty="0"/>
-              <a:t>_</a:t>
-            </a:r>
-            <a:r>
-              <a:rPr lang="pt-BR" dirty="0" err="1"/>
-              <a:t>mensagem</a:t>
-            </a:r>
-            <a:r>
-              <a:rPr lang="pt-BR" dirty="0" err="1">
-                <a:solidFill>
-                  <a:srgbClr val="999999"/>
-                </a:solidFill>
-              </a:rPr>
-              <a:t>.</a:t>
-            </a:r>
-            <a:r>
-              <a:rPr lang="pt-BR" dirty="0" err="1"/>
-              <a:t>texto</a:t>
-            </a:r>
-            <a:r>
-              <a:rPr lang="pt-BR" dirty="0"/>
-              <a:t> </a:t>
-            </a:r>
-            <a:r>
-              <a:rPr lang="pt-BR" dirty="0">
-                <a:solidFill>
-                  <a:srgbClr val="999999"/>
-                </a:solidFill>
-              </a:rPr>
-              <a:t>=</a:t>
-            </a:r>
-            <a:r>
-              <a:rPr lang="pt-BR" dirty="0"/>
-              <a:t> </a:t>
-            </a:r>
-            <a:r>
-              <a:rPr lang="pt-BR" dirty="0">
-                <a:solidFill>
-                  <a:srgbClr val="669900"/>
-                </a:solidFill>
-              </a:rPr>
-              <a:t>'Negociações importadas com sucesso.’</a:t>
-            </a:r>
-            <a:r>
-              <a:rPr lang="pt-BR" dirty="0">
-                <a:solidFill>
-                  <a:srgbClr val="999999"/>
-                </a:solidFill>
-              </a:rPr>
-              <a:t>;</a:t>
-            </a:r>
-            <a:r>
-              <a:rPr lang="pt-BR" dirty="0"/>
-              <a:t> </a:t>
-            </a:r>
-          </a:p>
-          <a:p>
-            <a:r>
-              <a:rPr lang="pt-BR" dirty="0">
-                <a:solidFill>
-                  <a:srgbClr val="999999"/>
-                </a:solidFill>
-              </a:rPr>
-              <a:t>}</a:t>
-            </a:r>
-            <a:r>
-              <a:rPr lang="pt-BR" dirty="0"/>
-              <a:t> </a:t>
-            </a:r>
-            <a:r>
-              <a:rPr lang="pt-BR" dirty="0" err="1">
-                <a:solidFill>
-                  <a:srgbClr val="0077AA"/>
-                </a:solidFill>
-              </a:rPr>
-              <a:t>else</a:t>
-            </a:r>
-            <a:r>
-              <a:rPr lang="pt-BR" dirty="0"/>
-              <a:t> </a:t>
-            </a:r>
-            <a:r>
-              <a:rPr lang="pt-BR" dirty="0">
-                <a:solidFill>
-                  <a:srgbClr val="999999"/>
-                </a:solidFill>
-              </a:rPr>
-              <a:t>{</a:t>
-            </a:r>
-            <a:r>
-              <a:rPr lang="pt-BR" dirty="0"/>
-              <a:t> </a:t>
-            </a:r>
-          </a:p>
-          <a:p>
-            <a:r>
-              <a:rPr lang="pt-BR" dirty="0"/>
-              <a:t>	</a:t>
-            </a:r>
-            <a:r>
-              <a:rPr lang="pt-BR" dirty="0" err="1"/>
-              <a:t>console</a:t>
-            </a:r>
-            <a:r>
-              <a:rPr lang="pt-BR" dirty="0" err="1">
-                <a:solidFill>
-                  <a:srgbClr val="999999"/>
-                </a:solidFill>
-              </a:rPr>
-              <a:t>.</a:t>
-            </a:r>
-            <a:r>
-              <a:rPr lang="pt-BR" dirty="0" err="1"/>
-              <a:t>log</a:t>
-            </a:r>
-            <a:r>
-              <a:rPr lang="pt-BR" dirty="0">
-                <a:solidFill>
-                  <a:srgbClr val="999999"/>
-                </a:solidFill>
-              </a:rPr>
-              <a:t>(</a:t>
-            </a:r>
-            <a:r>
-              <a:rPr lang="pt-BR" dirty="0" err="1"/>
-              <a:t>xhr</a:t>
-            </a:r>
-            <a:r>
-              <a:rPr lang="pt-BR" dirty="0" err="1">
-                <a:solidFill>
-                  <a:srgbClr val="999999"/>
-                </a:solidFill>
-              </a:rPr>
-              <a:t>.</a:t>
-            </a:r>
-            <a:r>
-              <a:rPr lang="pt-BR" dirty="0" err="1"/>
-              <a:t>responseText</a:t>
-            </a:r>
-            <a:r>
-              <a:rPr lang="pt-BR" dirty="0">
-                <a:solidFill>
-                  <a:srgbClr val="999999"/>
-                </a:solidFill>
-              </a:rPr>
-              <a:t>);</a:t>
-            </a:r>
-            <a:r>
-              <a:rPr lang="pt-BR" dirty="0"/>
-              <a:t> </a:t>
-            </a:r>
-          </a:p>
-          <a:p>
-            <a:r>
-              <a:rPr lang="pt-BR" dirty="0">
-                <a:solidFill>
-                  <a:srgbClr val="0077AA"/>
-                </a:solidFill>
-              </a:rPr>
-              <a:t>	</a:t>
-            </a:r>
-            <a:r>
-              <a:rPr lang="pt-BR" dirty="0" err="1">
-                <a:solidFill>
-                  <a:srgbClr val="0077AA"/>
-                </a:solidFill>
-              </a:rPr>
-              <a:t>this</a:t>
-            </a:r>
-            <a:r>
-              <a:rPr lang="pt-BR" dirty="0">
-                <a:solidFill>
-                  <a:srgbClr val="999999"/>
-                </a:solidFill>
-              </a:rPr>
-              <a:t>.</a:t>
-            </a:r>
-            <a:r>
-              <a:rPr lang="pt-BR" dirty="0"/>
-              <a:t>_</a:t>
-            </a:r>
-            <a:r>
-              <a:rPr lang="pt-BR" dirty="0" err="1"/>
-              <a:t>mensagem</a:t>
-            </a:r>
-            <a:r>
-              <a:rPr lang="pt-BR" dirty="0" err="1">
-                <a:solidFill>
-                  <a:srgbClr val="999999"/>
-                </a:solidFill>
-              </a:rPr>
-              <a:t>.</a:t>
-            </a:r>
-            <a:r>
-              <a:rPr lang="pt-BR" dirty="0" err="1"/>
-              <a:t>texto</a:t>
-            </a:r>
-            <a:r>
-              <a:rPr lang="pt-BR" dirty="0"/>
-              <a:t> </a:t>
-            </a:r>
-            <a:r>
-              <a:rPr lang="pt-BR" dirty="0">
-                <a:solidFill>
-                  <a:srgbClr val="999999"/>
-                </a:solidFill>
-              </a:rPr>
-              <a:t>=</a:t>
-            </a:r>
-            <a:r>
-              <a:rPr lang="pt-BR" dirty="0"/>
-              <a:t> </a:t>
-            </a:r>
-            <a:r>
-              <a:rPr lang="pt-BR" dirty="0">
-                <a:solidFill>
-                  <a:srgbClr val="669900"/>
-                </a:solidFill>
-              </a:rPr>
-              <a:t>'Não foi possível obter as negociações.’</a:t>
-            </a:r>
-            <a:r>
-              <a:rPr lang="pt-BR" dirty="0">
-                <a:solidFill>
-                  <a:srgbClr val="999999"/>
-                </a:solidFill>
-              </a:rPr>
-              <a:t>;</a:t>
-            </a:r>
-          </a:p>
-          <a:p>
-            <a:r>
-              <a:rPr lang="pt-BR" dirty="0"/>
-              <a:t> </a:t>
-            </a:r>
-            <a:r>
-              <a:rPr lang="pt-BR" dirty="0">
-                <a:solidFill>
-                  <a:srgbClr val="999999"/>
-                </a:solidFill>
-              </a:rPr>
-              <a:t>}</a:t>
-            </a:r>
-            <a:r>
-              <a:rPr lang="pt-BR" dirty="0"/>
-              <a:t> </a:t>
-            </a:r>
-            <a:r>
-              <a:rPr lang="pt-BR" dirty="0">
-                <a:solidFill>
-                  <a:srgbClr val="999999"/>
-                </a:solidFill>
-              </a:rPr>
-              <a:t>}</a:t>
-            </a:r>
-            <a:endParaRPr lang="pt-BR" dirty="0"/>
+          </a:p>
+          <a:p>
+            <a:endParaRPr lang="pt-BR" sz="2400" dirty="0"/>
+          </a:p>
+          <a:p>
+            <a:r>
+              <a:rPr lang="pt-BR" sz="2400" dirty="0"/>
+              <a:t>o módulo </a:t>
+            </a:r>
+            <a:r>
+              <a:rPr lang="pt-BR" sz="2400" dirty="0" err="1"/>
+              <a:t>cross-env</a:t>
+            </a:r>
+            <a:r>
+              <a:rPr lang="pt-BR" sz="2400" dirty="0"/>
+              <a:t> para garantir compatibilidade do nosso </a:t>
+            </a:r>
+            <a:r>
+              <a:rPr lang="pt-BR" sz="2400" dirty="0" err="1"/>
+              <a:t>npm</a:t>
+            </a:r>
+            <a:r>
+              <a:rPr lang="pt-BR" sz="2400" dirty="0"/>
+              <a:t> script entre diferentes sistemas operacionais.</a:t>
+            </a:r>
+            <a:endParaRPr lang="pt-BR" sz="2400" dirty="0"/>
           </a:p>
         </p:txBody>
       </p:sp>
     </p:spTree>
     <p:extLst>
       <p:ext uri="{BB962C8B-B14F-4D97-AF65-F5344CB8AC3E}">
-        <p14:creationId xmlns:p14="http://schemas.microsoft.com/office/powerpoint/2010/main" val="1288214671"/>
+        <p14:creationId xmlns:p14="http://schemas.microsoft.com/office/powerpoint/2010/main" val="434187553"/>
       </p:ext>
     </p:extLst>
   </p:cSld>
@@ -5936,7 +4856,7 @@
             <a:pPr algn="ctr"/>
             <a:r>
               <a:rPr lang="pt-BR" sz="2800" b="1" dirty="0" err="1"/>
-              <a:t>Error-first</a:t>
+              <a:t>Webpack</a:t>
             </a:r>
             <a:r>
               <a:rPr lang="pt-BR" sz="2800" b="1" dirty="0"/>
@@ -5944,7 +4864,11 @@
             </a:r>
             <a:r>
               <a:rPr lang="pt-BR" sz="2800" b="1" dirty="0" err="1"/>
-              <a:t>Callback</a:t>
+              <a:t>dev</a:t>
+            </a:r>
+            <a:r>
+              <a:rPr lang="pt-BR" sz="2800" b="1" dirty="0"/>
+              <a:t> server</a:t>
             </a:r>
             <a:endParaRPr lang="pt-BR" sz="2800" b="1" dirty="0"/>
           </a:p>
@@ -5968,93 +4892,192 @@
         </p:nvSpPr>
         <p:spPr>
           <a:xfrm>
-            <a:off x="563671" y="801666"/>
+            <a:off x="484648" y="941366"/>
             <a:ext cx="10790129" cy="5375297"/>
           </a:xfrm>
         </p:spPr>
         <p:txBody>
-          <a:bodyPr/>
-          <a:lstStyle/>
-          <a:p>
-            <a:r>
-              <a:rPr lang="pt-BR" dirty="0"/>
-              <a:t>O </a:t>
-            </a:r>
-            <a:r>
-              <a:rPr lang="pt-BR" b="1" i="1" dirty="0" err="1"/>
-              <a:t>Error-first</a:t>
-            </a:r>
-            <a:r>
-              <a:rPr lang="pt-BR" b="1" i="1" dirty="0"/>
+          <a:bodyPr>
+            <a:normAutofit lnSpcReduction="10000"/>
+          </a:bodyPr>
+          <a:lstStyle/>
+          <a:p>
+            <a:r>
+              <a:rPr lang="pt-BR" sz="2400" dirty="0" smtClean="0"/>
+              <a:t>Um Servidor que se integra com o </a:t>
+            </a:r>
+            <a:r>
+              <a:rPr lang="pt-BR" sz="2400" dirty="0" err="1" smtClean="0"/>
+              <a:t>Webpack</a:t>
+            </a:r>
+            <a:r>
+              <a:rPr lang="pt-BR" sz="2400" dirty="0" smtClean="0"/>
+              <a:t> e é utilizado por diversos frameworks </a:t>
+            </a:r>
+            <a:r>
+              <a:rPr lang="pt-BR" sz="2400" b="1" dirty="0" smtClean="0"/>
+              <a:t>Single Page </a:t>
+            </a:r>
+            <a:r>
+              <a:rPr lang="pt-BR" sz="2400" b="1" dirty="0" err="1" smtClean="0"/>
+              <a:t>Applications</a:t>
+            </a:r>
+            <a:r>
+              <a:rPr lang="pt-BR" sz="2400" dirty="0" smtClean="0"/>
+              <a:t>, pelos </a:t>
+            </a:r>
+            <a:r>
+              <a:rPr lang="pt-BR" sz="2400" b="1" dirty="0" err="1" smtClean="0"/>
+              <a:t>Command</a:t>
+            </a:r>
+            <a:r>
+              <a:rPr lang="pt-BR" sz="2400" b="1" dirty="0" smtClean="0"/>
               <a:t> </a:t>
             </a:r>
             <a:r>
-              <a:rPr lang="pt-BR" b="1" i="1" dirty="0" err="1"/>
-              <a:t>Callback</a:t>
-            </a:r>
-            <a:r>
-              <a:rPr lang="pt-BR" dirty="0"/>
-              <a:t>, ou </a:t>
-            </a:r>
-            <a:r>
-              <a:rPr lang="pt-BR" b="1" i="1" dirty="0" err="1"/>
-              <a:t>errorback</a:t>
-            </a:r>
-            <a:r>
-              <a:rPr lang="pt-BR" dirty="0"/>
-              <a:t>, é um padrão que foi adotado no mundo </a:t>
-            </a:r>
-            <a:r>
-              <a:rPr lang="pt-BR" dirty="0" err="1"/>
-              <a:t>Node.js</a:t>
-            </a:r>
-            <a:r>
-              <a:rPr lang="pt-BR" dirty="0"/>
-              <a:t>. Como você já aprendeu, o </a:t>
-            </a:r>
-            <a:r>
-              <a:rPr lang="pt-BR" i="1" dirty="0" err="1"/>
-              <a:t>callback</a:t>
-            </a:r>
-            <a:r>
-              <a:rPr lang="pt-BR" dirty="0"/>
-              <a:t> é uma função chamada quando uma tarefa for executada, como uma requisição Ajax ou o acesso ao banco de dados. No entanto, a qualquer momento pode acontecer um erro no processamento e aí vem a questão de como lidar com isso.</a:t>
-            </a:r>
-          </a:p>
-          <a:p>
-            <a:endParaRPr lang="pt-BR" dirty="0"/>
-          </a:p>
-          <a:p>
-            <a:r>
-              <a:rPr lang="pt-BR" dirty="0"/>
-              <a:t>A convenção é que cada </a:t>
-            </a:r>
-            <a:r>
-              <a:rPr lang="pt-BR" b="1" i="1" dirty="0" err="1"/>
-              <a:t>callback</a:t>
-            </a:r>
-            <a:r>
-              <a:rPr lang="pt-BR" dirty="0"/>
-              <a:t> receba sempre o erro no primeiro parâmetro. Na função </a:t>
-            </a:r>
-            <a:r>
-              <a:rPr lang="pt-BR" i="1" dirty="0" err="1"/>
-              <a:t>callback</a:t>
-            </a:r>
-            <a:r>
-              <a:rPr lang="pt-BR" dirty="0"/>
-              <a:t>, basta então verificar esse parâmetro para saber se ocorreu um erro ou não!</a:t>
-            </a:r>
-          </a:p>
-          <a:p>
-            <a:endParaRPr lang="pt-BR" dirty="0"/>
+              <a:rPr lang="pt-BR" sz="2400" b="1" dirty="0" err="1" smtClean="0"/>
+              <a:t>Line</a:t>
+            </a:r>
+            <a:r>
+              <a:rPr lang="pt-BR" sz="2400" b="1" dirty="0" smtClean="0"/>
+              <a:t> Interfaces </a:t>
+            </a:r>
+            <a:r>
+              <a:rPr lang="pt-BR" sz="2400" dirty="0" smtClean="0"/>
+              <a:t>(</a:t>
+            </a:r>
+            <a:r>
+              <a:rPr lang="pt-BR" sz="2400" b="1" dirty="0" smtClean="0"/>
+              <a:t>CLI</a:t>
+            </a:r>
+            <a:r>
+              <a:rPr lang="pt-BR" sz="2400" dirty="0" smtClean="0"/>
+              <a:t>). Para usá-lo precisaremos adequar o projeto. </a:t>
+            </a:r>
+          </a:p>
+          <a:p>
+            <a:endParaRPr lang="pt-BR" sz="2400" dirty="0"/>
+          </a:p>
+          <a:p>
+            <a:r>
+              <a:rPr lang="pt-BR" sz="2400" dirty="0" smtClean="0"/>
+              <a:t>O </a:t>
+            </a:r>
+            <a:r>
+              <a:rPr lang="pt-BR" sz="2400" dirty="0" err="1" smtClean="0"/>
+              <a:t>Webpack</a:t>
+            </a:r>
+            <a:r>
+              <a:rPr lang="pt-BR" sz="2400" dirty="0" smtClean="0"/>
+              <a:t>-</a:t>
+            </a:r>
+            <a:r>
+              <a:rPr lang="pt-BR" sz="2400" dirty="0" err="1" smtClean="0"/>
+              <a:t>dev</a:t>
+            </a:r>
+            <a:r>
+              <a:rPr lang="pt-BR" sz="2400" dirty="0" smtClean="0"/>
+              <a:t>-server cria o Bundle.js em memória</a:t>
+            </a:r>
+          </a:p>
+          <a:p>
+            <a:endParaRPr lang="pt-BR" sz="2400" dirty="0"/>
+          </a:p>
+          <a:p>
+            <a:r>
+              <a:rPr lang="pt-BR" sz="2400" dirty="0" smtClean="0"/>
+              <a:t>Vantagens </a:t>
+            </a:r>
+            <a:r>
+              <a:rPr lang="pt-BR" sz="2400" dirty="0"/>
+              <a:t>como </a:t>
+            </a:r>
+            <a:r>
+              <a:rPr lang="pt-BR" sz="2400" dirty="0" err="1"/>
+              <a:t>live</a:t>
+            </a:r>
+            <a:r>
+              <a:rPr lang="pt-BR" sz="2400" dirty="0"/>
+              <a:t> </a:t>
+            </a:r>
+            <a:r>
+              <a:rPr lang="pt-BR" sz="2400" dirty="0" err="1" smtClean="0"/>
+              <a:t>reloading</a:t>
+            </a:r>
+            <a:r>
+              <a:rPr lang="pt-BR" sz="2400" dirty="0" smtClean="0"/>
+              <a:t>;</a:t>
+            </a:r>
+          </a:p>
+          <a:p>
+            <a:endParaRPr lang="pt-BR" sz="2400" dirty="0"/>
+          </a:p>
+          <a:p>
+            <a:r>
+              <a:rPr lang="pt-BR" sz="2400" dirty="0"/>
+              <a:t>Como instalar o </a:t>
+            </a:r>
+            <a:r>
+              <a:rPr lang="pt-BR" sz="2400" dirty="0" err="1"/>
+              <a:t>Webpack</a:t>
+            </a:r>
+            <a:r>
+              <a:rPr lang="pt-BR" sz="2400" dirty="0"/>
+              <a:t> </a:t>
+            </a:r>
+            <a:r>
+              <a:rPr lang="pt-BR" sz="2400" dirty="0" err="1"/>
+              <a:t>Dev</a:t>
+            </a:r>
+            <a:r>
+              <a:rPr lang="pt-BR" sz="2400" dirty="0"/>
+              <a:t> Server através do </a:t>
+            </a:r>
+            <a:r>
+              <a:rPr lang="pt-BR" sz="2400" dirty="0" err="1" smtClean="0"/>
+              <a:t>npm</a:t>
+            </a:r>
+            <a:endParaRPr lang="pt-BR" sz="2400" dirty="0" smtClean="0"/>
+          </a:p>
+          <a:p>
+            <a:endParaRPr lang="pt-BR" sz="2400" dirty="0"/>
+          </a:p>
+          <a:p>
+            <a:r>
+              <a:rPr lang="pt-BR" sz="2400" dirty="0"/>
+              <a:t>A criação de um script para executar o </a:t>
+            </a:r>
+            <a:r>
+              <a:rPr lang="pt-BR" sz="2400" dirty="0" smtClean="0"/>
+              <a:t>servidor</a:t>
+            </a:r>
+          </a:p>
+          <a:p>
+            <a:endParaRPr lang="pt-BR" sz="2400" dirty="0"/>
+          </a:p>
+          <a:p>
+            <a:r>
+              <a:rPr lang="pt-BR" sz="2400" dirty="0"/>
+              <a:t>A importância da propriedade </a:t>
+            </a:r>
+            <a:r>
+              <a:rPr lang="pt-BR" sz="2400" b="1" dirty="0" err="1"/>
+              <a:t>publicPath</a:t>
+            </a:r>
+            <a:r>
+              <a:rPr lang="pt-BR" sz="2400" dirty="0"/>
+              <a:t>.</a:t>
+            </a:r>
+          </a:p>
+          <a:p>
+            <a:endParaRPr lang="pt-BR" sz="2400" dirty="0"/>
           </a:p>
         </p:txBody>
       </p:sp>
     </p:spTree>
     <p:extLst>
       <p:ext uri="{BB962C8B-B14F-4D97-AF65-F5344CB8AC3E}">
-        <p14:creationId xmlns:p14="http://schemas.microsoft.com/office/powerpoint/2010/main" val="434187553"/>
+        <p14:creationId xmlns:p14="http://schemas.microsoft.com/office/powerpoint/2010/main" val="789905944"/>
       </p:ext>
     </p:extLst>
   </p:cSld>
@@ -6105,28 +5128,8 @@
           <a:p>
             <a:pPr algn="ctr"/>
             <a:r>
-              <a:rPr lang="pt-BR" sz="2800" b="1" dirty="0" err="1"/>
-              <a:t>Pyramid</a:t>
-            </a:r>
-            <a:r>
               <a:rPr lang="pt-BR" sz="2800" b="1" dirty="0"/>
-              <a:t> </a:t>
-            </a:r>
-            <a:r>
-              <a:rPr lang="pt-BR" sz="2800" b="1" dirty="0" err="1"/>
-              <a:t>of</a:t>
-            </a:r>
-            <a:r>
-              <a:rPr lang="pt-BR" sz="2800" b="1" dirty="0"/>
-              <a:t> </a:t>
-            </a:r>
-            <a:r>
-              <a:rPr lang="pt-BR" sz="2800" b="1" dirty="0" err="1"/>
-              <a:t>Doom</a:t>
-            </a:r>
-            <a:r>
-              <a:rPr lang="pt-BR" sz="2800" b="1" dirty="0"/>
-              <a:t> (Pirâmide da desgraça)</a:t>
+              <a:t>Persistência</a:t>
             </a:r>
           </a:p>
         </p:txBody>
@@ -6159,49 +5162,89 @@
           <a:p>
             <a:r>
               <a:rPr lang="pt-BR" sz="2400" dirty="0"/>
-              <a:t>Isso ocorre porque temos várias funções aninhadas dentro de outras. Causando problemas de legibilidade do código. </a:t>
-            </a:r>
-          </a:p>
-          <a:p>
-            <a:endParaRPr lang="pt-BR" sz="2400" dirty="0"/>
-          </a:p>
-          <a:p>
+              <a:t>Persistência com o banco de dados bastante famoso no mercado e certificado pela W3C, </a:t>
+            </a:r>
+            <a:r>
+              <a:rPr lang="pt-BR" sz="2400" b="1" dirty="0" err="1"/>
+              <a:t>IndexedDB</a:t>
+            </a:r>
             <a:r>
               <a:rPr lang="pt-BR" sz="2400" dirty="0"/>
-              <a:t>O maior problema disso chama </a:t>
-            </a:r>
-            <a:r>
-              <a:rPr lang="pt-BR" sz="2400" b="1" dirty="0" err="1"/>
-              <a:t>Callback</a:t>
+              <a:t> (</a:t>
             </a:r>
             <a:r>
               <a:rPr lang="pt-BR" sz="2400" b="1" dirty="0"/>
-              <a:t> </a:t>
-            </a:r>
-            <a:r>
-              <a:rPr lang="pt-BR" sz="2400" b="1" dirty="0" err="1"/>
-              <a:t>Hell</a:t>
-            </a:r>
-            <a:r>
-              <a:rPr lang="pt-BR" sz="2400" b="1" dirty="0"/>
-              <a:t> </a:t>
+              <a:t>IDB</a:t>
             </a:r>
             <a:r>
               <a:rPr lang="pt-BR" sz="2400" dirty="0"/>
-              <a:t>que ocorre quando temos essas requisições </a:t>
-            </a:r>
-            <a:r>
-              <a:rPr lang="pt-BR" sz="2400"/>
-              <a:t>assíncronas aninhadas.</a:t>
-            </a:r>
-            <a:endParaRPr lang="pt-BR" dirty="0"/>
+              <a:t>).</a:t>
+            </a:r>
+          </a:p>
+          <a:p>
+            <a:r>
+              <a:rPr lang="pt-BR" sz="2400" dirty="0"/>
+              <a:t>É acessível pelo escopo global</a:t>
+            </a:r>
+          </a:p>
+          <a:p>
+            <a:r>
+              <a:rPr lang="pt-BR" sz="2400" dirty="0"/>
+              <a:t>Precisamos solicitar uma requisição de abertura para um Banco antes de qualquer coisa</a:t>
+            </a:r>
+          </a:p>
+          <a:p>
+            <a:r>
+              <a:rPr lang="pt-BR" sz="2400" dirty="0"/>
+              <a:t>Temos que lidar com uma tríade de eventos todas as vezes que obtermos uma conexão</a:t>
+            </a:r>
+          </a:p>
+          <a:p>
+            <a:pPr lvl="1"/>
+            <a:r>
+              <a:rPr lang="pt-BR" dirty="0" err="1"/>
+              <a:t>openRequest.</a:t>
+            </a:r>
+            <a:r>
+              <a:rPr lang="pt-BR" b="1" dirty="0" err="1"/>
+              <a:t>onupgradeneeded</a:t>
+            </a:r>
+            <a:endParaRPr lang="pt-BR" b="1" dirty="0"/>
+          </a:p>
+          <a:p>
+            <a:pPr lvl="1"/>
+            <a:r>
+              <a:rPr lang="pt-BR" dirty="0" err="1"/>
+              <a:t>openRequest.</a:t>
+            </a:r>
+            <a:r>
+              <a:rPr lang="pt-BR" b="1" dirty="0" err="1"/>
+              <a:t>onsuccess</a:t>
+            </a:r>
+            <a:endParaRPr lang="pt-BR" b="1" dirty="0"/>
+          </a:p>
+          <a:p>
+            <a:pPr lvl="1"/>
+            <a:r>
+              <a:rPr lang="pt-BR" dirty="0" err="1"/>
+              <a:t>openRequest.</a:t>
+            </a:r>
+            <a:r>
+              <a:rPr lang="pt-BR" b="1" dirty="0" err="1"/>
+              <a:t>onerror</a:t>
+            </a:r>
+            <a:endParaRPr lang="pt-BR" b="1" dirty="0"/>
+          </a:p>
+          <a:p>
+            <a:pPr lvl="1"/>
+            <a:endParaRPr lang="pt-BR" sz="2000" dirty="0"/>
           </a:p>
         </p:txBody>
       </p:sp>
     </p:spTree>
     <p:extLst>
       <p:ext uri="{BB962C8B-B14F-4D97-AF65-F5344CB8AC3E}">
-        <p14:creationId xmlns:p14="http://schemas.microsoft.com/office/powerpoint/2010/main" val="789905944"/>
+        <p14:creationId xmlns:p14="http://schemas.microsoft.com/office/powerpoint/2010/main" val="266674773"/>
       </p:ext>
     </p:extLst>
   </p:cSld>
@@ -6253,7 +5296,7 @@
             <a:pPr algn="ctr"/>
             <a:r>
               <a:rPr lang="pt-BR" sz="2800" b="1" dirty="0"/>
-              <a:t>Persistência</a:t>
+              <a:t>Uma conexão ou várias</a:t>
             </a:r>
           </a:p>
         </p:txBody>
@@ -6277,98 +5320,296 @@
         <p:spPr>
           <a:xfrm>
             <a:off x="563671" y="801666"/>
-            <a:ext cx="10790129" cy="5375297"/>
+            <a:ext cx="10790129" cy="5649238"/>
           </a:xfrm>
         </p:spPr>
         <p:txBody>
           <a:bodyPr/>
           <a:lstStyle/>
           <a:p>
-            <a:r>
-              <a:rPr lang="pt-BR" sz="2400" dirty="0"/>
-              <a:t>Persistência com o banco de dados bastante famoso no mercado e certificado pela W3C, </a:t>
-            </a:r>
-            <a:r>
-              <a:rPr lang="pt-BR" sz="2400" b="1" dirty="0" err="1"/>
-              <a:t>IndexedDB</a:t>
-            </a:r>
-            <a:r>
-              <a:rPr lang="pt-BR" sz="2400" dirty="0"/>
-              <a:t> (</a:t>
-            </a:r>
-            <a:r>
-              <a:rPr lang="pt-BR" sz="2400" b="1" dirty="0"/>
-              <a:t>IDB</a:t>
-            </a:r>
-            <a:r>
-              <a:rPr lang="pt-BR" sz="2400" dirty="0"/>
-              <a:t>).</a:t>
-            </a:r>
-          </a:p>
-          <a:p>
-            <a:r>
-              <a:rPr lang="pt-BR" sz="2400" dirty="0"/>
-              <a:t>É acessível pelo escopo global</a:t>
-            </a:r>
-          </a:p>
-          <a:p>
-            <a:r>
-              <a:rPr lang="pt-BR" sz="2400" dirty="0"/>
-              <a:t>Precisamos solicitar uma requisição de abertura para um Banco antes de qualquer coisa</a:t>
-            </a:r>
-          </a:p>
-          <a:p>
-            <a:r>
-              <a:rPr lang="pt-BR" sz="2400" dirty="0"/>
-              <a:t>Temos que lidar com uma tríade de eventos todas as vezes que obtermos uma conexão</a:t>
-            </a:r>
-          </a:p>
-          <a:p>
-            <a:pPr lvl="1"/>
+            <a:pPr marL="0" indent="0">
+              <a:buNone/>
+            </a:pPr>
+            <a:r>
+              <a:rPr lang="pt-BR" dirty="0" err="1">
+                <a:solidFill>
+                  <a:srgbClr val="A67F59"/>
+                </a:solidFill>
+              </a:rPr>
+              <a:t>ConnectionFactory</a:t>
+            </a:r>
+            <a:r>
+              <a:rPr lang="pt-BR" dirty="0"/>
+              <a:t> </a:t>
+            </a:r>
+          </a:p>
+          <a:p>
+            <a:pPr marL="0" indent="0">
+              <a:buNone/>
+            </a:pPr>
+            <a:r>
+              <a:rPr lang="pt-BR" dirty="0">
+                <a:solidFill>
+                  <a:srgbClr val="999999"/>
+                </a:solidFill>
+              </a:rPr>
+              <a:t>	.</a:t>
+            </a:r>
             <a:r>
               <a:rPr lang="pt-BR" dirty="0" err="1"/>
-              <a:t>openRequest.</a:t>
-            </a:r>
-            <a:r>
-              <a:rPr lang="pt-BR" b="1" dirty="0" err="1"/>
-              <a:t>onupgradeneeded</a:t>
-            </a:r>
-            <a:endParaRPr lang="pt-BR" b="1" dirty="0"/>
-          </a:p>
-          <a:p>
-            <a:pPr lvl="1"/>
-            <a:r>
-              <a:rPr lang="pt-BR" dirty="0" err="1"/>
-              <a:t>openRequest.</a:t>
-            </a:r>
-            <a:r>
-              <a:rPr lang="pt-BR" b="1" dirty="0" err="1"/>
-              <a:t>onsuccess</a:t>
-            </a:r>
-            <a:endParaRPr lang="pt-BR" b="1" dirty="0"/>
-          </a:p>
-          <a:p>
-            <a:pPr lvl="1"/>
-            <a:r>
-              <a:rPr lang="pt-BR" dirty="0" err="1"/>
-              <a:t>openRequest.</a:t>
-            </a:r>
-            <a:r>
-              <a:rPr lang="pt-BR" b="1" dirty="0" err="1"/>
-              <a:t>onerror</a:t>
-            </a:r>
-            <a:endParaRPr lang="pt-BR" b="1" dirty="0"/>
-          </a:p>
-          <a:p>
-            <a:pPr lvl="1"/>
-            <a:endParaRPr lang="pt-BR" sz="2000" dirty="0"/>
+              <a:t>getConnection</a:t>
+            </a:r>
+            <a:r>
+              <a:rPr lang="pt-BR" dirty="0">
+                <a:solidFill>
+                  <a:srgbClr val="999999"/>
+                </a:solidFill>
+              </a:rPr>
+              <a:t>()</a:t>
+            </a:r>
+            <a:r>
+              <a:rPr lang="pt-BR" dirty="0"/>
+              <a:t> </a:t>
+            </a:r>
+          </a:p>
+          <a:p>
+            <a:pPr marL="457200" lvl="1" indent="0">
+              <a:buNone/>
+            </a:pPr>
+            <a:r>
+              <a:rPr lang="pt-BR" dirty="0">
+                <a:solidFill>
+                  <a:srgbClr val="999999"/>
+                </a:solidFill>
+              </a:rPr>
+              <a:t>	.</a:t>
+            </a:r>
+            <a:r>
+              <a:rPr lang="pt-BR" dirty="0" err="1">
+                <a:solidFill>
+                  <a:srgbClr val="0077AA"/>
+                </a:solidFill>
+              </a:rPr>
+              <a:t>then</a:t>
+            </a:r>
+            <a:r>
+              <a:rPr lang="pt-BR" dirty="0">
+                <a:solidFill>
+                  <a:srgbClr val="999999"/>
+                </a:solidFill>
+              </a:rPr>
+              <a:t>(</a:t>
+            </a:r>
+            <a:r>
+              <a:rPr lang="pt-BR" dirty="0"/>
+              <a:t>connection </a:t>
+            </a:r>
+            <a:r>
+              <a:rPr lang="pt-BR" dirty="0">
+                <a:solidFill>
+                  <a:srgbClr val="999999"/>
+                </a:solidFill>
+              </a:rPr>
+              <a:t>=&gt;</a:t>
+            </a:r>
+            <a:r>
+              <a:rPr lang="pt-BR" dirty="0"/>
+              <a:t> </a:t>
+            </a:r>
+            <a:r>
+              <a:rPr lang="pt-BR" dirty="0">
+                <a:solidFill>
+                  <a:srgbClr val="999999"/>
+                </a:solidFill>
+              </a:rPr>
+              <a:t>{</a:t>
+            </a:r>
+            <a:r>
+              <a:rPr lang="pt-BR" dirty="0"/>
+              <a:t> </a:t>
+            </a:r>
+          </a:p>
+          <a:p>
+            <a:pPr marL="457200" lvl="1" indent="0">
+              <a:buNone/>
+            </a:pPr>
+            <a:r>
+              <a:rPr lang="pt-BR" dirty="0">
+                <a:solidFill>
+                  <a:srgbClr val="999999"/>
+                </a:solidFill>
+              </a:rPr>
+              <a:t>});</a:t>
+            </a:r>
+            <a:r>
+              <a:rPr lang="pt-BR" dirty="0"/>
+              <a:t> </a:t>
+            </a:r>
+          </a:p>
+          <a:p>
+            <a:pPr marL="457200" lvl="1" indent="0">
+              <a:buNone/>
+            </a:pPr>
+            <a:endParaRPr lang="pt-BR" dirty="0">
+              <a:solidFill>
+                <a:srgbClr val="708090"/>
+              </a:solidFill>
+            </a:endParaRPr>
+          </a:p>
+          <a:p>
+            <a:pPr marL="457200" lvl="1" indent="0">
+              <a:buNone/>
+            </a:pPr>
+            <a:r>
+              <a:rPr lang="pt-BR" dirty="0">
+                <a:solidFill>
+                  <a:srgbClr val="708090"/>
+                </a:solidFill>
+              </a:rPr>
+              <a:t>// faz outras coisas e pede novamente a conexão</a:t>
+            </a:r>
+            <a:r>
+              <a:rPr lang="pt-BR" dirty="0"/>
+              <a:t> </a:t>
+            </a:r>
+          </a:p>
+          <a:p>
+            <a:pPr marL="457200" lvl="1" indent="0">
+              <a:buNone/>
+            </a:pPr>
+            <a:endParaRPr lang="pt-BR" sz="2800" dirty="0">
+              <a:solidFill>
+                <a:srgbClr val="A67F59"/>
+              </a:solidFill>
+            </a:endParaRPr>
+          </a:p>
+          <a:p>
+            <a:pPr marL="457200" lvl="1" indent="0">
+              <a:buNone/>
+            </a:pPr>
+            <a:r>
+              <a:rPr lang="pt-BR" sz="2800" dirty="0" err="1">
+                <a:solidFill>
+                  <a:srgbClr val="A67F59"/>
+                </a:solidFill>
+              </a:rPr>
+              <a:t>ConnectionFactory</a:t>
+            </a:r>
+            <a:r>
+              <a:rPr lang="pt-BR" sz="2800" dirty="0"/>
+              <a:t> </a:t>
+            </a:r>
+          </a:p>
+          <a:p>
+            <a:pPr marL="457200" lvl="1" indent="0">
+              <a:buNone/>
+            </a:pPr>
+            <a:r>
+              <a:rPr lang="pt-BR" sz="2800" dirty="0">
+                <a:solidFill>
+                  <a:srgbClr val="999999"/>
+                </a:solidFill>
+              </a:rPr>
+              <a:t>	.</a:t>
+            </a:r>
+            <a:r>
+              <a:rPr lang="pt-BR" sz="2800" dirty="0" err="1"/>
+              <a:t>getConnection</a:t>
+            </a:r>
+            <a:r>
+              <a:rPr lang="pt-BR" sz="2800" dirty="0">
+                <a:solidFill>
+                  <a:srgbClr val="999999"/>
+                </a:solidFill>
+              </a:rPr>
+              <a:t>()</a:t>
+            </a:r>
+            <a:r>
+              <a:rPr lang="pt-BR" sz="2800" dirty="0"/>
+              <a:t> </a:t>
+            </a:r>
+          </a:p>
+          <a:p>
+            <a:pPr marL="457200" lvl="1" indent="0">
+              <a:buNone/>
+            </a:pPr>
+            <a:r>
+              <a:rPr lang="pt-BR" sz="2800" dirty="0">
+                <a:solidFill>
+                  <a:srgbClr val="999999"/>
+                </a:solidFill>
+              </a:rPr>
+              <a:t>	.</a:t>
+            </a:r>
+            <a:r>
+              <a:rPr lang="pt-BR" sz="2800" dirty="0" err="1">
+                <a:solidFill>
+                  <a:srgbClr val="0077AA"/>
+                </a:solidFill>
+              </a:rPr>
+              <a:t>then</a:t>
+            </a:r>
+            <a:r>
+              <a:rPr lang="pt-BR" sz="2800" dirty="0">
+                <a:solidFill>
+                  <a:srgbClr val="999999"/>
+                </a:solidFill>
+              </a:rPr>
+              <a:t>(</a:t>
+            </a:r>
+            <a:r>
+              <a:rPr lang="pt-BR" sz="2800" dirty="0"/>
+              <a:t>connection </a:t>
+            </a:r>
+            <a:r>
+              <a:rPr lang="pt-BR" sz="2800" dirty="0">
+                <a:solidFill>
+                  <a:srgbClr val="999999"/>
+                </a:solidFill>
+              </a:rPr>
+              <a:t>=&gt;</a:t>
+            </a:r>
+            <a:r>
+              <a:rPr lang="pt-BR" sz="2800" dirty="0"/>
+              <a:t> </a:t>
+            </a:r>
+            <a:r>
+              <a:rPr lang="pt-BR" sz="2800" dirty="0">
+                <a:solidFill>
+                  <a:srgbClr val="999999"/>
+                </a:solidFill>
+              </a:rPr>
+              <a:t>{</a:t>
+            </a:r>
+            <a:r>
+              <a:rPr lang="pt-BR" sz="2800" dirty="0"/>
+              <a:t> </a:t>
+            </a:r>
+          </a:p>
+          <a:p>
+            <a:pPr marL="457200" lvl="1" indent="0">
+              <a:buNone/>
+            </a:pPr>
+            <a:r>
+              <a:rPr lang="pt-BR" sz="2800" dirty="0">
+                <a:solidFill>
+                  <a:srgbClr val="999999"/>
+                </a:solidFill>
+              </a:rPr>
+              <a:t>});</a:t>
+            </a:r>
+            <a:endParaRPr lang="pt-BR" sz="2800" dirty="0">
+              <a:solidFill>
+                <a:schemeClr val="accent5"/>
+              </a:solidFill>
+            </a:endParaRPr>
           </a:p>
         </p:txBody>
       </p:sp>
     </p:spTree>
     <p:extLst>
       <p:ext uri="{BB962C8B-B14F-4D97-AF65-F5344CB8AC3E}">
-        <p14:creationId xmlns:p14="http://schemas.microsoft.com/office/powerpoint/2010/main" val="266674773"/>
+        <p14:creationId xmlns:p14="http://schemas.microsoft.com/office/powerpoint/2010/main" val="1564479947"/>
       </p:ext>
     </p:extLst>
   </p:cSld>
@@ -6420,320 +5661,189 @@
             <a:pPr algn="ctr"/>
             <a:r>
               <a:rPr lang="pt-BR" sz="2800" b="1" dirty="0"/>
-              <a:t>Uma conexão ou várias</a:t>
-            </a:r>
-          </a:p>
-        </p:txBody>
-      </p:sp>
-      <p:sp>
-        <p:nvSpPr>
-          <p:cNvPr id="7" name="Espaço Reservado para Conteúdo 6">
-            <a:extLst>
-              <a:ext uri="{FF2B5EF4-FFF2-40B4-BE49-F238E27FC236}">
-                <a16:creationId xmlns:a16="http://schemas.microsoft.com/office/drawing/2014/main" id="{CBDD146F-E87E-0140-B521-E123E7DC95E8}"/>
-              </a:ext>
-            </a:extLst>
-          </p:cNvPr>
-          <p:cNvSpPr>
-            <a:spLocks noGrp="1"/>
-          </p:cNvSpPr>
-          <p:nvPr>
-            <p:ph idx="1"/>
-          </p:nvPr>
+              <a:t>Variáveis imutáveis =&gt; Constantes</a:t>
+            </a:r>
+          </a:p>
+        </p:txBody>
+      </p:sp>
+      <p:sp>
+        <p:nvSpPr>
+          <p:cNvPr id="8" name="CaixaDeTexto 7"/>
+          <p:cNvSpPr txBox="1"/>
+          <p:nvPr/>
         </p:nvSpPr>
         <p:spPr>
           <a:xfrm>
-            <a:off x="563671" y="801666"/>
-            <a:ext cx="10790129" cy="5649238"/>
+            <a:off x="759177" y="779940"/>
+            <a:ext cx="9931401" cy="3693319"/>
           </a:xfrm>
+          <a:prstGeom prst="rect">
+            <a:avLst/>
+          </a:prstGeom>
+          <a:noFill/>
         </p:spPr>
         <p:txBody>
-          <a:bodyPr/>
-          <a:lstStyle/>
-          <a:p>
-            <a:pPr marL="0" indent="0">
-              <a:buNone/>
-            </a:pPr>
-            <a:r>
-              <a:rPr lang="pt-BR" dirty="0" err="1">
-                <a:solidFill>
-                  <a:srgbClr val="A67F59"/>
-                </a:solidFill>
-              </a:rPr>
-              <a:t>ConnectionFactory</a:t>
+          <a:bodyPr wrap="square" rtlCol="0">
+            <a:spAutoFit/>
+          </a:bodyPr>
+          <a:lstStyle/>
+          <a:p>
+            <a:r>
+              <a:rPr lang="pt-BR" i="1" dirty="0" err="1">
+                <a:solidFill>
+                  <a:schemeClr val="accent5"/>
+                </a:solidFill>
+              </a:rPr>
+              <a:t>const</a:t>
+            </a:r>
+            <a:r>
+              <a:rPr lang="pt-BR" i="1" dirty="0">
+                <a:solidFill>
+                  <a:schemeClr val="accent5"/>
+                </a:solidFill>
+              </a:rPr>
+              <a:t> hoje = new Date();</a:t>
+            </a:r>
+          </a:p>
+          <a:p>
+            <a:r>
+              <a:rPr lang="pt-BR" i="1" dirty="0">
+                <a:solidFill>
+                  <a:schemeClr val="accent5"/>
+                </a:solidFill>
+              </a:rPr>
+              <a:t>hoje = new Date() ; // dá erro!</a:t>
+            </a:r>
+          </a:p>
+          <a:p>
+            <a:endParaRPr lang="pt-BR" dirty="0"/>
+          </a:p>
+          <a:p>
+            <a:r>
+              <a:rPr lang="pt-BR" dirty="0"/>
+              <a:t>Mas,  </a:t>
+            </a:r>
+          </a:p>
+          <a:p>
+            <a:endParaRPr lang="pt-BR" dirty="0"/>
+          </a:p>
+          <a:p>
+            <a:r>
+              <a:rPr lang="pt-BR" i="1" dirty="0" err="1">
+                <a:solidFill>
+                  <a:schemeClr val="accent5"/>
+                </a:solidFill>
+              </a:rPr>
+              <a:t>const</a:t>
+            </a:r>
+            <a:r>
+              <a:rPr lang="pt-BR" i="1" dirty="0">
+                <a:solidFill>
+                  <a:schemeClr val="accent5"/>
+                </a:solidFill>
+              </a:rPr>
+              <a:t> hoje = new Date();</a:t>
+            </a:r>
+          </a:p>
+          <a:p>
+            <a:r>
+              <a:rPr lang="pt-BR" i="1" dirty="0" err="1">
+                <a:solidFill>
+                  <a:schemeClr val="accent5"/>
+                </a:solidFill>
+              </a:rPr>
+              <a:t>Hoje.setDate</a:t>
+            </a:r>
+            <a:r>
+              <a:rPr lang="pt-BR" i="1" dirty="0">
+                <a:solidFill>
+                  <a:schemeClr val="accent5"/>
+                </a:solidFill>
+              </a:rPr>
+              <a:t>(5);</a:t>
+            </a:r>
+          </a:p>
+          <a:p>
+            <a:r>
+              <a:rPr lang="pt-BR" i="1" dirty="0">
+                <a:solidFill>
+                  <a:schemeClr val="accent5"/>
+                </a:solidFill>
+              </a:rPr>
+              <a:t>console.log(</a:t>
+            </a:r>
+            <a:r>
+              <a:rPr lang="pt-BR" i="1" dirty="0" err="1">
+                <a:solidFill>
+                  <a:schemeClr val="accent5"/>
+                </a:solidFill>
+              </a:rPr>
+              <a:t>hoje.getDate</a:t>
+            </a:r>
+            <a:r>
+              <a:rPr lang="pt-BR" i="1" dirty="0">
+                <a:solidFill>
+                  <a:schemeClr val="accent5"/>
+                </a:solidFill>
+              </a:rPr>
+              <a:t>()); // Alterou para o dia 5!</a:t>
+            </a:r>
+          </a:p>
+          <a:p>
+            <a:endParaRPr lang="pt-BR" dirty="0"/>
+          </a:p>
+          <a:p>
+            <a:endParaRPr lang="pt-BR" dirty="0"/>
+          </a:p>
+          <a:p>
+            <a:r>
+              <a:rPr lang="pt-BR" dirty="0"/>
+              <a:t>Neste caso não estamos atribuindo um novo valor para a variável, como fizemos com o operador “</a:t>
+            </a:r>
+            <a:r>
+              <a:rPr lang="pt-BR" b="1" dirty="0"/>
+              <a:t>=</a:t>
+            </a:r>
+            <a:r>
+              <a:rPr lang="pt-BR" dirty="0"/>
+              <a:t>“, mas alterando as propriedades do objeto </a:t>
+            </a:r>
+            <a:r>
+              <a:rPr lang="pt-BR" b="1" i="1" dirty="0">
+                <a:solidFill>
+                  <a:schemeClr val="accent5"/>
+                </a:solidFill>
+              </a:rPr>
+              <a:t>Date</a:t>
+            </a:r>
+            <a:r>
+              <a:rPr lang="pt-BR" dirty="0"/>
+              <a:t>, por meio dos seus métodos. Ou seja, </a:t>
+            </a:r>
+            <a:r>
+              <a:rPr lang="pt-BR" b="1" dirty="0" err="1"/>
+              <a:t>const</a:t>
             </a:r>
             <a:r>
               <a:rPr lang="pt-BR" dirty="0"/>
               <a:t> </a:t>
             </a:r>
-          </a:p>
-          <a:p>
-            <a:pPr marL="0" indent="0">
-              <a:buNone/>
-            </a:pPr>
-            <a:r>
-              <a:rPr lang="pt-BR" dirty="0">
-                <a:solidFill>
-                  <a:srgbClr val="999999"/>
-                </a:solidFill>
-              </a:rPr>
-              <a:t>	.</a:t>
-            </a:r>
-            <a:r>
-              <a:rPr lang="pt-BR" dirty="0" err="1"/>
-              <a:t>getConnection</a:t>
-            </a:r>
-            <a:r>
-              <a:rPr lang="pt-BR" dirty="0">
-                <a:solidFill>
-                  <a:srgbClr val="999999"/>
-                </a:solidFill>
-              </a:rPr>
-              <a:t>()</a:t>
+            <a:r>
+              <a:rPr lang="pt-BR" u="sng" dirty="0"/>
+              <a:t>não garante a imutabilidade</a:t>
             </a:r>
             <a:r>
               <a:rPr lang="pt-BR" dirty="0"/>
-              <a:t> </a:t>
-            </a:r>
-          </a:p>
-          <a:p>
-            <a:pPr marL="457200" lvl="1" indent="0">
-              <a:buNone/>
-            </a:pPr>
-            <a:r>
-              <a:rPr lang="pt-BR" dirty="0">
-                <a:solidFill>
-                  <a:srgbClr val="999999"/>
-                </a:solidFill>
-              </a:rPr>
-              <a:t>	.</a:t>
-            </a:r>
-            <a:r>
-              <a:rPr lang="pt-BR" dirty="0" err="1">
-                <a:solidFill>
-                  <a:srgbClr val="0077AA"/>
-                </a:solidFill>
-              </a:rPr>
-              <a:t>then</a:t>
-            </a:r>
-            <a:r>
-              <a:rPr lang="pt-BR" dirty="0">
-                <a:solidFill>
-                  <a:srgbClr val="999999"/>
-                </a:solidFill>
-              </a:rPr>
-              <a:t>(</a:t>
-            </a:r>
-            <a:r>
-              <a:rPr lang="pt-BR" dirty="0"/>
-              <a:t>connection </a:t>
-            </a:r>
-            <a:r>
-              <a:rPr lang="pt-BR" dirty="0">
-                <a:solidFill>
-                  <a:srgbClr val="999999"/>
-                </a:solidFill>
-              </a:rPr>
-              <a:t>=&gt;</a:t>
-            </a:r>
-            <a:r>
-              <a:rPr lang="pt-BR" dirty="0"/>
-              <a:t> </a:t>
-            </a:r>
-            <a:r>
-              <a:rPr lang="pt-BR" dirty="0">
-                <a:solidFill>
-                  <a:srgbClr val="999999"/>
-                </a:solidFill>
-              </a:rPr>
-              <a:t>{</a:t>
-            </a:r>
-            <a:r>
-              <a:rPr lang="pt-BR" dirty="0"/>
-              <a:t> </a:t>
-            </a:r>
-          </a:p>
-          <a:p>
-            <a:pPr marL="457200" lvl="1" indent="0">
-              <a:buNone/>
-            </a:pPr>
-            <a:r>
-              <a:rPr lang="pt-BR" dirty="0">
-                <a:solidFill>
-                  <a:srgbClr val="999999"/>
-                </a:solidFill>
-              </a:rPr>
-              <a:t>});</a:t>
-            </a:r>
-            <a:r>
-              <a:rPr lang="pt-BR" dirty="0"/>
-              <a:t> </a:t>
-            </a:r>
-          </a:p>
-          <a:p>
-            <a:pPr marL="457200" lvl="1" indent="0">
-              <a:buNone/>
-            </a:pPr>
-            <a:endParaRPr lang="pt-BR" dirty="0">
-              <a:solidFill>
-                <a:srgbClr val="708090"/>
-              </a:solidFill>
-            </a:endParaRPr>
-          </a:p>
-          <a:p>
-            <a:pPr marL="457200" lvl="1" indent="0">
-              <a:buNone/>
-            </a:pPr>
-            <a:r>
-              <a:rPr lang="pt-BR" dirty="0">
-                <a:solidFill>
-                  <a:srgbClr val="708090"/>
-                </a:solidFill>
-              </a:rPr>
-              <a:t>// faz outras coisas e pede novamente a conexão</a:t>
-            </a:r>
-            <a:r>
-              <a:rPr lang="pt-BR" dirty="0"/>
-              <a:t> </a:t>
-            </a:r>
-          </a:p>
-          <a:p>
-            <a:pPr marL="457200" lvl="1" indent="0">
-              <a:buNone/>
-            </a:pPr>
-            <a:endParaRPr lang="pt-BR" sz="2800" dirty="0">
-              <a:solidFill>
-                <a:srgbClr val="A67F59"/>
-              </a:solidFill>
-            </a:endParaRPr>
-          </a:p>
-          <a:p>
-            <a:pPr marL="457200" lvl="1" indent="0">
-              <a:buNone/>
-            </a:pPr>
-            <a:r>
-              <a:rPr lang="pt-BR" sz="2800" dirty="0" err="1">
-                <a:solidFill>
-                  <a:srgbClr val="A67F59"/>
-                </a:solidFill>
-              </a:rPr>
-              <a:t>ConnectionFactory</a:t>
-            </a:r>
-            <a:r>
-              <a:rPr lang="pt-BR" sz="2800" dirty="0"/>
-              <a:t> </a:t>
-            </a:r>
-          </a:p>
-          <a:p>
-            <a:pPr marL="457200" lvl="1" indent="0">
-              <a:buNone/>
-            </a:pPr>
-            <a:r>
-              <a:rPr lang="pt-BR" sz="2800" dirty="0">
-                <a:solidFill>
-                  <a:srgbClr val="999999"/>
-                </a:solidFill>
-              </a:rPr>
-              <a:t>	.</a:t>
-            </a:r>
-            <a:r>
-              <a:rPr lang="pt-BR" sz="2800" dirty="0" err="1"/>
-              <a:t>getConnection</a:t>
-            </a:r>
-            <a:r>
-              <a:rPr lang="pt-BR" sz="2800" dirty="0">
-                <a:solidFill>
-                  <a:srgbClr val="999999"/>
-                </a:solidFill>
-              </a:rPr>
-              <a:t>()</a:t>
-            </a:r>
-            <a:r>
-              <a:rPr lang="pt-BR" sz="2800" dirty="0"/>
-              <a:t> </a:t>
-            </a:r>
-          </a:p>
-          <a:p>
-            <a:pPr marL="457200" lvl="1" indent="0">
-              <a:buNone/>
-            </a:pPr>
-            <a:r>
-              <a:rPr lang="pt-BR" sz="2800" dirty="0">
-                <a:solidFill>
-                  <a:srgbClr val="999999"/>
-                </a:solidFill>
-              </a:rPr>
-              <a:t>	.</a:t>
-            </a:r>
-            <a:r>
-              <a:rPr lang="pt-BR" sz="2800" dirty="0" err="1">
-                <a:solidFill>
-                  <a:srgbClr val="0077AA"/>
-                </a:solidFill>
-              </a:rPr>
-              <a:t>then</a:t>
-            </a:r>
-            <a:r>
-              <a:rPr lang="pt-BR" sz="2800" dirty="0">
-                <a:solidFill>
-                  <a:srgbClr val="999999"/>
-                </a:solidFill>
-              </a:rPr>
-              <a:t>(</a:t>
-            </a:r>
-            <a:r>
-              <a:rPr lang="pt-BR" sz="2800" dirty="0"/>
-              <a:t>connection </a:t>
-            </a:r>
-            <a:r>
-              <a:rPr lang="pt-BR" sz="2800" dirty="0">
-                <a:solidFill>
-                  <a:srgbClr val="999999"/>
-                </a:solidFill>
-              </a:rPr>
-              <a:t>=&gt;</a:t>
-            </a:r>
-            <a:r>
-              <a:rPr lang="pt-BR" sz="2800" dirty="0"/>
-              <a:t> </a:t>
-            </a:r>
-            <a:r>
-              <a:rPr lang="pt-BR" sz="2800" dirty="0">
-                <a:solidFill>
-                  <a:srgbClr val="999999"/>
-                </a:solidFill>
-              </a:rPr>
-              <a:t>{</a:t>
-            </a:r>
-            <a:r>
-              <a:rPr lang="pt-BR" sz="2800" dirty="0"/>
-              <a:t> </a:t>
-            </a:r>
-          </a:p>
-          <a:p>
-            <a:pPr marL="457200" lvl="1" indent="0">
-              <a:buNone/>
-            </a:pPr>
-            <a:r>
-              <a:rPr lang="pt-BR" sz="2800" dirty="0">
-                <a:solidFill>
-                  <a:srgbClr val="999999"/>
-                </a:solidFill>
-              </a:rPr>
-              <a:t>});</a:t>
-            </a:r>
-            <a:endParaRPr lang="pt-BR" sz="2800" dirty="0">
-              <a:solidFill>
-                <a:schemeClr val="accent5"/>
-              </a:solidFill>
-            </a:endParaRPr>
+              <a:t>, apenas a atribuição de um novo valor para a variável. </a:t>
+            </a:r>
+            <a:endParaRPr lang="pt-BR" b="1" dirty="0"/>
           </a:p>
         </p:txBody>
       </p:sp>
     </p:spTree>
     <p:extLst>
       <p:ext uri="{BB962C8B-B14F-4D97-AF65-F5344CB8AC3E}">
-        <p14:creationId xmlns:p14="http://schemas.microsoft.com/office/powerpoint/2010/main" val="1564479947"/>
+        <p14:creationId xmlns:p14="http://schemas.microsoft.com/office/powerpoint/2010/main" val="3568488777"/>
       </p:ext>
     </p:extLst>
   </p:cSld>
@@ -6784,8 +5894,12 @@
           <a:p>
             <a:pPr algn="ctr"/>
             <a:r>
+              <a:rPr lang="pt-BR" sz="2800" b="1" dirty="0" err="1"/>
+              <a:t>Pattern</a:t>
+            </a:r>
+            <a:r>
               <a:rPr lang="pt-BR" sz="2800" b="1" dirty="0"/>
-              <a:t>Variáveis imutáveis =&gt; Constantes</a:t>
+              <a:t> DAO</a:t>
             </a:r>
           </a:p>
         </p:txBody>
@@ -6798,8 +5912,8 @@
         </p:nvSpPr>
         <p:spPr>
           <a:xfrm>
-            <a:off x="759177" y="779940"/>
-            <a:ext cx="9931401" cy="3693319"/>
+            <a:off x="759177" y="802518"/>
+            <a:ext cx="9931401" cy="2031325"/>
           </a:xfrm>
           <a:prstGeom prst="rect">
             <a:avLst/>
@@ -6813,152 +5927,41 @@
           <a:lstStyle/>
           <a:p>
             <a:r>
-              <a:rPr lang="pt-BR" i="1" dirty="0" err="1">
-                <a:solidFill>
-                  <a:schemeClr val="accent5"/>
-                </a:solidFill>
-              </a:rPr>
-              <a:t>const</a:t>
-            </a:r>
-            <a:r>
-              <a:rPr lang="pt-BR" i="1" dirty="0">
-                <a:solidFill>
-                  <a:schemeClr val="accent5"/>
-                </a:solidFill>
-              </a:rPr>
-              <a:t> hoje = new Date();</a:t>
-            </a:r>
-          </a:p>
-          <a:p>
-            <a:r>
-              <a:rPr lang="pt-BR" i="1" dirty="0">
-                <a:solidFill>
-                  <a:schemeClr val="accent5"/>
-                </a:solidFill>
-              </a:rPr>
-              <a:t>hoje = new Date() ; // dá erro!</a:t>
-            </a:r>
-          </a:p>
-          <a:p>
-            <a:endParaRPr lang="pt-BR" dirty="0"/>
-          </a:p>
-          <a:p>
-            <a:r>
-              <a:rPr lang="pt-BR" dirty="0"/>
-              <a:t>Mas,  </a:t>
-            </a:r>
-          </a:p>
-          <a:p>
-            <a:endParaRPr lang="pt-BR" dirty="0"/>
-          </a:p>
-          <a:p>
-            <a:r>
-              <a:rPr lang="pt-BR" i="1" dirty="0" err="1">
-                <a:solidFill>
-                  <a:schemeClr val="accent5"/>
-                </a:solidFill>
-              </a:rPr>
-              <a:t>const</a:t>
-            </a:r>
-            <a:r>
-              <a:rPr lang="pt-BR" i="1" dirty="0">
-                <a:solidFill>
-                  <a:schemeClr val="accent5"/>
-                </a:solidFill>
-              </a:rPr>
-              <a:t> hoje = new Date();</a:t>
-            </a:r>
-          </a:p>
-          <a:p>
-            <a:r>
-              <a:rPr lang="pt-BR" i="1" dirty="0" err="1">
-                <a:solidFill>
-                  <a:schemeClr val="accent5"/>
-                </a:solidFill>
-              </a:rPr>
-              <a:t>Hoje.setDate</a:t>
-            </a:r>
-            <a:r>
-              <a:rPr lang="pt-BR" i="1" dirty="0">
-                <a:solidFill>
-                  <a:schemeClr val="accent5"/>
-                </a:solidFill>
-              </a:rPr>
-              <a:t>(5);</a:t>
-            </a:r>
-          </a:p>
-          <a:p>
-            <a:r>
-              <a:rPr lang="pt-BR" i="1" dirty="0">
-                <a:solidFill>
-                  <a:schemeClr val="accent5"/>
-                </a:solidFill>
-              </a:rPr>
-              <a:t>console.log(</a:t>
-            </a:r>
-            <a:r>
-              <a:rPr lang="pt-BR" i="1" dirty="0" err="1">
-                <a:solidFill>
-                  <a:schemeClr val="accent5"/>
-                </a:solidFill>
-              </a:rPr>
-              <a:t>hoje.getDate</a:t>
-            </a:r>
-            <a:r>
-              <a:rPr lang="pt-BR" i="1" dirty="0">
-                <a:solidFill>
-                  <a:schemeClr val="accent5"/>
-                </a:solidFill>
-              </a:rPr>
-              <a:t>()); // Alterou para o dia 5!</a:t>
-            </a:r>
-          </a:p>
-          <a:p>
-            <a:endParaRPr lang="pt-BR" dirty="0"/>
-          </a:p>
-          <a:p>
-            <a:endParaRPr lang="pt-BR" dirty="0"/>
-          </a:p>
-          <a:p>
-            <a:r>
-              <a:rPr lang="pt-BR" dirty="0"/>
-              <a:t>Neste caso não estamos atribuindo um novo valor para a variável, como fizemos com o operador “</a:t>
-            </a:r>
-            <a:r>
-              <a:rPr lang="pt-BR" b="1" dirty="0"/>
-              <a:t>=</a:t>
-            </a:r>
-            <a:r>
-              <a:rPr lang="pt-BR" dirty="0"/>
-              <a:t>“, mas alterando as propriedades do objeto </a:t>
-            </a:r>
-            <a:r>
-              <a:rPr lang="pt-BR" b="1" i="1" dirty="0">
-                <a:solidFill>
-                  <a:schemeClr val="accent5"/>
-                </a:solidFill>
-              </a:rPr>
-              <a:t>Date</a:t>
-            </a:r>
-            <a:r>
-              <a:rPr lang="pt-BR" dirty="0"/>
-              <a:t>, por meio dos seus métodos. Ou seja, </a:t>
-            </a:r>
-            <a:r>
-              <a:rPr lang="pt-BR" b="1" dirty="0" err="1"/>
-              <a:t>const</a:t>
-            </a:r>
-            <a:r>
-              <a:rPr lang="pt-BR" dirty="0"/>
-              <a:t> </a:t>
-            </a:r>
-            <a:r>
-              <a:rPr lang="pt-BR" u="sng" dirty="0"/>
-              <a:t>não garante a imutabilidade</a:t>
-            </a:r>
-            <a:r>
-              <a:rPr lang="pt-BR" dirty="0"/>
-              <a:t>, apenas a atribuição de um novo valor para a variável. </a:t>
+              <a:rPr lang="pt-BR" i="1" dirty="0"/>
+              <a:t>Capacidade de isolar todo o código que acessa seu repositório de dados em um único lugar. Assim, toda vez que o desenvolvedor precisar realizar operações de persistência ele verá que existe um único local para isso, seus </a:t>
+            </a:r>
+            <a:r>
+              <a:rPr lang="pt-BR" i="1" dirty="0" err="1"/>
+              <a:t>DAO's</a:t>
+            </a:r>
+            <a:r>
+              <a:rPr lang="pt-BR" i="1" dirty="0"/>
+              <a:t>.</a:t>
+            </a:r>
+          </a:p>
+          <a:p>
+            <a:endParaRPr lang="pt-BR" i="1" dirty="0"/>
+          </a:p>
+          <a:p>
+            <a:r>
+              <a:rPr lang="pt-BR" i="1" dirty="0"/>
+              <a:t>Falando um pouco mais técnico e nem por isso menos bonito, o DAO faz parte da camada de persistência, funciona como uma fachada para a API do </a:t>
+            </a:r>
+            <a:r>
+              <a:rPr lang="pt-BR" i="1" dirty="0" err="1"/>
+              <a:t>IndexedDB</a:t>
+            </a:r>
+            <a:r>
+              <a:rPr lang="pt-BR" i="1" dirty="0"/>
+              <a:t>. Repare que para usar o DAO não é preciso saber os detalhes do </a:t>
+            </a:r>
+            <a:r>
+              <a:rPr lang="pt-BR" i="1" dirty="0" err="1"/>
+              <a:t>store</a:t>
+            </a:r>
+            <a:r>
+              <a:rPr lang="pt-BR" i="1" dirty="0"/>
+              <a:t> ou cursor.</a:t>
             </a:r>
             <a:endParaRPr lang="pt-BR" b="1" dirty="0"/>
           </a:p>
@@ -6967,7 +5970,7 @@
     </p:spTree>
     <p:extLst>
       <p:ext uri="{BB962C8B-B14F-4D97-AF65-F5344CB8AC3E}">
-        <p14:creationId xmlns:p14="http://schemas.microsoft.com/office/powerpoint/2010/main" val="3568488777"/>
+        <p14:creationId xmlns:p14="http://schemas.microsoft.com/office/powerpoint/2010/main" val="884192177"/>
       </p:ext>
     </p:extLst>
   </p:cSld>

--- a/docs/Webpack-resumo.pptx
+++ b/docs/Webpack-resumo.pptx
@@ -10,9 +10,9 @@
     <p:sldId id="265" r:id="rId4"/>
     <p:sldId id="267" r:id="rId5"/>
     <p:sldId id="268" r:id="rId6"/>
-    <p:sldId id="270" r:id="rId7"/>
-    <p:sldId id="273" r:id="rId8"/>
-    <p:sldId id="281" r:id="rId9"/>
+    <p:sldId id="287" r:id="rId7"/>
+    <p:sldId id="286" r:id="rId8"/>
+    <p:sldId id="273" r:id="rId9"/>
     <p:sldId id="282" r:id="rId10"/>
     <p:sldId id="285" r:id="rId11"/>
     <p:sldId id="277" r:id="rId12"/>
@@ -252,7 +252,7 @@
           <a:p>
             <a:fld id="{CC58B075-67F8-4A8D-AE1C-3D3E4193EBCA}" type="datetimeFigureOut">
               <a:rPr lang="pt-BR" smtClean="0"/>
-              <a:t>03/06/2019</a:t>
+              <a:t>07/06/2019</a:t>
             </a:fld>
             <a:endParaRPr lang="pt-BR"/>
           </a:p>
@@ -420,7 +420,7 @@
           <a:p>
             <a:fld id="{CC58B075-67F8-4A8D-AE1C-3D3E4193EBCA}" type="datetimeFigureOut">
               <a:rPr lang="pt-BR" smtClean="0"/>
-              <a:t>03/06/2019</a:t>
+              <a:t>07/06/2019</a:t>
             </a:fld>
             <a:endParaRPr lang="pt-BR"/>
           </a:p>
@@ -598,7 +598,7 @@
           <a:p>
             <a:fld id="{CC58B075-67F8-4A8D-AE1C-3D3E4193EBCA}" type="datetimeFigureOut">
               <a:rPr lang="pt-BR" smtClean="0"/>
-              <a:t>03/06/2019</a:t>
+              <a:t>07/06/2019</a:t>
             </a:fld>
             <a:endParaRPr lang="pt-BR"/>
           </a:p>
@@ -766,7 +766,7 @@
           <a:p>
             <a:fld id="{CC58B075-67F8-4A8D-AE1C-3D3E4193EBCA}" type="datetimeFigureOut">
               <a:rPr lang="pt-BR" smtClean="0"/>
-              <a:t>03/06/2019</a:t>
+              <a:t>07/06/2019</a:t>
             </a:fld>
             <a:endParaRPr lang="pt-BR"/>
           </a:p>
@@ -1011,7 +1011,7 @@
           <a:p>
             <a:fld id="{CC58B075-67F8-4A8D-AE1C-3D3E4193EBCA}" type="datetimeFigureOut">
               <a:rPr lang="pt-BR" smtClean="0"/>
-              <a:t>03/06/2019</a:t>
+              <a:t>07/06/2019</a:t>
             </a:fld>
             <a:endParaRPr lang="pt-BR"/>
           </a:p>
@@ -1240,7 +1240,7 @@
           <a:p>
             <a:fld id="{CC58B075-67F8-4A8D-AE1C-3D3E4193EBCA}" type="datetimeFigureOut">
               <a:rPr lang="pt-BR" smtClean="0"/>
-              <a:t>03/06/2019</a:t>
+              <a:t>07/06/2019</a:t>
             </a:fld>
             <a:endParaRPr lang="pt-BR"/>
           </a:p>
@@ -1604,7 +1604,7 @@
           <a:p>
             <a:fld id="{CC58B075-67F8-4A8D-AE1C-3D3E4193EBCA}" type="datetimeFigureOut">
               <a:rPr lang="pt-BR" smtClean="0"/>
-              <a:t>03/06/2019</a:t>
+              <a:t>07/06/2019</a:t>
             </a:fld>
             <a:endParaRPr lang="pt-BR"/>
           </a:p>
@@ -1721,7 +1721,7 @@
           <a:p>
             <a:fld id="{CC58B075-67F8-4A8D-AE1C-3D3E4193EBCA}" type="datetimeFigureOut">
               <a:rPr lang="pt-BR" smtClean="0"/>
-              <a:t>03/06/2019</a:t>
+              <a:t>07/06/2019</a:t>
             </a:fld>
             <a:endParaRPr lang="pt-BR"/>
           </a:p>
@@ -1816,7 +1816,7 @@
           <a:p>
             <a:fld id="{CC58B075-67F8-4A8D-AE1C-3D3E4193EBCA}" type="datetimeFigureOut">
               <a:rPr lang="pt-BR" smtClean="0"/>
-              <a:t>03/06/2019</a:t>
+              <a:t>07/06/2019</a:t>
             </a:fld>
             <a:endParaRPr lang="pt-BR"/>
           </a:p>
@@ -2091,7 +2091,7 @@
           <a:p>
             <a:fld id="{CC58B075-67F8-4A8D-AE1C-3D3E4193EBCA}" type="datetimeFigureOut">
               <a:rPr lang="pt-BR" smtClean="0"/>
-              <a:t>03/06/2019</a:t>
+              <a:t>07/06/2019</a:t>
             </a:fld>
             <a:endParaRPr lang="pt-BR"/>
           </a:p>
@@ -2343,7 +2343,7 @@
           <a:p>
             <a:fld id="{CC58B075-67F8-4A8D-AE1C-3D3E4193EBCA}" type="datetimeFigureOut">
               <a:rPr lang="pt-BR" smtClean="0"/>
-              <a:t>03/06/2019</a:t>
+              <a:t>07/06/2019</a:t>
             </a:fld>
             <a:endParaRPr lang="pt-BR"/>
           </a:p>
@@ -2554,7 +2554,7 @@
           <a:p>
             <a:fld id="{CC58B075-67F8-4A8D-AE1C-3D3E4193EBCA}" type="datetimeFigureOut">
               <a:rPr lang="pt-BR" smtClean="0"/>
-              <a:t>03/06/2019</a:t>
+              <a:t>07/06/2019</a:t>
             </a:fld>
             <a:endParaRPr lang="pt-BR"/>
           </a:p>
@@ -4797,7 +4797,6 @@
               <a:rPr lang="pt-BR" sz="2400" dirty="0"/>
               <a:t> script entre diferentes sistemas operacionais.</a:t>
             </a:r>
-            <a:endParaRPr lang="pt-BR" sz="2400" dirty="0"/>
           </a:p>
         </p:txBody>
       </p:sp>
@@ -4870,7 +4869,6 @@
               <a:rPr lang="pt-BR" sz="2800" b="1" dirty="0"/>
               <a:t> server</a:t>
             </a:r>
-            <a:endParaRPr lang="pt-BR" sz="2800" b="1" dirty="0"/>
           </a:p>
         </p:txBody>
       </p:sp>
@@ -4898,7 +4896,7 @@
         </p:spPr>
         <p:txBody>
           <a:bodyPr>
-            <a:normAutofit lnSpcReduction="10000"/>
+            <a:normAutofit fontScale="92500" lnSpcReduction="20000"/>
           </a:bodyPr>
           <a:lstStyle/>
           <a:p>
@@ -5044,30 +5042,76 @@
           </a:p>
           <a:p>
             <a:r>
+              <a:rPr lang="pt-BR" sz="2400" dirty="0" smtClean="0"/>
+              <a:t>A </a:t>
+            </a:r>
+            <a:r>
               <a:rPr lang="pt-BR" sz="2400" dirty="0"/>
-              <a:t>A criação de um script para executar o </a:t>
-            </a:r>
-            <a:r>
-              <a:rPr lang="pt-BR" sz="2400" dirty="0" smtClean="0"/>
-              <a:t>servidor</a:t>
-            </a:r>
-          </a:p>
-          <a:p>
-            <a:endParaRPr lang="pt-BR" sz="2400" dirty="0"/>
-          </a:p>
-          <a:p>
-            <a:r>
-              <a:rPr lang="pt-BR" sz="2400" dirty="0"/>
-              <a:t>A importância da propriedade </a:t>
+              <a:t>importância da propriedade </a:t>
             </a:r>
             <a:r>
               <a:rPr lang="pt-BR" sz="2400" b="1" dirty="0" err="1"/>
               <a:t>publicPath</a:t>
             </a:r>
             <a:r>
+              <a:rPr lang="pt-BR" sz="2400" dirty="0" smtClean="0"/>
+              <a:t>.</a:t>
+            </a:r>
+          </a:p>
+          <a:p>
+            <a:endParaRPr lang="pt-BR" sz="2400" dirty="0" smtClean="0"/>
+          </a:p>
+          <a:p>
+            <a:r>
+              <a:rPr lang="pt-BR" sz="2400" dirty="0" err="1"/>
+              <a:t>Webpack</a:t>
+            </a:r>
+            <a:r>
               <a:rPr lang="pt-BR" sz="2400" dirty="0"/>
+              <a:t> </a:t>
+            </a:r>
+            <a:r>
+              <a:rPr lang="pt-BR" sz="2400" dirty="0" err="1"/>
+              <a:t>Dev</a:t>
+            </a:r>
+            <a:r>
+              <a:rPr lang="pt-BR" sz="2400" dirty="0"/>
+              <a:t> Server é um servidor capaz de ler as configurações de webpack.config.js ao ser carregado</a:t>
+            </a:r>
+            <a:r>
+              <a:rPr lang="pt-BR" sz="2400" dirty="0" smtClean="0"/>
               <a:t>.</a:t>
             </a:r>
+          </a:p>
+          <a:p>
+            <a:r>
+              <a:rPr lang="pt-BR" sz="2400" dirty="0" err="1"/>
+              <a:t>Webpack</a:t>
+            </a:r>
+            <a:r>
+              <a:rPr lang="pt-BR" sz="2400" dirty="0"/>
+              <a:t> </a:t>
+            </a:r>
+            <a:r>
+              <a:rPr lang="pt-BR" sz="2400" dirty="0" err="1"/>
+              <a:t>Dev</a:t>
+            </a:r>
+            <a:r>
+              <a:rPr lang="pt-BR" sz="2400" dirty="0"/>
+              <a:t> server é baixado através do </a:t>
+            </a:r>
+            <a:r>
+              <a:rPr lang="pt-BR" sz="2400" dirty="0" err="1"/>
+              <a:t>npm</a:t>
+            </a:r>
+            <a:r>
+              <a:rPr lang="pt-BR" sz="2400" dirty="0"/>
+              <a:t>, pois é nada mais nada menos do que um módulo do Node.js.</a:t>
+            </a:r>
+            <a:endParaRPr lang="pt-BR" sz="2400" dirty="0" smtClean="0"/>
+          </a:p>
+          <a:p>
+            <a:endParaRPr lang="pt-BR" sz="2400" dirty="0"/>
           </a:p>
           <a:p>
             <a:endParaRPr lang="pt-BR" sz="2400" dirty="0"/>
@@ -5128,9 +5172,34 @@
           <a:p>
             <a:pPr algn="ctr"/>
             <a:r>
-              <a:rPr lang="pt-BR" sz="2800" b="1" dirty="0"/>
-              <a:t>Persistência</a:t>
-            </a:r>
+              <a:rPr lang="pt-BR" sz="2800" b="1" dirty="0" smtClean="0"/>
+              <a:t>FOUC ( Flash </a:t>
+            </a:r>
+            <a:r>
+              <a:rPr lang="pt-BR" sz="2800" b="1" dirty="0" err="1" smtClean="0"/>
+              <a:t>of</a:t>
+            </a:r>
+            <a:r>
+              <a:rPr lang="pt-BR" sz="2800" b="1" dirty="0" smtClean="0"/>
+              <a:t> </a:t>
+            </a:r>
+            <a:r>
+              <a:rPr lang="pt-BR" sz="2800" b="1" dirty="0" err="1" smtClean="0"/>
+              <a:t>Unstyled</a:t>
+            </a:r>
+            <a:r>
+              <a:rPr lang="pt-BR" sz="2800" b="1" dirty="0" smtClean="0"/>
+              <a:t> </a:t>
+            </a:r>
+            <a:r>
+              <a:rPr lang="pt-BR" sz="2800" b="1" dirty="0" err="1" smtClean="0"/>
+              <a:t>Content</a:t>
+            </a:r>
+            <a:r>
+              <a:rPr lang="pt-BR" sz="2800" b="1" dirty="0" smtClean="0"/>
+              <a:t>)</a:t>
+            </a:r>
+            <a:endParaRPr lang="pt-BR" sz="2800" b="1" dirty="0"/>
           </a:p>
         </p:txBody>
       </p:sp>
@@ -5152,99 +5221,136 @@
         </p:nvSpPr>
         <p:spPr>
           <a:xfrm>
-            <a:off x="563671" y="801666"/>
+            <a:off x="484648" y="941366"/>
             <a:ext cx="10790129" cy="5375297"/>
           </a:xfrm>
         </p:spPr>
         <p:txBody>
-          <a:bodyPr/>
-          <a:lstStyle/>
+          <a:bodyPr>
+            <a:normAutofit/>
+          </a:bodyPr>
+          <a:lstStyle/>
+          <a:p>
+            <a:r>
+              <a:rPr lang="pt-BR" sz="2400" dirty="0" smtClean="0"/>
+              <a:t>O bundle.js quando foi </a:t>
+            </a:r>
+            <a:r>
+              <a:rPr lang="pt-BR" sz="2400" dirty="0" err="1" smtClean="0"/>
+              <a:t>minificado</a:t>
+            </a:r>
+            <a:r>
+              <a:rPr lang="pt-BR" sz="2400" dirty="0" smtClean="0"/>
+              <a:t> inseriu o </a:t>
+            </a:r>
+            <a:r>
+              <a:rPr lang="pt-BR" sz="2400" dirty="0" err="1" smtClean="0"/>
+              <a:t>css</a:t>
+            </a:r>
+            <a:r>
+              <a:rPr lang="pt-BR" sz="2400" dirty="0" smtClean="0"/>
+              <a:t> dentro do </a:t>
+            </a:r>
+            <a:r>
+              <a:rPr lang="pt-BR" sz="2400" dirty="0" err="1" smtClean="0"/>
+              <a:t>bundle</a:t>
+            </a:r>
+            <a:endParaRPr lang="pt-BR" sz="2400" dirty="0" smtClean="0"/>
+          </a:p>
+          <a:p>
+            <a:endParaRPr lang="pt-BR" sz="2400" dirty="0" smtClean="0"/>
+          </a:p>
+          <a:p>
+            <a:r>
+              <a:rPr lang="pt-BR" sz="2400" dirty="0" smtClean="0"/>
+              <a:t>Por isso há um pequeno </a:t>
+            </a:r>
+            <a:r>
+              <a:rPr lang="pt-BR" sz="2400" dirty="0" err="1" smtClean="0"/>
+              <a:t>delay</a:t>
+            </a:r>
+            <a:r>
+              <a:rPr lang="pt-BR" sz="2400" dirty="0" smtClean="0"/>
+              <a:t> pra carregar o </a:t>
+            </a:r>
+            <a:r>
+              <a:rPr lang="pt-BR" sz="2400" dirty="0" err="1" smtClean="0"/>
+              <a:t>css</a:t>
+            </a:r>
+            <a:r>
+              <a:rPr lang="pt-BR" sz="2400" dirty="0" smtClean="0"/>
+              <a:t> da aplicação</a:t>
+            </a:r>
+          </a:p>
+          <a:p>
+            <a:endParaRPr lang="pt-BR" sz="2400" dirty="0" smtClean="0"/>
+          </a:p>
           <a:p>
             <a:r>
               <a:rPr lang="pt-BR" sz="2400" dirty="0"/>
-              <a:t>Persistência com o banco de dados bastante famoso no mercado e certificado pela W3C, </a:t>
-            </a:r>
-            <a:r>
-              <a:rPr lang="pt-BR" sz="2400" b="1" dirty="0" err="1"/>
-              <a:t>IndexedDB</a:t>
+              <a:t>FOUC significa flash </a:t>
+            </a:r>
+            <a:r>
+              <a:rPr lang="pt-BR" sz="2400" dirty="0" err="1"/>
+              <a:t>of</a:t>
             </a:r>
             <a:r>
               <a:rPr lang="pt-BR" sz="2400" dirty="0"/>
-              <a:t> (</a:t>
-            </a:r>
-            <a:r>
-              <a:rPr lang="pt-BR" sz="2400" b="1" dirty="0"/>
-              <a:t>IDB</a:t>
+              <a:t> </a:t>
+            </a:r>
+            <a:r>
+              <a:rPr lang="pt-BR" sz="2400" dirty="0" err="1"/>
+              <a:t>unstyled</a:t>
             </a:r>
             <a:r>
               <a:rPr lang="pt-BR" sz="2400" dirty="0"/>
-              <a:t>).</a:t>
-            </a:r>
-          </a:p>
-          <a:p>
+              <a:t> </a:t>
+            </a:r>
+            <a:r>
+              <a:rPr lang="pt-BR" sz="2400" dirty="0" err="1"/>
+              <a:t>content</a:t>
+            </a:r>
             <a:r>
               <a:rPr lang="pt-BR" sz="2400" dirty="0"/>
-              <a:t>É acessível pelo escopo global</a:t>
-            </a:r>
-          </a:p>
-          <a:p>
-            <a:r>
-              <a:rPr lang="pt-BR" sz="2400" dirty="0"/>
-              <a:t>Precisamos solicitar uma requisição de abertura para um Banco antes de qualquer coisa</a:t>
-            </a:r>
-          </a:p>
-          <a:p>
-            <a:r>
-              <a:rPr lang="pt-BR" sz="2400" dirty="0"/>
-              <a:t>Temos que lidar com uma tríade de eventos todas as vezes que obtermos uma conexão</a:t>
-            </a:r>
-          </a:p>
-          <a:p>
-            <a:pPr lvl="1"/>
+              <a:t>. É quando há um hiato entre o carregamento do CSS e sua aplicação na página, permitindo que o usuário veja a página sem estar estilizada durante um breve tempo</a:t>
+            </a:r>
+            <a:r>
+              <a:rPr lang="pt-BR" sz="2400" dirty="0" smtClean="0"/>
+              <a:t>.</a:t>
+            </a:r>
+          </a:p>
+          <a:p>
+            <a:endParaRPr lang="pt-BR" sz="2400" dirty="0"/>
+          </a:p>
+          <a:p>
+            <a:r>
+              <a:rPr lang="pt-BR" dirty="0"/>
+              <a:t>Por mais que o </a:t>
+            </a:r>
             <a:r>
               <a:rPr lang="pt-BR" dirty="0" err="1"/>
-              <a:t>openRequest.</a:t>
-            </a:r>
-            <a:r>
-              <a:rPr lang="pt-BR" b="1" dirty="0" err="1"/>
-              <a:t>onupgradeneeded</a:t>
-            </a:r>
-            <a:endParaRPr lang="pt-BR" b="1" dirty="0"/>
-          </a:p>
-          <a:p>
-            <a:pPr lvl="1"/>
+              <a:t>webpack</a:t>
+            </a:r>
+            <a:r>
+              <a:rPr lang="pt-BR" dirty="0"/>
+              <a:t> adicione arquivos CSS importados no </a:t>
+            </a:r>
             <a:r>
               <a:rPr lang="pt-BR" dirty="0" err="1"/>
-              <a:t>openRequest.</a:t>
-            </a:r>
-            <a:r>
-              <a:rPr lang="pt-BR" b="1" dirty="0" err="1"/>
-              <a:t>onsuccess</a:t>
-            </a:r>
-            <a:endParaRPr lang="pt-BR" b="1" dirty="0"/>
-          </a:p>
-          <a:p>
-            <a:pPr lvl="1"/>
-            <a:r>
-              <a:rPr lang="pt-BR" dirty="0" err="1"/>
-              <a:t>openRequest.</a:t>
-            </a:r>
-            <a:r>
-              <a:rPr lang="pt-BR" b="1" dirty="0" err="1"/>
-              <a:t>onerror</a:t>
-            </a:r>
-            <a:endParaRPr lang="pt-BR" b="1" dirty="0"/>
-          </a:p>
-          <a:p>
-            <a:pPr lvl="1"/>
-            <a:endParaRPr lang="pt-BR" sz="2000" dirty="0"/>
+              <a:t>bundle</a:t>
+            </a:r>
+            <a:r>
+              <a:rPr lang="pt-BR" dirty="0"/>
+              <a:t> da aplicação, é interessante adicioná-los em um arquivo CSS separado para podermos usufruir de todas as otimizações realizadas pelos navegadores a respeito do carregamento de folhas de estilo.</a:t>
+            </a:r>
+            <a:endParaRPr lang="pt-BR" sz="2400" dirty="0"/>
           </a:p>
         </p:txBody>
       </p:sp>
     </p:spTree>
     <p:extLst>
       <p:ext uri="{BB962C8B-B14F-4D97-AF65-F5344CB8AC3E}">
-        <p14:creationId xmlns:p14="http://schemas.microsoft.com/office/powerpoint/2010/main" val="266674773"/>
+        <p14:creationId xmlns:p14="http://schemas.microsoft.com/office/powerpoint/2010/main" val="2115503630"/>
       </p:ext>
     </p:extLst>
   </p:cSld>
@@ -5283,8 +5389,8 @@
         </p:nvSpPr>
         <p:spPr>
           <a:xfrm>
-            <a:off x="759177" y="89552"/>
-            <a:ext cx="10515600" cy="549275"/>
+            <a:off x="838200" y="365125"/>
+            <a:ext cx="10515600" cy="841883"/>
           </a:xfrm>
         </p:spPr>
         <p:txBody>
@@ -5293,23 +5399,17 @@
           </a:bodyPr>
           <a:lstStyle/>
           <a:p>
-            <a:pPr algn="ctr"/>
-            <a:r>
-              <a:rPr lang="pt-BR" sz="2800" b="1" dirty="0"/>
-              <a:t>Uma conexão ou várias</a:t>
-            </a:r>
-          </a:p>
-        </p:txBody>
-      </p:sp>
-      <p:sp>
-        <p:nvSpPr>
-          <p:cNvPr id="7" name="Espaço Reservado para Conteúdo 6">
-            <a:extLst>
-              <a:ext uri="{FF2B5EF4-FFF2-40B4-BE49-F238E27FC236}">
-                <a16:creationId xmlns:a16="http://schemas.microsoft.com/office/drawing/2014/main" id="{CBDD146F-E87E-0140-B521-E123E7DC95E8}"/>
-              </a:ext>
-            </a:extLst>
-          </p:cNvPr>
+            <a:r>
+              <a:rPr lang="pt-BR" sz="4000" dirty="0" smtClean="0"/>
+              <a:t>Revisão</a:t>
+            </a:r>
+            <a:endParaRPr lang="pt-BR" sz="4000" dirty="0"/>
+          </a:p>
+        </p:txBody>
+      </p:sp>
+      <p:sp>
+        <p:nvSpPr>
+          <p:cNvPr id="3" name="Espaço Reservado para Conteúdo 2"/>
           <p:cNvSpPr>
             <a:spLocks noGrp="1"/>
           </p:cNvSpPr>
@@ -5319,297 +5419,182 @@
         </p:nvSpPr>
         <p:spPr>
           <a:xfrm>
-            <a:off x="563671" y="801666"/>
-            <a:ext cx="10790129" cy="5649238"/>
+            <a:off x="630936" y="1207008"/>
+            <a:ext cx="10515600" cy="4351338"/>
           </a:xfrm>
         </p:spPr>
         <p:txBody>
           <a:bodyPr/>
           <a:lstStyle/>
           <a:p>
-            <a:pPr marL="0" indent="0">
-              <a:buNone/>
-            </a:pPr>
-            <a:r>
-              <a:rPr lang="pt-BR" dirty="0" err="1">
-                <a:solidFill>
-                  <a:srgbClr val="A67F59"/>
-                </a:solidFill>
-              </a:rPr>
-              <a:t>ConnectionFactory</a:t>
+            <a:r>
+              <a:rPr lang="pt-BR" dirty="0"/>
+              <a:t>Como utilizar o </a:t>
+            </a:r>
+            <a:r>
+              <a:rPr lang="pt-BR" dirty="0" err="1"/>
+              <a:t>npm</a:t>
+            </a:r>
+            <a:r>
+              <a:rPr lang="pt-BR" dirty="0"/>
+              <a:t> para gerenciar nossas dependências </a:t>
+            </a:r>
+            <a:r>
+              <a:rPr lang="pt-BR" dirty="0" err="1"/>
+              <a:t>frontend</a:t>
+            </a:r>
+            <a:endParaRPr lang="pt-BR" dirty="0"/>
+          </a:p>
+          <a:p>
+            <a:r>
+              <a:rPr lang="pt-BR" dirty="0"/>
+              <a:t>Como o </a:t>
+            </a:r>
+            <a:r>
+              <a:rPr lang="pt-BR" dirty="0" err="1"/>
+              <a:t>Webpack</a:t>
+            </a:r>
+            <a:r>
+              <a:rPr lang="pt-BR" dirty="0"/>
+              <a:t> lida com as dependências em </a:t>
+            </a:r>
+            <a:r>
+              <a:rPr lang="pt-BR" dirty="0" err="1"/>
+              <a:t>node_modules</a:t>
             </a:r>
             <a:r>
               <a:rPr lang="pt-BR" dirty="0"/>
               <a:t> </a:t>
             </a:r>
-          </a:p>
-          <a:p>
-            <a:pPr marL="0" indent="0">
-              <a:buNone/>
-            </a:pPr>
-            <a:r>
-              <a:rPr lang="pt-BR" dirty="0">
-                <a:solidFill>
-                  <a:srgbClr val="999999"/>
-                </a:solidFill>
-              </a:rPr>
-              <a:t>	.</a:t>
-            </a:r>
             <a:r>
               <a:rPr lang="pt-BR" dirty="0" err="1"/>
-              <a:t>getConnection</a:t>
-            </a:r>
-            <a:r>
-              <a:rPr lang="pt-BR" dirty="0">
-                <a:solidFill>
-                  <a:srgbClr val="999999"/>
-                </a:solidFill>
-              </a:rPr>
-              <a:t>()</a:t>
+              <a:t>adicionado-as</a:t>
+            </a:r>
+            <a:r>
+              <a:rPr lang="pt-BR" dirty="0"/>
+              <a:t> no </a:t>
+            </a:r>
+            <a:r>
+              <a:rPr lang="pt-BR" dirty="0" err="1"/>
+              <a:t>bundle</a:t>
+            </a:r>
+            <a:r>
+              <a:rPr lang="pt-BR" dirty="0"/>
+              <a:t> da aplicação.</a:t>
+            </a:r>
+          </a:p>
+          <a:p>
+            <a:r>
+              <a:rPr lang="pt-BR" dirty="0"/>
+              <a:t>O papel de </a:t>
+            </a:r>
+            <a:r>
+              <a:rPr lang="pt-BR" dirty="0" err="1"/>
+              <a:t>loaders</a:t>
+            </a:r>
+            <a:endParaRPr lang="pt-BR" dirty="0"/>
+          </a:p>
+          <a:p>
+            <a:r>
+              <a:rPr lang="pt-BR" dirty="0"/>
+              <a:t>Que o padrão é adicionar no </a:t>
+            </a:r>
+            <a:r>
+              <a:rPr lang="pt-BR" dirty="0" err="1"/>
+              <a:t>bundle</a:t>
+            </a:r>
+            <a:r>
+              <a:rPr lang="pt-BR" dirty="0"/>
+              <a:t> scripts e </a:t>
+            </a:r>
+            <a:r>
+              <a:rPr lang="pt-BR" dirty="0" err="1"/>
+              <a:t>CSS's</a:t>
+            </a:r>
+            <a:endParaRPr lang="pt-BR" dirty="0"/>
+          </a:p>
+          <a:p>
+            <a:r>
+              <a:rPr lang="pt-BR" dirty="0"/>
+              <a:t>Que podemos separar </a:t>
+            </a:r>
+            <a:r>
+              <a:rPr lang="pt-BR" dirty="0" err="1"/>
+              <a:t>CSS's</a:t>
+            </a:r>
+            <a:r>
+              <a:rPr lang="pt-BR" dirty="0"/>
+              <a:t> do </a:t>
+            </a:r>
+            <a:r>
+              <a:rPr lang="pt-BR" dirty="0" err="1"/>
+              <a:t>bundle</a:t>
+            </a:r>
+            <a:r>
+              <a:rPr lang="pt-BR" dirty="0"/>
+              <a:t> criado e importá-los através da </a:t>
+            </a:r>
+            <a:r>
+              <a:rPr lang="pt-BR" dirty="0" err="1"/>
+              <a:t>tag</a:t>
+            </a:r>
+            <a:r>
+              <a:rPr lang="pt-BR" dirty="0"/>
+              <a:t> link através do módulo </a:t>
+            </a:r>
+            <a:r>
+              <a:rPr lang="pt-BR" dirty="0" err="1"/>
+              <a:t>extract-text-webpack-plugin</a:t>
+            </a:r>
+            <a:r>
+              <a:rPr lang="pt-BR" dirty="0"/>
+              <a:t>.</a:t>
+            </a:r>
+          </a:p>
+          <a:p>
+            <a:r>
+              <a:rPr lang="pt-BR" dirty="0"/>
+              <a:t>A utilizar o </a:t>
+            </a:r>
+            <a:r>
+              <a:rPr lang="pt-BR" dirty="0" err="1"/>
+              <a:t>plugin</a:t>
             </a:r>
             <a:r>
               <a:rPr lang="pt-BR" dirty="0"/>
               <a:t> </a:t>
             </a:r>
-          </a:p>
-          <a:p>
-            <a:pPr marL="457200" lvl="1" indent="0">
-              <a:buNone/>
-            </a:pPr>
-            <a:r>
-              <a:rPr lang="pt-BR" dirty="0">
-                <a:solidFill>
-                  <a:srgbClr val="999999"/>
-                </a:solidFill>
-              </a:rPr>
-              <a:t>	.</a:t>
-            </a:r>
-            <a:r>
-              <a:rPr lang="pt-BR" dirty="0" err="1">
-                <a:solidFill>
-                  <a:srgbClr val="0077AA"/>
-                </a:solidFill>
-              </a:rPr>
-              <a:t>then</a:t>
-            </a:r>
-            <a:r>
-              <a:rPr lang="pt-BR" dirty="0">
-                <a:solidFill>
-                  <a:srgbClr val="999999"/>
-                </a:solidFill>
-              </a:rPr>
-              <a:t>(</a:t>
+            <a:r>
+              <a:rPr lang="pt-BR" dirty="0" err="1"/>
+              <a:t>optimize-css-assets-webpack-plugin</a:t>
             </a:r>
             <a:r>
               <a:rPr lang="pt-BR" dirty="0"/>
-              <a:t>connection </a:t>
-            </a:r>
-            <a:r>
-              <a:rPr lang="pt-BR" dirty="0">
-                <a:solidFill>
-                  <a:srgbClr val="999999"/>
-                </a:solidFill>
-              </a:rPr>
-              <a:t>=&gt;</a:t>
+              <a:t> para </a:t>
+            </a:r>
+            <a:r>
+              <a:rPr lang="pt-BR" dirty="0" err="1"/>
+              <a:t>minificar</a:t>
             </a:r>
             <a:r>
               <a:rPr lang="pt-BR" dirty="0"/>
               <a:t> </a:t>
             </a:r>
             <a:r>
-              <a:rPr lang="pt-BR" dirty="0">
-                <a:solidFill>
-                  <a:srgbClr val="999999"/>
-                </a:solidFill>
-              </a:rPr>
-              <a:t>{</a:t>
+              <a:rPr lang="pt-BR" dirty="0" err="1"/>
+              <a:t>CSS's</a:t>
             </a:r>
             <a:r>
               <a:rPr lang="pt-BR" dirty="0"/>
-              <a:t> </a:t>
-            </a:r>
-          </a:p>
-          <a:p>
-            <a:pPr marL="457200" lvl="1" indent="0">
-              <a:buNone/>
-            </a:pPr>
-            <a:r>
-              <a:rPr lang="pt-BR" dirty="0">
-                <a:solidFill>
-                  <a:srgbClr val="999999"/>
-                </a:solidFill>
-              </a:rPr>
-              <a:t>});</a:t>
-            </a:r>
-            <a:r>
-              <a:rPr lang="pt-BR" dirty="0"/>
-              <a:t> </a:t>
-            </a:r>
-          </a:p>
-          <a:p>
-            <a:pPr marL="457200" lvl="1" indent="0">
-              <a:buNone/>
-            </a:pPr>
-            <a:endParaRPr lang="pt-BR" dirty="0">
-              <a:solidFill>
-                <a:srgbClr val="708090"/>
-              </a:solidFill>
-            </a:endParaRPr>
-          </a:p>
-          <a:p>
-            <a:pPr marL="457200" lvl="1" indent="0">
-              <a:buNone/>
-            </a:pPr>
-            <a:r>
-              <a:rPr lang="pt-BR" dirty="0">
-                <a:solidFill>
-                  <a:srgbClr val="708090"/>
-                </a:solidFill>
-              </a:rPr>
-              <a:t>// faz outras coisas e pede novamente a conexão</a:t>
-            </a:r>
-            <a:r>
-              <a:rPr lang="pt-BR" dirty="0"/>
-              <a:t> </a:t>
-            </a:r>
-          </a:p>
-          <a:p>
-            <a:pPr marL="457200" lvl="1" indent="0">
-              <a:buNone/>
-            </a:pPr>
-            <a:endParaRPr lang="pt-BR" sz="2800" dirty="0">
-              <a:solidFill>
-                <a:srgbClr val="A67F59"/>
-              </a:solidFill>
-            </a:endParaRPr>
-          </a:p>
-          <a:p>
-            <a:pPr marL="457200" lvl="1" indent="0">
-              <a:buNone/>
-            </a:pPr>
-            <a:r>
-              <a:rPr lang="pt-BR" sz="2800" dirty="0" err="1">
-                <a:solidFill>
-                  <a:srgbClr val="A67F59"/>
-                </a:solidFill>
-              </a:rPr>
-              <a:t>ConnectionFactory</a:t>
-            </a:r>
-            <a:r>
-              <a:rPr lang="pt-BR" sz="2800" dirty="0"/>
-              <a:t> </a:t>
-            </a:r>
-          </a:p>
-          <a:p>
-            <a:pPr marL="457200" lvl="1" indent="0">
-              <a:buNone/>
-            </a:pPr>
-            <a:r>
-              <a:rPr lang="pt-BR" sz="2800" dirty="0">
-                <a:solidFill>
-                  <a:srgbClr val="999999"/>
-                </a:solidFill>
-              </a:rPr>
-              <a:t>	.</a:t>
-            </a:r>
-            <a:r>
-              <a:rPr lang="pt-BR" sz="2800" dirty="0" err="1"/>
-              <a:t>getConnection</a:t>
-            </a:r>
-            <a:r>
-              <a:rPr lang="pt-BR" sz="2800" dirty="0">
-                <a:solidFill>
-                  <a:srgbClr val="999999"/>
-                </a:solidFill>
-              </a:rPr>
-              <a:t>()</a:t>
-            </a:r>
-            <a:r>
-              <a:rPr lang="pt-BR" sz="2800" dirty="0"/>
-              <a:t> </a:t>
-            </a:r>
-          </a:p>
-          <a:p>
-            <a:pPr marL="457200" lvl="1" indent="0">
-              <a:buNone/>
-            </a:pPr>
-            <a:r>
-              <a:rPr lang="pt-BR" sz="2800" dirty="0">
-                <a:solidFill>
-                  <a:srgbClr val="999999"/>
-                </a:solidFill>
-              </a:rPr>
-              <a:t>	.</a:t>
-            </a:r>
-            <a:r>
-              <a:rPr lang="pt-BR" sz="2800" dirty="0" err="1">
-                <a:solidFill>
-                  <a:srgbClr val="0077AA"/>
-                </a:solidFill>
-              </a:rPr>
-              <a:t>then</a:t>
-            </a:r>
-            <a:r>
-              <a:rPr lang="pt-BR" sz="2800" dirty="0">
-                <a:solidFill>
-                  <a:srgbClr val="999999"/>
-                </a:solidFill>
-              </a:rPr>
-              <a:t>(</a:t>
-            </a:r>
-            <a:r>
-              <a:rPr lang="pt-BR" sz="2800" dirty="0"/>
-              <a:t>connection </a:t>
-            </a:r>
-            <a:r>
-              <a:rPr lang="pt-BR" sz="2800" dirty="0">
-                <a:solidFill>
-                  <a:srgbClr val="999999"/>
-                </a:solidFill>
-              </a:rPr>
-              <a:t>=&gt;</a:t>
-            </a:r>
-            <a:r>
-              <a:rPr lang="pt-BR" sz="2800" dirty="0"/>
-              <a:t> </a:t>
-            </a:r>
-            <a:r>
-              <a:rPr lang="pt-BR" sz="2800" dirty="0">
-                <a:solidFill>
-                  <a:srgbClr val="999999"/>
-                </a:solidFill>
-              </a:rPr>
-              <a:t>{</a:t>
-            </a:r>
-            <a:r>
-              <a:rPr lang="pt-BR" sz="2800" dirty="0"/>
-              <a:t> </a:t>
-            </a:r>
-          </a:p>
-          <a:p>
-            <a:pPr marL="457200" lvl="1" indent="0">
-              <a:buNone/>
-            </a:pPr>
-            <a:r>
-              <a:rPr lang="pt-BR" sz="2800" dirty="0">
-                <a:solidFill>
-                  <a:srgbClr val="999999"/>
-                </a:solidFill>
-              </a:rPr>
-              <a:t>});</a:t>
-            </a:r>
-            <a:endParaRPr lang="pt-BR" sz="2800" dirty="0">
-              <a:solidFill>
-                <a:schemeClr val="accent5"/>
-              </a:solidFill>
-            </a:endParaRPr>
+              <a:t> importados se adicionados no style.css.</a:t>
+            </a:r>
           </a:p>
         </p:txBody>
       </p:sp>
     </p:spTree>
     <p:extLst>
       <p:ext uri="{BB962C8B-B14F-4D97-AF65-F5344CB8AC3E}">
-        <p14:creationId xmlns:p14="http://schemas.microsoft.com/office/powerpoint/2010/main" val="1564479947"/>
+        <p14:creationId xmlns:p14="http://schemas.microsoft.com/office/powerpoint/2010/main" val="1917513607"/>
       </p:ext>
     </p:extLst>
   </p:cSld>
@@ -5661,189 +5646,320 @@
             <a:pPr algn="ctr"/>
             <a:r>
               <a:rPr lang="pt-BR" sz="2800" b="1" dirty="0"/>
-              <a:t>Variáveis imutáveis =&gt; Constantes</a:t>
-            </a:r>
-          </a:p>
-        </p:txBody>
-      </p:sp>
-      <p:sp>
-        <p:nvSpPr>
-          <p:cNvPr id="8" name="CaixaDeTexto 7"/>
-          <p:cNvSpPr txBox="1"/>
-          <p:nvPr/>
+              <a:t>Uma conexão ou várias</a:t>
+            </a:r>
+          </a:p>
+        </p:txBody>
+      </p:sp>
+      <p:sp>
+        <p:nvSpPr>
+          <p:cNvPr id="7" name="Espaço Reservado para Conteúdo 6">
+            <a:extLst>
+              <a:ext uri="{FF2B5EF4-FFF2-40B4-BE49-F238E27FC236}">
+                <a16:creationId xmlns:a16="http://schemas.microsoft.com/office/drawing/2014/main" id="{CBDD146F-E87E-0140-B521-E123E7DC95E8}"/>
+              </a:ext>
+            </a:extLst>
+          </p:cNvPr>
+          <p:cNvSpPr>
+            <a:spLocks noGrp="1"/>
+          </p:cNvSpPr>
+          <p:nvPr>
+            <p:ph idx="1"/>
+          </p:nvPr>
         </p:nvSpPr>
         <p:spPr>
           <a:xfrm>
-            <a:off x="759177" y="779940"/>
-            <a:ext cx="9931401" cy="3693319"/>
+            <a:off x="563671" y="801666"/>
+            <a:ext cx="10790129" cy="5649238"/>
           </a:xfrm>
-          <a:prstGeom prst="rect">
-            <a:avLst/>
-          </a:prstGeom>
-          <a:noFill/>
         </p:spPr>
         <p:txBody>
-          <a:bodyPr wrap="square" rtlCol="0">
-            <a:spAutoFit/>
-          </a:bodyPr>
-          <a:lstStyle/>
-          <a:p>
-            <a:r>
-              <a:rPr lang="pt-BR" i="1" dirty="0" err="1">
-                <a:solidFill>
-                  <a:schemeClr val="accent5"/>
-                </a:solidFill>
-              </a:rPr>
-              <a:t>const</a:t>
-            </a:r>
-            <a:r>
-              <a:rPr lang="pt-BR" i="1" dirty="0">
-                <a:solidFill>
-                  <a:schemeClr val="accent5"/>
-                </a:solidFill>
-              </a:rPr>
-              <a:t> hoje = new Date();</a:t>
-            </a:r>
-          </a:p>
-          <a:p>
-            <a:r>
-              <a:rPr lang="pt-BR" i="1" dirty="0">
-                <a:solidFill>
-                  <a:schemeClr val="accent5"/>
-                </a:solidFill>
-              </a:rPr>
-              <a:t>hoje = new Date() ; // dá erro!</a:t>
-            </a:r>
-          </a:p>
-          <a:p>
-            <a:endParaRPr lang="pt-BR" dirty="0"/>
-          </a:p>
-          <a:p>
-            <a:r>
-              <a:rPr lang="pt-BR" dirty="0"/>
-              <a:t>Mas,  </a:t>
-            </a:r>
-          </a:p>
-          <a:p>
-            <a:endParaRPr lang="pt-BR" dirty="0"/>
-          </a:p>
-          <a:p>
-            <a:r>
-              <a:rPr lang="pt-BR" i="1" dirty="0" err="1">
-                <a:solidFill>
-                  <a:schemeClr val="accent5"/>
-                </a:solidFill>
-              </a:rPr>
-              <a:t>const</a:t>
-            </a:r>
-            <a:r>
-              <a:rPr lang="pt-BR" i="1" dirty="0">
-                <a:solidFill>
-                  <a:schemeClr val="accent5"/>
-                </a:solidFill>
-              </a:rPr>
-              <a:t> hoje = new Date();</a:t>
-            </a:r>
-          </a:p>
-          <a:p>
-            <a:r>
-              <a:rPr lang="pt-BR" i="1" dirty="0" err="1">
-                <a:solidFill>
-                  <a:schemeClr val="accent5"/>
-                </a:solidFill>
-              </a:rPr>
-              <a:t>Hoje.setDate</a:t>
-            </a:r>
-            <a:r>
-              <a:rPr lang="pt-BR" i="1" dirty="0">
-                <a:solidFill>
-                  <a:schemeClr val="accent5"/>
-                </a:solidFill>
-              </a:rPr>
-              <a:t>(5);</a:t>
-            </a:r>
-          </a:p>
-          <a:p>
-            <a:r>
-              <a:rPr lang="pt-BR" i="1" dirty="0">
-                <a:solidFill>
-                  <a:schemeClr val="accent5"/>
-                </a:solidFill>
-              </a:rPr>
-              <a:t>console.log(</a:t>
-            </a:r>
-            <a:r>
-              <a:rPr lang="pt-BR" i="1" dirty="0" err="1">
-                <a:solidFill>
-                  <a:schemeClr val="accent5"/>
-                </a:solidFill>
-              </a:rPr>
-              <a:t>hoje.getDate</a:t>
-            </a:r>
-            <a:r>
-              <a:rPr lang="pt-BR" i="1" dirty="0">
-                <a:solidFill>
-                  <a:schemeClr val="accent5"/>
-                </a:solidFill>
-              </a:rPr>
-              <a:t>()); // Alterou para o dia 5!</a:t>
-            </a:r>
-          </a:p>
-          <a:p>
-            <a:endParaRPr lang="pt-BR" dirty="0"/>
-          </a:p>
-          <a:p>
-            <a:endParaRPr lang="pt-BR" dirty="0"/>
-          </a:p>
-          <a:p>
-            <a:r>
-              <a:rPr lang="pt-BR" dirty="0"/>
-              <a:t>Neste caso não estamos atribuindo um novo valor para a variável, como fizemos com o operador “</a:t>
-            </a:r>
-            <a:r>
-              <a:rPr lang="pt-BR" b="1" dirty="0"/>
-              <a:t>=</a:t>
-            </a:r>
-            <a:r>
-              <a:rPr lang="pt-BR" dirty="0"/>
-              <a:t>“, mas alterando as propriedades do objeto </a:t>
-            </a:r>
-            <a:r>
-              <a:rPr lang="pt-BR" b="1" i="1" dirty="0">
-                <a:solidFill>
-                  <a:schemeClr val="accent5"/>
-                </a:solidFill>
-              </a:rPr>
-              <a:t>Date</a:t>
-            </a:r>
-            <a:r>
-              <a:rPr lang="pt-BR" dirty="0"/>
-              <a:t>, por meio dos seus métodos. Ou seja, </a:t>
-            </a:r>
-            <a:r>
-              <a:rPr lang="pt-BR" b="1" dirty="0" err="1"/>
-              <a:t>const</a:t>
+          <a:bodyPr/>
+          <a:lstStyle/>
+          <a:p>
+            <a:pPr marL="0" indent="0">
+              <a:buNone/>
+            </a:pPr>
+            <a:r>
+              <a:rPr lang="pt-BR" dirty="0" err="1">
+                <a:solidFill>
+                  <a:srgbClr val="A67F59"/>
+                </a:solidFill>
+              </a:rPr>
+              <a:t>ConnectionFactory</a:t>
             </a:r>
             <a:r>
               <a:rPr lang="pt-BR" dirty="0"/>
               <a:t> </a:t>
             </a:r>
-            <a:r>
-              <a:rPr lang="pt-BR" u="sng" dirty="0"/>
-              <a:t>não garante a imutabilidade</a:t>
+          </a:p>
+          <a:p>
+            <a:pPr marL="0" indent="0">
+              <a:buNone/>
+            </a:pPr>
+            <a:r>
+              <a:rPr lang="pt-BR" dirty="0">
+                <a:solidFill>
+                  <a:srgbClr val="999999"/>
+                </a:solidFill>
+              </a:rPr>
+              <a:t>	.</a:t>
+            </a:r>
+            <a:r>
+              <a:rPr lang="pt-BR" dirty="0" err="1"/>
+              <a:t>getConnection</a:t>
+            </a:r>
+            <a:r>
+              <a:rPr lang="pt-BR" dirty="0">
+                <a:solidFill>
+                  <a:srgbClr val="999999"/>
+                </a:solidFill>
+              </a:rPr>
+              <a:t>()</a:t>
             </a:r>
             <a:r>
               <a:rPr lang="pt-BR" dirty="0"/>
-              <a:t>, apenas a atribuição de um novo valor para a variável. </a:t>
-            </a:r>
-            <a:endParaRPr lang="pt-BR" b="1" dirty="0"/>
+              <a:t> </a:t>
+            </a:r>
+          </a:p>
+          <a:p>
+            <a:pPr marL="457200" lvl="1" indent="0">
+              <a:buNone/>
+            </a:pPr>
+            <a:r>
+              <a:rPr lang="pt-BR" dirty="0">
+                <a:solidFill>
+                  <a:srgbClr val="999999"/>
+                </a:solidFill>
+              </a:rPr>
+              <a:t>	.</a:t>
+            </a:r>
+            <a:r>
+              <a:rPr lang="pt-BR" dirty="0" err="1">
+                <a:solidFill>
+                  <a:srgbClr val="0077AA"/>
+                </a:solidFill>
+              </a:rPr>
+              <a:t>then</a:t>
+            </a:r>
+            <a:r>
+              <a:rPr lang="pt-BR" dirty="0">
+                <a:solidFill>
+                  <a:srgbClr val="999999"/>
+                </a:solidFill>
+              </a:rPr>
+              <a:t>(</a:t>
+            </a:r>
+            <a:r>
+              <a:rPr lang="pt-BR" dirty="0"/>
+              <a:t>connection </a:t>
+            </a:r>
+            <a:r>
+              <a:rPr lang="pt-BR" dirty="0">
+                <a:solidFill>
+                  <a:srgbClr val="999999"/>
+                </a:solidFill>
+              </a:rPr>
+              <a:t>=&gt;</a:t>
+            </a:r>
+            <a:r>
+              <a:rPr lang="pt-BR" dirty="0"/>
+              <a:t> </a:t>
+            </a:r>
+            <a:r>
+              <a:rPr lang="pt-BR" dirty="0">
+                <a:solidFill>
+                  <a:srgbClr val="999999"/>
+                </a:solidFill>
+              </a:rPr>
+              <a:t>{</a:t>
+            </a:r>
+            <a:r>
+              <a:rPr lang="pt-BR" dirty="0"/>
+              <a:t> </a:t>
+            </a:r>
+          </a:p>
+          <a:p>
+            <a:pPr marL="457200" lvl="1" indent="0">
+              <a:buNone/>
+            </a:pPr>
+            <a:r>
+              <a:rPr lang="pt-BR" dirty="0">
+                <a:solidFill>
+                  <a:srgbClr val="999999"/>
+                </a:solidFill>
+              </a:rPr>
+              <a:t>});</a:t>
+            </a:r>
+            <a:r>
+              <a:rPr lang="pt-BR" dirty="0"/>
+              <a:t> </a:t>
+            </a:r>
+          </a:p>
+          <a:p>
+            <a:pPr marL="457200" lvl="1" indent="0">
+              <a:buNone/>
+            </a:pPr>
+            <a:endParaRPr lang="pt-BR" dirty="0">
+              <a:solidFill>
+                <a:srgbClr val="708090"/>
+              </a:solidFill>
+            </a:endParaRPr>
+          </a:p>
+          <a:p>
+            <a:pPr marL="457200" lvl="1" indent="0">
+              <a:buNone/>
+            </a:pPr>
+            <a:r>
+              <a:rPr lang="pt-BR" dirty="0">
+                <a:solidFill>
+                  <a:srgbClr val="708090"/>
+                </a:solidFill>
+              </a:rPr>
+              <a:t>// faz outras coisas e pede novamente a conexão</a:t>
+            </a:r>
+            <a:r>
+              <a:rPr lang="pt-BR" dirty="0"/>
+              <a:t> </a:t>
+            </a:r>
+          </a:p>
+          <a:p>
+            <a:pPr marL="457200" lvl="1" indent="0">
+              <a:buNone/>
+            </a:pPr>
+            <a:endParaRPr lang="pt-BR" sz="2800" dirty="0">
+              <a:solidFill>
+                <a:srgbClr val="A67F59"/>
+              </a:solidFill>
+            </a:endParaRPr>
+          </a:p>
+          <a:p>
+            <a:pPr marL="457200" lvl="1" indent="0">
+              <a:buNone/>
+            </a:pPr>
+            <a:r>
+              <a:rPr lang="pt-BR" sz="2800" dirty="0" err="1">
+                <a:solidFill>
+                  <a:srgbClr val="A67F59"/>
+                </a:solidFill>
+              </a:rPr>
+              <a:t>ConnectionFactory</a:t>
+            </a:r>
+            <a:r>
+              <a:rPr lang="pt-BR" sz="2800" dirty="0"/>
+              <a:t> </a:t>
+            </a:r>
+          </a:p>
+          <a:p>
+            <a:pPr marL="457200" lvl="1" indent="0">
+              <a:buNone/>
+            </a:pPr>
+            <a:r>
+              <a:rPr lang="pt-BR" sz="2800" dirty="0">
+                <a:solidFill>
+                  <a:srgbClr val="999999"/>
+                </a:solidFill>
+              </a:rPr>
+              <a:t>	.</a:t>
+            </a:r>
+            <a:r>
+              <a:rPr lang="pt-BR" sz="2800" dirty="0" err="1"/>
+              <a:t>getConnection</a:t>
+            </a:r>
+            <a:r>
+              <a:rPr lang="pt-BR" sz="2800" dirty="0">
+                <a:solidFill>
+                  <a:srgbClr val="999999"/>
+                </a:solidFill>
+              </a:rPr>
+              <a:t>()</a:t>
+            </a:r>
+            <a:r>
+              <a:rPr lang="pt-BR" sz="2800" dirty="0"/>
+              <a:t> </a:t>
+            </a:r>
+          </a:p>
+          <a:p>
+            <a:pPr marL="457200" lvl="1" indent="0">
+              <a:buNone/>
+            </a:pPr>
+            <a:r>
+              <a:rPr lang="pt-BR" sz="2800" dirty="0">
+                <a:solidFill>
+                  <a:srgbClr val="999999"/>
+                </a:solidFill>
+              </a:rPr>
+              <a:t>	.</a:t>
+            </a:r>
+            <a:r>
+              <a:rPr lang="pt-BR" sz="2800" dirty="0" err="1">
+                <a:solidFill>
+                  <a:srgbClr val="0077AA"/>
+                </a:solidFill>
+              </a:rPr>
+              <a:t>then</a:t>
+            </a:r>
+            <a:r>
+              <a:rPr lang="pt-BR" sz="2800" dirty="0">
+                <a:solidFill>
+                  <a:srgbClr val="999999"/>
+                </a:solidFill>
+              </a:rPr>
+              <a:t>(</a:t>
+            </a:r>
+            <a:r>
+              <a:rPr lang="pt-BR" sz="2800" dirty="0"/>
+              <a:t>connection </a:t>
+            </a:r>
+            <a:r>
+              <a:rPr lang="pt-BR" sz="2800" dirty="0">
+                <a:solidFill>
+                  <a:srgbClr val="999999"/>
+                </a:solidFill>
+              </a:rPr>
+              <a:t>=&gt;</a:t>
+            </a:r>
+            <a:r>
+              <a:rPr lang="pt-BR" sz="2800" dirty="0"/>
+              <a:t> </a:t>
+            </a:r>
+            <a:r>
+              <a:rPr lang="pt-BR" sz="2800" dirty="0">
+                <a:solidFill>
+                  <a:srgbClr val="999999"/>
+                </a:solidFill>
+              </a:rPr>
+              <a:t>{</a:t>
+            </a:r>
+            <a:r>
+              <a:rPr lang="pt-BR" sz="2800" dirty="0"/>
+              <a:t> </a:t>
+            </a:r>
+          </a:p>
+          <a:p>
+            <a:pPr marL="457200" lvl="1" indent="0">
+              <a:buNone/>
+            </a:pPr>
+            <a:r>
+              <a:rPr lang="pt-BR" sz="2800" dirty="0">
+                <a:solidFill>
+                  <a:srgbClr val="999999"/>
+                </a:solidFill>
+              </a:rPr>
+              <a:t>});</a:t>
+            </a:r>
+            <a:endParaRPr lang="pt-BR" sz="2800" dirty="0">
+              <a:solidFill>
+                <a:schemeClr val="accent5"/>
+              </a:solidFill>
+            </a:endParaRPr>
           </a:p>
         </p:txBody>
       </p:sp>
     </p:spTree>
     <p:extLst>
       <p:ext uri="{BB962C8B-B14F-4D97-AF65-F5344CB8AC3E}">
-        <p14:creationId xmlns:p14="http://schemas.microsoft.com/office/powerpoint/2010/main" val="3568488777"/>
+        <p14:creationId xmlns:p14="http://schemas.microsoft.com/office/powerpoint/2010/main" val="1564479947"/>
       </p:ext>
     </p:extLst>
   </p:cSld>

--- a/docs/Webpack-resumo.pptx
+++ b/docs/Webpack-resumo.pptx
@@ -12,11 +12,10 @@
     <p:sldId id="268" r:id="rId6"/>
     <p:sldId id="287" r:id="rId7"/>
     <p:sldId id="286" r:id="rId8"/>
-    <p:sldId id="273" r:id="rId9"/>
-    <p:sldId id="282" r:id="rId10"/>
-    <p:sldId id="285" r:id="rId11"/>
-    <p:sldId id="277" r:id="rId12"/>
-    <p:sldId id="278" r:id="rId13"/>
+    <p:sldId id="288" r:id="rId9"/>
+    <p:sldId id="289" r:id="rId10"/>
+    <p:sldId id="277" r:id="rId11"/>
+    <p:sldId id="278" r:id="rId12"/>
   </p:sldIdLst>
   <p:sldSz cx="12192000" cy="6858000"/>
   <p:notesSz cx="6858000" cy="9144000"/>
@@ -3024,304 +3023,6 @@
             <p:ph type="title"/>
           </p:nvPr>
         </p:nvSpPr>
-        <p:spPr>
-          <a:xfrm>
-            <a:off x="759177" y="89552"/>
-            <a:ext cx="10515600" cy="549275"/>
-          </a:xfrm>
-        </p:spPr>
-        <p:txBody>
-          <a:bodyPr>
-            <a:normAutofit fontScale="90000"/>
-          </a:bodyPr>
-          <a:lstStyle/>
-          <a:p>
-            <a:pPr algn="ctr"/>
-            <a:r>
-              <a:rPr lang="pt-BR" b="1" dirty="0" err="1"/>
-              <a:t>Loader</a:t>
-            </a:r>
-            <a:r>
-              <a:rPr lang="pt-BR" b="1" dirty="0"/>
-              <a:t> – </a:t>
-            </a:r>
-            <a:r>
-              <a:rPr lang="pt-BR" b="1" dirty="0" err="1"/>
-              <a:t>System.js</a:t>
-            </a:r>
-            <a:endParaRPr lang="pt-BR" sz="2800" b="1" dirty="0"/>
-          </a:p>
-        </p:txBody>
-      </p:sp>
-      <p:sp>
-        <p:nvSpPr>
-          <p:cNvPr id="8" name="CaixaDeTexto 7"/>
-          <p:cNvSpPr txBox="1"/>
-          <p:nvPr/>
-        </p:nvSpPr>
-        <p:spPr>
-          <a:xfrm>
-            <a:off x="759177" y="802518"/>
-            <a:ext cx="9931401" cy="3416320"/>
-          </a:xfrm>
-          <a:prstGeom prst="rect">
-            <a:avLst/>
-          </a:prstGeom>
-          <a:noFill/>
-        </p:spPr>
-        <p:txBody>
-          <a:bodyPr wrap="square" rtlCol="0">
-            <a:spAutoFit/>
-          </a:bodyPr>
-          <a:lstStyle/>
-          <a:p>
-            <a:r>
-              <a:rPr lang="pt-BR" dirty="0"/>
-              <a:t>Estamos usando os módulos de ES6 definindo os </a:t>
-            </a:r>
-            <a:r>
-              <a:rPr lang="pt-BR" dirty="0" err="1"/>
-              <a:t>imports</a:t>
-            </a:r>
-            <a:r>
-              <a:rPr lang="pt-BR" dirty="0"/>
-              <a:t> e </a:t>
-            </a:r>
-            <a:r>
-              <a:rPr lang="pt-BR" dirty="0" err="1"/>
-              <a:t>exports</a:t>
-            </a:r>
-            <a:r>
-              <a:rPr lang="pt-BR" dirty="0"/>
-              <a:t>, mas não definimos como estes módulos devem ser carregados no navegador. Não existe um consenso ... Precisamos que os scripts sejam carregados numa determinada ordem no sistema.</a:t>
-            </a:r>
-          </a:p>
-          <a:p>
-            <a:endParaRPr lang="pt-BR" dirty="0"/>
-          </a:p>
-          <a:p>
-            <a:r>
-              <a:rPr lang="pt-BR" dirty="0"/>
-              <a:t>O responsável por isso, chama-se </a:t>
-            </a:r>
-            <a:r>
-              <a:rPr lang="pt-BR" b="1" dirty="0" err="1"/>
-              <a:t>Loader</a:t>
-            </a:r>
-            <a:r>
-              <a:rPr lang="pt-BR" dirty="0"/>
-              <a:t>, porém não existe um padrão.</a:t>
-            </a:r>
-          </a:p>
-          <a:p>
-            <a:endParaRPr lang="pt-BR" dirty="0"/>
-          </a:p>
-          <a:p>
-            <a:r>
-              <a:rPr lang="pt-BR" dirty="0"/>
-              <a:t>Uma biblioteca muito famosa é o </a:t>
-            </a:r>
-            <a:r>
-              <a:rPr lang="pt-BR" b="1" dirty="0" err="1"/>
-              <a:t>System.js</a:t>
-            </a:r>
-            <a:r>
-              <a:rPr lang="pt-BR" b="1" dirty="0"/>
-              <a:t> </a:t>
-            </a:r>
-            <a:r>
-              <a:rPr lang="pt-BR" dirty="0"/>
-              <a:t>e será instalada pelo </a:t>
-            </a:r>
-            <a:r>
-              <a:rPr lang="pt-BR" b="1" dirty="0" err="1"/>
-              <a:t>Node.JS</a:t>
-            </a:r>
-            <a:r>
-              <a:rPr lang="pt-BR" b="1" dirty="0"/>
-              <a:t> </a:t>
-            </a:r>
-          </a:p>
-          <a:p>
-            <a:endParaRPr lang="pt-BR" b="1" dirty="0"/>
-          </a:p>
-          <a:p>
-            <a:r>
-              <a:rPr lang="pt-BR" dirty="0"/>
-              <a:t>Precisa ser carregado no </a:t>
-            </a:r>
-            <a:r>
-              <a:rPr lang="pt-BR" dirty="0" err="1"/>
-              <a:t>index.html</a:t>
-            </a:r>
-            <a:endParaRPr lang="pt-BR" dirty="0"/>
-          </a:p>
-          <a:p>
-            <a:r>
-              <a:rPr lang="pt-BR" b="1" dirty="0"/>
-              <a:t>	</a:t>
-            </a:r>
-          </a:p>
-          <a:p>
-            <a:r>
-              <a:rPr lang="pt-BR" b="1" dirty="0"/>
-              <a:t>	</a:t>
-            </a:r>
-            <a:r>
-              <a:rPr lang="pt-BR" dirty="0">
-                <a:solidFill>
-                  <a:srgbClr val="990055"/>
-                </a:solidFill>
-              </a:rPr>
-              <a:t>&lt;script</a:t>
-            </a:r>
-            <a:r>
-              <a:rPr lang="pt-BR" dirty="0"/>
-              <a:t> </a:t>
-            </a:r>
-            <a:r>
-              <a:rPr lang="pt-BR" dirty="0" err="1">
-                <a:solidFill>
-                  <a:srgbClr val="669900"/>
-                </a:solidFill>
-              </a:rPr>
-              <a:t>src</a:t>
-            </a:r>
-            <a:r>
-              <a:rPr lang="pt-BR" dirty="0">
-                <a:solidFill>
-                  <a:srgbClr val="999999"/>
-                </a:solidFill>
-              </a:rPr>
-              <a:t>=</a:t>
-            </a:r>
-            <a:r>
-              <a:rPr lang="pt-BR" dirty="0">
-                <a:solidFill>
-                  <a:srgbClr val="0077AA"/>
-                </a:solidFill>
-              </a:rPr>
-              <a:t>"</a:t>
-            </a:r>
-            <a:r>
-              <a:rPr lang="pt-BR" dirty="0" err="1">
-                <a:solidFill>
-                  <a:srgbClr val="0077AA"/>
-                </a:solidFill>
-              </a:rPr>
-              <a:t>node_modules</a:t>
-            </a:r>
-            <a:r>
-              <a:rPr lang="pt-BR" dirty="0">
-                <a:solidFill>
-                  <a:srgbClr val="0077AA"/>
-                </a:solidFill>
-              </a:rPr>
-              <a:t>/</a:t>
-            </a:r>
-            <a:r>
-              <a:rPr lang="pt-BR" dirty="0" err="1">
-                <a:solidFill>
-                  <a:srgbClr val="0077AA"/>
-                </a:solidFill>
-              </a:rPr>
-              <a:t>systemjs</a:t>
-            </a:r>
-            <a:r>
-              <a:rPr lang="pt-BR" dirty="0">
-                <a:solidFill>
-                  <a:srgbClr val="0077AA"/>
-                </a:solidFill>
-              </a:rPr>
-              <a:t>/</a:t>
-            </a:r>
-            <a:r>
-              <a:rPr lang="pt-BR" dirty="0" err="1">
-                <a:solidFill>
-                  <a:srgbClr val="0077AA"/>
-                </a:solidFill>
-              </a:rPr>
-              <a:t>dist</a:t>
-            </a:r>
-            <a:r>
-              <a:rPr lang="pt-BR" dirty="0">
-                <a:solidFill>
-                  <a:srgbClr val="0077AA"/>
-                </a:solidFill>
-              </a:rPr>
-              <a:t>/</a:t>
-            </a:r>
-            <a:r>
-              <a:rPr lang="pt-BR" dirty="0" err="1">
-                <a:solidFill>
-                  <a:srgbClr val="0077AA"/>
-                </a:solidFill>
-              </a:rPr>
-              <a:t>system.js</a:t>
-            </a:r>
-            <a:r>
-              <a:rPr lang="pt-BR" dirty="0">
-                <a:solidFill>
-                  <a:srgbClr val="0077AA"/>
-                </a:solidFill>
-              </a:rPr>
-              <a:t>"</a:t>
-            </a:r>
-            <a:r>
-              <a:rPr lang="pt-BR" dirty="0">
-                <a:solidFill>
-                  <a:srgbClr val="990055"/>
-                </a:solidFill>
-              </a:rPr>
-              <a:t>&gt;&lt;/script&gt;</a:t>
-            </a:r>
-            <a:endParaRPr lang="pt-BR" b="1" dirty="0"/>
-          </a:p>
-          <a:p>
-            <a:endParaRPr lang="pt-BR" dirty="0"/>
-          </a:p>
-        </p:txBody>
-      </p:sp>
-    </p:spTree>
-    <p:extLst>
-      <p:ext uri="{BB962C8B-B14F-4D97-AF65-F5344CB8AC3E}">
-        <p14:creationId xmlns:p14="http://schemas.microsoft.com/office/powerpoint/2010/main" val="2627748378"/>
-      </p:ext>
-    </p:extLst>
-  </p:cSld>
-  <p:clrMapOvr>
-    <a:masterClrMapping/>
-  </p:clrMapOvr>
-</p:sld>
-</file>
-
-<file path=ppt/slides/slide11.xml><?xml version="1.0" encoding="utf-8"?>
-<p:sld xmlns:a="http://schemas.openxmlformats.org/drawingml/2006/main" xmlns:r="http://schemas.openxmlformats.org/officeDocument/2006/relationships" xmlns:p="http://schemas.openxmlformats.org/presentationml/2006/main">
-  <p:cSld>
-    <p:spTree>
-      <p:nvGrpSpPr>
-        <p:cNvPr id="1" name=""/>
-        <p:cNvGrpSpPr/>
-        <p:nvPr/>
-      </p:nvGrpSpPr>
-      <p:grpSpPr>
-        <a:xfrm>
-          <a:off x="0" y="0"/>
-          <a:ext cx="0" cy="0"/>
-          <a:chOff x="0" y="0"/>
-          <a:chExt cx="0" cy="0"/>
-        </a:xfrm>
-      </p:grpSpPr>
-      <p:sp>
-        <p:nvSpPr>
-          <p:cNvPr id="2" name="Título 1"/>
-          <p:cNvSpPr>
-            <a:spLocks noGrp="1"/>
-          </p:cNvSpPr>
-          <p:nvPr>
-            <p:ph type="title"/>
-          </p:nvPr>
-        </p:nvSpPr>
         <p:spPr/>
         <p:txBody>
           <a:bodyPr/>
@@ -3363,7 +3064,7 @@
 </p:sld>
 </file>
 
-<file path=ppt/slides/slide12.xml><?xml version="1.0" encoding="utf-8"?>
+<file path=ppt/slides/slide11.xml><?xml version="1.0" encoding="utf-8"?>
 <p:sld xmlns:a="http://schemas.openxmlformats.org/drawingml/2006/main" xmlns:r="http://schemas.openxmlformats.org/officeDocument/2006/relationships" xmlns:p="http://schemas.openxmlformats.org/presentationml/2006/main">
   <p:cSld>
     <p:spTree>
@@ -5645,9 +5346,14 @@
           <a:p>
             <a:pPr algn="ctr"/>
             <a:r>
-              <a:rPr lang="pt-BR" sz="2800" b="1" dirty="0"/>
-              <a:t>Uma conexão ou várias</a:t>
-            </a:r>
+              <a:rPr lang="pt-BR" sz="2800" b="1" dirty="0" smtClean="0"/>
+              <a:t>Manipulando </a:t>
+            </a:r>
+            <a:r>
+              <a:rPr lang="pt-BR" sz="2800" b="1" dirty="0" smtClean="0"/>
+              <a:t>módulos JS</a:t>
+            </a:r>
+            <a:endParaRPr lang="pt-BR" sz="2800" b="1" dirty="0"/>
           </a:p>
         </p:txBody>
       </p:sp>
@@ -5669,28 +5375,129 @@
         </p:nvSpPr>
         <p:spPr>
           <a:xfrm>
-            <a:off x="563671" y="801666"/>
-            <a:ext cx="10790129" cy="5649238"/>
+            <a:off x="484648" y="941366"/>
+            <a:ext cx="10790129" cy="5375297"/>
           </a:xfrm>
         </p:spPr>
         <p:txBody>
-          <a:bodyPr/>
-          <a:lstStyle/>
+          <a:bodyPr>
+            <a:normAutofit/>
+          </a:bodyPr>
+          <a:lstStyle/>
+          <a:p>
+            <a:r>
+              <a:rPr lang="pt-BR" sz="2400" dirty="0"/>
+              <a:t>A solução será utilizar um </a:t>
+            </a:r>
+            <a:r>
+              <a:rPr lang="pt-BR" sz="2400" dirty="0" err="1"/>
+              <a:t>plugin</a:t>
+            </a:r>
+            <a:r>
+              <a:rPr lang="pt-BR" sz="2400" dirty="0"/>
+              <a:t> que já está embutido no </a:t>
+            </a:r>
+            <a:r>
+              <a:rPr lang="pt-BR" sz="2400" dirty="0" err="1"/>
+              <a:t>Webpack</a:t>
+            </a:r>
+            <a:r>
+              <a:rPr lang="pt-BR" sz="2400" dirty="0"/>
+              <a:t>: </a:t>
+            </a:r>
+            <a:r>
+              <a:rPr lang="pt-BR" sz="2400" dirty="0" err="1"/>
+              <a:t>webpack.ProvidePlugin</a:t>
+            </a:r>
+            <a:r>
+              <a:rPr lang="pt-BR" sz="2400" dirty="0"/>
+              <a:t>. </a:t>
+            </a:r>
+            <a:endParaRPr lang="pt-BR" sz="2400" dirty="0" smtClean="0"/>
+          </a:p>
+          <a:p>
+            <a:endParaRPr lang="pt-BR" sz="2400" dirty="0"/>
+          </a:p>
+          <a:p>
+            <a:r>
+              <a:rPr lang="pt-BR" sz="2400" dirty="0"/>
+              <a:t>Cuidado: Se </a:t>
+            </a:r>
+            <a:r>
+              <a:rPr lang="pt-BR" sz="2400" dirty="0" smtClean="0"/>
+              <a:t>digitar </a:t>
+            </a:r>
+            <a:r>
+              <a:rPr lang="pt-BR" sz="2400" dirty="0"/>
+              <a:t>$ no Console, o retorno será o seguinte</a:t>
+            </a:r>
+          </a:p>
+          <a:p>
+            <a:pPr marL="0" indent="0" algn="just">
+              <a:buNone/>
+            </a:pPr>
+            <a:r>
+              <a:rPr lang="pt-BR" sz="2400" dirty="0" smtClean="0"/>
+              <a:t> 	&gt;$</a:t>
+            </a:r>
+            <a:endParaRPr lang="pt-BR" sz="2400" dirty="0"/>
+          </a:p>
+          <a:p>
+            <a:pPr marL="0" indent="0" algn="just">
+              <a:buNone/>
+            </a:pPr>
+            <a:r>
+              <a:rPr lang="pt-BR" sz="2400" dirty="0" smtClean="0"/>
+              <a:t>	&gt;f </a:t>
+            </a:r>
+            <a:r>
+              <a:rPr lang="pt-BR" sz="2400" dirty="0"/>
+              <a:t>$(</a:t>
+            </a:r>
+            <a:r>
+              <a:rPr lang="pt-BR" sz="2400" dirty="0" err="1"/>
+              <a:t>selector</a:t>
+            </a:r>
+            <a:r>
+              <a:rPr lang="pt-BR" sz="2400" dirty="0"/>
+              <a:t>, [</a:t>
+            </a:r>
+            <a:r>
+              <a:rPr lang="pt-BR" sz="2400" dirty="0" err="1"/>
+              <a:t>startNode</a:t>
+            </a:r>
+            <a:r>
+              <a:rPr lang="pt-BR" sz="2400" dirty="0"/>
+              <a:t>]) { [</a:t>
+            </a:r>
+            <a:r>
+              <a:rPr lang="pt-BR" sz="2400" dirty="0" err="1"/>
+              <a:t>Comand</a:t>
+            </a:r>
+            <a:r>
+              <a:rPr lang="pt-BR" sz="2400" dirty="0"/>
+              <a:t> </a:t>
+            </a:r>
+            <a:r>
+              <a:rPr lang="pt-BR" sz="2400" dirty="0" err="1"/>
+              <a:t>Line</a:t>
+            </a:r>
+            <a:r>
+              <a:rPr lang="pt-BR" sz="2400" dirty="0"/>
+              <a:t> API] </a:t>
+            </a:r>
+            <a:r>
+              <a:rPr lang="pt-BR" sz="2400" dirty="0" smtClean="0"/>
+              <a:t>}</a:t>
+            </a:r>
+          </a:p>
           <a:p>
             <a:pPr marL="0" indent="0">
               <a:buNone/>
             </a:pPr>
             <a:r>
-              <a:rPr lang="pt-BR" dirty="0" err="1">
-                <a:solidFill>
-                  <a:srgbClr val="A67F59"/>
-                </a:solidFill>
-              </a:rPr>
-              <a:t>ConnectionFactory</a:t>
-            </a:r>
-            <a:r>
-              <a:rPr lang="pt-BR" dirty="0"/>
-              <a:t> </a:t>
+              <a:rPr lang="pt-BR" sz="2400" dirty="0" smtClean="0"/>
+              <a:t>	</a:t>
             </a:r>
           </a:p>
           <a:p>
@@ -5698,268 +5505,65 @@
               <a:buNone/>
             </a:pPr>
             <a:r>
-              <a:rPr lang="pt-BR" dirty="0">
-                <a:solidFill>
-                  <a:srgbClr val="999999"/>
-                </a:solidFill>
-              </a:rPr>
-              <a:t>	.</a:t>
-            </a:r>
-            <a:r>
-              <a:rPr lang="pt-BR" dirty="0" err="1"/>
-              <a:t>getConnection</a:t>
-            </a:r>
-            <a:r>
-              <a:rPr lang="pt-BR" dirty="0">
-                <a:solidFill>
-                  <a:srgbClr val="999999"/>
-                </a:solidFill>
-              </a:rPr>
-              <a:t>()</a:t>
-            </a:r>
-            <a:r>
-              <a:rPr lang="pt-BR" dirty="0"/>
-              <a:t> </a:t>
-            </a:r>
-          </a:p>
-          <a:p>
-            <a:pPr marL="457200" lvl="1" indent="0">
-              <a:buNone/>
-            </a:pPr>
-            <a:r>
-              <a:rPr lang="pt-BR" dirty="0">
-                <a:solidFill>
-                  <a:srgbClr val="999999"/>
-                </a:solidFill>
-              </a:rPr>
-              <a:t>	.</a:t>
-            </a:r>
-            <a:r>
-              <a:rPr lang="pt-BR" dirty="0" err="1">
-                <a:solidFill>
-                  <a:srgbClr val="0077AA"/>
-                </a:solidFill>
-              </a:rPr>
-              <a:t>then</a:t>
-            </a:r>
-            <a:r>
-              <a:rPr lang="pt-BR" dirty="0">
-                <a:solidFill>
-                  <a:srgbClr val="999999"/>
-                </a:solidFill>
-              </a:rPr>
-              <a:t>(</a:t>
-            </a:r>
-            <a:r>
-              <a:rPr lang="pt-BR" dirty="0"/>
-              <a:t>connection </a:t>
-            </a:r>
-            <a:r>
-              <a:rPr lang="pt-BR" dirty="0">
-                <a:solidFill>
-                  <a:srgbClr val="999999"/>
-                </a:solidFill>
-              </a:rPr>
-              <a:t>=&gt;</a:t>
-            </a:r>
-            <a:r>
-              <a:rPr lang="pt-BR" dirty="0"/>
-              <a:t> </a:t>
-            </a:r>
-            <a:r>
-              <a:rPr lang="pt-BR" dirty="0">
-                <a:solidFill>
-                  <a:srgbClr val="999999"/>
-                </a:solidFill>
-              </a:rPr>
-              <a:t>{</a:t>
-            </a:r>
-            <a:r>
-              <a:rPr lang="pt-BR" dirty="0"/>
-              <a:t> </a:t>
-            </a:r>
-          </a:p>
-          <a:p>
-            <a:pPr marL="457200" lvl="1" indent="0">
-              <a:buNone/>
-            </a:pPr>
-            <a:r>
-              <a:rPr lang="pt-BR" dirty="0">
-                <a:solidFill>
-                  <a:srgbClr val="999999"/>
-                </a:solidFill>
-              </a:rPr>
-              <a:t>});</a:t>
-            </a:r>
-            <a:r>
-              <a:rPr lang="pt-BR" dirty="0"/>
-              <a:t> </a:t>
-            </a:r>
-          </a:p>
-          <a:p>
-            <a:pPr marL="457200" lvl="1" indent="0">
-              <a:buNone/>
-            </a:pPr>
-            <a:endParaRPr lang="pt-BR" dirty="0">
-              <a:solidFill>
-                <a:srgbClr val="708090"/>
-              </a:solidFill>
-            </a:endParaRPr>
-          </a:p>
-          <a:p>
-            <a:pPr marL="457200" lvl="1" indent="0">
-              <a:buNone/>
-            </a:pPr>
-            <a:r>
-              <a:rPr lang="pt-BR" dirty="0">
-                <a:solidFill>
-                  <a:srgbClr val="708090"/>
-                </a:solidFill>
-              </a:rPr>
-              <a:t>// faz outras coisas e pede novamente a conexão</a:t>
-            </a:r>
-            <a:r>
-              <a:rPr lang="pt-BR" dirty="0"/>
-              <a:t> </a:t>
-            </a:r>
-          </a:p>
-          <a:p>
-            <a:pPr marL="457200" lvl="1" indent="0">
-              <a:buNone/>
-            </a:pPr>
-            <a:endParaRPr lang="pt-BR" sz="2800" dirty="0">
-              <a:solidFill>
-                <a:srgbClr val="A67F59"/>
-              </a:solidFill>
-            </a:endParaRPr>
-          </a:p>
-          <a:p>
-            <a:pPr marL="457200" lvl="1" indent="0">
-              <a:buNone/>
-            </a:pPr>
-            <a:r>
-              <a:rPr lang="pt-BR" sz="2800" dirty="0" err="1">
-                <a:solidFill>
-                  <a:srgbClr val="A67F59"/>
-                </a:solidFill>
-              </a:rPr>
-              <a:t>ConnectionFactory</a:t>
-            </a:r>
-            <a:r>
-              <a:rPr lang="pt-BR" sz="2800" dirty="0"/>
-              <a:t> </a:t>
-            </a:r>
-          </a:p>
-          <a:p>
-            <a:pPr marL="457200" lvl="1" indent="0">
-              <a:buNone/>
-            </a:pPr>
-            <a:r>
-              <a:rPr lang="pt-BR" sz="2800" dirty="0">
-                <a:solidFill>
-                  <a:srgbClr val="999999"/>
-                </a:solidFill>
-              </a:rPr>
-              <a:t>	.</a:t>
-            </a:r>
-            <a:r>
-              <a:rPr lang="pt-BR" sz="2800" dirty="0" err="1"/>
-              <a:t>getConnection</a:t>
-            </a:r>
-            <a:r>
-              <a:rPr lang="pt-BR" sz="2800" dirty="0">
-                <a:solidFill>
-                  <a:srgbClr val="999999"/>
-                </a:solidFill>
-              </a:rPr>
-              <a:t>()</a:t>
-            </a:r>
-            <a:r>
-              <a:rPr lang="pt-BR" sz="2800" dirty="0"/>
-              <a:t> </a:t>
-            </a:r>
-          </a:p>
-          <a:p>
-            <a:pPr marL="457200" lvl="1" indent="0">
-              <a:buNone/>
-            </a:pPr>
-            <a:r>
-              <a:rPr lang="pt-BR" sz="2800" dirty="0">
-                <a:solidFill>
-                  <a:srgbClr val="999999"/>
-                </a:solidFill>
-              </a:rPr>
-              <a:t>	.</a:t>
-            </a:r>
-            <a:r>
-              <a:rPr lang="pt-BR" sz="2800" dirty="0" err="1">
-                <a:solidFill>
-                  <a:srgbClr val="0077AA"/>
-                </a:solidFill>
-              </a:rPr>
-              <a:t>then</a:t>
-            </a:r>
-            <a:r>
-              <a:rPr lang="pt-BR" sz="2800" dirty="0">
-                <a:solidFill>
-                  <a:srgbClr val="999999"/>
-                </a:solidFill>
-              </a:rPr>
-              <a:t>(</a:t>
-            </a:r>
-            <a:r>
-              <a:rPr lang="pt-BR" sz="2800" dirty="0"/>
-              <a:t>connection </a:t>
-            </a:r>
-            <a:r>
-              <a:rPr lang="pt-BR" sz="2800" dirty="0">
-                <a:solidFill>
-                  <a:srgbClr val="999999"/>
-                </a:solidFill>
-              </a:rPr>
-              <a:t>=&gt;</a:t>
-            </a:r>
-            <a:r>
-              <a:rPr lang="pt-BR" sz="2800" dirty="0"/>
-              <a:t> </a:t>
-            </a:r>
-            <a:r>
-              <a:rPr lang="pt-BR" sz="2800" dirty="0">
-                <a:solidFill>
-                  <a:srgbClr val="999999"/>
-                </a:solidFill>
-              </a:rPr>
-              <a:t>{</a:t>
-            </a:r>
-            <a:r>
-              <a:rPr lang="pt-BR" sz="2800" dirty="0"/>
-              <a:t> </a:t>
-            </a:r>
-          </a:p>
-          <a:p>
-            <a:pPr marL="457200" lvl="1" indent="0">
-              <a:buNone/>
-            </a:pPr>
-            <a:r>
-              <a:rPr lang="pt-BR" sz="2800" dirty="0">
-                <a:solidFill>
-                  <a:srgbClr val="999999"/>
-                </a:solidFill>
-              </a:rPr>
-              <a:t>});</a:t>
-            </a:r>
-            <a:endParaRPr lang="pt-BR" sz="2800" dirty="0">
-              <a:solidFill>
-                <a:schemeClr val="accent5"/>
-              </a:solidFill>
-            </a:endParaRPr>
+              <a:rPr lang="pt-BR" sz="2400" dirty="0"/>
+              <a:t>	</a:t>
+            </a:r>
+            <a:r>
+              <a:rPr lang="pt-BR" sz="2400" dirty="0" smtClean="0"/>
+              <a:t>O </a:t>
+            </a:r>
+            <a:r>
+              <a:rPr lang="pt-BR" sz="2400" dirty="0"/>
+              <a:t>Chrome possui uma assistente de linha de comando que recebe o nome de </a:t>
+            </a:r>
+            <a:r>
+              <a:rPr lang="pt-BR" sz="2400" dirty="0" smtClean="0"/>
+              <a:t>$ que NÃO é </a:t>
+            </a:r>
+            <a:r>
+              <a:rPr lang="pt-BR" sz="2400" dirty="0" err="1" smtClean="0"/>
+              <a:t>jQuery</a:t>
+            </a:r>
+            <a:r>
+              <a:rPr lang="pt-BR" sz="2400" dirty="0" smtClean="0"/>
+              <a:t>. </a:t>
+            </a:r>
+            <a:r>
+              <a:rPr lang="pt-BR" sz="2400" dirty="0"/>
+              <a:t>Apesar de que o </a:t>
+            </a:r>
+            <a:r>
+              <a:rPr lang="pt-BR" sz="2400" dirty="0" err="1"/>
+              <a:t>jQuery</a:t>
+            </a:r>
+            <a:r>
+              <a:rPr lang="pt-BR" sz="2400" dirty="0"/>
+              <a:t> ser acessível pelos módulos da aplicação, existe uma </a:t>
+            </a:r>
+            <a:r>
+              <a:rPr lang="pt-BR" sz="2400" dirty="0" err="1"/>
+              <a:t>closure</a:t>
+            </a:r>
+            <a:r>
+              <a:rPr lang="pt-BR" sz="2400" dirty="0"/>
+              <a:t> envolvendo a </a:t>
+            </a:r>
+            <a:r>
+              <a:rPr lang="pt-BR" sz="2400" dirty="0" err="1"/>
+              <a:t>jQuery</a:t>
+            </a:r>
+            <a:r>
+              <a:rPr lang="pt-BR" sz="2400" dirty="0"/>
+              <a:t> que não permite que escape para o escopo global.</a:t>
+            </a:r>
+            <a:endParaRPr lang="pt-BR" sz="2400" dirty="0"/>
           </a:p>
         </p:txBody>
       </p:sp>
     </p:spTree>
     <p:extLst>
       <p:ext uri="{BB962C8B-B14F-4D97-AF65-F5344CB8AC3E}">
-        <p14:creationId xmlns:p14="http://schemas.microsoft.com/office/powerpoint/2010/main" val="1564479947"/>
+        <p14:creationId xmlns:p14="http://schemas.microsoft.com/office/powerpoint/2010/main" val="27019194"/>
       </p:ext>
     </p:extLst>
   </p:cSld>
@@ -6010,83 +5614,223 @@
           <a:p>
             <a:pPr algn="ctr"/>
             <a:r>
-              <a:rPr lang="pt-BR" sz="2800" b="1" dirty="0" err="1"/>
-              <a:t>Pattern</a:t>
-            </a:r>
-            <a:r>
-              <a:rPr lang="pt-BR" sz="2800" b="1" dirty="0"/>
-              <a:t> DAO</a:t>
-            </a:r>
-          </a:p>
-        </p:txBody>
-      </p:sp>
-      <p:sp>
-        <p:nvSpPr>
-          <p:cNvPr id="8" name="CaixaDeTexto 7"/>
-          <p:cNvSpPr txBox="1"/>
-          <p:nvPr/>
+              <a:rPr lang="pt-BR" sz="2800" b="1" dirty="0" smtClean="0"/>
+              <a:t>Manipulando </a:t>
+            </a:r>
+            <a:r>
+              <a:rPr lang="pt-BR" sz="2800" b="1" dirty="0" smtClean="0"/>
+              <a:t>módulos JS</a:t>
+            </a:r>
+            <a:endParaRPr lang="pt-BR" sz="2800" b="1" dirty="0"/>
+          </a:p>
+        </p:txBody>
+      </p:sp>
+      <p:sp>
+        <p:nvSpPr>
+          <p:cNvPr id="7" name="Espaço Reservado para Conteúdo 6">
+            <a:extLst>
+              <a:ext uri="{FF2B5EF4-FFF2-40B4-BE49-F238E27FC236}">
+                <a16:creationId xmlns:a16="http://schemas.microsoft.com/office/drawing/2014/main" id="{CBDD146F-E87E-0140-B521-E123E7DC95E8}"/>
+              </a:ext>
+            </a:extLst>
+          </p:cNvPr>
+          <p:cNvSpPr>
+            <a:spLocks noGrp="1"/>
+          </p:cNvSpPr>
+          <p:nvPr>
+            <p:ph idx="1"/>
+          </p:nvPr>
         </p:nvSpPr>
         <p:spPr>
           <a:xfrm>
-            <a:off x="759177" y="802518"/>
-            <a:ext cx="9931401" cy="2031325"/>
+            <a:off x="484648" y="941366"/>
+            <a:ext cx="10790129" cy="5375297"/>
           </a:xfrm>
-          <a:prstGeom prst="rect">
-            <a:avLst/>
-          </a:prstGeom>
-          <a:noFill/>
         </p:spPr>
         <p:txBody>
-          <a:bodyPr wrap="square" rtlCol="0">
-            <a:spAutoFit/>
+          <a:bodyPr>
+            <a:normAutofit/>
           </a:bodyPr>
           <a:lstStyle/>
           <a:p>
             <a:r>
-              <a:rPr lang="pt-BR" i="1" dirty="0"/>
-              <a:t>Capacidade de isolar todo o código que acessa seu repositório de dados em um único lugar. Assim, toda vez que o desenvolvedor precisar realizar operações de persistência ele verá que existe um único local para isso, seus </a:t>
-            </a:r>
-            <a:r>
-              <a:rPr lang="pt-BR" i="1" dirty="0" err="1"/>
-              <a:t>DAO's</a:t>
-            </a:r>
-            <a:r>
-              <a:rPr lang="pt-BR" i="1" dirty="0"/>
+              <a:rPr lang="pt-BR" sz="2400" dirty="0"/>
+              <a:t>Precisamos utilizar o operador new quando formos utilizar o </a:t>
+            </a:r>
+            <a:r>
+              <a:rPr lang="pt-BR" sz="2400" dirty="0" err="1"/>
+              <a:t>webpack.ProvidePlugin</a:t>
+            </a:r>
+            <a:r>
+              <a:rPr lang="pt-BR" sz="2400" dirty="0" smtClean="0"/>
               <a:t>.</a:t>
             </a:r>
           </a:p>
           <a:p>
-            <a:endParaRPr lang="pt-BR" i="1" dirty="0"/>
-          </a:p>
-          <a:p>
-            <a:r>
-              <a:rPr lang="pt-BR" i="1" dirty="0"/>
-              <a:t>Falando um pouco mais técnico e nem por isso menos bonito, o DAO faz parte da camada de persistência, funciona como uma fachada para a API do </a:t>
-            </a:r>
-            <a:r>
-              <a:rPr lang="pt-BR" i="1" dirty="0" err="1"/>
-              <a:t>IndexedDB</a:t>
-            </a:r>
-            <a:r>
-              <a:rPr lang="pt-BR" i="1" dirty="0"/>
-              <a:t>. Repare que para usar o DAO não é preciso saber os detalhes do </a:t>
-            </a:r>
-            <a:r>
-              <a:rPr lang="pt-BR" i="1" dirty="0" err="1"/>
-              <a:t>store</a:t>
-            </a:r>
-            <a:r>
-              <a:rPr lang="pt-BR" i="1" dirty="0"/>
-              <a:t> ou cursor.</a:t>
-            </a:r>
-            <a:endParaRPr lang="pt-BR" b="1" dirty="0"/>
+            <a:endParaRPr lang="pt-BR" sz="2400" dirty="0"/>
+          </a:p>
+          <a:p>
+            <a:r>
+              <a:rPr lang="pt-BR" sz="2400" dirty="0"/>
+              <a:t>Instalamos o módulo </a:t>
+            </a:r>
+            <a:r>
+              <a:rPr lang="pt-BR" sz="2400" dirty="0" err="1"/>
+              <a:t>ProvidePlugin</a:t>
+            </a:r>
+            <a:r>
+              <a:rPr lang="pt-BR" sz="2400" dirty="0"/>
+              <a:t> através do comando </a:t>
+            </a:r>
+            <a:r>
+              <a:rPr lang="pt-BR" sz="2400" dirty="0" err="1"/>
+              <a:t>npm</a:t>
+            </a:r>
+            <a:r>
+              <a:rPr lang="pt-BR" sz="2400" dirty="0"/>
+              <a:t> </a:t>
+            </a:r>
+            <a:r>
+              <a:rPr lang="pt-BR" sz="2400" dirty="0" err="1"/>
+              <a:t>install</a:t>
+            </a:r>
+            <a:r>
+              <a:rPr lang="pt-BR" sz="2400" dirty="0"/>
+              <a:t> </a:t>
+            </a:r>
+            <a:r>
+              <a:rPr lang="pt-BR" sz="2400" dirty="0" err="1"/>
+              <a:t>provide-plugin</a:t>
+            </a:r>
+            <a:r>
+              <a:rPr lang="pt-BR" sz="2400" dirty="0"/>
+              <a:t> --</a:t>
+            </a:r>
+            <a:r>
+              <a:rPr lang="pt-BR" sz="2400" dirty="0" err="1"/>
+              <a:t>save</a:t>
+            </a:r>
+            <a:r>
+              <a:rPr lang="pt-BR" sz="2400" dirty="0"/>
+              <a:t>-dev. O módulo é padrão do </a:t>
+            </a:r>
+            <a:r>
+              <a:rPr lang="pt-BR" sz="2400" dirty="0" err="1"/>
+              <a:t>Webpack</a:t>
+            </a:r>
+            <a:r>
+              <a:rPr lang="pt-BR" sz="2400" dirty="0"/>
+              <a:t>, inclusive é acessado por uma instância do módulo </a:t>
+            </a:r>
+            <a:r>
+              <a:rPr lang="pt-BR" sz="2400" dirty="0" err="1"/>
+              <a:t>webpack</a:t>
+            </a:r>
+            <a:r>
+              <a:rPr lang="pt-BR" sz="2400" dirty="0" smtClean="0"/>
+              <a:t>.</a:t>
+            </a:r>
+          </a:p>
+          <a:p>
+            <a:r>
+              <a:rPr lang="pt-BR" sz="2400" dirty="0"/>
+              <a:t>Um caso clássico é a dependência </a:t>
+            </a:r>
+            <a:endParaRPr lang="pt-BR" sz="2400" dirty="0" smtClean="0"/>
+          </a:p>
+          <a:p>
+            <a:r>
+              <a:rPr lang="pt-BR" sz="2400" dirty="0" smtClean="0"/>
+              <a:t>do </a:t>
+            </a:r>
+            <a:r>
+              <a:rPr lang="pt-BR" sz="2400" dirty="0" err="1"/>
+              <a:t>jQuery</a:t>
+            </a:r>
+            <a:r>
+              <a:rPr lang="pt-BR" sz="2400" dirty="0"/>
+              <a:t> pelo script do </a:t>
+            </a:r>
+            <a:r>
+              <a:rPr lang="pt-BR" sz="2400" dirty="0" err="1"/>
+              <a:t>Bootstrap</a:t>
+            </a:r>
+            <a:r>
+              <a:rPr lang="pt-BR" sz="2400" dirty="0"/>
+              <a:t>. O script do </a:t>
+            </a:r>
+            <a:r>
+              <a:rPr lang="pt-BR" sz="2400" dirty="0" err="1"/>
+              <a:t>Bootstrap</a:t>
+            </a:r>
+            <a:r>
+              <a:rPr lang="pt-BR" sz="2400" dirty="0"/>
+              <a:t> não o importa com a instrução </a:t>
+            </a:r>
+            <a:r>
+              <a:rPr lang="pt-BR" sz="2400" dirty="0" err="1"/>
+              <a:t>import</a:t>
+            </a:r>
+            <a:r>
+              <a:rPr lang="pt-BR" sz="2400" dirty="0"/>
+              <a:t> (até porque ele não foi criado por nós), mas o procura no escopo global. Por mais que tentemos importar o </a:t>
+            </a:r>
+            <a:r>
+              <a:rPr lang="pt-BR" sz="2400" dirty="0" err="1"/>
+              <a:t>jQuery</a:t>
+            </a:r>
+            <a:r>
+              <a:rPr lang="pt-BR" sz="2400" dirty="0"/>
+              <a:t> com a instrução </a:t>
+            </a:r>
+            <a:r>
+              <a:rPr lang="pt-BR" sz="2400" dirty="0" err="1"/>
+              <a:t>import</a:t>
+            </a:r>
+            <a:r>
+              <a:rPr lang="pt-BR" sz="2400" dirty="0"/>
+              <a:t> antes do script do </a:t>
+            </a:r>
+            <a:r>
+              <a:rPr lang="pt-BR" sz="2400" dirty="0" err="1"/>
+              <a:t>Bootstrap</a:t>
+            </a:r>
+            <a:r>
+              <a:rPr lang="pt-BR" sz="2400" dirty="0"/>
+              <a:t>, o </a:t>
+            </a:r>
+            <a:r>
+              <a:rPr lang="pt-BR" sz="2400" dirty="0" err="1"/>
+              <a:t>jQuery</a:t>
+            </a:r>
+            <a:r>
+              <a:rPr lang="pt-BR" sz="2400" dirty="0"/>
+              <a:t> estará isolado em uma </a:t>
+            </a:r>
+            <a:r>
+              <a:rPr lang="pt-BR" sz="2400" dirty="0" err="1"/>
+              <a:t>closure</a:t>
+            </a:r>
+            <a:r>
+              <a:rPr lang="pt-BR" sz="2400" dirty="0"/>
+              <a:t> por ter sido tratado como um módulo e isso não permitirá que ele seja acessível por outros </a:t>
+            </a:r>
+            <a:r>
+              <a:rPr lang="pt-BR" sz="2400" dirty="0" smtClean="0"/>
+              <a:t>scripts </a:t>
+            </a:r>
+            <a:r>
+              <a:rPr lang="pt-BR" sz="2400" dirty="0"/>
+              <a:t>que dependem dele.</a:t>
+            </a:r>
+            <a:endParaRPr lang="pt-BR" sz="2400" dirty="0"/>
           </a:p>
         </p:txBody>
       </p:sp>
     </p:spTree>
     <p:extLst>
       <p:ext uri="{BB962C8B-B14F-4D97-AF65-F5344CB8AC3E}">
-        <p14:creationId xmlns:p14="http://schemas.microsoft.com/office/powerpoint/2010/main" val="884192177"/>
+        <p14:creationId xmlns:p14="http://schemas.microsoft.com/office/powerpoint/2010/main" val="3135463582"/>
       </p:ext>
     </p:extLst>
   </p:cSld>

--- a/docs/Webpack-resumo.pptx
+++ b/docs/Webpack-resumo.pptx
@@ -14,8 +14,9 @@
     <p:sldId id="286" r:id="rId8"/>
     <p:sldId id="288" r:id="rId9"/>
     <p:sldId id="289" r:id="rId10"/>
-    <p:sldId id="277" r:id="rId11"/>
-    <p:sldId id="278" r:id="rId12"/>
+    <p:sldId id="290" r:id="rId11"/>
+    <p:sldId id="277" r:id="rId12"/>
+    <p:sldId id="278" r:id="rId13"/>
   </p:sldIdLst>
   <p:sldSz cx="12192000" cy="6858000"/>
   <p:notesSz cx="6858000" cy="9144000"/>
@@ -251,7 +252,7 @@
           <a:p>
             <a:fld id="{CC58B075-67F8-4A8D-AE1C-3D3E4193EBCA}" type="datetimeFigureOut">
               <a:rPr lang="pt-BR" smtClean="0"/>
-              <a:t>07/06/2019</a:t>
+              <a:t>14/06/2019</a:t>
             </a:fld>
             <a:endParaRPr lang="pt-BR"/>
           </a:p>
@@ -419,7 +420,7 @@
           <a:p>
             <a:fld id="{CC58B075-67F8-4A8D-AE1C-3D3E4193EBCA}" type="datetimeFigureOut">
               <a:rPr lang="pt-BR" smtClean="0"/>
-              <a:t>07/06/2019</a:t>
+              <a:t>14/06/2019</a:t>
             </a:fld>
             <a:endParaRPr lang="pt-BR"/>
           </a:p>
@@ -597,7 +598,7 @@
           <a:p>
             <a:fld id="{CC58B075-67F8-4A8D-AE1C-3D3E4193EBCA}" type="datetimeFigureOut">
               <a:rPr lang="pt-BR" smtClean="0"/>
-              <a:t>07/06/2019</a:t>
+              <a:t>14/06/2019</a:t>
             </a:fld>
             <a:endParaRPr lang="pt-BR"/>
           </a:p>
@@ -765,7 +766,7 @@
           <a:p>
             <a:fld id="{CC58B075-67F8-4A8D-AE1C-3D3E4193EBCA}" type="datetimeFigureOut">
               <a:rPr lang="pt-BR" smtClean="0"/>
-              <a:t>07/06/2019</a:t>
+              <a:t>14/06/2019</a:t>
             </a:fld>
             <a:endParaRPr lang="pt-BR"/>
           </a:p>
@@ -1010,7 +1011,7 @@
           <a:p>
             <a:fld id="{CC58B075-67F8-4A8D-AE1C-3D3E4193EBCA}" type="datetimeFigureOut">
               <a:rPr lang="pt-BR" smtClean="0"/>
-              <a:t>07/06/2019</a:t>
+              <a:t>14/06/2019</a:t>
             </a:fld>
             <a:endParaRPr lang="pt-BR"/>
           </a:p>
@@ -1239,7 +1240,7 @@
           <a:p>
             <a:fld id="{CC58B075-67F8-4A8D-AE1C-3D3E4193EBCA}" type="datetimeFigureOut">
               <a:rPr lang="pt-BR" smtClean="0"/>
-              <a:t>07/06/2019</a:t>
+              <a:t>14/06/2019</a:t>
             </a:fld>
             <a:endParaRPr lang="pt-BR"/>
           </a:p>
@@ -1603,7 +1604,7 @@
           <a:p>
             <a:fld id="{CC58B075-67F8-4A8D-AE1C-3D3E4193EBCA}" type="datetimeFigureOut">
               <a:rPr lang="pt-BR" smtClean="0"/>
-              <a:t>07/06/2019</a:t>
+              <a:t>14/06/2019</a:t>
             </a:fld>
             <a:endParaRPr lang="pt-BR"/>
           </a:p>
@@ -1720,7 +1721,7 @@
           <a:p>
             <a:fld id="{CC58B075-67F8-4A8D-AE1C-3D3E4193EBCA}" type="datetimeFigureOut">
               <a:rPr lang="pt-BR" smtClean="0"/>
-              <a:t>07/06/2019</a:t>
+              <a:t>14/06/2019</a:t>
             </a:fld>
             <a:endParaRPr lang="pt-BR"/>
           </a:p>
@@ -1815,7 +1816,7 @@
           <a:p>
             <a:fld id="{CC58B075-67F8-4A8D-AE1C-3D3E4193EBCA}" type="datetimeFigureOut">
               <a:rPr lang="pt-BR" smtClean="0"/>
-              <a:t>07/06/2019</a:t>
+              <a:t>14/06/2019</a:t>
             </a:fld>
             <a:endParaRPr lang="pt-BR"/>
           </a:p>
@@ -2090,7 +2091,7 @@
           <a:p>
             <a:fld id="{CC58B075-67F8-4A8D-AE1C-3D3E4193EBCA}" type="datetimeFigureOut">
               <a:rPr lang="pt-BR" smtClean="0"/>
-              <a:t>07/06/2019</a:t>
+              <a:t>14/06/2019</a:t>
             </a:fld>
             <a:endParaRPr lang="pt-BR"/>
           </a:p>
@@ -2342,7 +2343,7 @@
           <a:p>
             <a:fld id="{CC58B075-67F8-4A8D-AE1C-3D3E4193EBCA}" type="datetimeFigureOut">
               <a:rPr lang="pt-BR" smtClean="0"/>
-              <a:t>07/06/2019</a:t>
+              <a:t>14/06/2019</a:t>
             </a:fld>
             <a:endParaRPr lang="pt-BR"/>
           </a:p>
@@ -2553,7 +2554,7 @@
           <a:p>
             <a:fld id="{CC58B075-67F8-4A8D-AE1C-3D3E4193EBCA}" type="datetimeFigureOut">
               <a:rPr lang="pt-BR" smtClean="0"/>
-              <a:t>07/06/2019</a:t>
+              <a:t>14/06/2019</a:t>
             </a:fld>
             <a:endParaRPr lang="pt-BR"/>
           </a:p>
@@ -3023,6 +3024,202 @@
             <p:ph type="title"/>
           </p:nvPr>
         </p:nvSpPr>
+        <p:spPr>
+          <a:xfrm>
+            <a:off x="759177" y="89552"/>
+            <a:ext cx="10515600" cy="549275"/>
+          </a:xfrm>
+        </p:spPr>
+        <p:txBody>
+          <a:bodyPr>
+            <a:normAutofit/>
+          </a:bodyPr>
+          <a:lstStyle/>
+          <a:p>
+            <a:pPr algn="ctr"/>
+            <a:r>
+              <a:rPr lang="pt-BR" sz="2800" b="1" dirty="0" smtClean="0"/>
+              <a:t>Gerando a página principal automaticamente</a:t>
+            </a:r>
+            <a:endParaRPr lang="pt-BR" sz="2800" b="1" dirty="0"/>
+          </a:p>
+        </p:txBody>
+      </p:sp>
+      <p:sp>
+        <p:nvSpPr>
+          <p:cNvPr id="7" name="Espaço Reservado para Conteúdo 6">
+            <a:extLst>
+              <a:ext uri="{FF2B5EF4-FFF2-40B4-BE49-F238E27FC236}">
+                <a16:creationId xmlns:a16="http://schemas.microsoft.com/office/drawing/2014/main" id="{CBDD146F-E87E-0140-B521-E123E7DC95E8}"/>
+              </a:ext>
+            </a:extLst>
+          </p:cNvPr>
+          <p:cNvSpPr>
+            <a:spLocks noGrp="1"/>
+          </p:cNvSpPr>
+          <p:nvPr>
+            <p:ph idx="1"/>
+          </p:nvPr>
+        </p:nvSpPr>
+        <p:spPr>
+          <a:xfrm>
+            <a:off x="484648" y="941366"/>
+            <a:ext cx="10790129" cy="5375297"/>
+          </a:xfrm>
+        </p:spPr>
+        <p:txBody>
+          <a:bodyPr>
+            <a:normAutofit/>
+          </a:bodyPr>
+          <a:lstStyle/>
+          <a:p>
+            <a:r>
+              <a:rPr lang="pt-BR" sz="2000" dirty="0" smtClean="0"/>
+              <a:t>Utilizar o </a:t>
+            </a:r>
+            <a:r>
+              <a:rPr lang="pt-BR" sz="2000" dirty="0" err="1" smtClean="0"/>
+              <a:t>plugin</a:t>
+            </a:r>
+            <a:r>
+              <a:rPr lang="pt-BR" sz="2000" dirty="0" smtClean="0"/>
+              <a:t> </a:t>
+            </a:r>
+            <a:r>
+              <a:rPr lang="pt-BR" sz="2000" b="1" dirty="0" err="1" smtClean="0"/>
+              <a:t>html-webpack-plugin</a:t>
+            </a:r>
+            <a:endParaRPr lang="pt-BR" sz="2000" b="1" dirty="0" smtClean="0"/>
+          </a:p>
+          <a:p>
+            <a:endParaRPr lang="pt-BR" sz="2000" b="1" dirty="0" smtClean="0"/>
+          </a:p>
+          <a:p>
+            <a:r>
+              <a:rPr lang="pt-BR" sz="2000" dirty="0" smtClean="0"/>
+              <a:t>Para evitarmos </a:t>
+            </a:r>
+            <a:r>
+              <a:rPr lang="pt-BR" sz="2000" dirty="0"/>
+              <a:t>o problema de fazer múltiplas requisições para fazermos o download de vários arquivos. Mas, agora, gastamos um bom tempo para baixar o bundle.js e para só então, ele será processado pela aplicação.</a:t>
+            </a:r>
+          </a:p>
+          <a:p>
+            <a:endParaRPr lang="pt-BR" sz="2000" dirty="0"/>
+          </a:p>
+          <a:p>
+            <a:r>
+              <a:rPr lang="pt-BR" sz="2000" dirty="0"/>
+              <a:t>Um estratégia utilizada para a resolução de problemas como esse é o </a:t>
+            </a:r>
+            <a:r>
+              <a:rPr lang="pt-BR" sz="2000" b="1" dirty="0" err="1" smtClean="0"/>
+              <a:t>code</a:t>
+            </a:r>
+            <a:r>
+              <a:rPr lang="pt-BR" sz="2000" b="1" dirty="0" smtClean="0"/>
+              <a:t> </a:t>
+            </a:r>
+            <a:r>
+              <a:rPr lang="pt-BR" sz="2000" b="1" dirty="0" err="1" smtClean="0"/>
+              <a:t>splitting</a:t>
+            </a:r>
+            <a:r>
+              <a:rPr lang="pt-BR" sz="2000" b="1" dirty="0" smtClean="0"/>
+              <a:t> </a:t>
+            </a:r>
+            <a:r>
+              <a:rPr lang="pt-BR" sz="2000" dirty="0" smtClean="0"/>
+              <a:t>(</a:t>
+            </a:r>
+            <a:r>
+              <a:rPr lang="pt-BR" sz="2000" dirty="0"/>
+              <a:t>separação de código) e o </a:t>
+            </a:r>
+            <a:r>
+              <a:rPr lang="pt-BR" sz="2000" b="1" dirty="0" err="1"/>
+              <a:t>lazy</a:t>
+            </a:r>
+            <a:r>
+              <a:rPr lang="pt-BR" sz="2000" b="1" dirty="0"/>
+              <a:t> </a:t>
+            </a:r>
+            <a:r>
+              <a:rPr lang="pt-BR" sz="2000" b="1" dirty="0" err="1"/>
+              <a:t>loading</a:t>
+            </a:r>
+            <a:r>
+              <a:rPr lang="pt-BR" sz="2000" b="1" dirty="0"/>
+              <a:t> </a:t>
+            </a:r>
+            <a:r>
+              <a:rPr lang="pt-BR" sz="2000" dirty="0"/>
+              <a:t>(carregamento preguiçoso). Em aplicação como </a:t>
+            </a:r>
+            <a:r>
+              <a:rPr lang="pt-BR" sz="2000" dirty="0" err="1" smtClean="0"/>
+              <a:t>AngularJS</a:t>
+            </a:r>
+            <a:r>
+              <a:rPr lang="pt-BR" sz="2000" dirty="0" smtClean="0"/>
+              <a:t> </a:t>
+            </a:r>
+            <a:r>
+              <a:rPr lang="pt-BR" sz="2000" dirty="0"/>
+              <a:t>ou </a:t>
+            </a:r>
+            <a:r>
+              <a:rPr lang="pt-BR" sz="2000" dirty="0" err="1"/>
+              <a:t>VueJS</a:t>
+            </a:r>
+            <a:r>
+              <a:rPr lang="pt-BR" sz="2000" dirty="0"/>
+              <a:t>, em seus sistemas de rotas, podemos informar que queremos carregar um módulo no momento em que for necessário. </a:t>
+            </a:r>
+            <a:endParaRPr lang="pt-BR" sz="2000" dirty="0"/>
+          </a:p>
+        </p:txBody>
+      </p:sp>
+    </p:spTree>
+    <p:extLst>
+      <p:ext uri="{BB962C8B-B14F-4D97-AF65-F5344CB8AC3E}">
+        <p14:creationId xmlns:p14="http://schemas.microsoft.com/office/powerpoint/2010/main" val="3262670947"/>
+      </p:ext>
+    </p:extLst>
+  </p:cSld>
+  <p:clrMapOvr>
+    <a:masterClrMapping/>
+  </p:clrMapOvr>
+</p:sld>
+</file>
+
+<file path=ppt/slides/slide11.xml><?xml version="1.0" encoding="utf-8"?>
+<p:sld xmlns:a="http://schemas.openxmlformats.org/drawingml/2006/main" xmlns:r="http://schemas.openxmlformats.org/officeDocument/2006/relationships" xmlns:p="http://schemas.openxmlformats.org/presentationml/2006/main">
+  <p:cSld>
+    <p:spTree>
+      <p:nvGrpSpPr>
+        <p:cNvPr id="1" name=""/>
+        <p:cNvGrpSpPr/>
+        <p:nvPr/>
+      </p:nvGrpSpPr>
+      <p:grpSpPr>
+        <a:xfrm>
+          <a:off x="0" y="0"/>
+          <a:ext cx="0" cy="0"/>
+          <a:chOff x="0" y="0"/>
+          <a:chExt cx="0" cy="0"/>
+        </a:xfrm>
+      </p:grpSpPr>
+      <p:sp>
+        <p:nvSpPr>
+          <p:cNvPr id="2" name="Título 1"/>
+          <p:cNvSpPr>
+            <a:spLocks noGrp="1"/>
+          </p:cNvSpPr>
+          <p:nvPr>
+            <p:ph type="title"/>
+          </p:nvPr>
+        </p:nvSpPr>
         <p:spPr/>
         <p:txBody>
           <a:bodyPr/>
@@ -3064,7 +3261,7 @@
 </p:sld>
 </file>
 
-<file path=ppt/slides/slide11.xml><?xml version="1.0" encoding="utf-8"?>
+<file path=ppt/slides/slide12.xml><?xml version="1.0" encoding="utf-8"?>
 <p:sld xmlns:a="http://schemas.openxmlformats.org/drawingml/2006/main" xmlns:r="http://schemas.openxmlformats.org/officeDocument/2006/relationships" xmlns:p="http://schemas.openxmlformats.org/presentationml/2006/main">
   <p:cSld>
     <p:spTree>
@@ -5347,11 +5544,7 @@
             <a:pPr algn="ctr"/>
             <a:r>
               <a:rPr lang="pt-BR" sz="2800" b="1" dirty="0" smtClean="0"/>
-              <a:t>Manipulando </a:t>
-            </a:r>
-            <a:r>
-              <a:rPr lang="pt-BR" sz="2800" b="1" dirty="0" smtClean="0"/>
-              <a:t>módulos JS</a:t>
+              <a:t>Manipulando módulos JS</a:t>
             </a:r>
             <a:endParaRPr lang="pt-BR" sz="2800" b="1" dirty="0"/>
           </a:p>
@@ -5556,7 +5749,6 @@
               <a:rPr lang="pt-BR" sz="2400" dirty="0"/>
               <a:t> que não permite que escape para o escopo global.</a:t>
             </a:r>
-            <a:endParaRPr lang="pt-BR" sz="2400" dirty="0"/>
           </a:p>
         </p:txBody>
       </p:sp>
@@ -5615,11 +5807,7 @@
             <a:pPr algn="ctr"/>
             <a:r>
               <a:rPr lang="pt-BR" sz="2800" b="1" dirty="0" smtClean="0"/>
-              <a:t>Manipulando </a:t>
-            </a:r>
-            <a:r>
-              <a:rPr lang="pt-BR" sz="2800" b="1" dirty="0" smtClean="0"/>
-              <a:t>módulos JS</a:t>
+              <a:t>Manipulando módulos JS</a:t>
             </a:r>
             <a:endParaRPr lang="pt-BR" sz="2800" b="1" dirty="0"/>
           </a:p>
@@ -5823,7 +6011,6 @@
               <a:rPr lang="pt-BR" sz="2400" dirty="0"/>
               <a:t>que dependem dele.</a:t>
             </a:r>
-            <a:endParaRPr lang="pt-BR" sz="2400" dirty="0"/>
           </a:p>
         </p:txBody>
       </p:sp>

--- a/docs/Webpack-resumo.pptx
+++ b/docs/Webpack-resumo.pptx
@@ -17,6 +17,8 @@
     <p:sldId id="290" r:id="rId11"/>
     <p:sldId id="277" r:id="rId12"/>
     <p:sldId id="278" r:id="rId13"/>
+    <p:sldId id="293" r:id="rId14"/>
+    <p:sldId id="291" r:id="rId15"/>
   </p:sldIdLst>
   <p:sldSz cx="12192000" cy="6858000"/>
   <p:notesSz cx="6858000" cy="9144000"/>
@@ -252,7 +254,7 @@
           <a:p>
             <a:fld id="{CC58B075-67F8-4A8D-AE1C-3D3E4193EBCA}" type="datetimeFigureOut">
               <a:rPr lang="pt-BR" smtClean="0"/>
-              <a:t>14/06/2019</a:t>
+              <a:t>16/06/19</a:t>
             </a:fld>
             <a:endParaRPr lang="pt-BR"/>
           </a:p>
@@ -420,7 +422,7 @@
           <a:p>
             <a:fld id="{CC58B075-67F8-4A8D-AE1C-3D3E4193EBCA}" type="datetimeFigureOut">
               <a:rPr lang="pt-BR" smtClean="0"/>
-              <a:t>14/06/2019</a:t>
+              <a:t>16/06/19</a:t>
             </a:fld>
             <a:endParaRPr lang="pt-BR"/>
           </a:p>
@@ -598,7 +600,7 @@
           <a:p>
             <a:fld id="{CC58B075-67F8-4A8D-AE1C-3D3E4193EBCA}" type="datetimeFigureOut">
               <a:rPr lang="pt-BR" smtClean="0"/>
-              <a:t>14/06/2019</a:t>
+              <a:t>16/06/19</a:t>
             </a:fld>
             <a:endParaRPr lang="pt-BR"/>
           </a:p>
@@ -766,7 +768,7 @@
           <a:p>
             <a:fld id="{CC58B075-67F8-4A8D-AE1C-3D3E4193EBCA}" type="datetimeFigureOut">
               <a:rPr lang="pt-BR" smtClean="0"/>
-              <a:t>14/06/2019</a:t>
+              <a:t>16/06/19</a:t>
             </a:fld>
             <a:endParaRPr lang="pt-BR"/>
           </a:p>
@@ -1011,7 +1013,7 @@
           <a:p>
             <a:fld id="{CC58B075-67F8-4A8D-AE1C-3D3E4193EBCA}" type="datetimeFigureOut">
               <a:rPr lang="pt-BR" smtClean="0"/>
-              <a:t>14/06/2019</a:t>
+              <a:t>16/06/19</a:t>
             </a:fld>
             <a:endParaRPr lang="pt-BR"/>
           </a:p>
@@ -1240,7 +1242,7 @@
           <a:p>
             <a:fld id="{CC58B075-67F8-4A8D-AE1C-3D3E4193EBCA}" type="datetimeFigureOut">
               <a:rPr lang="pt-BR" smtClean="0"/>
-              <a:t>14/06/2019</a:t>
+              <a:t>16/06/19</a:t>
             </a:fld>
             <a:endParaRPr lang="pt-BR"/>
           </a:p>
@@ -1604,7 +1606,7 @@
           <a:p>
             <a:fld id="{CC58B075-67F8-4A8D-AE1C-3D3E4193EBCA}" type="datetimeFigureOut">
               <a:rPr lang="pt-BR" smtClean="0"/>
-              <a:t>14/06/2019</a:t>
+              <a:t>16/06/19</a:t>
             </a:fld>
             <a:endParaRPr lang="pt-BR"/>
           </a:p>
@@ -1721,7 +1723,7 @@
           <a:p>
             <a:fld id="{CC58B075-67F8-4A8D-AE1C-3D3E4193EBCA}" type="datetimeFigureOut">
               <a:rPr lang="pt-BR" smtClean="0"/>
-              <a:t>14/06/2019</a:t>
+              <a:t>16/06/19</a:t>
             </a:fld>
             <a:endParaRPr lang="pt-BR"/>
           </a:p>
@@ -1816,7 +1818,7 @@
           <a:p>
             <a:fld id="{CC58B075-67F8-4A8D-AE1C-3D3E4193EBCA}" type="datetimeFigureOut">
               <a:rPr lang="pt-BR" smtClean="0"/>
-              <a:t>14/06/2019</a:t>
+              <a:t>16/06/19</a:t>
             </a:fld>
             <a:endParaRPr lang="pt-BR"/>
           </a:p>
@@ -2091,7 +2093,7 @@
           <a:p>
             <a:fld id="{CC58B075-67F8-4A8D-AE1C-3D3E4193EBCA}" type="datetimeFigureOut">
               <a:rPr lang="pt-BR" smtClean="0"/>
-              <a:t>14/06/2019</a:t>
+              <a:t>16/06/19</a:t>
             </a:fld>
             <a:endParaRPr lang="pt-BR"/>
           </a:p>
@@ -2343,7 +2345,7 @@
           <a:p>
             <a:fld id="{CC58B075-67F8-4A8D-AE1C-3D3E4193EBCA}" type="datetimeFigureOut">
               <a:rPr lang="pt-BR" smtClean="0"/>
-              <a:t>14/06/2019</a:t>
+              <a:t>16/06/19</a:t>
             </a:fld>
             <a:endParaRPr lang="pt-BR"/>
           </a:p>
@@ -2554,7 +2556,7 @@
           <a:p>
             <a:fld id="{CC58B075-67F8-4A8D-AE1C-3D3E4193EBCA}" type="datetimeFigureOut">
               <a:rPr lang="pt-BR" smtClean="0"/>
-              <a:t>14/06/2019</a:t>
+              <a:t>16/06/19</a:t>
             </a:fld>
             <a:endParaRPr lang="pt-BR"/>
           </a:p>
@@ -2977,7 +2979,7 @@
           <a:lstStyle/>
           <a:p>
             <a:r>
-              <a:rPr lang="pt-BR" sz="3600" dirty="0" err="1" smtClean="0"/>
+              <a:rPr lang="pt-BR" sz="3600" dirty="0" err="1"/>
               <a:t>Webpack</a:t>
             </a:r>
             <a:endParaRPr lang="pt-BR" sz="3600" dirty="0"/>
@@ -3038,10 +3040,9 @@
           <a:p>
             <a:pPr algn="ctr"/>
             <a:r>
-              <a:rPr lang="pt-BR" sz="2800" b="1" dirty="0" smtClean="0"/>
+              <a:rPr lang="pt-BR" sz="2800" b="1" dirty="0"/>
               <a:t>Gerando a página principal automaticamente</a:t>
             </a:r>
-            <a:endParaRPr lang="pt-BR" sz="2800" b="1" dirty="0"/>
           </a:p>
         </p:txBody>
       </p:sp>
@@ -3074,34 +3075,30 @@
           <a:lstStyle/>
           <a:p>
             <a:r>
-              <a:rPr lang="pt-BR" sz="2000" dirty="0" smtClean="0"/>
+              <a:rPr lang="pt-BR" sz="2000" dirty="0"/>
               <a:t>Utilizar o </a:t>
             </a:r>
             <a:r>
-              <a:rPr lang="pt-BR" sz="2000" dirty="0" err="1" smtClean="0"/>
+              <a:rPr lang="pt-BR" sz="2000" dirty="0" err="1"/>
               <a:t>plugin</a:t>
             </a:r>
             <a:r>
-              <a:rPr lang="pt-BR" sz="2000" dirty="0" smtClean="0"/>
+              <a:rPr lang="pt-BR" sz="2000" dirty="0"/>
               <a:t> </a:t>
             </a:r>
             <a:r>
-              <a:rPr lang="pt-BR" sz="2000" b="1" dirty="0" err="1" smtClean="0"/>
+              <a:rPr lang="pt-BR" sz="2000" b="1" dirty="0" err="1"/>
               <a:t>html-webpack-plugin</a:t>
             </a:r>
-            <a:endParaRPr lang="pt-BR" sz="2000" b="1" dirty="0" smtClean="0"/>
-          </a:p>
-          <a:p>
-            <a:endParaRPr lang="pt-BR" sz="2000" b="1" dirty="0" smtClean="0"/>
-          </a:p>
-          <a:p>
-            <a:r>
-              <a:rPr lang="pt-BR" sz="2000" dirty="0" smtClean="0"/>
-              <a:t>Para evitarmos </a:t>
-            </a:r>
+            <a:endParaRPr lang="pt-BR" sz="2000" b="1" dirty="0"/>
+          </a:p>
+          <a:p>
+            <a:endParaRPr lang="pt-BR" sz="2000" b="1" dirty="0"/>
+          </a:p>
+          <a:p>
             <a:r>
               <a:rPr lang="pt-BR" sz="2000" dirty="0"/>
-              <a:t>o problema de fazer múltiplas requisições para fazermos o download de vários arquivos. Mas, agora, gastamos um bom tempo para baixar o bundle.js e para só então, ele será processado pela aplicação.</a:t>
+              <a:t>Para evitarmos o problema de fazer múltiplas requisições para fazermos o download de vários arquivos. Mas, agora, gastamos um bom tempo para baixar o bundle.js e para só então, ele será processado pela aplicação.</a:t>
             </a:r>
           </a:p>
           <a:p>
@@ -3113,28 +3110,24 @@
               <a:t>Um estratégia utilizada para a resolução de problemas como esse é o </a:t>
             </a:r>
             <a:r>
-              <a:rPr lang="pt-BR" sz="2000" b="1" dirty="0" err="1" smtClean="0"/>
+              <a:rPr lang="pt-BR" sz="2000" b="1" dirty="0" err="1"/>
               <a:t>code</a:t>
             </a:r>
             <a:r>
-              <a:rPr lang="pt-BR" sz="2000" b="1" dirty="0" smtClean="0"/>
+              <a:rPr lang="pt-BR" sz="2000" b="1" dirty="0"/>
               <a:t> </a:t>
             </a:r>
             <a:r>
-              <a:rPr lang="pt-BR" sz="2000" b="1" dirty="0" err="1" smtClean="0"/>
+              <a:rPr lang="pt-BR" sz="2000" b="1" dirty="0" err="1"/>
               <a:t>splitting</a:t>
             </a:r>
             <a:r>
-              <a:rPr lang="pt-BR" sz="2000" b="1" dirty="0" smtClean="0"/>
+              <a:rPr lang="pt-BR" sz="2000" b="1" dirty="0"/>
               <a:t> </a:t>
             </a:r>
             <a:r>
-              <a:rPr lang="pt-BR" sz="2000" dirty="0" smtClean="0"/>
-              <a:t>(</a:t>
-            </a:r>
-            <a:r>
               <a:rPr lang="pt-BR" sz="2000" dirty="0"/>
-              <a:t>separação de código) e o </a:t>
+              <a:t>(separação de código) e o </a:t>
             </a:r>
             <a:r>
               <a:rPr lang="pt-BR" sz="2000" b="1" dirty="0" err="1"/>
@@ -3157,16 +3150,12 @@
               <a:t>(carregamento preguiçoso). Em aplicação como </a:t>
             </a:r>
             <a:r>
-              <a:rPr lang="pt-BR" sz="2000" dirty="0" err="1" smtClean="0"/>
+              <a:rPr lang="pt-BR" sz="2000" dirty="0" err="1"/>
               <a:t>AngularJS</a:t>
             </a:r>
             <a:r>
-              <a:rPr lang="pt-BR" sz="2000" dirty="0" smtClean="0"/>
-              <a:t> </a:t>
-            </a:r>
-            <a:r>
               <a:rPr lang="pt-BR" sz="2000" dirty="0"/>
-              <a:t>ou </a:t>
+              <a:t> ou </a:t>
             </a:r>
             <a:r>
               <a:rPr lang="pt-BR" sz="2000" dirty="0" err="1"/>
@@ -3176,7 +3165,6 @@
               <a:rPr lang="pt-BR" sz="2000" dirty="0"/>
               <a:t>, em seus sistemas de rotas, podemos informar que queremos carregar um módulo no momento em que for necessário. </a:t>
             </a:r>
-            <a:endParaRPr lang="pt-BR" sz="2000" dirty="0"/>
           </a:p>
         </p:txBody>
       </p:sp>
@@ -3220,12 +3208,48 @@
             <p:ph type="title"/>
           </p:nvPr>
         </p:nvSpPr>
-        <p:spPr/>
-        <p:txBody>
-          <a:bodyPr/>
-          <a:lstStyle/>
-          <a:p>
-            <a:endParaRPr lang="pt-BR"/>
+        <p:spPr>
+          <a:xfrm>
+            <a:off x="838200" y="149225"/>
+            <a:ext cx="10515600" cy="854075"/>
+          </a:xfrm>
+        </p:spPr>
+        <p:txBody>
+          <a:bodyPr>
+            <a:normAutofit/>
+          </a:bodyPr>
+          <a:lstStyle/>
+          <a:p>
+            <a:pPr algn="ctr"/>
+            <a:r>
+              <a:rPr lang="pt-BR" sz="3600" b="1" dirty="0" err="1"/>
+              <a:t>Code</a:t>
+            </a:r>
+            <a:r>
+              <a:rPr lang="pt-BR" sz="3600" b="1" dirty="0"/>
+              <a:t> </a:t>
+            </a:r>
+            <a:r>
+              <a:rPr lang="pt-BR" sz="3600" b="1" dirty="0" err="1"/>
+              <a:t>spliting</a:t>
+            </a:r>
+            <a:r>
+              <a:rPr lang="pt-BR" sz="3600" b="1" dirty="0"/>
+              <a:t> e </a:t>
+            </a:r>
+            <a:r>
+              <a:rPr lang="pt-BR" sz="3600" b="1" dirty="0" err="1"/>
+              <a:t>Lazy</a:t>
+            </a:r>
+            <a:r>
+              <a:rPr lang="pt-BR" sz="3600" b="1" dirty="0"/>
+              <a:t> </a:t>
+            </a:r>
+            <a:r>
+              <a:rPr lang="pt-BR" sz="3600" b="1" dirty="0" err="1"/>
+              <a:t>loading</a:t>
+            </a:r>
+            <a:endParaRPr lang="pt-BR" sz="3600" b="1" dirty="0"/>
           </a:p>
         </p:txBody>
       </p:sp>
@@ -3239,12 +3263,136 @@
             <p:ph idx="1"/>
           </p:nvPr>
         </p:nvSpPr>
-        <p:spPr/>
-        <p:txBody>
-          <a:bodyPr/>
-          <a:lstStyle/>
-          <a:p>
-            <a:endParaRPr lang="pt-BR"/>
+        <p:spPr>
+          <a:xfrm>
+            <a:off x="508000" y="1216024"/>
+            <a:ext cx="11252200" cy="5057775"/>
+          </a:xfrm>
+        </p:spPr>
+        <p:txBody>
+          <a:bodyPr>
+            <a:normAutofit fontScale="92500" lnSpcReduction="20000"/>
+          </a:bodyPr>
+          <a:lstStyle/>
+          <a:p>
+            <a:pPr marL="0" indent="0">
+              <a:buNone/>
+            </a:pPr>
+            <a:r>
+              <a:rPr lang="pt-BR" dirty="0"/>
+              <a:t>Podemos usar </a:t>
+            </a:r>
+            <a:r>
+              <a:rPr lang="pt-BR" dirty="0" err="1"/>
+              <a:t>System.import</a:t>
+            </a:r>
+            <a:r>
+              <a:rPr lang="pt-BR" dirty="0"/>
+              <a:t> ou import. A último forma é que se tornará vigente e que se coaduna com a </a:t>
+            </a:r>
+            <a:r>
+              <a:rPr lang="pt-BR" dirty="0" err="1"/>
+              <a:t>spec</a:t>
+            </a:r>
+            <a:r>
+              <a:rPr lang="pt-BR" dirty="0"/>
+              <a:t> </a:t>
+            </a:r>
+            <a:r>
+              <a:rPr lang="pt-BR" dirty="0" err="1"/>
+              <a:t>import</a:t>
+            </a:r>
+            <a:r>
+              <a:rPr lang="pt-BR" dirty="0"/>
+              <a:t> do ECMASCRIPT.</a:t>
+            </a:r>
+          </a:p>
+          <a:p>
+            <a:pPr marL="0" indent="0">
+              <a:buNone/>
+            </a:pPr>
+            <a:endParaRPr lang="pt-BR" dirty="0"/>
+          </a:p>
+          <a:p>
+            <a:pPr marL="0" indent="0">
+              <a:buNone/>
+            </a:pPr>
+            <a:r>
+              <a:rPr lang="pt-BR" dirty="0"/>
+              <a:t>Correto. Podemos usar as duas formas. </a:t>
+            </a:r>
+            <a:r>
+              <a:rPr lang="pt-BR" dirty="0" err="1"/>
+              <a:t>Webpack</a:t>
+            </a:r>
+            <a:r>
+              <a:rPr lang="pt-BR" dirty="0"/>
+              <a:t> mantém </a:t>
+            </a:r>
+            <a:r>
+              <a:rPr lang="pt-BR" dirty="0" err="1"/>
+              <a:t>System.import</a:t>
+            </a:r>
+            <a:r>
+              <a:rPr lang="pt-BR" dirty="0"/>
+              <a:t> para não quebrar código legado. Todavia, se usamos Babel, precisamos instalar um </a:t>
+            </a:r>
+            <a:r>
+              <a:rPr lang="pt-BR" dirty="0" err="1"/>
+              <a:t>plugin</a:t>
+            </a:r>
+            <a:r>
+              <a:rPr lang="pt-BR" dirty="0"/>
+              <a:t> que ensine para Babel que a sintaxe </a:t>
+            </a:r>
+            <a:r>
+              <a:rPr lang="pt-BR" dirty="0" err="1"/>
+              <a:t>import</a:t>
+            </a:r>
+            <a:r>
+              <a:rPr lang="pt-BR" dirty="0"/>
+              <a:t> é uma sintaxe válida.</a:t>
+            </a:r>
+          </a:p>
+          <a:p>
+            <a:endParaRPr lang="pt-BR" dirty="0"/>
+          </a:p>
+          <a:p>
+            <a:pPr marL="0" indent="0">
+              <a:buNone/>
+            </a:pPr>
+            <a:r>
+              <a:rPr lang="pt-BR" dirty="0"/>
+              <a:t>Basta usarmos </a:t>
+            </a:r>
+            <a:r>
+              <a:rPr lang="pt-BR" dirty="0" err="1"/>
+              <a:t>System.import</a:t>
+            </a:r>
+            <a:r>
+              <a:rPr lang="pt-BR" dirty="0"/>
+              <a:t> para carregarmos dinamicamente módulos em nosso aplicação no lugar da instrução import. O módulo não deve ser importado estaticamente em nenhum outro ponto da aplicação.</a:t>
+            </a:r>
+          </a:p>
+          <a:p>
+            <a:endParaRPr lang="pt-BR" dirty="0"/>
+          </a:p>
+          <a:p>
+            <a:pPr marL="0" indent="0">
+              <a:buNone/>
+            </a:pPr>
+            <a:r>
+              <a:rPr lang="pt-BR" dirty="0"/>
+              <a:t> É importante que o módulo carregado sob demanda não esteja estaticamente importado em nenhum outro ponto da aplicação, caso contrário ele fará parte do </a:t>
+            </a:r>
+            <a:r>
+              <a:rPr lang="pt-BR" dirty="0" err="1"/>
+              <a:t>bundle</a:t>
+            </a:r>
+            <a:r>
+              <a:rPr lang="pt-BR" dirty="0"/>
+              <a:t>.</a:t>
+            </a:r>
           </a:p>
         </p:txBody>
       </p:sp>
@@ -3293,7 +3441,10 @@
           <a:bodyPr/>
           <a:lstStyle/>
           <a:p>
-            <a:endParaRPr lang="pt-BR"/>
+            <a:r>
+              <a:rPr lang="pt-BR" dirty="0"/>
+              <a:t>Observação : </a:t>
+            </a:r>
           </a:p>
         </p:txBody>
       </p:sp>
@@ -3312,7 +3463,10 @@
           <a:bodyPr/>
           <a:lstStyle/>
           <a:p>
-            <a:endParaRPr lang="pt-BR"/>
+            <a:r>
+              <a:rPr lang="pt-BR" dirty="0"/>
+              <a:t>Sempre lembrar de deixar na pasta “server” SEMPRE o Servidor rodando em localhost:3000. Para que as importações e as chamadas REST funcionem</a:t>
+            </a:r>
           </a:p>
         </p:txBody>
       </p:sp>
@@ -3320,6 +3474,275 @@
     <p:extLst>
       <p:ext uri="{BB962C8B-B14F-4D97-AF65-F5344CB8AC3E}">
         <p14:creationId xmlns:p14="http://schemas.microsoft.com/office/powerpoint/2010/main" val="1965684712"/>
+      </p:ext>
+    </p:extLst>
+  </p:cSld>
+  <p:clrMapOvr>
+    <a:masterClrMapping/>
+  </p:clrMapOvr>
+</p:sld>
+</file>
+
+<file path=ppt/slides/slide13.xml><?xml version="1.0" encoding="utf-8"?>
+<p:sld xmlns:a="http://schemas.openxmlformats.org/drawingml/2006/main" xmlns:r="http://schemas.openxmlformats.org/officeDocument/2006/relationships" xmlns:p="http://schemas.openxmlformats.org/presentationml/2006/main">
+  <p:cSld>
+    <p:spTree>
+      <p:nvGrpSpPr>
+        <p:cNvPr id="1" name=""/>
+        <p:cNvGrpSpPr/>
+        <p:nvPr/>
+      </p:nvGrpSpPr>
+      <p:grpSpPr>
+        <a:xfrm>
+          <a:off x="0" y="0"/>
+          <a:ext cx="0" cy="0"/>
+          <a:chOff x="0" y="0"/>
+          <a:chExt cx="0" cy="0"/>
+        </a:xfrm>
+      </p:grpSpPr>
+      <p:sp>
+        <p:nvSpPr>
+          <p:cNvPr id="2" name="Título 1"/>
+          <p:cNvSpPr>
+            <a:spLocks noGrp="1"/>
+          </p:cNvSpPr>
+          <p:nvPr>
+            <p:ph type="title"/>
+          </p:nvPr>
+        </p:nvSpPr>
+        <p:spPr/>
+        <p:txBody>
+          <a:bodyPr/>
+          <a:lstStyle/>
+          <a:p>
+            <a:r>
+              <a:rPr lang="pt-BR" dirty="0"/>
+              <a:t>Resumo do capítulo</a:t>
+            </a:r>
+          </a:p>
+        </p:txBody>
+      </p:sp>
+      <p:sp>
+        <p:nvSpPr>
+          <p:cNvPr id="3" name="Espaço Reservado para Conteúdo 2"/>
+          <p:cNvSpPr>
+            <a:spLocks noGrp="1"/>
+          </p:cNvSpPr>
+          <p:nvPr>
+            <p:ph idx="1"/>
+          </p:nvPr>
+        </p:nvSpPr>
+        <p:spPr/>
+        <p:txBody>
+          <a:bodyPr>
+            <a:normAutofit fontScale="92500"/>
+          </a:bodyPr>
+          <a:lstStyle/>
+          <a:p>
+            <a:r>
+              <a:rPr lang="pt-BR" dirty="0"/>
+              <a:t>Otimização com </a:t>
+            </a:r>
+            <a:r>
+              <a:rPr lang="pt-BR" dirty="0" err="1"/>
+              <a:t>scope</a:t>
+            </a:r>
+            <a:r>
+              <a:rPr lang="pt-BR" dirty="0"/>
+              <a:t> </a:t>
+            </a:r>
+            <a:r>
+              <a:rPr lang="pt-BR" dirty="0" err="1"/>
+              <a:t>hoisting</a:t>
+            </a:r>
+            <a:endParaRPr lang="pt-BR" dirty="0"/>
+          </a:p>
+          <a:p>
+            <a:r>
+              <a:rPr lang="pt-BR" dirty="0"/>
+              <a:t>Separação do nosso código das bibliotecas com o </a:t>
+            </a:r>
+            <a:r>
+              <a:rPr lang="pt-BR" dirty="0" err="1"/>
+              <a:t>CommonsChunkPlugin</a:t>
+            </a:r>
+            <a:endParaRPr lang="pt-BR" dirty="0"/>
+          </a:p>
+          <a:p>
+            <a:r>
+              <a:rPr lang="pt-BR" dirty="0"/>
+              <a:t>Geração de </a:t>
+            </a:r>
+            <a:r>
+              <a:rPr lang="pt-BR" dirty="0" err="1"/>
+              <a:t>index.html</a:t>
+            </a:r>
+            <a:r>
+              <a:rPr lang="pt-BR" dirty="0"/>
+              <a:t> automaticamente com todos os artefatos produzidos pelo </a:t>
+            </a:r>
+            <a:r>
+              <a:rPr lang="pt-BR" dirty="0" err="1"/>
+              <a:t>Webpack</a:t>
+            </a:r>
+            <a:r>
+              <a:rPr lang="pt-BR" dirty="0"/>
+              <a:t> já importados.</a:t>
+            </a:r>
+          </a:p>
+          <a:p>
+            <a:r>
+              <a:rPr lang="pt-BR" dirty="0" err="1"/>
+              <a:t>Code</a:t>
+            </a:r>
+            <a:r>
+              <a:rPr lang="pt-BR" dirty="0"/>
+              <a:t> </a:t>
+            </a:r>
+            <a:r>
+              <a:rPr lang="pt-BR" dirty="0" err="1"/>
+              <a:t>splitting</a:t>
+            </a:r>
+            <a:r>
+              <a:rPr lang="pt-BR" dirty="0"/>
+              <a:t> e </a:t>
+            </a:r>
+            <a:r>
+              <a:rPr lang="pt-BR" dirty="0" err="1"/>
+              <a:t>Lazy</a:t>
+            </a:r>
+            <a:r>
+              <a:rPr lang="pt-BR" dirty="0"/>
+              <a:t> </a:t>
+            </a:r>
+            <a:r>
+              <a:rPr lang="pt-BR" dirty="0" err="1"/>
+              <a:t>loading</a:t>
+            </a:r>
+            <a:r>
+              <a:rPr lang="pt-BR" dirty="0"/>
+              <a:t>.</a:t>
+            </a:r>
+          </a:p>
+          <a:p>
+            <a:r>
+              <a:rPr lang="pt-BR" dirty="0"/>
+              <a:t>Sobre utilizar </a:t>
+            </a:r>
+            <a:r>
+              <a:rPr lang="pt-BR" dirty="0" err="1"/>
+              <a:t>System.import</a:t>
+            </a:r>
+            <a:r>
+              <a:rPr lang="pt-BR" dirty="0"/>
+              <a:t>() ou </a:t>
+            </a:r>
+            <a:r>
+              <a:rPr lang="pt-BR" dirty="0" err="1"/>
+              <a:t>import</a:t>
+            </a:r>
+            <a:r>
+              <a:rPr lang="pt-BR" dirty="0"/>
+              <a:t> no carregamento de módulos.</a:t>
+            </a:r>
+          </a:p>
+          <a:p>
+            <a:r>
+              <a:rPr lang="pt-BR" dirty="0"/>
+              <a:t>Onde ficam os arquivos para distribuição do projeto</a:t>
+            </a:r>
+          </a:p>
+          <a:p>
+            <a:r>
+              <a:rPr lang="pt-BR" dirty="0"/>
+              <a:t>Como alterar o endereço da API no build de produção com o </a:t>
+            </a:r>
+            <a:r>
+              <a:rPr lang="pt-BR" dirty="0" err="1"/>
+              <a:t>DefinePlugin</a:t>
+            </a:r>
+            <a:r>
+              <a:rPr lang="pt-BR" dirty="0"/>
+              <a:t>.</a:t>
+            </a:r>
+          </a:p>
+          <a:p>
+            <a:endParaRPr lang="pt-BR" dirty="0"/>
+          </a:p>
+        </p:txBody>
+      </p:sp>
+    </p:spTree>
+    <p:extLst>
+      <p:ext uri="{BB962C8B-B14F-4D97-AF65-F5344CB8AC3E}">
+        <p14:creationId xmlns:p14="http://schemas.microsoft.com/office/powerpoint/2010/main" val="2200220696"/>
+      </p:ext>
+    </p:extLst>
+  </p:cSld>
+  <p:clrMapOvr>
+    <a:masterClrMapping/>
+  </p:clrMapOvr>
+</p:sld>
+</file>
+
+<file path=ppt/slides/slide14.xml><?xml version="1.0" encoding="utf-8"?>
+<p:sld xmlns:a="http://schemas.openxmlformats.org/drawingml/2006/main" xmlns:r="http://schemas.openxmlformats.org/officeDocument/2006/relationships" xmlns:p="http://schemas.openxmlformats.org/presentationml/2006/main">
+  <p:cSld>
+    <p:spTree>
+      <p:nvGrpSpPr>
+        <p:cNvPr id="1" name=""/>
+        <p:cNvGrpSpPr/>
+        <p:nvPr/>
+      </p:nvGrpSpPr>
+      <p:grpSpPr>
+        <a:xfrm>
+          <a:off x="0" y="0"/>
+          <a:ext cx="0" cy="0"/>
+          <a:chOff x="0" y="0"/>
+          <a:chExt cx="0" cy="0"/>
+        </a:xfrm>
+      </p:grpSpPr>
+      <p:sp>
+        <p:nvSpPr>
+          <p:cNvPr id="2" name="Título 1"/>
+          <p:cNvSpPr>
+            <a:spLocks noGrp="1"/>
+          </p:cNvSpPr>
+          <p:nvPr>
+            <p:ph type="title"/>
+          </p:nvPr>
+        </p:nvSpPr>
+        <p:spPr/>
+        <p:txBody>
+          <a:bodyPr/>
+          <a:lstStyle/>
+          <a:p>
+            <a:endParaRPr lang="pt-BR"/>
+          </a:p>
+        </p:txBody>
+      </p:sp>
+      <p:sp>
+        <p:nvSpPr>
+          <p:cNvPr id="3" name="Espaço Reservado para Conteúdo 2"/>
+          <p:cNvSpPr>
+            <a:spLocks noGrp="1"/>
+          </p:cNvSpPr>
+          <p:nvPr>
+            <p:ph idx="1"/>
+          </p:nvPr>
+        </p:nvSpPr>
+        <p:spPr/>
+        <p:txBody>
+          <a:bodyPr/>
+          <a:lstStyle/>
+          <a:p>
+            <a:endParaRPr lang="pt-BR"/>
+          </a:p>
+        </p:txBody>
+      </p:sp>
+    </p:spTree>
+    <p:extLst>
+      <p:ext uri="{BB962C8B-B14F-4D97-AF65-F5344CB8AC3E}">
+        <p14:creationId xmlns:p14="http://schemas.microsoft.com/office/powerpoint/2010/main" val="2124941560"/>
       </p:ext>
     </p:extLst>
   </p:cSld>
@@ -3373,90 +3796,16 @@
               <a:buChar char="•"/>
             </a:pPr>
             <a:r>
-              <a:rPr lang="pt-BR" sz="1600" dirty="0" smtClean="0"/>
+              <a:rPr lang="pt-BR" sz="1600" dirty="0"/>
               <a:t>Se estivéssemos trabalhando com o </a:t>
             </a:r>
             <a:r>
-              <a:rPr lang="pt-BR" sz="1600" dirty="0" err="1" smtClean="0"/>
+              <a:rPr lang="pt-BR" sz="1600" dirty="0" err="1"/>
               <a:t>React</a:t>
             </a:r>
             <a:r>
-              <a:rPr lang="pt-BR" sz="1600" dirty="0" smtClean="0"/>
+              <a:rPr lang="pt-BR" sz="1600" dirty="0"/>
               <a:t> ou Angular 2 muitos desses detalhes de configurações passariam despercebidos, mas estamos trabalhando do zero, sem frameworks.</a:t>
-            </a:r>
-          </a:p>
-          <a:p>
-            <a:pPr marL="285750" indent="-285750" algn="l">
-              <a:buFont typeface="Arial" panose="020B0604020202020204" pitchFamily="34" charset="0"/>
-              <a:buChar char="•"/>
-            </a:pPr>
-            <a:endParaRPr lang="pt-BR" sz="1600" dirty="0" smtClean="0"/>
-          </a:p>
-          <a:p>
-            <a:pPr marL="285750" indent="-285750" algn="l">
-              <a:buFont typeface="Arial" panose="020B0604020202020204" pitchFamily="34" charset="0"/>
-              <a:buChar char="•"/>
-            </a:pPr>
-            <a:r>
-              <a:rPr lang="pt-BR" sz="1600" dirty="0" smtClean="0"/>
-              <a:t>O </a:t>
-            </a:r>
-            <a:r>
-              <a:rPr lang="pt-BR" sz="1600" dirty="0"/>
-              <a:t>babel-core nada mais é do que o núcleo do babel desprovido de sua linha de comando e que pode ser utilizado por outras ferramentas do mercado como </a:t>
-            </a:r>
-            <a:r>
-              <a:rPr lang="pt-BR" sz="1600" dirty="0" err="1"/>
-              <a:t>Webpack</a:t>
-            </a:r>
-            <a:r>
-              <a:rPr lang="pt-BR" sz="1600" dirty="0"/>
-              <a:t>.</a:t>
-            </a:r>
-          </a:p>
-          <a:p>
-            <a:pPr marL="285750" indent="-285750" algn="l">
-              <a:buFont typeface="Arial" panose="020B0604020202020204" pitchFamily="34" charset="0"/>
-              <a:buChar char="•"/>
-            </a:pPr>
-            <a:endParaRPr lang="pt-BR" sz="1600" dirty="0" smtClean="0"/>
-          </a:p>
-          <a:p>
-            <a:pPr marL="285750" indent="-285750" algn="l">
-              <a:buFont typeface="Arial" panose="020B0604020202020204" pitchFamily="34" charset="0"/>
-              <a:buChar char="•"/>
-            </a:pPr>
-            <a:r>
-              <a:rPr lang="pt-BR" sz="1600" dirty="0" err="1" smtClean="0"/>
-              <a:t>Webpack</a:t>
-            </a:r>
-            <a:r>
-              <a:rPr lang="pt-BR" sz="1600" dirty="0" smtClean="0"/>
-              <a:t> </a:t>
-            </a:r>
-            <a:r>
-              <a:rPr lang="pt-BR" sz="1600" dirty="0"/>
-              <a:t>dispensa a utilização de um module </a:t>
-            </a:r>
-            <a:r>
-              <a:rPr lang="pt-BR" sz="1600" dirty="0" err="1"/>
-              <a:t>loader</a:t>
-            </a:r>
-            <a:r>
-              <a:rPr lang="pt-BR" sz="1600" dirty="0"/>
-              <a:t>, justamente por criar em </a:t>
-            </a:r>
-            <a:r>
-              <a:rPr lang="pt-BR" sz="1600" dirty="0" err="1"/>
-              <a:t>bundles</a:t>
-            </a:r>
-            <a:r>
-              <a:rPr lang="pt-BR" sz="1600" dirty="0"/>
-              <a:t> em tempo de desenvolvimento, que nada mais são do que scripts que agregam outros módulos da aplicação</a:t>
-            </a:r>
-            <a:r>
-              <a:rPr lang="pt-BR" sz="1600" dirty="0" smtClean="0"/>
-              <a:t>.</a:t>
             </a:r>
           </a:p>
           <a:p>
@@ -3473,30 +3822,14 @@
             </a:pPr>
             <a:r>
               <a:rPr lang="pt-BR" sz="1600" dirty="0"/>
-              <a:t>É comum utilizar um </a:t>
+              <a:t>O babel-core nada mais é do que o núcleo do babel desprovido de sua linha de comando e que pode ser utilizado por outras ferramentas do mercado como </a:t>
             </a:r>
             <a:r>
               <a:rPr lang="pt-BR" sz="1600" dirty="0" err="1"/>
-              <a:t>npm</a:t>
+              <a:t>Webpack</a:t>
             </a:r>
             <a:r>
               <a:rPr lang="pt-BR" sz="1600" dirty="0"/>
-              <a:t> script para executar o </a:t>
-            </a:r>
-            <a:r>
-              <a:rPr lang="pt-BR" sz="1600" dirty="0" err="1"/>
-              <a:t>webpack</a:t>
-            </a:r>
-            <a:r>
-              <a:rPr lang="pt-BR" sz="1600" dirty="0"/>
-              <a:t> bastando adicioná-lo no arquivo </a:t>
-            </a:r>
-            <a:r>
-              <a:rPr lang="pt-BR" sz="1600" dirty="0" err="1"/>
-              <a:t>package.json</a:t>
-            </a:r>
-            <a:r>
-              <a:rPr lang="pt-BR" sz="1600" dirty="0" smtClean="0"/>
               <a:t>.</a:t>
             </a:r>
           </a:p>
@@ -3505,7 +3838,85 @@
               <a:buFont typeface="Arial" panose="020B0604020202020204" pitchFamily="34" charset="0"/>
               <a:buChar char="•"/>
             </a:pPr>
-            <a:endParaRPr lang="pt-BR" sz="1600" dirty="0" smtClean="0"/>
+            <a:endParaRPr lang="pt-BR" sz="1600" dirty="0"/>
+          </a:p>
+          <a:p>
+            <a:pPr marL="285750" indent="-285750" algn="l">
+              <a:buFont typeface="Arial" panose="020B0604020202020204" pitchFamily="34" charset="0"/>
+              <a:buChar char="•"/>
+            </a:pPr>
+            <a:r>
+              <a:rPr lang="pt-BR" sz="1600" dirty="0" err="1"/>
+              <a:t>Webpack</a:t>
+            </a:r>
+            <a:r>
+              <a:rPr lang="pt-BR" sz="1600" dirty="0"/>
+              <a:t> dispensa a utilização de um module </a:t>
+            </a:r>
+            <a:r>
+              <a:rPr lang="pt-BR" sz="1600" dirty="0" err="1"/>
+              <a:t>loader</a:t>
+            </a:r>
+            <a:r>
+              <a:rPr lang="pt-BR" sz="1600" dirty="0"/>
+              <a:t>, justamente por criar em </a:t>
+            </a:r>
+            <a:r>
+              <a:rPr lang="pt-BR" sz="1600" dirty="0" err="1"/>
+              <a:t>bundles</a:t>
+            </a:r>
+            <a:r>
+              <a:rPr lang="pt-BR" sz="1600" dirty="0"/>
+              <a:t> em tempo de desenvolvimento, que nada mais são do que scripts que agregam outros módulos da aplicação.</a:t>
+            </a:r>
+          </a:p>
+          <a:p>
+            <a:pPr marL="285750" indent="-285750" algn="l">
+              <a:buFont typeface="Arial" panose="020B0604020202020204" pitchFamily="34" charset="0"/>
+              <a:buChar char="•"/>
+            </a:pPr>
+            <a:endParaRPr lang="pt-BR" sz="1600" dirty="0"/>
+          </a:p>
+          <a:p>
+            <a:pPr marL="285750" indent="-285750" algn="l">
+              <a:buFont typeface="Arial" panose="020B0604020202020204" pitchFamily="34" charset="0"/>
+              <a:buChar char="•"/>
+            </a:pPr>
+            <a:r>
+              <a:rPr lang="pt-BR" sz="1600" dirty="0"/>
+              <a:t>É comum utilizar um </a:t>
+            </a:r>
+            <a:r>
+              <a:rPr lang="pt-BR" sz="1600" dirty="0" err="1"/>
+              <a:t>npm</a:t>
+            </a:r>
+            <a:r>
+              <a:rPr lang="pt-BR" sz="1600" dirty="0"/>
+              <a:t> script para executar o </a:t>
+            </a:r>
+            <a:r>
+              <a:rPr lang="pt-BR" sz="1600" dirty="0" err="1"/>
+              <a:t>webpack</a:t>
+            </a:r>
+            <a:r>
+              <a:rPr lang="pt-BR" sz="1600" dirty="0"/>
+              <a:t> bastando adicioná-lo no arquivo </a:t>
+            </a:r>
+            <a:r>
+              <a:rPr lang="pt-BR" sz="1600" dirty="0" err="1"/>
+              <a:t>package.json</a:t>
+            </a:r>
+            <a:r>
+              <a:rPr lang="pt-BR" sz="1600" dirty="0"/>
+              <a:t>.</a:t>
+            </a:r>
+          </a:p>
+          <a:p>
+            <a:pPr marL="285750" indent="-285750" algn="l">
+              <a:buFont typeface="Arial" panose="020B0604020202020204" pitchFamily="34" charset="0"/>
+              <a:buChar char="•"/>
+            </a:pPr>
+            <a:endParaRPr lang="pt-BR" sz="1600" dirty="0"/>
           </a:p>
           <a:p>
             <a:pPr marL="285750" indent="-285750" algn="l">
@@ -3550,10 +3961,9 @@
           <a:lstStyle/>
           <a:p>
             <a:r>
-              <a:rPr lang="pt-BR" sz="2800" b="1" dirty="0" smtClean="0"/>
+              <a:rPr lang="pt-BR" sz="2800" b="1" dirty="0"/>
               <a:t>Configurações Iniciais</a:t>
             </a:r>
-            <a:endParaRPr lang="pt-BR" sz="2800" b="1" dirty="0"/>
           </a:p>
         </p:txBody>
       </p:sp>
@@ -3610,7 +4020,7 @@
           <a:lstStyle/>
           <a:p>
             <a:r>
-              <a:rPr lang="pt-BR" sz="2800" dirty="0" smtClean="0">
+              <a:rPr lang="pt-BR" sz="2800" dirty="0">
                 <a:solidFill>
                   <a:srgbClr val="3D464D"/>
                 </a:solidFill>
@@ -3619,7 +4029,7 @@
               <a:t>Babel-</a:t>
             </a:r>
             <a:r>
-              <a:rPr lang="pt-BR" sz="2800" dirty="0" err="1" smtClean="0">
+              <a:rPr lang="pt-BR" sz="2800" dirty="0" err="1">
                 <a:solidFill>
                   <a:srgbClr val="3D464D"/>
                 </a:solidFill>
@@ -3669,7 +4079,7 @@
           <a:p>
             <a:pPr algn="l"/>
             <a:r>
-              <a:rPr lang="pt-BR" sz="1800" dirty="0" smtClean="0">
+              <a:rPr lang="pt-BR" sz="1800" dirty="0">
                 <a:solidFill>
                   <a:srgbClr val="3D464D"/>
                 </a:solidFill>
@@ -3678,7 +4088,7 @@
               <a:t>É a ponte entre o </a:t>
             </a:r>
             <a:r>
-              <a:rPr lang="pt-BR" sz="1800" dirty="0" err="1" smtClean="0">
+              <a:rPr lang="pt-BR" sz="1800" dirty="0" err="1">
                 <a:solidFill>
                   <a:srgbClr val="3D464D"/>
                 </a:solidFill>
@@ -3687,7 +4097,7 @@
               <a:t>Webpack</a:t>
             </a:r>
             <a:r>
-              <a:rPr lang="pt-BR" sz="1800" dirty="0" smtClean="0">
+              <a:rPr lang="pt-BR" sz="1800" dirty="0">
                 <a:solidFill>
                   <a:srgbClr val="3D464D"/>
                 </a:solidFill>
@@ -3708,7 +4118,7 @@
           <a:p>
             <a:pPr algn="l"/>
             <a:r>
-              <a:rPr lang="pt-BR" sz="1800" dirty="0" smtClean="0">
+              <a:rPr lang="pt-BR" sz="1800" dirty="0">
                 <a:solidFill>
                   <a:srgbClr val="3D464D"/>
                 </a:solidFill>
@@ -4192,7 +4602,7 @@
           <a:p>
             <a:pPr algn="l"/>
             <a:r>
-              <a:rPr lang="pt-BR" sz="1600" dirty="0" smtClean="0">
+              <a:rPr lang="pt-BR" sz="1600" dirty="0">
                 <a:solidFill>
                   <a:srgbClr val="3D464D"/>
                 </a:solidFill>
@@ -4201,7 +4611,7 @@
               <a:t>Quando usamos o </a:t>
             </a:r>
             <a:r>
-              <a:rPr lang="pt-BR" sz="1600" b="1" dirty="0" smtClean="0">
+              <a:rPr lang="pt-BR" sz="1600" b="1" dirty="0">
                 <a:solidFill>
                   <a:srgbClr val="3D464D"/>
                 </a:solidFill>
@@ -4210,7 +4620,7 @@
               <a:t>–p</a:t>
             </a:r>
             <a:r>
-              <a:rPr lang="pt-BR" sz="1600" dirty="0" smtClean="0">
+              <a:rPr lang="pt-BR" sz="1600" dirty="0">
                 <a:solidFill>
                   <a:srgbClr val="3D464D"/>
                 </a:solidFill>
@@ -4219,7 +4629,7 @@
               <a:t>, internamente o </a:t>
             </a:r>
             <a:r>
-              <a:rPr lang="pt-BR" sz="1600" dirty="0" err="1" smtClean="0">
+              <a:rPr lang="pt-BR" sz="1600" dirty="0" err="1">
                 <a:solidFill>
                   <a:srgbClr val="3D464D"/>
                 </a:solidFill>
@@ -4228,7 +4638,7 @@
               <a:t>webpack</a:t>
             </a:r>
             <a:r>
-              <a:rPr lang="pt-BR" sz="1600" dirty="0" smtClean="0">
+              <a:rPr lang="pt-BR" sz="1600" dirty="0">
                 <a:solidFill>
                   <a:srgbClr val="3D464D"/>
                 </a:solidFill>
@@ -4237,7 +4647,7 @@
               <a:t> vai chamar o </a:t>
             </a:r>
             <a:r>
-              <a:rPr lang="pt-BR" sz="1600" b="1" dirty="0" err="1" smtClean="0">
+              <a:rPr lang="pt-BR" sz="1600" b="1" dirty="0" err="1">
                 <a:solidFill>
                   <a:schemeClr val="accent5"/>
                 </a:solidFill>
@@ -4246,7 +4656,7 @@
               <a:t>uglify</a:t>
             </a:r>
             <a:r>
-              <a:rPr lang="pt-BR" sz="1600" dirty="0" smtClean="0">
+              <a:rPr lang="pt-BR" sz="1600" dirty="0">
                 <a:solidFill>
                   <a:srgbClr val="3D464D"/>
                 </a:solidFill>
@@ -4255,7 +4665,7 @@
               <a:t> um módulo famoso para </a:t>
             </a:r>
             <a:r>
-              <a:rPr lang="pt-BR" sz="1800" b="1" i="1" u="sng" dirty="0" smtClean="0">
+              <a:rPr lang="pt-BR" sz="1800" b="1" i="1" u="sng" dirty="0">
                 <a:solidFill>
                   <a:srgbClr val="3D464D"/>
                 </a:solidFill>
@@ -4264,7 +4674,7 @@
               <a:t>MINIFICAR</a:t>
             </a:r>
             <a:r>
-              <a:rPr lang="pt-BR" sz="1600" dirty="0" smtClean="0">
+              <a:rPr lang="pt-BR" sz="1600" dirty="0">
                 <a:solidFill>
                   <a:srgbClr val="3D464D"/>
                 </a:solidFill>
@@ -4273,7 +4683,7 @@
               <a:t> arquivos </a:t>
             </a:r>
             <a:r>
-              <a:rPr lang="pt-BR" sz="1600" dirty="0" err="1" smtClean="0">
+              <a:rPr lang="pt-BR" sz="1600" dirty="0" err="1">
                 <a:solidFill>
                   <a:srgbClr val="3D464D"/>
                 </a:solidFill>
@@ -4282,7 +4692,7 @@
               <a:t>Javascript</a:t>
             </a:r>
             <a:r>
-              <a:rPr lang="pt-BR" sz="1600" dirty="0" smtClean="0">
+              <a:rPr lang="pt-BR" sz="1600" dirty="0">
                 <a:solidFill>
                   <a:srgbClr val="3D464D"/>
                 </a:solidFill>
@@ -4303,7 +4713,7 @@
           <a:p>
             <a:pPr algn="l"/>
             <a:r>
-              <a:rPr lang="pt-BR" sz="1600" dirty="0" smtClean="0">
+              <a:rPr lang="pt-BR" sz="1600" dirty="0">
                 <a:solidFill>
                   <a:srgbClr val="3D464D"/>
                 </a:solidFill>
@@ -4312,7 +4722,7 @@
               <a:t>O </a:t>
             </a:r>
             <a:r>
-              <a:rPr lang="pt-BR" sz="1600" dirty="0" err="1" smtClean="0">
+              <a:rPr lang="pt-BR" sz="1600" dirty="0" err="1">
                 <a:solidFill>
                   <a:srgbClr val="3D464D"/>
                 </a:solidFill>
@@ -4321,7 +4731,7 @@
               <a:t>uglify</a:t>
             </a:r>
             <a:r>
-              <a:rPr lang="pt-BR" sz="1600" dirty="0" smtClean="0">
+              <a:rPr lang="pt-BR" sz="1600" dirty="0">
                 <a:solidFill>
                   <a:srgbClr val="3D464D"/>
                 </a:solidFill>
@@ -4342,7 +4752,7 @@
           <a:p>
             <a:pPr algn="l"/>
             <a:r>
-              <a:rPr lang="pt-BR" sz="1600" dirty="0" smtClean="0">
+              <a:rPr lang="pt-BR" sz="1600" dirty="0">
                 <a:solidFill>
                   <a:srgbClr val="3D464D"/>
                 </a:solidFill>
@@ -4351,7 +4761,7 @@
               <a:t>Instalaremos o </a:t>
             </a:r>
             <a:r>
-              <a:rPr lang="pt-BR" sz="1600" b="1" dirty="0" err="1" smtClean="0">
+              <a:rPr lang="pt-BR" sz="1600" b="1" dirty="0" err="1">
                 <a:solidFill>
                   <a:srgbClr val="3D464D"/>
                 </a:solidFill>
@@ -4360,7 +4770,7 @@
               <a:t>babili</a:t>
             </a:r>
             <a:r>
-              <a:rPr lang="pt-BR" sz="1600" dirty="0" smtClean="0">
+              <a:rPr lang="pt-BR" sz="1600" dirty="0">
                 <a:solidFill>
                   <a:srgbClr val="3D464D"/>
                 </a:solidFill>
@@ -4564,10 +4974,9 @@
           <a:p>
             <a:pPr algn="ctr"/>
             <a:r>
-              <a:rPr lang="pt-BR" sz="2800" b="1" dirty="0" smtClean="0"/>
+              <a:rPr lang="pt-BR" sz="2800" b="1" dirty="0"/>
               <a:t>Revisando o Capítulo Anterior</a:t>
             </a:r>
-            <a:endParaRPr lang="pt-BR" sz="2800" b="1" dirty="0"/>
           </a:p>
         </p:txBody>
       </p:sp>
@@ -4601,11 +5010,7 @@
           <a:p>
             <a:r>
               <a:rPr lang="pt-BR" sz="2400" dirty="0"/>
-              <a:t>O efeito do parâmetro -p para o build de produção</a:t>
-            </a:r>
-            <a:r>
-              <a:rPr lang="pt-BR" sz="2400" dirty="0" smtClean="0"/>
-              <a:t>.</a:t>
+              <a:t>O efeito do parâmetro -p para o build de produção.</a:t>
             </a:r>
           </a:p>
           <a:p>
@@ -4622,11 +5027,7 @@
             </a:r>
             <a:r>
               <a:rPr lang="pt-BR" sz="2400" dirty="0"/>
-              <a:t> com código que não sejam escritos em ECMASCRIPT 5</a:t>
-            </a:r>
-            <a:r>
-              <a:rPr lang="pt-BR" sz="2400" dirty="0" smtClean="0"/>
-              <a:t>.</a:t>
+              <a:t> com código que não sejam escritos em ECMASCRIPT 5.</a:t>
             </a:r>
           </a:p>
           <a:p>
@@ -4654,7 +5055,7 @@
               <a:t>minificação</a:t>
             </a:r>
             <a:r>
-              <a:rPr lang="pt-BR" sz="2400" dirty="0" smtClean="0"/>
+              <a:rPr lang="pt-BR" sz="2400" dirty="0"/>
               <a:t>.</a:t>
             </a:r>
           </a:p>
@@ -4664,11 +5065,7 @@
           <a:p>
             <a:r>
               <a:rPr lang="pt-BR" sz="2400" dirty="0"/>
-              <a:t>pegadinhas na atribuição de variáveis de ambiente</a:t>
-            </a:r>
-            <a:r>
-              <a:rPr lang="pt-BR" sz="2400" dirty="0" smtClean="0"/>
-              <a:t>.</a:t>
+              <a:t>pegadinhas na atribuição de variáveis de ambiente.</a:t>
             </a:r>
           </a:p>
           <a:p>
@@ -4799,55 +5196,55 @@
           <a:lstStyle/>
           <a:p>
             <a:r>
-              <a:rPr lang="pt-BR" sz="2400" dirty="0" smtClean="0"/>
+              <a:rPr lang="pt-BR" sz="2400" dirty="0"/>
               <a:t>Um Servidor que se integra com o </a:t>
             </a:r>
             <a:r>
-              <a:rPr lang="pt-BR" sz="2400" dirty="0" err="1" smtClean="0"/>
+              <a:rPr lang="pt-BR" sz="2400" dirty="0" err="1"/>
               <a:t>Webpack</a:t>
             </a:r>
             <a:r>
-              <a:rPr lang="pt-BR" sz="2400" dirty="0" smtClean="0"/>
+              <a:rPr lang="pt-BR" sz="2400" dirty="0"/>
               <a:t> e é utilizado por diversos frameworks </a:t>
             </a:r>
             <a:r>
-              <a:rPr lang="pt-BR" sz="2400" b="1" dirty="0" smtClean="0"/>
+              <a:rPr lang="pt-BR" sz="2400" b="1" dirty="0"/>
               <a:t>Single Page </a:t>
             </a:r>
             <a:r>
-              <a:rPr lang="pt-BR" sz="2400" b="1" dirty="0" err="1" smtClean="0"/>
+              <a:rPr lang="pt-BR" sz="2400" b="1" dirty="0" err="1"/>
               <a:t>Applications</a:t>
             </a:r>
             <a:r>
-              <a:rPr lang="pt-BR" sz="2400" dirty="0" smtClean="0"/>
+              <a:rPr lang="pt-BR" sz="2400" dirty="0"/>
               <a:t>, pelos </a:t>
             </a:r>
             <a:r>
-              <a:rPr lang="pt-BR" sz="2400" b="1" dirty="0" err="1" smtClean="0"/>
+              <a:rPr lang="pt-BR" sz="2400" b="1" dirty="0" err="1"/>
               <a:t>Command</a:t>
             </a:r>
             <a:r>
-              <a:rPr lang="pt-BR" sz="2400" b="1" dirty="0" smtClean="0"/>
+              <a:rPr lang="pt-BR" sz="2400" b="1" dirty="0"/>
               <a:t> </a:t>
             </a:r>
             <a:r>
-              <a:rPr lang="pt-BR" sz="2400" b="1" dirty="0" err="1" smtClean="0"/>
+              <a:rPr lang="pt-BR" sz="2400" b="1" dirty="0" err="1"/>
               <a:t>Line</a:t>
             </a:r>
             <a:r>
-              <a:rPr lang="pt-BR" sz="2400" b="1" dirty="0" smtClean="0"/>
+              <a:rPr lang="pt-BR" sz="2400" b="1" dirty="0"/>
               <a:t> Interfaces </a:t>
             </a:r>
             <a:r>
-              <a:rPr lang="pt-BR" sz="2400" dirty="0" smtClean="0"/>
+              <a:rPr lang="pt-BR" sz="2400" dirty="0"/>
               <a:t>(</a:t>
             </a:r>
             <a:r>
-              <a:rPr lang="pt-BR" sz="2400" b="1" dirty="0" smtClean="0"/>
+              <a:rPr lang="pt-BR" sz="2400" b="1" dirty="0"/>
               <a:t>CLI</a:t>
             </a:r>
             <a:r>
-              <a:rPr lang="pt-BR" sz="2400" dirty="0" smtClean="0"/>
+              <a:rPr lang="pt-BR" sz="2400" dirty="0"/>
               <a:t>). Para usá-lo precisaremos adequar o projeto. </a:t>
             </a:r>
           </a:p>
@@ -4856,23 +5253,23 @@
           </a:p>
           <a:p>
             <a:r>
-              <a:rPr lang="pt-BR" sz="2400" dirty="0" smtClean="0"/>
+              <a:rPr lang="pt-BR" sz="2400" dirty="0"/>
               <a:t>O </a:t>
             </a:r>
             <a:r>
-              <a:rPr lang="pt-BR" sz="2400" dirty="0" err="1" smtClean="0"/>
+              <a:rPr lang="pt-BR" sz="2400" dirty="0" err="1"/>
               <a:t>Webpack</a:t>
             </a:r>
             <a:r>
-              <a:rPr lang="pt-BR" sz="2400" dirty="0" smtClean="0"/>
+              <a:rPr lang="pt-BR" sz="2400" dirty="0"/>
               <a:t>-</a:t>
             </a:r>
             <a:r>
-              <a:rPr lang="pt-BR" sz="2400" dirty="0" err="1" smtClean="0"/>
+              <a:rPr lang="pt-BR" sz="2400" dirty="0" err="1"/>
               <a:t>dev</a:t>
             </a:r>
             <a:r>
-              <a:rPr lang="pt-BR" sz="2400" dirty="0" smtClean="0"/>
+              <a:rPr lang="pt-BR" sz="2400" dirty="0"/>
               <a:t>-server cria o Bundle.js em memória</a:t>
             </a:r>
           </a:p>
@@ -4881,12 +5278,8 @@
           </a:p>
           <a:p>
             <a:r>
-              <a:rPr lang="pt-BR" sz="2400" dirty="0" smtClean="0"/>
-              <a:t>Vantagens </a:t>
-            </a:r>
-            <a:r>
-              <a:rPr lang="pt-BR" sz="2400" dirty="0"/>
-              <a:t>como </a:t>
+              <a:rPr lang="pt-BR" sz="2400" dirty="0"/>
+              <a:t>Vantagens como </a:t>
             </a:r>
             <a:r>
               <a:rPr lang="pt-BR" sz="2400" dirty="0" err="1"/>
@@ -4897,11 +5290,11 @@
               <a:t> </a:t>
             </a:r>
             <a:r>
-              <a:rPr lang="pt-BR" sz="2400" dirty="0" err="1" smtClean="0"/>
+              <a:rPr lang="pt-BR" sz="2400" dirty="0" err="1"/>
               <a:t>reloading</a:t>
             </a:r>
             <a:r>
-              <a:rPr lang="pt-BR" sz="2400" dirty="0" smtClean="0"/>
+              <a:rPr lang="pt-BR" sz="2400" dirty="0"/>
               <a:t>;</a:t>
             </a:r>
           </a:p>
@@ -4930,34 +5323,30 @@
               <a:t> Server através do </a:t>
             </a:r>
             <a:r>
-              <a:rPr lang="pt-BR" sz="2400" dirty="0" err="1" smtClean="0"/>
+              <a:rPr lang="pt-BR" sz="2400" dirty="0" err="1"/>
               <a:t>npm</a:t>
             </a:r>
-            <a:endParaRPr lang="pt-BR" sz="2400" dirty="0" smtClean="0"/>
-          </a:p>
-          <a:p>
             <a:endParaRPr lang="pt-BR" sz="2400" dirty="0"/>
           </a:p>
           <a:p>
-            <a:r>
-              <a:rPr lang="pt-BR" sz="2400" dirty="0" smtClean="0"/>
-              <a:t>A </a:t>
-            </a:r>
-            <a:r>
-              <a:rPr lang="pt-BR" sz="2400" dirty="0"/>
-              <a:t>importância da propriedade </a:t>
+            <a:endParaRPr lang="pt-BR" sz="2400" dirty="0"/>
+          </a:p>
+          <a:p>
+            <a:r>
+              <a:rPr lang="pt-BR" sz="2400" dirty="0"/>
+              <a:t>A importância da propriedade </a:t>
             </a:r>
             <a:r>
               <a:rPr lang="pt-BR" sz="2400" b="1" dirty="0" err="1"/>
               <a:t>publicPath</a:t>
             </a:r>
             <a:r>
-              <a:rPr lang="pt-BR" sz="2400" dirty="0" smtClean="0"/>
+              <a:rPr lang="pt-BR" sz="2400" dirty="0"/>
               <a:t>.</a:t>
             </a:r>
           </a:p>
           <a:p>
-            <a:endParaRPr lang="pt-BR" sz="2400" dirty="0" smtClean="0"/>
+            <a:endParaRPr lang="pt-BR" sz="2400" dirty="0"/>
           </a:p>
           <a:p>
             <a:r>
@@ -4974,11 +5363,7 @@
             </a:r>
             <a:r>
               <a:rPr lang="pt-BR" sz="2400" dirty="0"/>
-              <a:t> Server é um servidor capaz de ler as configurações de webpack.config.js ao ser carregado</a:t>
-            </a:r>
-            <a:r>
-              <a:rPr lang="pt-BR" sz="2400" dirty="0" smtClean="0"/>
-              <a:t>.</a:t>
+              <a:t> Server é um servidor capaz de ler as configurações de webpack.config.js ao ser carregado.</a:t>
             </a:r>
           </a:p>
           <a:p>
@@ -5006,7 +5391,6 @@
               <a:rPr lang="pt-BR" sz="2400" dirty="0"/>
               <a:t>, pois é nada mais nada menos do que um módulo do Node.js.</a:t>
             </a:r>
-            <a:endParaRPr lang="pt-BR" sz="2400" dirty="0" smtClean="0"/>
           </a:p>
           <a:p>
             <a:endParaRPr lang="pt-BR" sz="2400" dirty="0"/>
@@ -5070,34 +5454,33 @@
           <a:p>
             <a:pPr algn="ctr"/>
             <a:r>
-              <a:rPr lang="pt-BR" sz="2800" b="1" dirty="0" smtClean="0"/>
+              <a:rPr lang="pt-BR" sz="2800" b="1" dirty="0"/>
               <a:t>FOUC ( Flash </a:t>
             </a:r>
             <a:r>
-              <a:rPr lang="pt-BR" sz="2800" b="1" dirty="0" err="1" smtClean="0"/>
+              <a:rPr lang="pt-BR" sz="2800" b="1" dirty="0" err="1"/>
               <a:t>of</a:t>
             </a:r>
             <a:r>
-              <a:rPr lang="pt-BR" sz="2800" b="1" dirty="0" smtClean="0"/>
+              <a:rPr lang="pt-BR" sz="2800" b="1" dirty="0"/>
               <a:t> </a:t>
             </a:r>
             <a:r>
-              <a:rPr lang="pt-BR" sz="2800" b="1" dirty="0" err="1" smtClean="0"/>
+              <a:rPr lang="pt-BR" sz="2800" b="1" dirty="0" err="1"/>
               <a:t>Unstyled</a:t>
             </a:r>
             <a:r>
-              <a:rPr lang="pt-BR" sz="2800" b="1" dirty="0" smtClean="0"/>
+              <a:rPr lang="pt-BR" sz="2800" b="1" dirty="0"/>
               <a:t> </a:t>
             </a:r>
             <a:r>
-              <a:rPr lang="pt-BR" sz="2800" b="1" dirty="0" err="1" smtClean="0"/>
+              <a:rPr lang="pt-BR" sz="2800" b="1" dirty="0" err="1"/>
               <a:t>Content</a:t>
             </a:r>
             <a:r>
-              <a:rPr lang="pt-BR" sz="2800" b="1" dirty="0" smtClean="0"/>
+              <a:rPr lang="pt-BR" sz="2800" b="1" dirty="0"/>
               <a:t>)</a:t>
             </a:r>
-            <a:endParaRPr lang="pt-BR" sz="2800" b="1" dirty="0"/>
           </a:p>
         </p:txBody>
       </p:sp>
@@ -5130,58 +5513,58 @@
           <a:lstStyle/>
           <a:p>
             <a:r>
-              <a:rPr lang="pt-BR" sz="2400" dirty="0" smtClean="0"/>
+              <a:rPr lang="pt-BR" sz="2400" dirty="0"/>
               <a:t>O bundle.js quando foi </a:t>
             </a:r>
             <a:r>
-              <a:rPr lang="pt-BR" sz="2400" dirty="0" err="1" smtClean="0"/>
+              <a:rPr lang="pt-BR" sz="2400" dirty="0" err="1"/>
               <a:t>minificado</a:t>
             </a:r>
             <a:r>
-              <a:rPr lang="pt-BR" sz="2400" dirty="0" smtClean="0"/>
+              <a:rPr lang="pt-BR" sz="2400" dirty="0"/>
               <a:t> inseriu o </a:t>
             </a:r>
             <a:r>
-              <a:rPr lang="pt-BR" sz="2400" dirty="0" err="1" smtClean="0"/>
+              <a:rPr lang="pt-BR" sz="2400" dirty="0" err="1"/>
               <a:t>css</a:t>
             </a:r>
             <a:r>
-              <a:rPr lang="pt-BR" sz="2400" dirty="0" smtClean="0"/>
+              <a:rPr lang="pt-BR" sz="2400" dirty="0"/>
               <a:t> dentro do </a:t>
             </a:r>
             <a:r>
-              <a:rPr lang="pt-BR" sz="2400" dirty="0" err="1" smtClean="0"/>
+              <a:rPr lang="pt-BR" sz="2400" dirty="0" err="1"/>
               <a:t>bundle</a:t>
             </a:r>
-            <a:endParaRPr lang="pt-BR" sz="2400" dirty="0" smtClean="0"/>
-          </a:p>
-          <a:p>
-            <a:endParaRPr lang="pt-BR" sz="2400" dirty="0" smtClean="0"/>
-          </a:p>
-          <a:p>
-            <a:r>
-              <a:rPr lang="pt-BR" sz="2400" dirty="0" smtClean="0"/>
+            <a:endParaRPr lang="pt-BR" sz="2400" dirty="0"/>
+          </a:p>
+          <a:p>
+            <a:endParaRPr lang="pt-BR" sz="2400" dirty="0"/>
+          </a:p>
+          <a:p>
+            <a:r>
+              <a:rPr lang="pt-BR" sz="2400" dirty="0"/>
               <a:t>Por isso há um pequeno </a:t>
             </a:r>
             <a:r>
-              <a:rPr lang="pt-BR" sz="2400" dirty="0" err="1" smtClean="0"/>
+              <a:rPr lang="pt-BR" sz="2400" dirty="0" err="1"/>
               <a:t>delay</a:t>
             </a:r>
             <a:r>
-              <a:rPr lang="pt-BR" sz="2400" dirty="0" smtClean="0"/>
+              <a:rPr lang="pt-BR" sz="2400" dirty="0"/>
               <a:t> pra carregar o </a:t>
             </a:r>
             <a:r>
-              <a:rPr lang="pt-BR" sz="2400" dirty="0" err="1" smtClean="0"/>
+              <a:rPr lang="pt-BR" sz="2400" dirty="0" err="1"/>
               <a:t>css</a:t>
             </a:r>
             <a:r>
-              <a:rPr lang="pt-BR" sz="2400" dirty="0" smtClean="0"/>
+              <a:rPr lang="pt-BR" sz="2400" dirty="0"/>
               <a:t> da aplicação</a:t>
             </a:r>
           </a:p>
           <a:p>
-            <a:endParaRPr lang="pt-BR" sz="2400" dirty="0" smtClean="0"/>
+            <a:endParaRPr lang="pt-BR" sz="2400" dirty="0"/>
           </a:p>
           <a:p>
             <a:r>
@@ -5210,11 +5593,7 @@
             </a:r>
             <a:r>
               <a:rPr lang="pt-BR" sz="2400" dirty="0"/>
-              <a:t>. É quando há um hiato entre o carregamento do CSS e sua aplicação na página, permitindo que o usuário veja a página sem estar estilizada durante um breve tempo</a:t>
-            </a:r>
-            <a:r>
-              <a:rPr lang="pt-BR" sz="2400" dirty="0" smtClean="0"/>
-              <a:t>.</a:t>
+              <a:t>. É quando há um hiato entre o carregamento do CSS e sua aplicação na página, permitindo que o usuário veja a página sem estar estilizada durante um breve tempo.</a:t>
             </a:r>
           </a:p>
           <a:p>
@@ -5298,10 +5677,9 @@
           <a:lstStyle/>
           <a:p>
             <a:r>
-              <a:rPr lang="pt-BR" sz="4000" dirty="0" smtClean="0"/>
+              <a:rPr lang="pt-BR" sz="4000" dirty="0"/>
               <a:t>Revisão</a:t>
             </a:r>
-            <a:endParaRPr lang="pt-BR" sz="4000" dirty="0"/>
           </a:p>
         </p:txBody>
       </p:sp>
@@ -5543,10 +5921,9 @@
           <a:p>
             <a:pPr algn="ctr"/>
             <a:r>
-              <a:rPr lang="pt-BR" sz="2800" b="1" dirty="0" smtClean="0"/>
+              <a:rPr lang="pt-BR" sz="2800" b="1" dirty="0"/>
               <a:t>Manipulando módulos JS</a:t>
             </a:r>
-            <a:endParaRPr lang="pt-BR" sz="2800" b="1" dirty="0"/>
           </a:p>
         </p:txBody>
       </p:sp>
@@ -5606,7 +5983,6 @@
               <a:rPr lang="pt-BR" sz="2400" dirty="0"/>
               <a:t>. </a:t>
             </a:r>
-            <a:endParaRPr lang="pt-BR" sz="2400" dirty="0" smtClean="0"/>
           </a:p>
           <a:p>
             <a:endParaRPr lang="pt-BR" sz="2400" dirty="0"/>
@@ -5614,15 +5990,7 @@
           <a:p>
             <a:r>
               <a:rPr lang="pt-BR" sz="2400" dirty="0"/>
-              <a:t>Cuidado: Se </a:t>
-            </a:r>
-            <a:r>
-              <a:rPr lang="pt-BR" sz="2400" dirty="0" smtClean="0"/>
-              <a:t>digitar </a:t>
-            </a:r>
-            <a:r>
-              <a:rPr lang="pt-BR" sz="2400" dirty="0"/>
-              <a:t>$ no Console, o retorno será o seguinte</a:t>
+              <a:t>Cuidado: Se digitar $ no Console, o retorno será o seguinte</a:t>
             </a:r>
           </a:p>
           <a:p>
@@ -5630,22 +5998,17 @@
               <a:buNone/>
             </a:pPr>
             <a:r>
-              <a:rPr lang="pt-BR" sz="2400" dirty="0" smtClean="0"/>
+              <a:rPr lang="pt-BR" sz="2400" dirty="0"/>
               <a:t> 	&gt;$</a:t>
             </a:r>
-            <a:endParaRPr lang="pt-BR" sz="2400" dirty="0"/>
           </a:p>
           <a:p>
             <a:pPr marL="0" indent="0" algn="just">
               <a:buNone/>
             </a:pPr>
             <a:r>
-              <a:rPr lang="pt-BR" sz="2400" dirty="0" smtClean="0"/>
-              <a:t>	&gt;f </a:t>
-            </a:r>
-            <a:r>
-              <a:rPr lang="pt-BR" sz="2400" dirty="0"/>
-              <a:t>$(</a:t>
+              <a:rPr lang="pt-BR" sz="2400" dirty="0"/>
+              <a:t>	&gt;f $(</a:t>
             </a:r>
             <a:r>
               <a:rPr lang="pt-BR" sz="2400" dirty="0" err="1"/>
@@ -5677,11 +6040,7 @@
             </a:r>
             <a:r>
               <a:rPr lang="pt-BR" sz="2400" dirty="0"/>
-              <a:t> API] </a:t>
-            </a:r>
-            <a:r>
-              <a:rPr lang="pt-BR" sz="2400" dirty="0" smtClean="0"/>
-              <a:t>}</a:t>
+              <a:t> API] }</a:t>
             </a:r>
           </a:p>
           <a:p>
@@ -5689,7 +6048,7 @@
               <a:buNone/>
             </a:pPr>
             <a:r>
-              <a:rPr lang="pt-BR" sz="2400" dirty="0" smtClean="0"/>
+              <a:rPr lang="pt-BR" sz="2400" dirty="0"/>
               <a:t>	</a:t>
             </a:r>
           </a:p>
@@ -5699,31 +6058,15 @@
             </a:pPr>
             <a:r>
               <a:rPr lang="pt-BR" sz="2400" dirty="0"/>
-              <a:t>	</a:t>
-            </a:r>
-            <a:r>
-              <a:rPr lang="pt-BR" sz="2400" dirty="0" smtClean="0"/>
-              <a:t>O </a:t>
-            </a:r>
-            <a:r>
-              <a:rPr lang="pt-BR" sz="2400" dirty="0"/>
-              <a:t>Chrome possui uma assistente de linha de comando que recebe o nome de </a:t>
-            </a:r>
-            <a:r>
-              <a:rPr lang="pt-BR" sz="2400" dirty="0" smtClean="0"/>
-              <a:t>$ que NÃO é </a:t>
-            </a:r>
-            <a:r>
-              <a:rPr lang="pt-BR" sz="2400" dirty="0" err="1" smtClean="0"/>
+              <a:t>	O Chrome possui uma assistente de linha de comando que recebe o nome de $ que NÃO é </a:t>
+            </a:r>
+            <a:r>
+              <a:rPr lang="pt-BR" sz="2400" dirty="0" err="1"/>
               <a:t>jQuery</a:t>
             </a:r>
             <a:r>
-              <a:rPr lang="pt-BR" sz="2400" dirty="0" smtClean="0"/>
-              <a:t>. </a:t>
-            </a:r>
-            <a:r>
-              <a:rPr lang="pt-BR" sz="2400" dirty="0"/>
-              <a:t>Apesar de que o </a:t>
+              <a:rPr lang="pt-BR" sz="2400" dirty="0"/>
+              <a:t>. Apesar de que o </a:t>
             </a:r>
             <a:r>
               <a:rPr lang="pt-BR" sz="2400" dirty="0" err="1"/>
@@ -5806,10 +6149,9 @@
           <a:p>
             <a:pPr algn="ctr"/>
             <a:r>
-              <a:rPr lang="pt-BR" sz="2800" b="1" dirty="0" smtClean="0"/>
+              <a:rPr lang="pt-BR" sz="2800" b="1" dirty="0"/>
               <a:t>Manipulando módulos JS</a:t>
             </a:r>
-            <a:endParaRPr lang="pt-BR" sz="2800" b="1" dirty="0"/>
           </a:p>
         </p:txBody>
       </p:sp>
@@ -5850,7 +6192,7 @@
               <a:t>webpack.ProvidePlugin</a:t>
             </a:r>
             <a:r>
-              <a:rPr lang="pt-BR" sz="2400" dirty="0" smtClean="0"/>
+              <a:rPr lang="pt-BR" sz="2400" dirty="0"/>
               <a:t>.</a:t>
             </a:r>
           </a:p>
@@ -5915,7 +6257,7 @@
               <a:t>webpack</a:t>
             </a:r>
             <a:r>
-              <a:rPr lang="pt-BR" sz="2400" dirty="0" smtClean="0"/>
+              <a:rPr lang="pt-BR" sz="2400" dirty="0"/>
               <a:t>.</a:t>
             </a:r>
           </a:p>
@@ -5924,11 +6266,10 @@
               <a:rPr lang="pt-BR" sz="2400" dirty="0"/>
               <a:t>Um caso clássico é a dependência </a:t>
             </a:r>
-            <a:endParaRPr lang="pt-BR" sz="2400" dirty="0" smtClean="0"/>
-          </a:p>
-          <a:p>
-            <a:r>
-              <a:rPr lang="pt-BR" sz="2400" dirty="0" smtClean="0"/>
+          </a:p>
+          <a:p>
+            <a:r>
+              <a:rPr lang="pt-BR" sz="2400" dirty="0"/>
               <a:t>do </a:t>
             </a:r>
             <a:r>
@@ -6001,15 +6342,7 @@
             </a:r>
             <a:r>
               <a:rPr lang="pt-BR" sz="2400" dirty="0"/>
-              <a:t> por ter sido tratado como um módulo e isso não permitirá que ele seja acessível por outros </a:t>
-            </a:r>
-            <a:r>
-              <a:rPr lang="pt-BR" sz="2400" dirty="0" smtClean="0"/>
-              <a:t>scripts </a:t>
-            </a:r>
-            <a:r>
-              <a:rPr lang="pt-BR" sz="2400" dirty="0"/>
-              <a:t>que dependem dele.</a:t>
+              <a:t> por ter sido tratado como um módulo e isso não permitirá que ele seja acessível por outros scripts que dependem dele.</a:t>
             </a:r>
           </a:p>
         </p:txBody>
